--- a/docs/images/data-robot-architecture-diagram.pptx
+++ b/docs/images/data-robot-architecture-diagram.pptx
@@ -197,7 +197,7 @@
           <a:p>
             <a:fld id="{590E2399-5717-194F-AD3A-E8B320BF82AF}" type="datetimeFigureOut">
               <a:rPr lang="en-US" smtClean="0"/>
-              <a:t>8/6/2021</a:t>
+              <a:t>8/13/2021</a:t>
             </a:fld>
             <a:endParaRPr lang="en-US"/>
           </a:p>
@@ -695,7 +695,7 @@
           <a:p>
             <a:fld id="{F55C447A-44A3-5F49-B3D4-7D25A8EEBE0E}" type="datetimeFigureOut">
               <a:rPr lang="en-US" smtClean="0"/>
-              <a:t>8/6/2021</a:t>
+              <a:t>8/13/2021</a:t>
             </a:fld>
             <a:endParaRPr lang="en-US"/>
           </a:p>
@@ -893,7 +893,7 @@
           <a:p>
             <a:fld id="{F55C447A-44A3-5F49-B3D4-7D25A8EEBE0E}" type="datetimeFigureOut">
               <a:rPr lang="en-US" smtClean="0"/>
-              <a:t>8/6/2021</a:t>
+              <a:t>8/13/2021</a:t>
             </a:fld>
             <a:endParaRPr lang="en-US"/>
           </a:p>
@@ -1101,7 +1101,7 @@
           <a:p>
             <a:fld id="{F55C447A-44A3-5F49-B3D4-7D25A8EEBE0E}" type="datetimeFigureOut">
               <a:rPr lang="en-US" smtClean="0"/>
-              <a:t>8/6/2021</a:t>
+              <a:t>8/13/2021</a:t>
             </a:fld>
             <a:endParaRPr lang="en-US"/>
           </a:p>
@@ -1513,7 +1513,7 @@
           <a:p>
             <a:fld id="{F55C447A-44A3-5F49-B3D4-7D25A8EEBE0E}" type="datetimeFigureOut">
               <a:rPr lang="en-US" smtClean="0"/>
-              <a:t>8/6/2021</a:t>
+              <a:t>8/13/2021</a:t>
             </a:fld>
             <a:endParaRPr lang="en-US"/>
           </a:p>
@@ -1788,7 +1788,7 @@
           <a:p>
             <a:fld id="{F55C447A-44A3-5F49-B3D4-7D25A8EEBE0E}" type="datetimeFigureOut">
               <a:rPr lang="en-US" smtClean="0"/>
-              <a:t>8/6/2021</a:t>
+              <a:t>8/13/2021</a:t>
             </a:fld>
             <a:endParaRPr lang="en-US"/>
           </a:p>
@@ -2053,7 +2053,7 @@
           <a:p>
             <a:fld id="{F55C447A-44A3-5F49-B3D4-7D25A8EEBE0E}" type="datetimeFigureOut">
               <a:rPr lang="en-US" smtClean="0"/>
-              <a:t>8/6/2021</a:t>
+              <a:t>8/13/2021</a:t>
             </a:fld>
             <a:endParaRPr lang="en-US"/>
           </a:p>
@@ -2465,7 +2465,7 @@
           <a:p>
             <a:fld id="{F55C447A-44A3-5F49-B3D4-7D25A8EEBE0E}" type="datetimeFigureOut">
               <a:rPr lang="en-US" smtClean="0"/>
-              <a:t>8/6/2021</a:t>
+              <a:t>8/13/2021</a:t>
             </a:fld>
             <a:endParaRPr lang="en-US"/>
           </a:p>
@@ -2606,7 +2606,7 @@
           <a:p>
             <a:fld id="{F55C447A-44A3-5F49-B3D4-7D25A8EEBE0E}" type="datetimeFigureOut">
               <a:rPr lang="en-US" smtClean="0"/>
-              <a:t>8/6/2021</a:t>
+              <a:t>8/13/2021</a:t>
             </a:fld>
             <a:endParaRPr lang="en-US"/>
           </a:p>
@@ -2719,7 +2719,7 @@
           <a:p>
             <a:fld id="{F55C447A-44A3-5F49-B3D4-7D25A8EEBE0E}" type="datetimeFigureOut">
               <a:rPr lang="en-US" smtClean="0"/>
-              <a:t>8/6/2021</a:t>
+              <a:t>8/13/2021</a:t>
             </a:fld>
             <a:endParaRPr lang="en-US"/>
           </a:p>
@@ -3030,7 +3030,7 @@
           <a:p>
             <a:fld id="{F55C447A-44A3-5F49-B3D4-7D25A8EEBE0E}" type="datetimeFigureOut">
               <a:rPr lang="en-US" smtClean="0"/>
-              <a:t>8/6/2021</a:t>
+              <a:t>8/13/2021</a:t>
             </a:fld>
             <a:endParaRPr lang="en-US"/>
           </a:p>
@@ -3318,7 +3318,7 @@
           <a:p>
             <a:fld id="{F55C447A-44A3-5F49-B3D4-7D25A8EEBE0E}" type="datetimeFigureOut">
               <a:rPr lang="en-US" smtClean="0"/>
-              <a:t>8/6/2021</a:t>
+              <a:t>8/13/2021</a:t>
             </a:fld>
             <a:endParaRPr lang="en-US"/>
           </a:p>
@@ -3559,7 +3559,7 @@
           <a:p>
             <a:fld id="{F55C447A-44A3-5F49-B3D4-7D25A8EEBE0E}" type="datetimeFigureOut">
               <a:rPr lang="en-US" smtClean="0"/>
-              <a:t>8/6/2021</a:t>
+              <a:t>8/13/2021</a:t>
             </a:fld>
             <a:endParaRPr lang="en-US"/>
           </a:p>
@@ -4345,7 +4345,7 @@
           <a:blip r:embed="rId3">
             <a:extLst>
               <a:ext uri="{96DAC541-7B7A-43D3-8B79-37D633B846F1}">
-                <asvg:svgBlip xmlns="" xmlns:asvg="http://schemas.microsoft.com/office/drawing/2016/SVG/main" r:embed="rId4"/>
+                <asvg:svgBlip xmlns:asvg="http://schemas.microsoft.com/office/drawing/2016/SVG/main" r:embed="rId4"/>
               </a:ext>
             </a:extLst>
           </a:blip>
@@ -4519,7 +4519,7 @@
           <a:blip r:embed="rId5">
             <a:extLst>
               <a:ext uri="{96DAC541-7B7A-43D3-8B79-37D633B846F1}">
-                <asvg:svgBlip xmlns="" xmlns:asvg="http://schemas.microsoft.com/office/drawing/2016/SVG/main" r:embed="rId6"/>
+                <asvg:svgBlip xmlns:asvg="http://schemas.microsoft.com/office/drawing/2016/SVG/main" r:embed="rId6"/>
               </a:ext>
             </a:extLst>
           </a:blip>
@@ -4555,7 +4555,7 @@
           <a:blip r:embed="rId7">
             <a:extLst>
               <a:ext uri="{96DAC541-7B7A-43D3-8B79-37D633B846F1}">
-                <asvg:svgBlip xmlns="" xmlns:asvg="http://schemas.microsoft.com/office/drawing/2016/SVG/main" r:embed="rId8"/>
+                <asvg:svgBlip xmlns:asvg="http://schemas.microsoft.com/office/drawing/2016/SVG/main" r:embed="rId8"/>
               </a:ext>
             </a:extLst>
           </a:blip>
@@ -4591,7 +4591,7 @@
           <a:blip r:embed="rId9">
             <a:extLst>
               <a:ext uri="{96DAC541-7B7A-43D3-8B79-37D633B846F1}">
-                <asvg:svgBlip xmlns="" xmlns:asvg="http://schemas.microsoft.com/office/drawing/2016/SVG/main" r:embed="rId12"/>
+                <asvg:svgBlip xmlns:asvg="http://schemas.microsoft.com/office/drawing/2016/SVG/main" r:embed="rId10"/>
               </a:ext>
             </a:extLst>
           </a:blip>
@@ -4694,7 +4694,7 @@
           <a:blip r:embed="rId7">
             <a:extLst>
               <a:ext uri="{96DAC541-7B7A-43D3-8B79-37D633B846F1}">
-                <asvg:svgBlip xmlns="" xmlns:asvg="http://schemas.microsoft.com/office/drawing/2016/SVG/main" r:embed="rId8"/>
+                <asvg:svgBlip xmlns:asvg="http://schemas.microsoft.com/office/drawing/2016/SVG/main" r:embed="rId8"/>
               </a:ext>
             </a:extLst>
           </a:blip>
@@ -4730,7 +4730,7 @@
           <a:blip r:embed="rId9">
             <a:extLst>
               <a:ext uri="{96DAC541-7B7A-43D3-8B79-37D633B846F1}">
-                <asvg:svgBlip xmlns="" xmlns:asvg="http://schemas.microsoft.com/office/drawing/2016/SVG/main" r:embed="rId12"/>
+                <asvg:svgBlip xmlns:asvg="http://schemas.microsoft.com/office/drawing/2016/SVG/main" r:embed="rId10"/>
               </a:ext>
             </a:extLst>
           </a:blip>
@@ -4754,6 +4754,42 @@
             <a:extLst>
               <a:ext uri="{FF2B5EF4-FFF2-40B4-BE49-F238E27FC236}">
                 <a16:creationId xmlns:a16="http://schemas.microsoft.com/office/drawing/2014/main" id="{4EDF6032-5B66-3246-A30E-3032648FCE9F}"/>
+              </a:ext>
+            </a:extLst>
+          </p:cNvPr>
+          <p:cNvPicPr>
+            <a:picLocks noChangeAspect="1"/>
+          </p:cNvPicPr>
+          <p:nvPr/>
+        </p:nvPicPr>
+        <p:blipFill>
+          <a:blip r:embed="rId11">
+            <a:extLst>
+              <a:ext uri="{96DAC541-7B7A-43D3-8B79-37D633B846F1}">
+                <asvg:svgBlip xmlns:asvg="http://schemas.microsoft.com/office/drawing/2016/SVG/main" r:embed="rId12"/>
+              </a:ext>
+            </a:extLst>
+          </a:blip>
+          <a:stretch>
+            <a:fillRect/>
+          </a:stretch>
+        </p:blipFill>
+        <p:spPr>
+          <a:xfrm>
+            <a:off x="5284334" y="1383289"/>
+            <a:ext cx="277535" cy="277535"/>
+          </a:xfrm>
+          <a:prstGeom prst="rect">
+            <a:avLst/>
+          </a:prstGeom>
+        </p:spPr>
+      </p:pic>
+      <p:pic>
+        <p:nvPicPr>
+          <p:cNvPr id="94" name="Graphic 93">
+            <a:extLst>
+              <a:ext uri="{FF2B5EF4-FFF2-40B4-BE49-F238E27FC236}">
+                <a16:creationId xmlns:a16="http://schemas.microsoft.com/office/drawing/2014/main" id="{7CED7F91-0AD1-A740-A7CF-5DFAE0017A11}"/>
               </a:ext>
             </a:extLst>
           </p:cNvPr>
@@ -4766,7 +4802,7 @@
           <a:blip r:embed="rId13">
             <a:extLst>
               <a:ext uri="{96DAC541-7B7A-43D3-8B79-37D633B846F1}">
-                <asvg:svgBlip xmlns="" xmlns:asvg="http://schemas.microsoft.com/office/drawing/2016/SVG/main" r:embed="rId10"/>
+                <asvg:svgBlip xmlns:asvg="http://schemas.microsoft.com/office/drawing/2016/SVG/main" r:embed="rId14"/>
               </a:ext>
             </a:extLst>
           </a:blip>
@@ -4776,20 +4812,104 @@
         </p:blipFill>
         <p:spPr>
           <a:xfrm>
-            <a:off x="5284334" y="1468130"/>
-            <a:ext cx="277535" cy="277535"/>
+            <a:off x="3860740" y="1548189"/>
+            <a:ext cx="394953" cy="394953"/>
           </a:xfrm>
           <a:prstGeom prst="rect">
             <a:avLst/>
           </a:prstGeom>
         </p:spPr>
       </p:pic>
+      <p:sp>
+        <p:nvSpPr>
+          <p:cNvPr id="96" name="TextBox 95">
+            <a:extLst>
+              <a:ext uri="{FF2B5EF4-FFF2-40B4-BE49-F238E27FC236}">
+                <a16:creationId xmlns:a16="http://schemas.microsoft.com/office/drawing/2014/main" id="{61B9EBD2-8C7A-EA44-A73E-AF66AA619EDB}"/>
+              </a:ext>
+            </a:extLst>
+          </p:cNvPr>
+          <p:cNvSpPr txBox="1"/>
+          <p:nvPr/>
+        </p:nvSpPr>
+        <p:spPr>
+          <a:xfrm>
+            <a:off x="3561835" y="1894110"/>
+            <a:ext cx="1041915" cy="276999"/>
+          </a:xfrm>
+          <a:prstGeom prst="rect">
+            <a:avLst/>
+          </a:prstGeom>
+          <a:noFill/>
+        </p:spPr>
+        <p:txBody>
+          <a:bodyPr wrap="square" rtlCol="0">
+            <a:spAutoFit/>
+          </a:bodyPr>
+          <a:lstStyle/>
+          <a:p>
+            <a:pPr algn="ctr"/>
+            <a:r>
+              <a:rPr lang="en-US" sz="1200" dirty="0">
+                <a:solidFill>
+                  <a:srgbClr val="232F3E"/>
+                </a:solidFill>
+                <a:latin typeface="Arial" panose="020B0604020202020204" pitchFamily="34" charset="0"/>
+                <a:cs typeface="Arial" panose="020B0604020202020204" pitchFamily="34" charset="0"/>
+              </a:rPr>
+              <a:t>Bastion host</a:t>
+            </a:r>
+          </a:p>
+        </p:txBody>
+      </p:sp>
+      <p:sp>
+        <p:nvSpPr>
+          <p:cNvPr id="97" name="TextBox 96">
+            <a:extLst>
+              <a:ext uri="{FF2B5EF4-FFF2-40B4-BE49-F238E27FC236}">
+                <a16:creationId xmlns:a16="http://schemas.microsoft.com/office/drawing/2014/main" id="{41AECBF6-AC80-734F-BF31-0C56D516C3A8}"/>
+              </a:ext>
+            </a:extLst>
+          </p:cNvPr>
+          <p:cNvSpPr txBox="1"/>
+          <p:nvPr/>
+        </p:nvSpPr>
+        <p:spPr>
+          <a:xfrm>
+            <a:off x="6247965" y="1896489"/>
+            <a:ext cx="1041692" cy="276999"/>
+          </a:xfrm>
+          <a:prstGeom prst="rect">
+            <a:avLst/>
+          </a:prstGeom>
+          <a:noFill/>
+        </p:spPr>
+        <p:txBody>
+          <a:bodyPr wrap="square" rtlCol="0">
+            <a:spAutoFit/>
+          </a:bodyPr>
+          <a:lstStyle/>
+          <a:p>
+            <a:pPr algn="ctr"/>
+            <a:r>
+              <a:rPr lang="en-US" sz="1200" dirty="0">
+                <a:solidFill>
+                  <a:srgbClr val="232F3E"/>
+                </a:solidFill>
+                <a:latin typeface="Arial" panose="020B0604020202020204" pitchFamily="34" charset="0"/>
+                <a:cs typeface="Arial" panose="020B0604020202020204" pitchFamily="34" charset="0"/>
+              </a:rPr>
+              <a:t>Bastion host</a:t>
+            </a:r>
+          </a:p>
+        </p:txBody>
+      </p:sp>
       <p:pic>
         <p:nvPicPr>
-          <p:cNvPr id="94" name="Graphic 93">
-            <a:extLst>
-              <a:ext uri="{FF2B5EF4-FFF2-40B4-BE49-F238E27FC236}">
-                <a16:creationId xmlns:a16="http://schemas.microsoft.com/office/drawing/2014/main" id="{7CED7F91-0AD1-A740-A7CF-5DFAE0017A11}"/>
+          <p:cNvPr id="98" name="Graphic 97">
+            <a:extLst>
+              <a:ext uri="{FF2B5EF4-FFF2-40B4-BE49-F238E27FC236}">
+                <a16:creationId xmlns:a16="http://schemas.microsoft.com/office/drawing/2014/main" id="{6633983D-7343-4242-B535-ADD58D8B2392}"/>
               </a:ext>
             </a:extLst>
           </p:cNvPr>
@@ -4799,10 +4919,10 @@
           <p:nvPr/>
         </p:nvPicPr>
         <p:blipFill>
-          <a:blip r:embed="rId14">
+          <a:blip r:embed="rId15">
             <a:extLst>
               <a:ext uri="{96DAC541-7B7A-43D3-8B79-37D633B846F1}">
-                <asvg:svgBlip xmlns="" xmlns:asvg="http://schemas.microsoft.com/office/drawing/2016/SVG/main" r:embed="rId15"/>
+                <asvg:svgBlip xmlns:asvg="http://schemas.microsoft.com/office/drawing/2016/SVG/main" r:embed="rId16"/>
               </a:ext>
             </a:extLst>
           </a:blip>
@@ -4812,7 +4932,7 @@
         </p:blipFill>
         <p:spPr>
           <a:xfrm>
-            <a:off x="3860740" y="1548189"/>
+            <a:off x="2695493" y="1507557"/>
             <a:ext cx="394953" cy="394953"/>
           </a:xfrm>
           <a:prstGeom prst="rect">
@@ -4820,110 +4940,12 @@
           </a:prstGeom>
         </p:spPr>
       </p:pic>
-      <p:sp>
-        <p:nvSpPr>
-          <p:cNvPr id="96" name="TextBox 95">
-            <a:extLst>
-              <a:ext uri="{FF2B5EF4-FFF2-40B4-BE49-F238E27FC236}">
-                <a16:creationId xmlns:a16="http://schemas.microsoft.com/office/drawing/2014/main" id="{61B9EBD2-8C7A-EA44-A73E-AF66AA619EDB}"/>
-              </a:ext>
-            </a:extLst>
-          </p:cNvPr>
-          <p:cNvSpPr txBox="1"/>
-          <p:nvPr/>
-        </p:nvSpPr>
-        <p:spPr>
-          <a:xfrm>
-            <a:off x="3561835" y="1894110"/>
-            <a:ext cx="1041915" cy="276999"/>
-          </a:xfrm>
-          <a:prstGeom prst="rect">
-            <a:avLst/>
-          </a:prstGeom>
-          <a:noFill/>
-        </p:spPr>
-        <p:txBody>
-          <a:bodyPr wrap="square" rtlCol="0">
-            <a:spAutoFit/>
-          </a:bodyPr>
-          <a:lstStyle/>
-          <a:p>
-            <a:pPr algn="ctr"/>
-            <a:r>
-              <a:rPr lang="en-US" sz="1200" dirty="0" smtClean="0">
-                <a:solidFill>
-                  <a:srgbClr val="232F3E"/>
-                </a:solidFill>
-                <a:latin typeface="Arial" panose="020B0604020202020204" pitchFamily="34" charset="0"/>
-                <a:cs typeface="Arial" panose="020B0604020202020204" pitchFamily="34" charset="0"/>
-              </a:rPr>
-              <a:t>Bastion host</a:t>
-            </a:r>
-            <a:endParaRPr lang="en-US" sz="1200" dirty="0">
-              <a:solidFill>
-                <a:srgbClr val="232F3E"/>
-              </a:solidFill>
-              <a:latin typeface="Arial" panose="020B0604020202020204" pitchFamily="34" charset="0"/>
-              <a:cs typeface="Arial" panose="020B0604020202020204" pitchFamily="34" charset="0"/>
-            </a:endParaRPr>
-          </a:p>
-        </p:txBody>
-      </p:sp>
-      <p:sp>
-        <p:nvSpPr>
-          <p:cNvPr id="97" name="TextBox 96">
-            <a:extLst>
-              <a:ext uri="{FF2B5EF4-FFF2-40B4-BE49-F238E27FC236}">
-                <a16:creationId xmlns:a16="http://schemas.microsoft.com/office/drawing/2014/main" id="{41AECBF6-AC80-734F-BF31-0C56D516C3A8}"/>
-              </a:ext>
-            </a:extLst>
-          </p:cNvPr>
-          <p:cNvSpPr txBox="1"/>
-          <p:nvPr/>
-        </p:nvSpPr>
-        <p:spPr>
-          <a:xfrm>
-            <a:off x="6247965" y="1896489"/>
-            <a:ext cx="1041692" cy="276999"/>
-          </a:xfrm>
-          <a:prstGeom prst="rect">
-            <a:avLst/>
-          </a:prstGeom>
-          <a:noFill/>
-        </p:spPr>
-        <p:txBody>
-          <a:bodyPr wrap="square" rtlCol="0">
-            <a:spAutoFit/>
-          </a:bodyPr>
-          <a:lstStyle/>
-          <a:p>
-            <a:pPr algn="ctr"/>
-            <a:r>
-              <a:rPr lang="en-US" sz="1200" dirty="0" smtClean="0">
-                <a:solidFill>
-                  <a:srgbClr val="232F3E"/>
-                </a:solidFill>
-                <a:latin typeface="Arial" panose="020B0604020202020204" pitchFamily="34" charset="0"/>
-                <a:cs typeface="Arial" panose="020B0604020202020204" pitchFamily="34" charset="0"/>
-              </a:rPr>
-              <a:t>Bastion host</a:t>
-            </a:r>
-            <a:endParaRPr lang="en-US" sz="1200" dirty="0">
-              <a:solidFill>
-                <a:srgbClr val="232F3E"/>
-              </a:solidFill>
-              <a:latin typeface="Arial" panose="020B0604020202020204" pitchFamily="34" charset="0"/>
-              <a:cs typeface="Arial" panose="020B0604020202020204" pitchFamily="34" charset="0"/>
-            </a:endParaRPr>
-          </a:p>
-        </p:txBody>
-      </p:sp>
       <p:pic>
         <p:nvPicPr>
-          <p:cNvPr id="98" name="Graphic 97">
-            <a:extLst>
-              <a:ext uri="{FF2B5EF4-FFF2-40B4-BE49-F238E27FC236}">
-                <a16:creationId xmlns:a16="http://schemas.microsoft.com/office/drawing/2014/main" id="{6633983D-7343-4242-B535-ADD58D8B2392}"/>
+          <p:cNvPr id="99" name="Graphic 98">
+            <a:extLst>
+              <a:ext uri="{FF2B5EF4-FFF2-40B4-BE49-F238E27FC236}">
+                <a16:creationId xmlns:a16="http://schemas.microsoft.com/office/drawing/2014/main" id="{AC00D972-020E-044C-AAA9-9B82AB1BB666}"/>
               </a:ext>
             </a:extLst>
           </p:cNvPr>
@@ -4933,10 +4955,10 @@
           <p:nvPr/>
         </p:nvPicPr>
         <p:blipFill>
-          <a:blip r:embed="rId16">
+          <a:blip r:embed="rId15">
             <a:extLst>
               <a:ext uri="{96DAC541-7B7A-43D3-8B79-37D633B846F1}">
-                <asvg:svgBlip xmlns="" xmlns:asvg="http://schemas.microsoft.com/office/drawing/2016/SVG/main" r:embed="rId17"/>
+                <asvg:svgBlip xmlns:asvg="http://schemas.microsoft.com/office/drawing/2016/SVG/main" r:embed="rId16"/>
               </a:ext>
             </a:extLst>
           </a:blip>
@@ -4946,7 +4968,7 @@
         </p:blipFill>
         <p:spPr>
           <a:xfrm>
-            <a:off x="2695493" y="1507557"/>
+            <a:off x="7694017" y="1502469"/>
             <a:ext cx="394953" cy="394953"/>
           </a:xfrm>
           <a:prstGeom prst="rect">
@@ -4954,12 +4976,96 @@
           </a:prstGeom>
         </p:spPr>
       </p:pic>
+      <p:sp>
+        <p:nvSpPr>
+          <p:cNvPr id="100" name="TextBox 99">
+            <a:extLst>
+              <a:ext uri="{FF2B5EF4-FFF2-40B4-BE49-F238E27FC236}">
+                <a16:creationId xmlns:a16="http://schemas.microsoft.com/office/drawing/2014/main" id="{A0A4FD8A-B3C6-5C4A-A694-F72C6B12FD47}"/>
+              </a:ext>
+            </a:extLst>
+          </p:cNvPr>
+          <p:cNvSpPr txBox="1"/>
+          <p:nvPr/>
+        </p:nvSpPr>
+        <p:spPr>
+          <a:xfrm>
+            <a:off x="2170193" y="1892089"/>
+            <a:ext cx="1485100" cy="276999"/>
+          </a:xfrm>
+          <a:prstGeom prst="rect">
+            <a:avLst/>
+          </a:prstGeom>
+          <a:noFill/>
+        </p:spPr>
+        <p:txBody>
+          <a:bodyPr wrap="square" rtlCol="0">
+            <a:spAutoFit/>
+          </a:bodyPr>
+          <a:lstStyle/>
+          <a:p>
+            <a:pPr algn="ctr"/>
+            <a:r>
+              <a:rPr lang="en-US" sz="1200" dirty="0">
+                <a:solidFill>
+                  <a:srgbClr val="232F3E"/>
+                </a:solidFill>
+                <a:latin typeface="Arial" panose="020B0604020202020204" pitchFamily="34" charset="0"/>
+                <a:cs typeface="Arial" panose="020B0604020202020204" pitchFamily="34" charset="0"/>
+              </a:rPr>
+              <a:t>NAT gateway</a:t>
+            </a:r>
+          </a:p>
+        </p:txBody>
+      </p:sp>
+      <p:sp>
+        <p:nvSpPr>
+          <p:cNvPr id="101" name="TextBox 100">
+            <a:extLst>
+              <a:ext uri="{FF2B5EF4-FFF2-40B4-BE49-F238E27FC236}">
+                <a16:creationId xmlns:a16="http://schemas.microsoft.com/office/drawing/2014/main" id="{914E7793-C91B-B642-9129-EBFE08FF8196}"/>
+              </a:ext>
+            </a:extLst>
+          </p:cNvPr>
+          <p:cNvSpPr txBox="1"/>
+          <p:nvPr/>
+        </p:nvSpPr>
+        <p:spPr>
+          <a:xfrm>
+            <a:off x="7293358" y="1902510"/>
+            <a:ext cx="1127456" cy="276999"/>
+          </a:xfrm>
+          <a:prstGeom prst="rect">
+            <a:avLst/>
+          </a:prstGeom>
+          <a:noFill/>
+        </p:spPr>
+        <p:txBody>
+          <a:bodyPr wrap="square" rtlCol="0">
+            <a:spAutoFit/>
+          </a:bodyPr>
+          <a:lstStyle/>
+          <a:p>
+            <a:pPr algn="ctr"/>
+            <a:r>
+              <a:rPr lang="en-US" sz="1200" dirty="0">
+                <a:solidFill>
+                  <a:srgbClr val="232F3E"/>
+                </a:solidFill>
+                <a:latin typeface="Arial" panose="020B0604020202020204" pitchFamily="34" charset="0"/>
+                <a:cs typeface="Arial" panose="020B0604020202020204" pitchFamily="34" charset="0"/>
+              </a:rPr>
+              <a:t>NAT gateway</a:t>
+            </a:r>
+          </a:p>
+        </p:txBody>
+      </p:sp>
       <p:pic>
         <p:nvPicPr>
-          <p:cNvPr id="99" name="Graphic 98">
-            <a:extLst>
-              <a:ext uri="{FF2B5EF4-FFF2-40B4-BE49-F238E27FC236}">
-                <a16:creationId xmlns:a16="http://schemas.microsoft.com/office/drawing/2014/main" id="{AC00D972-020E-044C-AAA9-9B82AB1BB666}"/>
+          <p:cNvPr id="73" name="Graphic 93">
+            <a:extLst>
+              <a:ext uri="{FF2B5EF4-FFF2-40B4-BE49-F238E27FC236}">
+                <a16:creationId xmlns:a16="http://schemas.microsoft.com/office/drawing/2014/main" id="{7CED7F91-0AD1-A740-A7CF-5DFAE0017A11}"/>
               </a:ext>
             </a:extLst>
           </p:cNvPr>
@@ -4969,10 +5075,16 @@
           <p:nvPr/>
         </p:nvPicPr>
         <p:blipFill>
-          <a:blip r:embed="rId16">
-            <a:extLst>
-              <a:ext uri="{96DAC541-7B7A-43D3-8B79-37D633B846F1}">
-                <asvg:svgBlip xmlns="" xmlns:asvg="http://schemas.microsoft.com/office/drawing/2016/SVG/main" r:embed="rId17"/>
+          <a:blip r:embed="rId17">
+            <a:extLst>
+              <a:ext uri="{BEBA8EAE-BF5A-486C-A8C5-ECC9F3942E4B}">
+                <a14:imgProps xmlns:a14="http://schemas.microsoft.com/office/drawing/2010/main">
+                  <a14:imgLayer r:embed="rId18">
+                    <a14:imgEffect>
+                      <a14:artisticBlur/>
+                    </a14:imgEffect>
+                  </a14:imgLayer>
+                </a14:imgProps>
               </a:ext>
             </a:extLst>
           </a:blip>
@@ -4982,132 +5094,6 @@
         </p:blipFill>
         <p:spPr>
           <a:xfrm>
-            <a:off x="7694017" y="1502469"/>
-            <a:ext cx="394953" cy="394953"/>
-          </a:xfrm>
-          <a:prstGeom prst="rect">
-            <a:avLst/>
-          </a:prstGeom>
-        </p:spPr>
-      </p:pic>
-      <p:sp>
-        <p:nvSpPr>
-          <p:cNvPr id="100" name="TextBox 99">
-            <a:extLst>
-              <a:ext uri="{FF2B5EF4-FFF2-40B4-BE49-F238E27FC236}">
-                <a16:creationId xmlns:a16="http://schemas.microsoft.com/office/drawing/2014/main" id="{A0A4FD8A-B3C6-5C4A-A694-F72C6B12FD47}"/>
-              </a:ext>
-            </a:extLst>
-          </p:cNvPr>
-          <p:cNvSpPr txBox="1"/>
-          <p:nvPr/>
-        </p:nvSpPr>
-        <p:spPr>
-          <a:xfrm>
-            <a:off x="2170193" y="1892089"/>
-            <a:ext cx="1485100" cy="276999"/>
-          </a:xfrm>
-          <a:prstGeom prst="rect">
-            <a:avLst/>
-          </a:prstGeom>
-          <a:noFill/>
-        </p:spPr>
-        <p:txBody>
-          <a:bodyPr wrap="square" rtlCol="0">
-            <a:spAutoFit/>
-          </a:bodyPr>
-          <a:lstStyle/>
-          <a:p>
-            <a:pPr algn="ctr"/>
-            <a:r>
-              <a:rPr lang="en-US" sz="1200" dirty="0">
-                <a:solidFill>
-                  <a:srgbClr val="232F3E"/>
-                </a:solidFill>
-                <a:latin typeface="Arial" panose="020B0604020202020204" pitchFamily="34" charset="0"/>
-                <a:cs typeface="Arial" panose="020B0604020202020204" pitchFamily="34" charset="0"/>
-              </a:rPr>
-              <a:t>NAT gateway</a:t>
-            </a:r>
-          </a:p>
-        </p:txBody>
-      </p:sp>
-      <p:sp>
-        <p:nvSpPr>
-          <p:cNvPr id="101" name="TextBox 100">
-            <a:extLst>
-              <a:ext uri="{FF2B5EF4-FFF2-40B4-BE49-F238E27FC236}">
-                <a16:creationId xmlns:a16="http://schemas.microsoft.com/office/drawing/2014/main" id="{914E7793-C91B-B642-9129-EBFE08FF8196}"/>
-              </a:ext>
-            </a:extLst>
-          </p:cNvPr>
-          <p:cNvSpPr txBox="1"/>
-          <p:nvPr/>
-        </p:nvSpPr>
-        <p:spPr>
-          <a:xfrm>
-            <a:off x="7293358" y="1902510"/>
-            <a:ext cx="1127456" cy="276999"/>
-          </a:xfrm>
-          <a:prstGeom prst="rect">
-            <a:avLst/>
-          </a:prstGeom>
-          <a:noFill/>
-        </p:spPr>
-        <p:txBody>
-          <a:bodyPr wrap="square" rtlCol="0">
-            <a:spAutoFit/>
-          </a:bodyPr>
-          <a:lstStyle/>
-          <a:p>
-            <a:pPr algn="ctr"/>
-            <a:r>
-              <a:rPr lang="en-US" sz="1200" dirty="0">
-                <a:solidFill>
-                  <a:srgbClr val="232F3E"/>
-                </a:solidFill>
-                <a:latin typeface="Arial" panose="020B0604020202020204" pitchFamily="34" charset="0"/>
-                <a:cs typeface="Arial" panose="020B0604020202020204" pitchFamily="34" charset="0"/>
-              </a:rPr>
-              <a:t>NAT gateway</a:t>
-            </a:r>
-          </a:p>
-        </p:txBody>
-      </p:sp>
-      <p:pic>
-        <p:nvPicPr>
-          <p:cNvPr id="73" name="Graphic 93">
-            <a:extLst>
-              <a:ext uri="{FF2B5EF4-FFF2-40B4-BE49-F238E27FC236}">
-                <a16:creationId xmlns:a16="http://schemas.microsoft.com/office/drawing/2014/main" id="{7CED7F91-0AD1-A740-A7CF-5DFAE0017A11}"/>
-              </a:ext>
-            </a:extLst>
-          </p:cNvPr>
-          <p:cNvPicPr>
-            <a:picLocks noChangeAspect="1"/>
-          </p:cNvPicPr>
-          <p:nvPr/>
-        </p:nvPicPr>
-        <p:blipFill>
-          <a:blip r:embed="rId18">
-            <a:extLst>
-              <a:ext uri="{BEBA8EAE-BF5A-486C-A8C5-ECC9F3942E4B}">
-                <a14:imgProps xmlns:a14="http://schemas.microsoft.com/office/drawing/2010/main">
-                  <a14:imgLayer r:embed="rId19">
-                    <a14:imgEffect>
-                      <a14:artisticBlur/>
-                    </a14:imgEffect>
-                  </a14:imgLayer>
-                </a14:imgProps>
-              </a:ext>
-            </a:extLst>
-          </a:blip>
-          <a:stretch>
-            <a:fillRect/>
-          </a:stretch>
-        </p:blipFill>
-        <p:spPr>
-          <a:xfrm>
             <a:off x="6573553" y="1548189"/>
             <a:ext cx="394953" cy="394953"/>
           </a:xfrm>
@@ -5131,7 +5117,7 @@
           <p:nvPr/>
         </p:nvPicPr>
         <p:blipFill>
-          <a:blip r:embed="rId20">
+          <a:blip r:embed="rId19">
             <a:extLst>
               <a:ext uri="{28A0092B-C50C-407E-A947-70E740481C1C}">
                 <a14:useLocalDpi xmlns:a14="http://schemas.microsoft.com/office/drawing/2010/main" val="0"/>
@@ -5327,18 +5313,13 @@
           <a:p>
             <a:pPr algn="ctr" eaLnBrk="1" hangingPunct="1"/>
             <a:r>
-              <a:rPr lang="en-US" altLang="en-US" sz="1200" dirty="0" smtClean="0">
+              <a:rPr lang="en-US" altLang="en-US" sz="1200" dirty="0">
                 <a:latin typeface="Arial" panose="020B0604020202020204" pitchFamily="34" charset="0"/>
                 <a:ea typeface="Amazon Ember" panose="020B0603020204020204" pitchFamily="34" charset="0"/>
                 <a:cs typeface="Arial" panose="020B0604020202020204" pitchFamily="34" charset="0"/>
               </a:rPr>
               <a:t>ACM</a:t>
             </a:r>
-            <a:endParaRPr lang="en-US" altLang="en-US" sz="1200" dirty="0">
-              <a:latin typeface="Arial" panose="020B0604020202020204" pitchFamily="34" charset="0"/>
-              <a:ea typeface="Amazon Ember" panose="020B0603020204020204" pitchFamily="34" charset="0"/>
-              <a:cs typeface="Arial" panose="020B0604020202020204" pitchFamily="34" charset="0"/>
-            </a:endParaRPr>
           </a:p>
         </p:txBody>
       </p:sp>
@@ -5357,7 +5338,7 @@
           <p:nvPr/>
         </p:nvPicPr>
         <p:blipFill>
-          <a:blip r:embed="rId21">
+          <a:blip r:embed="rId20">
             <a:extLst>
               <a:ext uri="{28A0092B-C50C-407E-A947-70E740481C1C}">
                 <a14:useLocalDpi xmlns:a14="http://schemas.microsoft.com/office/drawing/2010/main" val="0"/>
@@ -5553,18 +5534,13 @@
           <a:p>
             <a:pPr algn="ctr" eaLnBrk="1" hangingPunct="1"/>
             <a:r>
-              <a:rPr lang="en-US" altLang="en-US" sz="1200" dirty="0" smtClean="0">
+              <a:rPr lang="en-US" altLang="en-US" sz="1200" dirty="0">
                 <a:latin typeface="Arial" panose="020B0604020202020204" pitchFamily="34" charset="0"/>
                 <a:ea typeface="Amazon Ember" panose="020B0603020204020204" pitchFamily="34" charset="0"/>
                 <a:cs typeface="Arial" panose="020B0604020202020204" pitchFamily="34" charset="0"/>
               </a:rPr>
               <a:t>Amazon S3</a:t>
             </a:r>
-            <a:endParaRPr lang="en-US" altLang="en-US" sz="1200" dirty="0">
-              <a:latin typeface="Arial" panose="020B0604020202020204" pitchFamily="34" charset="0"/>
-              <a:ea typeface="Amazon Ember" panose="020B0603020204020204" pitchFamily="34" charset="0"/>
-              <a:cs typeface="Arial" panose="020B0604020202020204" pitchFamily="34" charset="0"/>
-            </a:endParaRPr>
           </a:p>
         </p:txBody>
       </p:sp>
@@ -5583,7 +5559,7 @@
           <p:nvPr/>
         </p:nvPicPr>
         <p:blipFill>
-          <a:blip r:embed="rId22">
+          <a:blip r:embed="rId21">
             <a:extLst>
               <a:ext uri="{28A0092B-C50C-407E-A947-70E740481C1C}">
                 <a14:useLocalDpi xmlns:a14="http://schemas.microsoft.com/office/drawing/2010/main" val="0"/>
@@ -5779,20 +5755,12 @@
           <a:p>
             <a:pPr algn="ctr" eaLnBrk="1" hangingPunct="1"/>
             <a:r>
-              <a:rPr lang="en-US" altLang="en-US" sz="1200" dirty="0" smtClean="0">
-                <a:latin typeface="Arial" panose="020B0604020202020204" pitchFamily="34" charset="0"/>
-                <a:ea typeface="Amazon Ember" panose="020B0603020204020204" pitchFamily="34" charset="0"/>
-                <a:cs typeface="Arial" panose="020B0604020202020204" pitchFamily="34" charset="0"/>
-              </a:rPr>
-              <a:t>Route </a:t>
-            </a:r>
-            <a:r>
               <a:rPr lang="en-US" altLang="en-US" sz="1200" dirty="0">
                 <a:latin typeface="Arial" panose="020B0604020202020204" pitchFamily="34" charset="0"/>
                 <a:ea typeface="Amazon Ember" panose="020B0603020204020204" pitchFamily="34" charset="0"/>
                 <a:cs typeface="Arial" panose="020B0604020202020204" pitchFamily="34" charset="0"/>
               </a:rPr>
-              <a:t>53</a:t>
+              <a:t>Route 53</a:t>
             </a:r>
           </a:p>
         </p:txBody>
@@ -5812,10 +5780,10 @@
           <p:nvPr/>
         </p:nvPicPr>
         <p:blipFill>
-          <a:blip r:embed="rId14">
+          <a:blip r:embed="rId13">
             <a:extLst>
               <a:ext uri="{96DAC541-7B7A-43D3-8B79-37D633B846F1}">
-                <asvg:svgBlip xmlns="" xmlns:asvg="http://schemas.microsoft.com/office/drawing/2016/SVG/main" r:embed="rId15"/>
+                <asvg:svgBlip xmlns:asvg="http://schemas.microsoft.com/office/drawing/2016/SVG/main" r:embed="rId14"/>
               </a:ext>
             </a:extLst>
           </a:blip>
@@ -5863,7 +5831,7 @@
           <a:p>
             <a:pPr algn="ctr"/>
             <a:r>
-              <a:rPr lang="en-US" sz="1200" dirty="0" smtClean="0">
+              <a:rPr lang="en-US" sz="1200" dirty="0">
                 <a:solidFill>
                   <a:srgbClr val="232F3E"/>
                 </a:solidFill>
@@ -5872,13 +5840,6 @@
               </a:rPr>
               <a:t>Application</a:t>
             </a:r>
-            <a:endParaRPr lang="en-US" sz="1200" dirty="0">
-              <a:solidFill>
-                <a:srgbClr val="232F3E"/>
-              </a:solidFill>
-              <a:latin typeface="Arial" panose="020B0604020202020204" pitchFamily="34" charset="0"/>
-              <a:cs typeface="Arial" panose="020B0604020202020204" pitchFamily="34" charset="0"/>
-            </a:endParaRPr>
           </a:p>
         </p:txBody>
       </p:sp>
@@ -5898,7 +5859,7 @@
         </p:nvSpPr>
         <p:spPr bwMode="auto">
           <a:xfrm>
-            <a:off x="4683499" y="3101333"/>
+            <a:off x="4758915" y="3101333"/>
             <a:ext cx="1339850" cy="461665"/>
           </a:xfrm>
           <a:prstGeom prst="rect">
@@ -6073,7 +6034,7 @@
           <p:nvPr/>
         </p:nvPicPr>
         <p:blipFill>
-          <a:blip r:embed="rId23">
+          <a:blip r:embed="rId22">
             <a:extLst>
               <a:ext uri="{28A0092B-C50C-407E-A947-70E740481C1C}">
                 <a14:useLocalDpi xmlns:a14="http://schemas.microsoft.com/office/drawing/2010/main" val="0"/>
@@ -6176,10 +6137,10 @@
           <p:nvPr/>
         </p:nvPicPr>
         <p:blipFill>
-          <a:blip r:embed="rId14">
+          <a:blip r:embed="rId13">
             <a:extLst>
               <a:ext uri="{96DAC541-7B7A-43D3-8B79-37D633B846F1}">
-                <asvg:svgBlip xmlns="" xmlns:asvg="http://schemas.microsoft.com/office/drawing/2016/SVG/main" r:embed="rId15"/>
+                <asvg:svgBlip xmlns:asvg="http://schemas.microsoft.com/office/drawing/2016/SVG/main" r:embed="rId14"/>
               </a:ext>
             </a:extLst>
           </a:blip>
@@ -6254,10 +6215,10 @@
           <p:nvPr/>
         </p:nvPicPr>
         <p:blipFill>
-          <a:blip r:embed="rId14">
+          <a:blip r:embed="rId13">
             <a:extLst>
               <a:ext uri="{96DAC541-7B7A-43D3-8B79-37D633B846F1}">
-                <asvg:svgBlip xmlns="" xmlns:asvg="http://schemas.microsoft.com/office/drawing/2016/SVG/main" r:embed="rId15"/>
+                <asvg:svgBlip xmlns:asvg="http://schemas.microsoft.com/office/drawing/2016/SVG/main" r:embed="rId14"/>
               </a:ext>
             </a:extLst>
           </a:blip>
@@ -6333,7 +6294,7 @@
         </p:nvSpPr>
         <p:spPr bwMode="auto">
           <a:xfrm>
-            <a:off x="4692096" y="3967595"/>
+            <a:off x="4758085" y="3967595"/>
             <a:ext cx="1339850" cy="461665"/>
           </a:xfrm>
           <a:prstGeom prst="rect">
@@ -6508,7 +6469,7 @@
           <p:nvPr/>
         </p:nvPicPr>
         <p:blipFill>
-          <a:blip r:embed="rId23">
+          <a:blip r:embed="rId22">
             <a:extLst>
               <a:ext uri="{28A0092B-C50C-407E-A947-70E740481C1C}">
                 <a14:useLocalDpi xmlns:a14="http://schemas.microsoft.com/office/drawing/2010/main" val="0"/>
@@ -6656,10 +6617,10 @@
           <p:nvPr/>
         </p:nvPicPr>
         <p:blipFill>
-          <a:blip r:embed="rId14">
+          <a:blip r:embed="rId13">
             <a:extLst>
               <a:ext uri="{96DAC541-7B7A-43D3-8B79-37D633B846F1}">
-                <asvg:svgBlip xmlns="" xmlns:asvg="http://schemas.microsoft.com/office/drawing/2016/SVG/main" r:embed="rId15"/>
+                <asvg:svgBlip xmlns:asvg="http://schemas.microsoft.com/office/drawing/2016/SVG/main" r:embed="rId14"/>
               </a:ext>
             </a:extLst>
           </a:blip>
@@ -6734,10 +6695,10 @@
           <p:nvPr/>
         </p:nvPicPr>
         <p:blipFill>
-          <a:blip r:embed="rId14">
+          <a:blip r:embed="rId13">
             <a:extLst>
               <a:ext uri="{96DAC541-7B7A-43D3-8B79-37D633B846F1}">
-                <asvg:svgBlip xmlns="" xmlns:asvg="http://schemas.microsoft.com/office/drawing/2016/SVG/main" r:embed="rId15"/>
+                <asvg:svgBlip xmlns:asvg="http://schemas.microsoft.com/office/drawing/2016/SVG/main" r:embed="rId14"/>
               </a:ext>
             </a:extLst>
           </a:blip>
@@ -6812,10 +6773,10 @@
           <p:nvPr/>
         </p:nvPicPr>
         <p:blipFill>
-          <a:blip r:embed="rId14">
+          <a:blip r:embed="rId13">
             <a:extLst>
               <a:ext uri="{96DAC541-7B7A-43D3-8B79-37D633B846F1}">
-                <asvg:svgBlip xmlns="" xmlns:asvg="http://schemas.microsoft.com/office/drawing/2016/SVG/main" r:embed="rId15"/>
+                <asvg:svgBlip xmlns:asvg="http://schemas.microsoft.com/office/drawing/2016/SVG/main" r:embed="rId14"/>
               </a:ext>
             </a:extLst>
           </a:blip>
@@ -6863,7 +6824,7 @@
           <a:p>
             <a:pPr algn="ctr"/>
             <a:r>
-              <a:rPr lang="en-US" sz="1200" dirty="0" smtClean="0">
+              <a:rPr lang="en-US" sz="1200" dirty="0">
                 <a:solidFill>
                   <a:srgbClr val="232F3E"/>
                 </a:solidFill>
@@ -6872,13 +6833,6 @@
               </a:rPr>
               <a:t>Data</a:t>
             </a:r>
-            <a:endParaRPr lang="en-US" sz="1200" dirty="0">
-              <a:solidFill>
-                <a:srgbClr val="232F3E"/>
-              </a:solidFill>
-              <a:latin typeface="Arial" panose="020B0604020202020204" pitchFamily="34" charset="0"/>
-              <a:cs typeface="Arial" panose="020B0604020202020204" pitchFamily="34" charset="0"/>
-            </a:endParaRPr>
           </a:p>
         </p:txBody>
       </p:sp>
@@ -6897,10 +6851,10 @@
           <p:nvPr/>
         </p:nvPicPr>
         <p:blipFill>
-          <a:blip r:embed="rId14">
+          <a:blip r:embed="rId13">
             <a:extLst>
               <a:ext uri="{96DAC541-7B7A-43D3-8B79-37D633B846F1}">
-                <asvg:svgBlip xmlns="" xmlns:asvg="http://schemas.microsoft.com/office/drawing/2016/SVG/main" r:embed="rId15"/>
+                <asvg:svgBlip xmlns:asvg="http://schemas.microsoft.com/office/drawing/2016/SVG/main" r:embed="rId14"/>
               </a:ext>
             </a:extLst>
           </a:blip>
@@ -6948,7 +6902,7 @@
           <a:p>
             <a:pPr algn="ctr"/>
             <a:r>
-              <a:rPr lang="en-US" sz="1200" dirty="0" smtClean="0">
+              <a:rPr lang="en-US" sz="1200" dirty="0">
                 <a:solidFill>
                   <a:srgbClr val="232F3E"/>
                 </a:solidFill>
@@ -6957,13 +6911,6 @@
               </a:rPr>
               <a:t>Data</a:t>
             </a:r>
-            <a:endParaRPr lang="en-US" sz="1200" dirty="0">
-              <a:solidFill>
-                <a:srgbClr val="232F3E"/>
-              </a:solidFill>
-              <a:latin typeface="Arial" panose="020B0604020202020204" pitchFamily="34" charset="0"/>
-              <a:cs typeface="Arial" panose="020B0604020202020204" pitchFamily="34" charset="0"/>
-            </a:endParaRPr>
           </a:p>
         </p:txBody>
       </p:sp>
@@ -6982,10 +6929,10 @@
           <p:nvPr/>
         </p:nvPicPr>
         <p:blipFill>
-          <a:blip r:embed="rId14">
+          <a:blip r:embed="rId13">
             <a:extLst>
               <a:ext uri="{96DAC541-7B7A-43D3-8B79-37D633B846F1}">
-                <asvg:svgBlip xmlns="" xmlns:asvg="http://schemas.microsoft.com/office/drawing/2016/SVG/main" r:embed="rId15"/>
+                <asvg:svgBlip xmlns:asvg="http://schemas.microsoft.com/office/drawing/2016/SVG/main" r:embed="rId14"/>
               </a:ext>
             </a:extLst>
           </a:blip>
@@ -7033,7 +6980,7 @@
           <a:p>
             <a:pPr algn="ctr"/>
             <a:r>
-              <a:rPr lang="en-US" sz="1200" dirty="0" smtClean="0">
+              <a:rPr lang="en-US" sz="1200" dirty="0">
                 <a:solidFill>
                   <a:srgbClr val="232F3E"/>
                 </a:solidFill>
@@ -7042,13 +6989,6 @@
               </a:rPr>
               <a:t>Data</a:t>
             </a:r>
-            <a:endParaRPr lang="en-US" sz="1200" dirty="0">
-              <a:solidFill>
-                <a:srgbClr val="232F3E"/>
-              </a:solidFill>
-              <a:latin typeface="Arial" panose="020B0604020202020204" pitchFamily="34" charset="0"/>
-              <a:cs typeface="Arial" panose="020B0604020202020204" pitchFamily="34" charset="0"/>
-            </a:endParaRPr>
           </a:p>
         </p:txBody>
       </p:sp>
@@ -7067,7 +7007,7 @@
           <p:nvPr/>
         </p:nvPicPr>
         <p:blipFill>
-          <a:blip r:embed="rId24">
+          <a:blip r:embed="rId23">
             <a:extLst>
               <a:ext uri="{28A0092B-C50C-407E-A947-70E740481C1C}">
                 <a14:useLocalDpi xmlns:a14="http://schemas.microsoft.com/office/drawing/2010/main" val="0"/>
@@ -7268,21 +7208,8 @@
                 <a:ea typeface="Amazon Ember" panose="020B0603020204020204" pitchFamily="34" charset="0"/>
                 <a:cs typeface="Arial" panose="020B0604020202020204" pitchFamily="34" charset="0"/>
               </a:rPr>
-              <a:t>Worker </a:t>
-            </a:r>
-            <a:r>
-              <a:rPr lang="en-US" altLang="en-US" sz="1200" dirty="0" smtClean="0">
-                <a:latin typeface="Arial" panose="020B0604020202020204" pitchFamily="34" charset="0"/>
-                <a:ea typeface="Amazon Ember" panose="020B0603020204020204" pitchFamily="34" charset="0"/>
-                <a:cs typeface="Arial" panose="020B0604020202020204" pitchFamily="34" charset="0"/>
-              </a:rPr>
-              <a:t>nodes</a:t>
-            </a:r>
-            <a:endParaRPr lang="en-US" altLang="en-US" sz="1200" dirty="0">
-              <a:latin typeface="Arial" panose="020B0604020202020204" pitchFamily="34" charset="0"/>
-              <a:ea typeface="Amazon Ember" panose="020B0603020204020204" pitchFamily="34" charset="0"/>
-              <a:cs typeface="Arial" panose="020B0604020202020204" pitchFamily="34" charset="0"/>
-            </a:endParaRPr>
+              <a:t>Worker nodes</a:t>
+            </a:r>
           </a:p>
         </p:txBody>
       </p:sp>
@@ -7301,7 +7228,7 @@
           <p:nvPr/>
         </p:nvPicPr>
         <p:blipFill>
-          <a:blip r:embed="rId24">
+          <a:blip r:embed="rId23">
             <a:extLst>
               <a:ext uri="{28A0092B-C50C-407E-A947-70E740481C1C}">
                 <a14:useLocalDpi xmlns:a14="http://schemas.microsoft.com/office/drawing/2010/main" val="0"/>
@@ -7502,21 +7429,8 @@
                 <a:ea typeface="Amazon Ember" panose="020B0603020204020204" pitchFamily="34" charset="0"/>
                 <a:cs typeface="Arial" panose="020B0604020202020204" pitchFamily="34" charset="0"/>
               </a:rPr>
-              <a:t>Worker </a:t>
-            </a:r>
-            <a:r>
-              <a:rPr lang="en-US" altLang="en-US" sz="1200" dirty="0" smtClean="0">
-                <a:latin typeface="Arial" panose="020B0604020202020204" pitchFamily="34" charset="0"/>
-                <a:ea typeface="Amazon Ember" panose="020B0603020204020204" pitchFamily="34" charset="0"/>
-                <a:cs typeface="Arial" panose="020B0604020202020204" pitchFamily="34" charset="0"/>
-              </a:rPr>
-              <a:t>nodes</a:t>
-            </a:r>
-            <a:endParaRPr lang="en-US" altLang="en-US" sz="1200" dirty="0">
-              <a:latin typeface="Arial" panose="020B0604020202020204" pitchFamily="34" charset="0"/>
-              <a:ea typeface="Amazon Ember" panose="020B0603020204020204" pitchFamily="34" charset="0"/>
-              <a:cs typeface="Arial" panose="020B0604020202020204" pitchFamily="34" charset="0"/>
-            </a:endParaRPr>
+              <a:t>Worker nodes</a:t>
+            </a:r>
           </a:p>
         </p:txBody>
       </p:sp>
@@ -7534,8 +7448,8 @@
         </p:nvSpPr>
         <p:spPr bwMode="auto">
           <a:xfrm>
-            <a:off x="3596421" y="1473434"/>
-            <a:ext cx="3668481" cy="762221"/>
+            <a:off x="3596421" y="1387130"/>
+            <a:ext cx="3668481" cy="848525"/>
           </a:xfrm>
           <a:prstGeom prst="rect">
             <a:avLst/>
@@ -7594,7 +7508,7 @@
               <a:defRPr/>
             </a:pPr>
             <a:r>
-              <a:rPr lang="en-US" sz="1200" dirty="0" smtClean="0">
+              <a:rPr lang="en-US" sz="1200" dirty="0">
                 <a:solidFill>
                   <a:srgbClr val="D86613"/>
                 </a:solidFill>
@@ -7603,13 +7517,6 @@
               </a:rPr>
               <a:t>Auto Scaling group</a:t>
             </a:r>
-            <a:endParaRPr lang="en-US" sz="1200" dirty="0">
-              <a:solidFill>
-                <a:srgbClr val="D86613"/>
-              </a:solidFill>
-              <a:latin typeface="Arial" panose="020B0604020202020204" pitchFamily="34" charset="0"/>
-              <a:cs typeface="Arial" panose="020B0604020202020204" pitchFamily="34" charset="0"/>
-            </a:endParaRPr>
           </a:p>
         </p:txBody>
       </p:sp>
@@ -7627,8 +7534,8 @@
         </p:nvSpPr>
         <p:spPr bwMode="auto">
           <a:xfrm>
-            <a:off x="2965243" y="5628620"/>
-            <a:ext cx="4971451" cy="762221"/>
+            <a:off x="2965243" y="5498412"/>
+            <a:ext cx="4971451" cy="911284"/>
           </a:xfrm>
           <a:prstGeom prst="rect">
             <a:avLst/>
@@ -7687,7 +7594,7 @@
               <a:defRPr/>
             </a:pPr>
             <a:r>
-              <a:rPr lang="en-US" sz="1200" dirty="0" smtClean="0">
+              <a:rPr lang="en-US" sz="1200" dirty="0">
                 <a:solidFill>
                   <a:srgbClr val="D86613"/>
                 </a:solidFill>
@@ -7696,13 +7603,6 @@
               </a:rPr>
               <a:t>Auto Scaling group</a:t>
             </a:r>
-            <a:endParaRPr lang="en-US" sz="1200" dirty="0">
-              <a:solidFill>
-                <a:srgbClr val="D86613"/>
-              </a:solidFill>
-              <a:latin typeface="Arial" panose="020B0604020202020204" pitchFamily="34" charset="0"/>
-              <a:cs typeface="Arial" panose="020B0604020202020204" pitchFamily="34" charset="0"/>
-            </a:endParaRPr>
           </a:p>
         </p:txBody>
       </p:sp>
@@ -7721,10 +7621,10 @@
           <p:nvPr/>
         </p:nvPicPr>
         <p:blipFill>
-          <a:blip r:embed="rId13">
+          <a:blip r:embed="rId11">
             <a:extLst>
               <a:ext uri="{96DAC541-7B7A-43D3-8B79-37D633B846F1}">
-                <asvg:svgBlip xmlns="" xmlns:asvg="http://schemas.microsoft.com/office/drawing/2016/SVG/main" r:embed="rId10"/>
+                <asvg:svgBlip xmlns:asvg="http://schemas.microsoft.com/office/drawing/2016/SVG/main" r:embed="rId12"/>
               </a:ext>
             </a:extLst>
           </a:blip>
@@ -7734,7 +7634,7 @@
         </p:blipFill>
         <p:spPr>
           <a:xfrm>
-            <a:off x="5278627" y="5622019"/>
+            <a:off x="5289342" y="5498412"/>
             <a:ext cx="277535" cy="277535"/>
           </a:xfrm>
           <a:prstGeom prst="rect">
@@ -7757,7 +7657,7 @@
           <p:nvPr/>
         </p:nvPicPr>
         <p:blipFill>
-          <a:blip r:embed="rId25">
+          <a:blip r:embed="rId24">
             <a:extLst>
               <a:ext uri="{28A0092B-C50C-407E-A947-70E740481C1C}">
                 <a14:useLocalDpi xmlns:a14="http://schemas.microsoft.com/office/drawing/2010/main" val="0"/>
@@ -7953,18 +7853,13 @@
           <a:p>
             <a:pPr algn="ctr" eaLnBrk="1" hangingPunct="1"/>
             <a:r>
-              <a:rPr lang="en-US" altLang="en-US" sz="1200" dirty="0" smtClean="0">
+              <a:rPr lang="en-US" altLang="en-US" sz="1200" dirty="0">
                 <a:latin typeface="Arial" panose="020B0604020202020204" pitchFamily="34" charset="0"/>
                 <a:ea typeface="Amazon Ember" panose="020B0603020204020204" pitchFamily="34" charset="0"/>
                 <a:cs typeface="Arial" panose="020B0604020202020204" pitchFamily="34" charset="0"/>
               </a:rPr>
               <a:t>CloudWatch</a:t>
             </a:r>
-            <a:endParaRPr lang="en-US" altLang="en-US" sz="1200" dirty="0">
-              <a:latin typeface="Arial" panose="020B0604020202020204" pitchFamily="34" charset="0"/>
-              <a:ea typeface="Amazon Ember" panose="020B0603020204020204" pitchFamily="34" charset="0"/>
-              <a:cs typeface="Arial" panose="020B0604020202020204" pitchFamily="34" charset="0"/>
-            </a:endParaRPr>
           </a:p>
         </p:txBody>
       </p:sp>

--- a/docs/images/data-robot-architecture-diagram.pptx
+++ b/docs/images/data-robot-architecture-diagram.pptx
@@ -3991,7 +3991,7 @@
         </p:nvSpPr>
         <p:spPr>
           <a:xfrm>
-            <a:off x="6257331" y="2561813"/>
+            <a:off x="6257331" y="2601569"/>
             <a:ext cx="2214564" cy="3897177"/>
           </a:xfrm>
           <a:prstGeom prst="rect">
@@ -4062,7 +4062,7 @@
         </p:nvSpPr>
         <p:spPr>
           <a:xfrm>
-            <a:off x="2356674" y="1113025"/>
+            <a:off x="2356674" y="1202476"/>
             <a:ext cx="2214564" cy="1292696"/>
           </a:xfrm>
           <a:prstGeom prst="rect">
@@ -4133,7 +4133,7 @@
         </p:nvSpPr>
         <p:spPr>
           <a:xfrm>
-            <a:off x="6260282" y="1110621"/>
+            <a:off x="6260282" y="1200072"/>
             <a:ext cx="2214564" cy="1295999"/>
           </a:xfrm>
           <a:prstGeom prst="rect">
@@ -4204,7 +4204,7 @@
         </p:nvSpPr>
         <p:spPr>
           <a:xfrm>
-            <a:off x="2361507" y="2559783"/>
+            <a:off x="2361507" y="2609478"/>
             <a:ext cx="2214564" cy="3899208"/>
           </a:xfrm>
           <a:prstGeom prst="rect">
@@ -4377,8 +4377,8 @@
         </p:nvSpPr>
         <p:spPr>
           <a:xfrm>
-            <a:off x="2254079" y="730586"/>
-            <a:ext cx="2452090" cy="5821672"/>
+            <a:off x="2254079" y="904460"/>
+            <a:ext cx="2452090" cy="5647797"/>
           </a:xfrm>
           <a:prstGeom prst="rect">
             <a:avLst/>
@@ -4444,8 +4444,8 @@
         </p:nvSpPr>
         <p:spPr>
           <a:xfrm>
-            <a:off x="1393371" y="1024468"/>
-            <a:ext cx="7326680" cy="5626448"/>
+            <a:off x="1393371" y="799426"/>
+            <a:ext cx="7326680" cy="5849851"/>
           </a:xfrm>
           <a:prstGeom prst="rect">
             <a:avLst/>
@@ -4529,7 +4529,7 @@
         </p:blipFill>
         <p:spPr>
           <a:xfrm>
-            <a:off x="1393371" y="1024468"/>
+            <a:off x="1396049" y="801028"/>
             <a:ext cx="330200" cy="330200"/>
           </a:xfrm>
           <a:prstGeom prst="rect">
@@ -4565,7 +4565,7 @@
         </p:blipFill>
         <p:spPr>
           <a:xfrm>
-            <a:off x="2356674" y="2525098"/>
+            <a:off x="2361507" y="2602614"/>
             <a:ext cx="274320" cy="274320"/>
           </a:xfrm>
           <a:prstGeom prst="rect">
@@ -4601,7 +4601,7 @@
         </p:blipFill>
         <p:spPr>
           <a:xfrm>
-            <a:off x="2353346" y="1112810"/>
+            <a:off x="2353346" y="1202549"/>
             <a:ext cx="274320" cy="274320"/>
           </a:xfrm>
           <a:prstGeom prst="rect">
@@ -4623,8 +4623,8 @@
         </p:nvSpPr>
         <p:spPr>
           <a:xfrm>
-            <a:off x="6147971" y="725646"/>
-            <a:ext cx="2435706" cy="5821671"/>
+            <a:off x="6147971" y="904460"/>
+            <a:ext cx="2435706" cy="5642857"/>
           </a:xfrm>
           <a:prstGeom prst="rect">
             <a:avLst/>
@@ -4704,7 +4704,7 @@
         </p:blipFill>
         <p:spPr>
           <a:xfrm>
-            <a:off x="6257331" y="2528562"/>
+            <a:off x="6257331" y="2602614"/>
             <a:ext cx="274320" cy="274320"/>
           </a:xfrm>
           <a:prstGeom prst="rect">
@@ -4740,7 +4740,7 @@
         </p:blipFill>
         <p:spPr>
           <a:xfrm>
-            <a:off x="6264124" y="1113025"/>
+            <a:off x="6264124" y="1202476"/>
             <a:ext cx="274320" cy="274320"/>
           </a:xfrm>
           <a:prstGeom prst="rect">
@@ -4776,7 +4776,7 @@
         </p:blipFill>
         <p:spPr>
           <a:xfrm>
-            <a:off x="5284334" y="1383289"/>
+            <a:off x="5284334" y="1500901"/>
             <a:ext cx="277535" cy="277535"/>
           </a:xfrm>
           <a:prstGeom prst="rect">
@@ -4812,7 +4812,7 @@
         </p:blipFill>
         <p:spPr>
           <a:xfrm>
-            <a:off x="3860740" y="1548189"/>
+            <a:off x="3860740" y="1637640"/>
             <a:ext cx="394953" cy="394953"/>
           </a:xfrm>
           <a:prstGeom prst="rect">
@@ -4834,7 +4834,7 @@
         </p:nvSpPr>
         <p:spPr>
           <a:xfrm>
-            <a:off x="3561835" y="1894110"/>
+            <a:off x="3561835" y="1983561"/>
             <a:ext cx="1041915" cy="276999"/>
           </a:xfrm>
           <a:prstGeom prst="rect">
@@ -4876,7 +4876,7 @@
         </p:nvSpPr>
         <p:spPr>
           <a:xfrm>
-            <a:off x="6247965" y="1896489"/>
+            <a:off x="6247965" y="1985940"/>
             <a:ext cx="1041692" cy="276999"/>
           </a:xfrm>
           <a:prstGeom prst="rect">
@@ -4932,7 +4932,7 @@
         </p:blipFill>
         <p:spPr>
           <a:xfrm>
-            <a:off x="2695493" y="1507557"/>
+            <a:off x="2695493" y="1597008"/>
             <a:ext cx="394953" cy="394953"/>
           </a:xfrm>
           <a:prstGeom prst="rect">
@@ -4968,7 +4968,7 @@
         </p:blipFill>
         <p:spPr>
           <a:xfrm>
-            <a:off x="7694017" y="1502469"/>
+            <a:off x="7694017" y="1591920"/>
             <a:ext cx="394953" cy="394953"/>
           </a:xfrm>
           <a:prstGeom prst="rect">
@@ -4990,7 +4990,7 @@
         </p:nvSpPr>
         <p:spPr>
           <a:xfrm>
-            <a:off x="2170193" y="1892089"/>
+            <a:off x="2170193" y="1981540"/>
             <a:ext cx="1485100" cy="276999"/>
           </a:xfrm>
           <a:prstGeom prst="rect">
@@ -5032,7 +5032,7 @@
         </p:nvSpPr>
         <p:spPr>
           <a:xfrm>
-            <a:off x="7293358" y="1902510"/>
+            <a:off x="7293358" y="1991961"/>
             <a:ext cx="1127456" cy="276999"/>
           </a:xfrm>
           <a:prstGeom prst="rect">
@@ -5094,7 +5094,7 @@
         </p:blipFill>
         <p:spPr>
           <a:xfrm>
-            <a:off x="6573553" y="1548189"/>
+            <a:off x="6573553" y="1637640"/>
             <a:ext cx="394953" cy="394953"/>
           </a:xfrm>
           <a:prstGeom prst="rect">
@@ -5815,7 +5815,7 @@
         </p:nvSpPr>
         <p:spPr>
           <a:xfrm>
-            <a:off x="3000417" y="3142016"/>
+            <a:off x="3000417" y="3231467"/>
             <a:ext cx="997328" cy="276999"/>
           </a:xfrm>
           <a:prstGeom prst="rect">
@@ -5859,7 +5859,7 @@
         </p:nvSpPr>
         <p:spPr bwMode="auto">
           <a:xfrm>
-            <a:off x="4758915" y="3101333"/>
+            <a:off x="4758915" y="3190784"/>
             <a:ext cx="1339850" cy="461665"/>
           </a:xfrm>
           <a:prstGeom prst="rect">
@@ -6048,7 +6048,7 @@
         </p:blipFill>
         <p:spPr bwMode="auto">
           <a:xfrm>
-            <a:off x="5188794" y="2673394"/>
+            <a:off x="5188794" y="2762845"/>
             <a:ext cx="457200" cy="457200"/>
           </a:xfrm>
           <a:prstGeom prst="rect">
@@ -6093,7 +6093,7 @@
         </p:nvCxnSpPr>
         <p:spPr bwMode="auto">
           <a:xfrm>
-            <a:off x="3768029" y="3001809"/>
+            <a:off x="3768029" y="3091260"/>
             <a:ext cx="1280160" cy="0"/>
           </a:xfrm>
           <a:prstGeom prst="straightConnector1">
@@ -6150,7 +6150,7 @@
         </p:blipFill>
         <p:spPr>
           <a:xfrm>
-            <a:off x="3299321" y="3498962"/>
+            <a:off x="3299321" y="3538718"/>
             <a:ext cx="394953" cy="394953"/>
           </a:xfrm>
           <a:prstGeom prst="rect">
@@ -6172,7 +6172,7 @@
         </p:nvSpPr>
         <p:spPr>
           <a:xfrm>
-            <a:off x="3000417" y="3844883"/>
+            <a:off x="2992166" y="3943331"/>
             <a:ext cx="997328" cy="276999"/>
           </a:xfrm>
           <a:prstGeom prst="rect">
@@ -6228,7 +6228,7 @@
         </p:blipFill>
         <p:spPr>
           <a:xfrm>
-            <a:off x="7077802" y="3497786"/>
+            <a:off x="7077802" y="3527603"/>
             <a:ext cx="394953" cy="394953"/>
           </a:xfrm>
           <a:prstGeom prst="rect">
@@ -6250,7 +6250,7 @@
         </p:nvSpPr>
         <p:spPr>
           <a:xfrm>
-            <a:off x="6778898" y="3843707"/>
+            <a:off x="6797185" y="3922556"/>
             <a:ext cx="997328" cy="276999"/>
           </a:xfrm>
           <a:prstGeom prst="rect">
@@ -6294,7 +6294,7 @@
         </p:nvSpPr>
         <p:spPr bwMode="auto">
           <a:xfrm>
-            <a:off x="4758085" y="3967595"/>
+            <a:off x="4758085" y="4057046"/>
             <a:ext cx="1339850" cy="461665"/>
           </a:xfrm>
           <a:prstGeom prst="rect">
@@ -6483,7 +6483,7 @@
         </p:blipFill>
         <p:spPr bwMode="auto">
           <a:xfrm>
-            <a:off x="5184822" y="3554987"/>
+            <a:off x="5184822" y="3644438"/>
             <a:ext cx="457200" cy="457200"/>
           </a:xfrm>
           <a:prstGeom prst="rect">
@@ -6528,7 +6528,7 @@
         </p:nvCxnSpPr>
         <p:spPr bwMode="auto">
           <a:xfrm>
-            <a:off x="3783267" y="3740304"/>
+            <a:off x="3783267" y="3829755"/>
             <a:ext cx="1280160" cy="0"/>
           </a:xfrm>
           <a:prstGeom prst="straightConnector1">
@@ -6573,7 +6573,7 @@
         </p:nvCxnSpPr>
         <p:spPr bwMode="auto">
           <a:xfrm>
-            <a:off x="5711532" y="3741252"/>
+            <a:off x="5711532" y="3830703"/>
             <a:ext cx="1280160" cy="0"/>
           </a:xfrm>
           <a:prstGeom prst="straightConnector1">
@@ -6630,7 +6630,7 @@
         </p:blipFill>
         <p:spPr>
           <a:xfrm>
-            <a:off x="3299321" y="4206918"/>
+            <a:off x="3299321" y="4296369"/>
             <a:ext cx="394953" cy="394953"/>
           </a:xfrm>
           <a:prstGeom prst="rect">
@@ -6652,7 +6652,7 @@
         </p:nvSpPr>
         <p:spPr>
           <a:xfrm>
-            <a:off x="3000417" y="4552839"/>
+            <a:off x="3000417" y="4642290"/>
             <a:ext cx="997328" cy="276999"/>
           </a:xfrm>
           <a:prstGeom prst="rect">
@@ -6730,7 +6730,7 @@
         </p:nvSpPr>
         <p:spPr>
           <a:xfrm>
-            <a:off x="6778898" y="4556054"/>
+            <a:off x="6778898" y="4645505"/>
             <a:ext cx="997328" cy="276999"/>
           </a:xfrm>
           <a:prstGeom prst="rect">
@@ -6808,7 +6808,7 @@
         </p:nvSpPr>
         <p:spPr>
           <a:xfrm>
-            <a:off x="2725537" y="5237759"/>
+            <a:off x="2725537" y="5327210"/>
             <a:ext cx="997328" cy="276999"/>
           </a:xfrm>
           <a:prstGeom prst="rect">
@@ -6886,7 +6886,7 @@
         </p:nvSpPr>
         <p:spPr>
           <a:xfrm>
-            <a:off x="6778898" y="5240974"/>
+            <a:off x="6778898" y="5330425"/>
             <a:ext cx="997328" cy="276999"/>
           </a:xfrm>
           <a:prstGeom prst="rect">
@@ -6964,7 +6964,7 @@
         </p:nvSpPr>
         <p:spPr>
           <a:xfrm>
-            <a:off x="3222884" y="5226530"/>
+            <a:off x="3222884" y="5315981"/>
             <a:ext cx="997328" cy="276999"/>
           </a:xfrm>
           <a:prstGeom prst="rect">
@@ -7021,7 +7021,7 @@
         </p:blipFill>
         <p:spPr bwMode="auto">
           <a:xfrm>
-            <a:off x="3298828" y="5688141"/>
+            <a:off x="3298828" y="5777592"/>
             <a:ext cx="457200" cy="457200"/>
           </a:xfrm>
           <a:prstGeom prst="rect">
@@ -7068,7 +7068,7 @@
         </p:nvSpPr>
         <p:spPr bwMode="auto">
           <a:xfrm>
-            <a:off x="2965243" y="6139885"/>
+            <a:off x="2965243" y="6229336"/>
             <a:ext cx="1115568" cy="276999"/>
           </a:xfrm>
           <a:prstGeom prst="rect">
@@ -7242,7 +7242,7 @@
         </p:blipFill>
         <p:spPr bwMode="auto">
           <a:xfrm>
-            <a:off x="7154711" y="5693876"/>
+            <a:off x="7154711" y="5783327"/>
             <a:ext cx="457200" cy="457200"/>
           </a:xfrm>
           <a:prstGeom prst="rect">
@@ -7289,7 +7289,7 @@
         </p:nvSpPr>
         <p:spPr bwMode="auto">
           <a:xfrm>
-            <a:off x="6821126" y="6145620"/>
+            <a:off x="6821126" y="6235071"/>
             <a:ext cx="1115568" cy="276999"/>
           </a:xfrm>
           <a:prstGeom prst="rect">
@@ -7448,8 +7448,8 @@
         </p:nvSpPr>
         <p:spPr bwMode="auto">
           <a:xfrm>
-            <a:off x="3596421" y="1387130"/>
-            <a:ext cx="3668481" cy="848525"/>
+            <a:off x="3596421" y="1509105"/>
+            <a:ext cx="3668481" cy="866773"/>
           </a:xfrm>
           <a:prstGeom prst="rect">
             <a:avLst/>
@@ -7534,7 +7534,7 @@
         </p:nvSpPr>
         <p:spPr bwMode="auto">
           <a:xfrm>
-            <a:off x="2965243" y="5498412"/>
+            <a:off x="2965243" y="5587863"/>
             <a:ext cx="4971451" cy="911284"/>
           </a:xfrm>
           <a:prstGeom prst="rect">
@@ -7634,7 +7634,7 @@
         </p:blipFill>
         <p:spPr>
           <a:xfrm>
-            <a:off x="5289342" y="5498412"/>
+            <a:off x="5282979" y="5581262"/>
             <a:ext cx="277535" cy="277535"/>
           </a:xfrm>
           <a:prstGeom prst="rect">

--- a/docs/images/data-robot-architecture-diagram.pptx
+++ b/docs/images/data-robot-architecture-diagram.pptx
@@ -2,7 +2,7 @@
 <file path=ppt/presentation.xml><?xml version="1.0" encoding="utf-8"?>
 <p:presentation xmlns:a="http://schemas.openxmlformats.org/drawingml/2006/main" xmlns:r="http://schemas.openxmlformats.org/officeDocument/2006/relationships" xmlns:p="http://schemas.openxmlformats.org/presentationml/2006/main" saveSubsetFonts="1" autoCompressPictures="0">
   <p:sldMasterIdLst>
-    <p:sldMasterId id="2147483648" r:id="rId1"/>
+    <p:sldMasterId id="2147483687" r:id="rId1"/>
   </p:sldMasterIdLst>
   <p:notesMasterIdLst>
     <p:notesMasterId r:id="rId3"/>
@@ -10,13 +10,13 @@
   <p:sldIdLst>
     <p:sldId id="426" r:id="rId2"/>
   </p:sldIdLst>
-  <p:sldSz cx="12192000" cy="6858000"/>
+  <p:sldSz cx="12192000" cy="7680325"/>
   <p:notesSz cx="6858000" cy="9144000"/>
   <p:defaultTextStyle>
     <a:defPPr>
       <a:defRPr lang="en-US"/>
     </a:defPPr>
-    <a:lvl1pPr marL="0" algn="l" defTabSz="914400" rtl="0" eaLnBrk="1" latinLnBrk="0" hangingPunct="1">
+    <a:lvl1pPr marL="0" algn="l" defTabSz="457200" rtl="0" eaLnBrk="1" latinLnBrk="0" hangingPunct="1">
       <a:defRPr sz="1800" kern="1200">
         <a:solidFill>
           <a:schemeClr val="tx1"/>
@@ -26,7 +26,7 @@
         <a:cs typeface="+mn-cs"/>
       </a:defRPr>
     </a:lvl1pPr>
-    <a:lvl2pPr marL="457200" algn="l" defTabSz="914400" rtl="0" eaLnBrk="1" latinLnBrk="0" hangingPunct="1">
+    <a:lvl2pPr marL="457200" algn="l" defTabSz="457200" rtl="0" eaLnBrk="1" latinLnBrk="0" hangingPunct="1">
       <a:defRPr sz="1800" kern="1200">
         <a:solidFill>
           <a:schemeClr val="tx1"/>
@@ -36,7 +36,7 @@
         <a:cs typeface="+mn-cs"/>
       </a:defRPr>
     </a:lvl2pPr>
-    <a:lvl3pPr marL="914400" algn="l" defTabSz="914400" rtl="0" eaLnBrk="1" latinLnBrk="0" hangingPunct="1">
+    <a:lvl3pPr marL="914400" algn="l" defTabSz="457200" rtl="0" eaLnBrk="1" latinLnBrk="0" hangingPunct="1">
       <a:defRPr sz="1800" kern="1200">
         <a:solidFill>
           <a:schemeClr val="tx1"/>
@@ -46,7 +46,7 @@
         <a:cs typeface="+mn-cs"/>
       </a:defRPr>
     </a:lvl3pPr>
-    <a:lvl4pPr marL="1371600" algn="l" defTabSz="914400" rtl="0" eaLnBrk="1" latinLnBrk="0" hangingPunct="1">
+    <a:lvl4pPr marL="1371600" algn="l" defTabSz="457200" rtl="0" eaLnBrk="1" latinLnBrk="0" hangingPunct="1">
       <a:defRPr sz="1800" kern="1200">
         <a:solidFill>
           <a:schemeClr val="tx1"/>
@@ -56,7 +56,7 @@
         <a:cs typeface="+mn-cs"/>
       </a:defRPr>
     </a:lvl4pPr>
-    <a:lvl5pPr marL="1828800" algn="l" defTabSz="914400" rtl="0" eaLnBrk="1" latinLnBrk="0" hangingPunct="1">
+    <a:lvl5pPr marL="1828800" algn="l" defTabSz="457200" rtl="0" eaLnBrk="1" latinLnBrk="0" hangingPunct="1">
       <a:defRPr sz="1800" kern="1200">
         <a:solidFill>
           <a:schemeClr val="tx1"/>
@@ -66,7 +66,7 @@
         <a:cs typeface="+mn-cs"/>
       </a:defRPr>
     </a:lvl5pPr>
-    <a:lvl6pPr marL="2286000" algn="l" defTabSz="914400" rtl="0" eaLnBrk="1" latinLnBrk="0" hangingPunct="1">
+    <a:lvl6pPr marL="2286000" algn="l" defTabSz="457200" rtl="0" eaLnBrk="1" latinLnBrk="0" hangingPunct="1">
       <a:defRPr sz="1800" kern="1200">
         <a:solidFill>
           <a:schemeClr val="tx1"/>
@@ -76,7 +76,7 @@
         <a:cs typeface="+mn-cs"/>
       </a:defRPr>
     </a:lvl6pPr>
-    <a:lvl7pPr marL="2743200" algn="l" defTabSz="914400" rtl="0" eaLnBrk="1" latinLnBrk="0" hangingPunct="1">
+    <a:lvl7pPr marL="2743200" algn="l" defTabSz="457200" rtl="0" eaLnBrk="1" latinLnBrk="0" hangingPunct="1">
       <a:defRPr sz="1800" kern="1200">
         <a:solidFill>
           <a:schemeClr val="tx1"/>
@@ -86,7 +86,7 @@
         <a:cs typeface="+mn-cs"/>
       </a:defRPr>
     </a:lvl7pPr>
-    <a:lvl8pPr marL="3200400" algn="l" defTabSz="914400" rtl="0" eaLnBrk="1" latinLnBrk="0" hangingPunct="1">
+    <a:lvl8pPr marL="3200400" algn="l" defTabSz="457200" rtl="0" eaLnBrk="1" latinLnBrk="0" hangingPunct="1">
       <a:defRPr sz="1800" kern="1200">
         <a:solidFill>
           <a:schemeClr val="tx1"/>
@@ -96,7 +96,7 @@
         <a:cs typeface="+mn-cs"/>
       </a:defRPr>
     </a:lvl8pPr>
-    <a:lvl9pPr marL="3657600" algn="l" defTabSz="914400" rtl="0" eaLnBrk="1" latinLnBrk="0" hangingPunct="1">
+    <a:lvl9pPr marL="3657600" algn="l" defTabSz="457200" rtl="0" eaLnBrk="1" latinLnBrk="0" hangingPunct="1">
       <a:defRPr sz="1800" kern="1200">
         <a:solidFill>
           <a:schemeClr val="tx1"/>
@@ -215,8 +215,8 @@
         </p:nvSpPr>
         <p:spPr>
           <a:xfrm>
-            <a:off x="685800" y="1143000"/>
-            <a:ext cx="5486400" cy="3086100"/>
+            <a:off x="979488" y="1143000"/>
+            <a:ext cx="4899025" cy="3086100"/>
           </a:xfrm>
           <a:prstGeom prst="rect">
             <a:avLst/>
@@ -491,7 +491,12 @@
             <p:ph type="sldImg"/>
           </p:nvPr>
         </p:nvSpPr>
-        <p:spPr/>
+        <p:spPr>
+          <a:xfrm>
+            <a:off x="979488" y="1143000"/>
+            <a:ext cx="4899025" cy="3086100"/>
+          </a:xfrm>
+        </p:spPr>
       </p:sp>
       <p:sp>
         <p:nvSpPr>
@@ -567,13 +572,7 @@
       </p:grpSpPr>
       <p:sp>
         <p:nvSpPr>
-          <p:cNvPr id="2" name="Title 1">
-            <a:extLst>
-              <a:ext uri="{FF2B5EF4-FFF2-40B4-BE49-F238E27FC236}">
-                <a16:creationId xmlns:a16="http://schemas.microsoft.com/office/drawing/2014/main" id="{9C891B68-31FF-8E49-B77B-8792031E60CD}"/>
-              </a:ext>
-            </a:extLst>
-          </p:cNvPr>
+          <p:cNvPr id="2" name="Title 1"/>
           <p:cNvSpPr>
             <a:spLocks noGrp="1"/>
           </p:cNvSpPr>
@@ -583,8 +582,8 @@
         </p:nvSpPr>
         <p:spPr>
           <a:xfrm>
-            <a:off x="1524000" y="1122363"/>
-            <a:ext cx="9144000" cy="2387600"/>
+            <a:off x="1524000" y="1256943"/>
+            <a:ext cx="9144000" cy="2673891"/>
           </a:xfrm>
         </p:spPr>
         <p:txBody>
@@ -599,18 +598,13 @@
               <a:rPr lang="en-US"/>
               <a:t>Click to edit Master title style</a:t>
             </a:r>
-          </a:p>
-        </p:txBody>
-      </p:sp>
-      <p:sp>
-        <p:nvSpPr>
-          <p:cNvPr id="3" name="Subtitle 2">
-            <a:extLst>
-              <a:ext uri="{FF2B5EF4-FFF2-40B4-BE49-F238E27FC236}">
-                <a16:creationId xmlns:a16="http://schemas.microsoft.com/office/drawing/2014/main" id="{CF33A3A5-99EE-0248-8214-C18038BD8727}"/>
-              </a:ext>
-            </a:extLst>
-          </p:cNvPr>
+            <a:endParaRPr lang="en-US" dirty="0"/>
+          </a:p>
+        </p:txBody>
+      </p:sp>
+      <p:sp>
+        <p:nvSpPr>
+          <p:cNvPr id="3" name="Subtitle 2"/>
           <p:cNvSpPr>
             <a:spLocks noGrp="1"/>
           </p:cNvSpPr>
@@ -620,8 +614,8 @@
         </p:nvSpPr>
         <p:spPr>
           <a:xfrm>
-            <a:off x="1524000" y="3602038"/>
-            <a:ext cx="9144000" cy="1655762"/>
+            <a:off x="1524000" y="4033949"/>
+            <a:ext cx="9144000" cy="1854300"/>
           </a:xfrm>
         </p:spPr>
         <p:txBody>
@@ -669,18 +663,13 @@
               <a:rPr lang="en-US"/>
               <a:t>Click to edit Master subtitle style</a:t>
             </a:r>
-          </a:p>
-        </p:txBody>
-      </p:sp>
-      <p:sp>
-        <p:nvSpPr>
-          <p:cNvPr id="4" name="Date Placeholder 3">
-            <a:extLst>
-              <a:ext uri="{FF2B5EF4-FFF2-40B4-BE49-F238E27FC236}">
-                <a16:creationId xmlns:a16="http://schemas.microsoft.com/office/drawing/2014/main" id="{BDF8072A-F3EE-BD45-95A0-18F55D3D6543}"/>
-              </a:ext>
-            </a:extLst>
-          </p:cNvPr>
+            <a:endParaRPr lang="en-US" dirty="0"/>
+          </a:p>
+        </p:txBody>
+      </p:sp>
+      <p:sp>
+        <p:nvSpPr>
+          <p:cNvPr id="4" name="Date Placeholder 3"/>
           <p:cNvSpPr>
             <a:spLocks noGrp="1"/>
           </p:cNvSpPr>
@@ -703,13 +692,7 @@
       </p:sp>
       <p:sp>
         <p:nvSpPr>
-          <p:cNvPr id="5" name="Footer Placeholder 4">
-            <a:extLst>
-              <a:ext uri="{FF2B5EF4-FFF2-40B4-BE49-F238E27FC236}">
-                <a16:creationId xmlns:a16="http://schemas.microsoft.com/office/drawing/2014/main" id="{3BE33042-D627-7944-AF67-B052A3F30597}"/>
-              </a:ext>
-            </a:extLst>
-          </p:cNvPr>
+          <p:cNvPr id="5" name="Footer Placeholder 4"/>
           <p:cNvSpPr>
             <a:spLocks noGrp="1"/>
           </p:cNvSpPr>
@@ -728,13 +711,7 @@
       </p:sp>
       <p:sp>
         <p:nvSpPr>
-          <p:cNvPr id="6" name="Slide Number Placeholder 5">
-            <a:extLst>
-              <a:ext uri="{FF2B5EF4-FFF2-40B4-BE49-F238E27FC236}">
-                <a16:creationId xmlns:a16="http://schemas.microsoft.com/office/drawing/2014/main" id="{59CC17FB-470E-534B-8C77-DC12CDB06FE3}"/>
-              </a:ext>
-            </a:extLst>
-          </p:cNvPr>
+          <p:cNvPr id="6" name="Slide Number Placeholder 5"/>
           <p:cNvSpPr>
             <a:spLocks noGrp="1"/>
           </p:cNvSpPr>
@@ -758,7 +735,7 @@
     </p:spTree>
     <p:extLst>
       <p:ext uri="{BB962C8B-B14F-4D97-AF65-F5344CB8AC3E}">
-        <p14:creationId xmlns:p14="http://schemas.microsoft.com/office/powerpoint/2010/main" val="1042660110"/>
+        <p14:creationId xmlns:p14="http://schemas.microsoft.com/office/powerpoint/2010/main" val="1611977684"/>
       </p:ext>
     </p:extLst>
   </p:cSld>
@@ -787,13 +764,7 @@
       </p:grpSpPr>
       <p:sp>
         <p:nvSpPr>
-          <p:cNvPr id="2" name="Title 1">
-            <a:extLst>
-              <a:ext uri="{FF2B5EF4-FFF2-40B4-BE49-F238E27FC236}">
-                <a16:creationId xmlns:a16="http://schemas.microsoft.com/office/drawing/2014/main" id="{D7146EB4-14D0-9A4D-B432-61D47728BCDF}"/>
-              </a:ext>
-            </a:extLst>
-          </p:cNvPr>
+          <p:cNvPr id="2" name="Title 1"/>
           <p:cNvSpPr>
             <a:spLocks noGrp="1"/>
           </p:cNvSpPr>
@@ -810,18 +781,13 @@
               <a:rPr lang="en-US"/>
               <a:t>Click to edit Master title style</a:t>
             </a:r>
-          </a:p>
-        </p:txBody>
-      </p:sp>
-      <p:sp>
-        <p:nvSpPr>
-          <p:cNvPr id="3" name="Vertical Text Placeholder 2">
-            <a:extLst>
-              <a:ext uri="{FF2B5EF4-FFF2-40B4-BE49-F238E27FC236}">
-                <a16:creationId xmlns:a16="http://schemas.microsoft.com/office/drawing/2014/main" id="{6A538181-BC0F-B74A-B106-BA1EC5B67DD6}"/>
-              </a:ext>
-            </a:extLst>
-          </p:cNvPr>
+            <a:endParaRPr lang="en-US" dirty="0"/>
+          </a:p>
+        </p:txBody>
+      </p:sp>
+      <p:sp>
+        <p:nvSpPr>
+          <p:cNvPr id="3" name="Vertical Text Placeholder 2"/>
           <p:cNvSpPr>
             <a:spLocks noGrp="1"/>
           </p:cNvSpPr>
@@ -837,7 +803,7 @@
             <a:pPr lvl="0"/>
             <a:r>
               <a:rPr lang="en-US"/>
-              <a:t>Click to edit Master text styles</a:t>
+              <a:t>Edit Master text styles</a:t>
             </a:r>
           </a:p>
           <a:p>
@@ -867,18 +833,13 @@
               <a:rPr lang="en-US"/>
               <a:t>Fifth level</a:t>
             </a:r>
-          </a:p>
-        </p:txBody>
-      </p:sp>
-      <p:sp>
-        <p:nvSpPr>
-          <p:cNvPr id="4" name="Date Placeholder 3">
-            <a:extLst>
-              <a:ext uri="{FF2B5EF4-FFF2-40B4-BE49-F238E27FC236}">
-                <a16:creationId xmlns:a16="http://schemas.microsoft.com/office/drawing/2014/main" id="{BE369F0C-90A8-B04F-9557-91CCFE2D2AE1}"/>
-              </a:ext>
-            </a:extLst>
-          </p:cNvPr>
+            <a:endParaRPr lang="en-US" dirty="0"/>
+          </a:p>
+        </p:txBody>
+      </p:sp>
+      <p:sp>
+        <p:nvSpPr>
+          <p:cNvPr id="4" name="Date Placeholder 3"/>
           <p:cNvSpPr>
             <a:spLocks noGrp="1"/>
           </p:cNvSpPr>
@@ -901,13 +862,7 @@
       </p:sp>
       <p:sp>
         <p:nvSpPr>
-          <p:cNvPr id="5" name="Footer Placeholder 4">
-            <a:extLst>
-              <a:ext uri="{FF2B5EF4-FFF2-40B4-BE49-F238E27FC236}">
-                <a16:creationId xmlns:a16="http://schemas.microsoft.com/office/drawing/2014/main" id="{2D038211-D1B0-8741-A32D-184D2C55A91F}"/>
-              </a:ext>
-            </a:extLst>
-          </p:cNvPr>
+          <p:cNvPr id="5" name="Footer Placeholder 4"/>
           <p:cNvSpPr>
             <a:spLocks noGrp="1"/>
           </p:cNvSpPr>
@@ -926,13 +881,7 @@
       </p:sp>
       <p:sp>
         <p:nvSpPr>
-          <p:cNvPr id="6" name="Slide Number Placeholder 5">
-            <a:extLst>
-              <a:ext uri="{FF2B5EF4-FFF2-40B4-BE49-F238E27FC236}">
-                <a16:creationId xmlns:a16="http://schemas.microsoft.com/office/drawing/2014/main" id="{EE8C7640-1170-CD43-9187-B119B5B1F6E6}"/>
-              </a:ext>
-            </a:extLst>
-          </p:cNvPr>
+          <p:cNvPr id="6" name="Slide Number Placeholder 5"/>
           <p:cNvSpPr>
             <a:spLocks noGrp="1"/>
           </p:cNvSpPr>
@@ -956,7 +905,7 @@
     </p:spTree>
     <p:extLst>
       <p:ext uri="{BB962C8B-B14F-4D97-AF65-F5344CB8AC3E}">
-        <p14:creationId xmlns:p14="http://schemas.microsoft.com/office/powerpoint/2010/main" val="1686516472"/>
+        <p14:creationId xmlns:p14="http://schemas.microsoft.com/office/powerpoint/2010/main" val="759797533"/>
       </p:ext>
     </p:extLst>
   </p:cSld>
@@ -985,13 +934,7 @@
       </p:grpSpPr>
       <p:sp>
         <p:nvSpPr>
-          <p:cNvPr id="2" name="Vertical Title 1">
-            <a:extLst>
-              <a:ext uri="{FF2B5EF4-FFF2-40B4-BE49-F238E27FC236}">
-                <a16:creationId xmlns:a16="http://schemas.microsoft.com/office/drawing/2014/main" id="{EC840C4A-9876-9F49-BA3D-A73D91DAC643}"/>
-              </a:ext>
-            </a:extLst>
-          </p:cNvPr>
+          <p:cNvPr id="2" name="Vertical Title 1"/>
           <p:cNvSpPr>
             <a:spLocks noGrp="1"/>
           </p:cNvSpPr>
@@ -1001,8 +944,8 @@
         </p:nvSpPr>
         <p:spPr>
           <a:xfrm>
-            <a:off x="8724900" y="365125"/>
-            <a:ext cx="2628900" cy="5811838"/>
+            <a:off x="8724900" y="408906"/>
+            <a:ext cx="2628900" cy="6508720"/>
           </a:xfrm>
         </p:spPr>
         <p:txBody>
@@ -1013,18 +956,13 @@
               <a:rPr lang="en-US"/>
               <a:t>Click to edit Master title style</a:t>
             </a:r>
-          </a:p>
-        </p:txBody>
-      </p:sp>
-      <p:sp>
-        <p:nvSpPr>
-          <p:cNvPr id="3" name="Vertical Text Placeholder 2">
-            <a:extLst>
-              <a:ext uri="{FF2B5EF4-FFF2-40B4-BE49-F238E27FC236}">
-                <a16:creationId xmlns:a16="http://schemas.microsoft.com/office/drawing/2014/main" id="{0458ABF0-94A7-D248-BB0A-DD4691B50A66}"/>
-              </a:ext>
-            </a:extLst>
-          </p:cNvPr>
+            <a:endParaRPr lang="en-US" dirty="0"/>
+          </a:p>
+        </p:txBody>
+      </p:sp>
+      <p:sp>
+        <p:nvSpPr>
+          <p:cNvPr id="3" name="Vertical Text Placeholder 2"/>
           <p:cNvSpPr>
             <a:spLocks noGrp="1"/>
           </p:cNvSpPr>
@@ -1034,8 +972,8 @@
         </p:nvSpPr>
         <p:spPr>
           <a:xfrm>
-            <a:off x="838200" y="365125"/>
-            <a:ext cx="7734300" cy="5811838"/>
+            <a:off x="838200" y="408906"/>
+            <a:ext cx="7734300" cy="6508720"/>
           </a:xfrm>
         </p:spPr>
         <p:txBody>
@@ -1045,7 +983,7 @@
             <a:pPr lvl="0"/>
             <a:r>
               <a:rPr lang="en-US"/>
-              <a:t>Click to edit Master text styles</a:t>
+              <a:t>Edit Master text styles</a:t>
             </a:r>
           </a:p>
           <a:p>
@@ -1075,18 +1013,13 @@
               <a:rPr lang="en-US"/>
               <a:t>Fifth level</a:t>
             </a:r>
-          </a:p>
-        </p:txBody>
-      </p:sp>
-      <p:sp>
-        <p:nvSpPr>
-          <p:cNvPr id="4" name="Date Placeholder 3">
-            <a:extLst>
-              <a:ext uri="{FF2B5EF4-FFF2-40B4-BE49-F238E27FC236}">
-                <a16:creationId xmlns:a16="http://schemas.microsoft.com/office/drawing/2014/main" id="{241D52D2-5D53-3648-A9DC-0EAEA4D70C1A}"/>
-              </a:ext>
-            </a:extLst>
-          </p:cNvPr>
+            <a:endParaRPr lang="en-US" dirty="0"/>
+          </a:p>
+        </p:txBody>
+      </p:sp>
+      <p:sp>
+        <p:nvSpPr>
+          <p:cNvPr id="4" name="Date Placeholder 3"/>
           <p:cNvSpPr>
             <a:spLocks noGrp="1"/>
           </p:cNvSpPr>
@@ -1109,13 +1042,7 @@
       </p:sp>
       <p:sp>
         <p:nvSpPr>
-          <p:cNvPr id="5" name="Footer Placeholder 4">
-            <a:extLst>
-              <a:ext uri="{FF2B5EF4-FFF2-40B4-BE49-F238E27FC236}">
-                <a16:creationId xmlns:a16="http://schemas.microsoft.com/office/drawing/2014/main" id="{E85AF60E-BF40-6647-A5CF-CD74D355DBF1}"/>
-              </a:ext>
-            </a:extLst>
-          </p:cNvPr>
+          <p:cNvPr id="5" name="Footer Placeholder 4"/>
           <p:cNvSpPr>
             <a:spLocks noGrp="1"/>
           </p:cNvSpPr>
@@ -1134,13 +1061,7 @@
       </p:sp>
       <p:sp>
         <p:nvSpPr>
-          <p:cNvPr id="6" name="Slide Number Placeholder 5">
-            <a:extLst>
-              <a:ext uri="{FF2B5EF4-FFF2-40B4-BE49-F238E27FC236}">
-                <a16:creationId xmlns:a16="http://schemas.microsoft.com/office/drawing/2014/main" id="{6FEC87D5-18AC-C848-A18B-64AED2A1A698}"/>
-              </a:ext>
-            </a:extLst>
-          </p:cNvPr>
+          <p:cNvPr id="6" name="Slide Number Placeholder 5"/>
           <p:cNvSpPr>
             <a:spLocks noGrp="1"/>
           </p:cNvSpPr>
@@ -1164,7 +1085,7 @@
     </p:spTree>
     <p:extLst>
       <p:ext uri="{BB962C8B-B14F-4D97-AF65-F5344CB8AC3E}">
-        <p14:creationId xmlns:p14="http://schemas.microsoft.com/office/powerpoint/2010/main" val="250071125"/>
+        <p14:creationId xmlns:p14="http://schemas.microsoft.com/office/powerpoint/2010/main" val="219657350"/>
       </p:ext>
     </p:extLst>
   </p:cSld>
@@ -1238,15 +1159,15 @@
         </p:nvSpPr>
         <p:spPr>
           <a:xfrm>
-            <a:off x="202294" y="390334"/>
-            <a:ext cx="6532780" cy="559397"/>
+            <a:off x="202294" y="437139"/>
+            <a:ext cx="6532780" cy="626473"/>
           </a:xfrm>
         </p:spPr>
         <p:txBody>
           <a:bodyPr/>
           <a:lstStyle>
             <a:lvl1pPr>
-              <a:defRPr sz="2800" b="1">
+              <a:defRPr sz="3061" b="1">
                 <a:solidFill>
                   <a:srgbClr val="141B23"/>
                 </a:solidFill>
@@ -1279,8 +1200,8 @@
         </p:nvSpPr>
         <p:spPr>
           <a:xfrm>
-            <a:off x="10909468" y="438500"/>
-            <a:ext cx="1053932" cy="463064"/>
+            <a:off x="10909468" y="491079"/>
+            <a:ext cx="1053932" cy="518589"/>
           </a:xfrm>
         </p:spPr>
         <p:txBody>
@@ -1290,7 +1211,7 @@
           <a:lstStyle>
             <a:lvl1pPr marL="0" indent="0" algn="r">
               <a:buNone/>
-              <a:defRPr sz="1800">
+              <a:defRPr sz="1968">
                 <a:solidFill>
                   <a:srgbClr val="141B23"/>
                 </a:solidFill>
@@ -1321,7 +1242,7 @@
         <p:spPr>
           <a:xfrm>
             <a:off x="0" y="1"/>
-            <a:ext cx="12192000" cy="290456"/>
+            <a:ext cx="12192000" cy="325284"/>
           </a:xfrm>
           <a:prstGeom prst="rect">
             <a:avLst/>
@@ -1358,7 +1279,7 @@
           </a:fontRef>
         </p:style>
         <p:txBody>
-          <a:bodyPr rot="0" spcFirstLastPara="0" vertOverflow="overflow" horzOverflow="overflow" vert="horz" wrap="square" lIns="91440" tIns="91440" rIns="91440" bIns="45720" numCol="1" spcCol="0" rtlCol="0" fromWordArt="0" anchor="t" anchorCtr="0" forceAA="0" compatLnSpc="1">
+          <a:bodyPr rot="0" spcFirstLastPara="0" vertOverflow="overflow" horzOverflow="overflow" vert="horz" wrap="square" lIns="99970" tIns="99970" rIns="99970" bIns="49985" numCol="1" spcCol="0" rtlCol="0" fromWordArt="0" anchor="t" anchorCtr="0" forceAA="0" compatLnSpc="1">
             <a:prstTxWarp prst="textNoShape">
               <a:avLst/>
             </a:prstTxWarp>
@@ -1367,7 +1288,7 @@
           <a:lstStyle/>
           <a:p>
             <a:pPr algn="l"/>
-            <a:endParaRPr lang="en-US" sz="1200" dirty="0">
+            <a:endParaRPr lang="en-US" sz="1312" dirty="0">
               <a:solidFill>
                 <a:schemeClr val="tx2"/>
               </a:solidFill>
@@ -1378,7 +1299,7 @@
     </p:spTree>
     <p:extLst>
       <p:ext uri="{BB962C8B-B14F-4D97-AF65-F5344CB8AC3E}">
-        <p14:creationId xmlns:p14="http://schemas.microsoft.com/office/powerpoint/2010/main" val="3852538270"/>
+        <p14:creationId xmlns:p14="http://schemas.microsoft.com/office/powerpoint/2010/main" val="3772355138"/>
       </p:ext>
     </p:extLst>
   </p:cSld>
@@ -1407,13 +1328,7 @@
       </p:grpSpPr>
       <p:sp>
         <p:nvSpPr>
-          <p:cNvPr id="2" name="Title 1">
-            <a:extLst>
-              <a:ext uri="{FF2B5EF4-FFF2-40B4-BE49-F238E27FC236}">
-                <a16:creationId xmlns:a16="http://schemas.microsoft.com/office/drawing/2014/main" id="{6C4197ED-EEEC-5944-9B16-CDA582214924}"/>
-              </a:ext>
-            </a:extLst>
-          </p:cNvPr>
+          <p:cNvPr id="2" name="Title 1"/>
           <p:cNvSpPr>
             <a:spLocks noGrp="1"/>
           </p:cNvSpPr>
@@ -1430,18 +1345,13 @@
               <a:rPr lang="en-US"/>
               <a:t>Click to edit Master title style</a:t>
             </a:r>
-          </a:p>
-        </p:txBody>
-      </p:sp>
-      <p:sp>
-        <p:nvSpPr>
-          <p:cNvPr id="3" name="Content Placeholder 2">
-            <a:extLst>
-              <a:ext uri="{FF2B5EF4-FFF2-40B4-BE49-F238E27FC236}">
-                <a16:creationId xmlns:a16="http://schemas.microsoft.com/office/drawing/2014/main" id="{C2B2F0F4-834E-BD42-A4E8-0A45F1B5D74B}"/>
-              </a:ext>
-            </a:extLst>
-          </p:cNvPr>
+            <a:endParaRPr lang="en-US" dirty="0"/>
+          </a:p>
+        </p:txBody>
+      </p:sp>
+      <p:sp>
+        <p:nvSpPr>
+          <p:cNvPr id="3" name="Content Placeholder 2"/>
           <p:cNvSpPr>
             <a:spLocks noGrp="1"/>
           </p:cNvSpPr>
@@ -1457,7 +1367,7 @@
             <a:pPr lvl="0"/>
             <a:r>
               <a:rPr lang="en-US"/>
-              <a:t>Click to edit Master text styles</a:t>
+              <a:t>Edit Master text styles</a:t>
             </a:r>
           </a:p>
           <a:p>
@@ -1487,18 +1397,13 @@
               <a:rPr lang="en-US"/>
               <a:t>Fifth level</a:t>
             </a:r>
-          </a:p>
-        </p:txBody>
-      </p:sp>
-      <p:sp>
-        <p:nvSpPr>
-          <p:cNvPr id="4" name="Date Placeholder 3">
-            <a:extLst>
-              <a:ext uri="{FF2B5EF4-FFF2-40B4-BE49-F238E27FC236}">
-                <a16:creationId xmlns:a16="http://schemas.microsoft.com/office/drawing/2014/main" id="{35340F61-BEB9-5742-B90A-A3915C4A3CFB}"/>
-              </a:ext>
-            </a:extLst>
-          </p:cNvPr>
+            <a:endParaRPr lang="en-US" dirty="0"/>
+          </a:p>
+        </p:txBody>
+      </p:sp>
+      <p:sp>
+        <p:nvSpPr>
+          <p:cNvPr id="4" name="Date Placeholder 3"/>
           <p:cNvSpPr>
             <a:spLocks noGrp="1"/>
           </p:cNvSpPr>
@@ -1521,13 +1426,7 @@
       </p:sp>
       <p:sp>
         <p:nvSpPr>
-          <p:cNvPr id="5" name="Footer Placeholder 4">
-            <a:extLst>
-              <a:ext uri="{FF2B5EF4-FFF2-40B4-BE49-F238E27FC236}">
-                <a16:creationId xmlns:a16="http://schemas.microsoft.com/office/drawing/2014/main" id="{DA41DC3C-E22E-354F-B1CC-A2DD98E8DD82}"/>
-              </a:ext>
-            </a:extLst>
-          </p:cNvPr>
+          <p:cNvPr id="5" name="Footer Placeholder 4"/>
           <p:cNvSpPr>
             <a:spLocks noGrp="1"/>
           </p:cNvSpPr>
@@ -1546,13 +1445,7 @@
       </p:sp>
       <p:sp>
         <p:nvSpPr>
-          <p:cNvPr id="6" name="Slide Number Placeholder 5">
-            <a:extLst>
-              <a:ext uri="{FF2B5EF4-FFF2-40B4-BE49-F238E27FC236}">
-                <a16:creationId xmlns:a16="http://schemas.microsoft.com/office/drawing/2014/main" id="{CEC57C54-8FCF-E445-BF8F-273B2B16C830}"/>
-              </a:ext>
-            </a:extLst>
-          </p:cNvPr>
+          <p:cNvPr id="6" name="Slide Number Placeholder 5"/>
           <p:cNvSpPr>
             <a:spLocks noGrp="1"/>
           </p:cNvSpPr>
@@ -1576,7 +1469,7 @@
     </p:spTree>
     <p:extLst>
       <p:ext uri="{BB962C8B-B14F-4D97-AF65-F5344CB8AC3E}">
-        <p14:creationId xmlns:p14="http://schemas.microsoft.com/office/powerpoint/2010/main" val="608623635"/>
+        <p14:creationId xmlns:p14="http://schemas.microsoft.com/office/powerpoint/2010/main" val="1030717909"/>
       </p:ext>
     </p:extLst>
   </p:cSld>
@@ -1605,13 +1498,7 @@
       </p:grpSpPr>
       <p:sp>
         <p:nvSpPr>
-          <p:cNvPr id="2" name="Title 1">
-            <a:extLst>
-              <a:ext uri="{FF2B5EF4-FFF2-40B4-BE49-F238E27FC236}">
-                <a16:creationId xmlns:a16="http://schemas.microsoft.com/office/drawing/2014/main" id="{17BFB06E-DB27-7743-9EB0-7356EB87AD0A}"/>
-              </a:ext>
-            </a:extLst>
-          </p:cNvPr>
+          <p:cNvPr id="2" name="Title 1"/>
           <p:cNvSpPr>
             <a:spLocks noGrp="1"/>
           </p:cNvSpPr>
@@ -1621,8 +1508,8 @@
         </p:nvSpPr>
         <p:spPr>
           <a:xfrm>
-            <a:off x="831850" y="1709738"/>
-            <a:ext cx="10515600" cy="2852737"/>
+            <a:off x="831850" y="1914749"/>
+            <a:ext cx="10515600" cy="3194801"/>
           </a:xfrm>
         </p:spPr>
         <p:txBody>
@@ -1637,18 +1524,13 @@
               <a:rPr lang="en-US"/>
               <a:t>Click to edit Master title style</a:t>
             </a:r>
-          </a:p>
-        </p:txBody>
-      </p:sp>
-      <p:sp>
-        <p:nvSpPr>
-          <p:cNvPr id="3" name="Text Placeholder 2">
-            <a:extLst>
-              <a:ext uri="{FF2B5EF4-FFF2-40B4-BE49-F238E27FC236}">
-                <a16:creationId xmlns:a16="http://schemas.microsoft.com/office/drawing/2014/main" id="{B21B89B9-CA95-1F49-93C9-D6A712123641}"/>
-              </a:ext>
-            </a:extLst>
-          </p:cNvPr>
+            <a:endParaRPr lang="en-US" dirty="0"/>
+          </a:p>
+        </p:txBody>
+      </p:sp>
+      <p:sp>
+        <p:nvSpPr>
+          <p:cNvPr id="3" name="Text Placeholder 2"/>
           <p:cNvSpPr>
             <a:spLocks noGrp="1"/>
           </p:cNvSpPr>
@@ -1658,8 +1540,8 @@
         </p:nvSpPr>
         <p:spPr>
           <a:xfrm>
-            <a:off x="831850" y="4589463"/>
-            <a:ext cx="10515600" cy="1500187"/>
+            <a:off x="831850" y="5139774"/>
+            <a:ext cx="10515600" cy="1680071"/>
           </a:xfrm>
         </p:spPr>
         <p:txBody>
@@ -1760,20 +1642,14 @@
             <a:pPr lvl="0"/>
             <a:r>
               <a:rPr lang="en-US"/>
-              <a:t>Click to edit Master text styles</a:t>
-            </a:r>
-          </a:p>
-        </p:txBody>
-      </p:sp>
-      <p:sp>
-        <p:nvSpPr>
-          <p:cNvPr id="4" name="Date Placeholder 3">
-            <a:extLst>
-              <a:ext uri="{FF2B5EF4-FFF2-40B4-BE49-F238E27FC236}">
-                <a16:creationId xmlns:a16="http://schemas.microsoft.com/office/drawing/2014/main" id="{AF083F60-EA3A-1B4E-A7D3-A3114722EC4E}"/>
-              </a:ext>
-            </a:extLst>
-          </p:cNvPr>
+              <a:t>Edit Master text styles</a:t>
+            </a:r>
+          </a:p>
+        </p:txBody>
+      </p:sp>
+      <p:sp>
+        <p:nvSpPr>
+          <p:cNvPr id="4" name="Date Placeholder 3"/>
           <p:cNvSpPr>
             <a:spLocks noGrp="1"/>
           </p:cNvSpPr>
@@ -1796,13 +1672,7 @@
       </p:sp>
       <p:sp>
         <p:nvSpPr>
-          <p:cNvPr id="5" name="Footer Placeholder 4">
-            <a:extLst>
-              <a:ext uri="{FF2B5EF4-FFF2-40B4-BE49-F238E27FC236}">
-                <a16:creationId xmlns:a16="http://schemas.microsoft.com/office/drawing/2014/main" id="{6F49C619-7908-8542-9E55-9864F84BA5BB}"/>
-              </a:ext>
-            </a:extLst>
-          </p:cNvPr>
+          <p:cNvPr id="5" name="Footer Placeholder 4"/>
           <p:cNvSpPr>
             <a:spLocks noGrp="1"/>
           </p:cNvSpPr>
@@ -1821,13 +1691,7 @@
       </p:sp>
       <p:sp>
         <p:nvSpPr>
-          <p:cNvPr id="6" name="Slide Number Placeholder 5">
-            <a:extLst>
-              <a:ext uri="{FF2B5EF4-FFF2-40B4-BE49-F238E27FC236}">
-                <a16:creationId xmlns:a16="http://schemas.microsoft.com/office/drawing/2014/main" id="{3945D116-FAF8-FC41-9328-B8CD97C692A0}"/>
-              </a:ext>
-            </a:extLst>
-          </p:cNvPr>
+          <p:cNvPr id="6" name="Slide Number Placeholder 5"/>
           <p:cNvSpPr>
             <a:spLocks noGrp="1"/>
           </p:cNvSpPr>
@@ -1851,7 +1715,7 @@
     </p:spTree>
     <p:extLst>
       <p:ext uri="{BB962C8B-B14F-4D97-AF65-F5344CB8AC3E}">
-        <p14:creationId xmlns:p14="http://schemas.microsoft.com/office/powerpoint/2010/main" val="407391237"/>
+        <p14:creationId xmlns:p14="http://schemas.microsoft.com/office/powerpoint/2010/main" val="1081310990"/>
       </p:ext>
     </p:extLst>
   </p:cSld>
@@ -1880,13 +1744,7 @@
       </p:grpSpPr>
       <p:sp>
         <p:nvSpPr>
-          <p:cNvPr id="2" name="Title 1">
-            <a:extLst>
-              <a:ext uri="{FF2B5EF4-FFF2-40B4-BE49-F238E27FC236}">
-                <a16:creationId xmlns:a16="http://schemas.microsoft.com/office/drawing/2014/main" id="{A72F8AFC-15F6-7349-B8FA-99522D842DE9}"/>
-              </a:ext>
-            </a:extLst>
-          </p:cNvPr>
+          <p:cNvPr id="2" name="Title 1"/>
           <p:cNvSpPr>
             <a:spLocks noGrp="1"/>
           </p:cNvSpPr>
@@ -1903,18 +1761,13 @@
               <a:rPr lang="en-US"/>
               <a:t>Click to edit Master title style</a:t>
             </a:r>
-          </a:p>
-        </p:txBody>
-      </p:sp>
-      <p:sp>
-        <p:nvSpPr>
-          <p:cNvPr id="3" name="Content Placeholder 2">
-            <a:extLst>
-              <a:ext uri="{FF2B5EF4-FFF2-40B4-BE49-F238E27FC236}">
-                <a16:creationId xmlns:a16="http://schemas.microsoft.com/office/drawing/2014/main" id="{31E7CB94-3D8A-A542-B679-D82D5A40A75F}"/>
-              </a:ext>
-            </a:extLst>
-          </p:cNvPr>
+            <a:endParaRPr lang="en-US" dirty="0"/>
+          </a:p>
+        </p:txBody>
+      </p:sp>
+      <p:sp>
+        <p:nvSpPr>
+          <p:cNvPr id="3" name="Content Placeholder 2"/>
           <p:cNvSpPr>
             <a:spLocks noGrp="1"/>
           </p:cNvSpPr>
@@ -1924,8 +1777,8 @@
         </p:nvSpPr>
         <p:spPr>
           <a:xfrm>
-            <a:off x="838200" y="1825625"/>
-            <a:ext cx="5181600" cy="4351338"/>
+            <a:off x="838200" y="2044531"/>
+            <a:ext cx="5181600" cy="4873096"/>
           </a:xfrm>
         </p:spPr>
         <p:txBody>
@@ -1935,7 +1788,7 @@
             <a:pPr lvl="0"/>
             <a:r>
               <a:rPr lang="en-US"/>
-              <a:t>Click to edit Master text styles</a:t>
+              <a:t>Edit Master text styles</a:t>
             </a:r>
           </a:p>
           <a:p>
@@ -1965,18 +1818,13 @@
               <a:rPr lang="en-US"/>
               <a:t>Fifth level</a:t>
             </a:r>
-          </a:p>
-        </p:txBody>
-      </p:sp>
-      <p:sp>
-        <p:nvSpPr>
-          <p:cNvPr id="4" name="Content Placeholder 3">
-            <a:extLst>
-              <a:ext uri="{FF2B5EF4-FFF2-40B4-BE49-F238E27FC236}">
-                <a16:creationId xmlns:a16="http://schemas.microsoft.com/office/drawing/2014/main" id="{3A14F81F-CD86-4843-B2F7-CE120E68C17B}"/>
-              </a:ext>
-            </a:extLst>
-          </p:cNvPr>
+            <a:endParaRPr lang="en-US" dirty="0"/>
+          </a:p>
+        </p:txBody>
+      </p:sp>
+      <p:sp>
+        <p:nvSpPr>
+          <p:cNvPr id="4" name="Content Placeholder 3"/>
           <p:cNvSpPr>
             <a:spLocks noGrp="1"/>
           </p:cNvSpPr>
@@ -1986,8 +1834,8 @@
         </p:nvSpPr>
         <p:spPr>
           <a:xfrm>
-            <a:off x="6172200" y="1825625"/>
-            <a:ext cx="5181600" cy="4351338"/>
+            <a:off x="6172200" y="2044531"/>
+            <a:ext cx="5181600" cy="4873096"/>
           </a:xfrm>
         </p:spPr>
         <p:txBody>
@@ -1997,7 +1845,7 @@
             <a:pPr lvl="0"/>
             <a:r>
               <a:rPr lang="en-US"/>
-              <a:t>Click to edit Master text styles</a:t>
+              <a:t>Edit Master text styles</a:t>
             </a:r>
           </a:p>
           <a:p>
@@ -2027,18 +1875,13 @@
               <a:rPr lang="en-US"/>
               <a:t>Fifth level</a:t>
             </a:r>
-          </a:p>
-        </p:txBody>
-      </p:sp>
-      <p:sp>
-        <p:nvSpPr>
-          <p:cNvPr id="5" name="Date Placeholder 4">
-            <a:extLst>
-              <a:ext uri="{FF2B5EF4-FFF2-40B4-BE49-F238E27FC236}">
-                <a16:creationId xmlns:a16="http://schemas.microsoft.com/office/drawing/2014/main" id="{CC672980-4F4C-DB41-BA0F-AAAABBBD2ADA}"/>
-              </a:ext>
-            </a:extLst>
-          </p:cNvPr>
+            <a:endParaRPr lang="en-US" dirty="0"/>
+          </a:p>
+        </p:txBody>
+      </p:sp>
+      <p:sp>
+        <p:nvSpPr>
+          <p:cNvPr id="5" name="Date Placeholder 4"/>
           <p:cNvSpPr>
             <a:spLocks noGrp="1"/>
           </p:cNvSpPr>
@@ -2061,13 +1904,7 @@
       </p:sp>
       <p:sp>
         <p:nvSpPr>
-          <p:cNvPr id="6" name="Footer Placeholder 5">
-            <a:extLst>
-              <a:ext uri="{FF2B5EF4-FFF2-40B4-BE49-F238E27FC236}">
-                <a16:creationId xmlns:a16="http://schemas.microsoft.com/office/drawing/2014/main" id="{D3E92696-8754-844A-992A-A22D9D3BBF2C}"/>
-              </a:ext>
-            </a:extLst>
-          </p:cNvPr>
+          <p:cNvPr id="6" name="Footer Placeholder 5"/>
           <p:cNvSpPr>
             <a:spLocks noGrp="1"/>
           </p:cNvSpPr>
@@ -2086,13 +1923,7 @@
       </p:sp>
       <p:sp>
         <p:nvSpPr>
-          <p:cNvPr id="7" name="Slide Number Placeholder 6">
-            <a:extLst>
-              <a:ext uri="{FF2B5EF4-FFF2-40B4-BE49-F238E27FC236}">
-                <a16:creationId xmlns:a16="http://schemas.microsoft.com/office/drawing/2014/main" id="{3C69C177-ACAF-D14F-A35C-B4462E394CD0}"/>
-              </a:ext>
-            </a:extLst>
-          </p:cNvPr>
+          <p:cNvPr id="7" name="Slide Number Placeholder 6"/>
           <p:cNvSpPr>
             <a:spLocks noGrp="1"/>
           </p:cNvSpPr>
@@ -2116,7 +1947,7 @@
     </p:spTree>
     <p:extLst>
       <p:ext uri="{BB962C8B-B14F-4D97-AF65-F5344CB8AC3E}">
-        <p14:creationId xmlns:p14="http://schemas.microsoft.com/office/powerpoint/2010/main" val="728369841"/>
+        <p14:creationId xmlns:p14="http://schemas.microsoft.com/office/powerpoint/2010/main" val="3514651154"/>
       </p:ext>
     </p:extLst>
   </p:cSld>
@@ -2145,13 +1976,7 @@
       </p:grpSpPr>
       <p:sp>
         <p:nvSpPr>
-          <p:cNvPr id="2" name="Title 1">
-            <a:extLst>
-              <a:ext uri="{FF2B5EF4-FFF2-40B4-BE49-F238E27FC236}">
-                <a16:creationId xmlns:a16="http://schemas.microsoft.com/office/drawing/2014/main" id="{8ECDA055-BAC9-8645-B4EF-F82D9FB6A6C3}"/>
-              </a:ext>
-            </a:extLst>
-          </p:cNvPr>
+          <p:cNvPr id="2" name="Title 1"/>
           <p:cNvSpPr>
             <a:spLocks noGrp="1"/>
           </p:cNvSpPr>
@@ -2161,8 +1986,8 @@
         </p:nvSpPr>
         <p:spPr>
           <a:xfrm>
-            <a:off x="839788" y="365125"/>
-            <a:ext cx="10515600" cy="1325563"/>
+            <a:off x="839788" y="408907"/>
+            <a:ext cx="10515600" cy="1484508"/>
           </a:xfrm>
         </p:spPr>
         <p:txBody>
@@ -2173,18 +1998,13 @@
               <a:rPr lang="en-US"/>
               <a:t>Click to edit Master title style</a:t>
             </a:r>
-          </a:p>
-        </p:txBody>
-      </p:sp>
-      <p:sp>
-        <p:nvSpPr>
-          <p:cNvPr id="3" name="Text Placeholder 2">
-            <a:extLst>
-              <a:ext uri="{FF2B5EF4-FFF2-40B4-BE49-F238E27FC236}">
-                <a16:creationId xmlns:a16="http://schemas.microsoft.com/office/drawing/2014/main" id="{EDB73166-261D-2E4C-BCAD-8056287473F0}"/>
-              </a:ext>
-            </a:extLst>
-          </p:cNvPr>
+            <a:endParaRPr lang="en-US" dirty="0"/>
+          </a:p>
+        </p:txBody>
+      </p:sp>
+      <p:sp>
+        <p:nvSpPr>
+          <p:cNvPr id="3" name="Text Placeholder 2"/>
           <p:cNvSpPr>
             <a:spLocks noGrp="1"/>
           </p:cNvSpPr>
@@ -2194,8 +2014,8 @@
         </p:nvSpPr>
         <p:spPr>
           <a:xfrm>
-            <a:off x="839788" y="1681163"/>
-            <a:ext cx="5157787" cy="823912"/>
+            <a:off x="839789" y="1882747"/>
+            <a:ext cx="5157787" cy="922705"/>
           </a:xfrm>
         </p:spPr>
         <p:txBody>
@@ -2242,20 +2062,14 @@
             <a:pPr lvl="0"/>
             <a:r>
               <a:rPr lang="en-US"/>
-              <a:t>Click to edit Master text styles</a:t>
-            </a:r>
-          </a:p>
-        </p:txBody>
-      </p:sp>
-      <p:sp>
-        <p:nvSpPr>
-          <p:cNvPr id="4" name="Content Placeholder 3">
-            <a:extLst>
-              <a:ext uri="{FF2B5EF4-FFF2-40B4-BE49-F238E27FC236}">
-                <a16:creationId xmlns:a16="http://schemas.microsoft.com/office/drawing/2014/main" id="{077CB6FC-4F1D-3240-AD68-01C9EE5306B8}"/>
-              </a:ext>
-            </a:extLst>
-          </p:cNvPr>
+              <a:t>Edit Master text styles</a:t>
+            </a:r>
+          </a:p>
+        </p:txBody>
+      </p:sp>
+      <p:sp>
+        <p:nvSpPr>
+          <p:cNvPr id="4" name="Content Placeholder 3"/>
           <p:cNvSpPr>
             <a:spLocks noGrp="1"/>
           </p:cNvSpPr>
@@ -2265,8 +2079,8 @@
         </p:nvSpPr>
         <p:spPr>
           <a:xfrm>
-            <a:off x="839788" y="2505075"/>
-            <a:ext cx="5157787" cy="3684588"/>
+            <a:off x="839789" y="2805452"/>
+            <a:ext cx="5157787" cy="4126397"/>
           </a:xfrm>
         </p:spPr>
         <p:txBody>
@@ -2276,7 +2090,7 @@
             <a:pPr lvl="0"/>
             <a:r>
               <a:rPr lang="en-US"/>
-              <a:t>Click to edit Master text styles</a:t>
+              <a:t>Edit Master text styles</a:t>
             </a:r>
           </a:p>
           <a:p>
@@ -2306,18 +2120,13 @@
               <a:rPr lang="en-US"/>
               <a:t>Fifth level</a:t>
             </a:r>
-          </a:p>
-        </p:txBody>
-      </p:sp>
-      <p:sp>
-        <p:nvSpPr>
-          <p:cNvPr id="5" name="Text Placeholder 4">
-            <a:extLst>
-              <a:ext uri="{FF2B5EF4-FFF2-40B4-BE49-F238E27FC236}">
-                <a16:creationId xmlns:a16="http://schemas.microsoft.com/office/drawing/2014/main" id="{C28145E3-1C28-2D46-94F0-2314333ECFC4}"/>
-              </a:ext>
-            </a:extLst>
-          </p:cNvPr>
+            <a:endParaRPr lang="en-US" dirty="0"/>
+          </a:p>
+        </p:txBody>
+      </p:sp>
+      <p:sp>
+        <p:nvSpPr>
+          <p:cNvPr id="5" name="Text Placeholder 4"/>
           <p:cNvSpPr>
             <a:spLocks noGrp="1"/>
           </p:cNvSpPr>
@@ -2327,8 +2136,8 @@
         </p:nvSpPr>
         <p:spPr>
           <a:xfrm>
-            <a:off x="6172200" y="1681163"/>
-            <a:ext cx="5183188" cy="823912"/>
+            <a:off x="6172200" y="1882747"/>
+            <a:ext cx="5183188" cy="922705"/>
           </a:xfrm>
         </p:spPr>
         <p:txBody>
@@ -2375,20 +2184,14 @@
             <a:pPr lvl="0"/>
             <a:r>
               <a:rPr lang="en-US"/>
-              <a:t>Click to edit Master text styles</a:t>
-            </a:r>
-          </a:p>
-        </p:txBody>
-      </p:sp>
-      <p:sp>
-        <p:nvSpPr>
-          <p:cNvPr id="6" name="Content Placeholder 5">
-            <a:extLst>
-              <a:ext uri="{FF2B5EF4-FFF2-40B4-BE49-F238E27FC236}">
-                <a16:creationId xmlns:a16="http://schemas.microsoft.com/office/drawing/2014/main" id="{926EDC80-A5B0-8841-8BC2-99FC5FB54645}"/>
-              </a:ext>
-            </a:extLst>
-          </p:cNvPr>
+              <a:t>Edit Master text styles</a:t>
+            </a:r>
+          </a:p>
+        </p:txBody>
+      </p:sp>
+      <p:sp>
+        <p:nvSpPr>
+          <p:cNvPr id="6" name="Content Placeholder 5"/>
           <p:cNvSpPr>
             <a:spLocks noGrp="1"/>
           </p:cNvSpPr>
@@ -2398,8 +2201,8 @@
         </p:nvSpPr>
         <p:spPr>
           <a:xfrm>
-            <a:off x="6172200" y="2505075"/>
-            <a:ext cx="5183188" cy="3684588"/>
+            <a:off x="6172200" y="2805452"/>
+            <a:ext cx="5183188" cy="4126397"/>
           </a:xfrm>
         </p:spPr>
         <p:txBody>
@@ -2409,7 +2212,7 @@
             <a:pPr lvl="0"/>
             <a:r>
               <a:rPr lang="en-US"/>
-              <a:t>Click to edit Master text styles</a:t>
+              <a:t>Edit Master text styles</a:t>
             </a:r>
           </a:p>
           <a:p>
@@ -2439,18 +2242,13 @@
               <a:rPr lang="en-US"/>
               <a:t>Fifth level</a:t>
             </a:r>
-          </a:p>
-        </p:txBody>
-      </p:sp>
-      <p:sp>
-        <p:nvSpPr>
-          <p:cNvPr id="7" name="Date Placeholder 6">
-            <a:extLst>
-              <a:ext uri="{FF2B5EF4-FFF2-40B4-BE49-F238E27FC236}">
-                <a16:creationId xmlns:a16="http://schemas.microsoft.com/office/drawing/2014/main" id="{ACB1BAF1-EE24-0D47-9BC8-ED6867592ED2}"/>
-              </a:ext>
-            </a:extLst>
-          </p:cNvPr>
+            <a:endParaRPr lang="en-US" dirty="0"/>
+          </a:p>
+        </p:txBody>
+      </p:sp>
+      <p:sp>
+        <p:nvSpPr>
+          <p:cNvPr id="7" name="Date Placeholder 6"/>
           <p:cNvSpPr>
             <a:spLocks noGrp="1"/>
           </p:cNvSpPr>
@@ -2473,13 +2271,7 @@
       </p:sp>
       <p:sp>
         <p:nvSpPr>
-          <p:cNvPr id="8" name="Footer Placeholder 7">
-            <a:extLst>
-              <a:ext uri="{FF2B5EF4-FFF2-40B4-BE49-F238E27FC236}">
-                <a16:creationId xmlns:a16="http://schemas.microsoft.com/office/drawing/2014/main" id="{890D6B58-D0E8-FD4F-B0B0-CF0DB7CE7E5F}"/>
-              </a:ext>
-            </a:extLst>
-          </p:cNvPr>
+          <p:cNvPr id="8" name="Footer Placeholder 7"/>
           <p:cNvSpPr>
             <a:spLocks noGrp="1"/>
           </p:cNvSpPr>
@@ -2498,13 +2290,7 @@
       </p:sp>
       <p:sp>
         <p:nvSpPr>
-          <p:cNvPr id="9" name="Slide Number Placeholder 8">
-            <a:extLst>
-              <a:ext uri="{FF2B5EF4-FFF2-40B4-BE49-F238E27FC236}">
-                <a16:creationId xmlns:a16="http://schemas.microsoft.com/office/drawing/2014/main" id="{141C4C0C-5A3B-D440-9491-B40DEB3B1A22}"/>
-              </a:ext>
-            </a:extLst>
-          </p:cNvPr>
+          <p:cNvPr id="9" name="Slide Number Placeholder 8"/>
           <p:cNvSpPr>
             <a:spLocks noGrp="1"/>
           </p:cNvSpPr>
@@ -2528,7 +2314,7 @@
     </p:spTree>
     <p:extLst>
       <p:ext uri="{BB962C8B-B14F-4D97-AF65-F5344CB8AC3E}">
-        <p14:creationId xmlns:p14="http://schemas.microsoft.com/office/powerpoint/2010/main" val="2755376426"/>
+        <p14:creationId xmlns:p14="http://schemas.microsoft.com/office/powerpoint/2010/main" val="4012698296"/>
       </p:ext>
     </p:extLst>
   </p:cSld>
@@ -2557,13 +2343,7 @@
       </p:grpSpPr>
       <p:sp>
         <p:nvSpPr>
-          <p:cNvPr id="2" name="Title 1">
-            <a:extLst>
-              <a:ext uri="{FF2B5EF4-FFF2-40B4-BE49-F238E27FC236}">
-                <a16:creationId xmlns:a16="http://schemas.microsoft.com/office/drawing/2014/main" id="{EE011310-3696-204C-8258-564547E82303}"/>
-              </a:ext>
-            </a:extLst>
-          </p:cNvPr>
+          <p:cNvPr id="2" name="Title 1"/>
           <p:cNvSpPr>
             <a:spLocks noGrp="1"/>
           </p:cNvSpPr>
@@ -2580,18 +2360,13 @@
               <a:rPr lang="en-US"/>
               <a:t>Click to edit Master title style</a:t>
             </a:r>
-          </a:p>
-        </p:txBody>
-      </p:sp>
-      <p:sp>
-        <p:nvSpPr>
-          <p:cNvPr id="3" name="Date Placeholder 2">
-            <a:extLst>
-              <a:ext uri="{FF2B5EF4-FFF2-40B4-BE49-F238E27FC236}">
-                <a16:creationId xmlns:a16="http://schemas.microsoft.com/office/drawing/2014/main" id="{5016C32C-0D74-2944-B791-210B79597A6D}"/>
-              </a:ext>
-            </a:extLst>
-          </p:cNvPr>
+            <a:endParaRPr lang="en-US" dirty="0"/>
+          </a:p>
+        </p:txBody>
+      </p:sp>
+      <p:sp>
+        <p:nvSpPr>
+          <p:cNvPr id="3" name="Date Placeholder 2"/>
           <p:cNvSpPr>
             <a:spLocks noGrp="1"/>
           </p:cNvSpPr>
@@ -2614,13 +2389,7 @@
       </p:sp>
       <p:sp>
         <p:nvSpPr>
-          <p:cNvPr id="4" name="Footer Placeholder 3">
-            <a:extLst>
-              <a:ext uri="{FF2B5EF4-FFF2-40B4-BE49-F238E27FC236}">
-                <a16:creationId xmlns:a16="http://schemas.microsoft.com/office/drawing/2014/main" id="{C512CC75-76D1-2E42-AAF8-CF2DA7112447}"/>
-              </a:ext>
-            </a:extLst>
-          </p:cNvPr>
+          <p:cNvPr id="4" name="Footer Placeholder 3"/>
           <p:cNvSpPr>
             <a:spLocks noGrp="1"/>
           </p:cNvSpPr>
@@ -2639,13 +2408,7 @@
       </p:sp>
       <p:sp>
         <p:nvSpPr>
-          <p:cNvPr id="5" name="Slide Number Placeholder 4">
-            <a:extLst>
-              <a:ext uri="{FF2B5EF4-FFF2-40B4-BE49-F238E27FC236}">
-                <a16:creationId xmlns:a16="http://schemas.microsoft.com/office/drawing/2014/main" id="{7630DB42-F26C-134E-B5AF-3A6FD0CEFA86}"/>
-              </a:ext>
-            </a:extLst>
-          </p:cNvPr>
+          <p:cNvPr id="5" name="Slide Number Placeholder 4"/>
           <p:cNvSpPr>
             <a:spLocks noGrp="1"/>
           </p:cNvSpPr>
@@ -2669,7 +2432,7 @@
     </p:spTree>
     <p:extLst>
       <p:ext uri="{BB962C8B-B14F-4D97-AF65-F5344CB8AC3E}">
-        <p14:creationId xmlns:p14="http://schemas.microsoft.com/office/powerpoint/2010/main" val="1724329104"/>
+        <p14:creationId xmlns:p14="http://schemas.microsoft.com/office/powerpoint/2010/main" val="1144050774"/>
       </p:ext>
     </p:extLst>
   </p:cSld>
@@ -2698,13 +2461,7 @@
       </p:grpSpPr>
       <p:sp>
         <p:nvSpPr>
-          <p:cNvPr id="2" name="Date Placeholder 1">
-            <a:extLst>
-              <a:ext uri="{FF2B5EF4-FFF2-40B4-BE49-F238E27FC236}">
-                <a16:creationId xmlns:a16="http://schemas.microsoft.com/office/drawing/2014/main" id="{5FE8B3FB-448F-7842-A5DA-1E8B9B6D3CF0}"/>
-              </a:ext>
-            </a:extLst>
-          </p:cNvPr>
+          <p:cNvPr id="2" name="Date Placeholder 1"/>
           <p:cNvSpPr>
             <a:spLocks noGrp="1"/>
           </p:cNvSpPr>
@@ -2727,13 +2484,7 @@
       </p:sp>
       <p:sp>
         <p:nvSpPr>
-          <p:cNvPr id="3" name="Footer Placeholder 2">
-            <a:extLst>
-              <a:ext uri="{FF2B5EF4-FFF2-40B4-BE49-F238E27FC236}">
-                <a16:creationId xmlns:a16="http://schemas.microsoft.com/office/drawing/2014/main" id="{319FA6F1-2416-D041-86CC-3999A8FEFCFF}"/>
-              </a:ext>
-            </a:extLst>
-          </p:cNvPr>
+          <p:cNvPr id="3" name="Footer Placeholder 2"/>
           <p:cNvSpPr>
             <a:spLocks noGrp="1"/>
           </p:cNvSpPr>
@@ -2752,13 +2503,7 @@
       </p:sp>
       <p:sp>
         <p:nvSpPr>
-          <p:cNvPr id="4" name="Slide Number Placeholder 3">
-            <a:extLst>
-              <a:ext uri="{FF2B5EF4-FFF2-40B4-BE49-F238E27FC236}">
-                <a16:creationId xmlns:a16="http://schemas.microsoft.com/office/drawing/2014/main" id="{0437C1D1-442C-1E40-ABC9-4A45851D4272}"/>
-              </a:ext>
-            </a:extLst>
-          </p:cNvPr>
+          <p:cNvPr id="4" name="Slide Number Placeholder 3"/>
           <p:cNvSpPr>
             <a:spLocks noGrp="1"/>
           </p:cNvSpPr>
@@ -2782,7 +2527,7 @@
     </p:spTree>
     <p:extLst>
       <p:ext uri="{BB962C8B-B14F-4D97-AF65-F5344CB8AC3E}">
-        <p14:creationId xmlns:p14="http://schemas.microsoft.com/office/powerpoint/2010/main" val="3951985111"/>
+        <p14:creationId xmlns:p14="http://schemas.microsoft.com/office/powerpoint/2010/main" val="1636334995"/>
       </p:ext>
     </p:extLst>
   </p:cSld>
@@ -2811,13 +2556,7 @@
       </p:grpSpPr>
       <p:sp>
         <p:nvSpPr>
-          <p:cNvPr id="2" name="Title 1">
-            <a:extLst>
-              <a:ext uri="{FF2B5EF4-FFF2-40B4-BE49-F238E27FC236}">
-                <a16:creationId xmlns:a16="http://schemas.microsoft.com/office/drawing/2014/main" id="{5B78231B-C8A5-A647-9FC9-AE44E175BC30}"/>
-              </a:ext>
-            </a:extLst>
-          </p:cNvPr>
+          <p:cNvPr id="2" name="Title 1"/>
           <p:cNvSpPr>
             <a:spLocks noGrp="1"/>
           </p:cNvSpPr>
@@ -2827,8 +2566,8 @@
         </p:nvSpPr>
         <p:spPr>
           <a:xfrm>
-            <a:off x="839788" y="457200"/>
-            <a:ext cx="3932237" cy="1600200"/>
+            <a:off x="839789" y="512022"/>
+            <a:ext cx="3932237" cy="1792076"/>
           </a:xfrm>
         </p:spPr>
         <p:txBody>
@@ -2843,18 +2582,13 @@
               <a:rPr lang="en-US"/>
               <a:t>Click to edit Master title style</a:t>
             </a:r>
-          </a:p>
-        </p:txBody>
-      </p:sp>
-      <p:sp>
-        <p:nvSpPr>
-          <p:cNvPr id="3" name="Content Placeholder 2">
-            <a:extLst>
-              <a:ext uri="{FF2B5EF4-FFF2-40B4-BE49-F238E27FC236}">
-                <a16:creationId xmlns:a16="http://schemas.microsoft.com/office/drawing/2014/main" id="{DECE3FD8-A8EF-554A-A00F-4436AFBBB7F2}"/>
-              </a:ext>
-            </a:extLst>
-          </p:cNvPr>
+            <a:endParaRPr lang="en-US" dirty="0"/>
+          </a:p>
+        </p:txBody>
+      </p:sp>
+      <p:sp>
+        <p:nvSpPr>
+          <p:cNvPr id="3" name="Content Placeholder 2"/>
           <p:cNvSpPr>
             <a:spLocks noGrp="1"/>
           </p:cNvSpPr>
@@ -2864,8 +2598,8 @@
         </p:nvSpPr>
         <p:spPr>
           <a:xfrm>
-            <a:off x="5183188" y="987425"/>
-            <a:ext cx="6172200" cy="4873625"/>
+            <a:off x="5183188" y="1105825"/>
+            <a:ext cx="6172200" cy="5458009"/>
           </a:xfrm>
         </p:spPr>
         <p:txBody>
@@ -2903,7 +2637,7 @@
             <a:pPr lvl="0"/>
             <a:r>
               <a:rPr lang="en-US"/>
-              <a:t>Click to edit Master text styles</a:t>
+              <a:t>Edit Master text styles</a:t>
             </a:r>
           </a:p>
           <a:p>
@@ -2933,18 +2667,13 @@
               <a:rPr lang="en-US"/>
               <a:t>Fifth level</a:t>
             </a:r>
-          </a:p>
-        </p:txBody>
-      </p:sp>
-      <p:sp>
-        <p:nvSpPr>
-          <p:cNvPr id="4" name="Text Placeholder 3">
-            <a:extLst>
-              <a:ext uri="{FF2B5EF4-FFF2-40B4-BE49-F238E27FC236}">
-                <a16:creationId xmlns:a16="http://schemas.microsoft.com/office/drawing/2014/main" id="{DE07ECA8-878B-414B-BE53-C929F2181F99}"/>
-              </a:ext>
-            </a:extLst>
-          </p:cNvPr>
+            <a:endParaRPr lang="en-US" dirty="0"/>
+          </a:p>
+        </p:txBody>
+      </p:sp>
+      <p:sp>
+        <p:nvSpPr>
+          <p:cNvPr id="4" name="Text Placeholder 3"/>
           <p:cNvSpPr>
             <a:spLocks noGrp="1"/>
           </p:cNvSpPr>
@@ -2954,8 +2683,8 @@
         </p:nvSpPr>
         <p:spPr>
           <a:xfrm>
-            <a:off x="839788" y="2057400"/>
-            <a:ext cx="3932237" cy="3811588"/>
+            <a:off x="839789" y="2304097"/>
+            <a:ext cx="3932237" cy="4268626"/>
           </a:xfrm>
         </p:spPr>
         <p:txBody>
@@ -3002,20 +2731,14 @@
             <a:pPr lvl="0"/>
             <a:r>
               <a:rPr lang="en-US"/>
-              <a:t>Click to edit Master text styles</a:t>
-            </a:r>
-          </a:p>
-        </p:txBody>
-      </p:sp>
-      <p:sp>
-        <p:nvSpPr>
-          <p:cNvPr id="5" name="Date Placeholder 4">
-            <a:extLst>
-              <a:ext uri="{FF2B5EF4-FFF2-40B4-BE49-F238E27FC236}">
-                <a16:creationId xmlns:a16="http://schemas.microsoft.com/office/drawing/2014/main" id="{F9AF6EFC-067F-BC47-89AA-7EC8A5EA5D74}"/>
-              </a:ext>
-            </a:extLst>
-          </p:cNvPr>
+              <a:t>Edit Master text styles</a:t>
+            </a:r>
+          </a:p>
+        </p:txBody>
+      </p:sp>
+      <p:sp>
+        <p:nvSpPr>
+          <p:cNvPr id="5" name="Date Placeholder 4"/>
           <p:cNvSpPr>
             <a:spLocks noGrp="1"/>
           </p:cNvSpPr>
@@ -3038,13 +2761,7 @@
       </p:sp>
       <p:sp>
         <p:nvSpPr>
-          <p:cNvPr id="6" name="Footer Placeholder 5">
-            <a:extLst>
-              <a:ext uri="{FF2B5EF4-FFF2-40B4-BE49-F238E27FC236}">
-                <a16:creationId xmlns:a16="http://schemas.microsoft.com/office/drawing/2014/main" id="{C351EE1C-8F22-A741-8E3D-39147AE68DD4}"/>
-              </a:ext>
-            </a:extLst>
-          </p:cNvPr>
+          <p:cNvPr id="6" name="Footer Placeholder 5"/>
           <p:cNvSpPr>
             <a:spLocks noGrp="1"/>
           </p:cNvSpPr>
@@ -3063,13 +2780,7 @@
       </p:sp>
       <p:sp>
         <p:nvSpPr>
-          <p:cNvPr id="7" name="Slide Number Placeholder 6">
-            <a:extLst>
-              <a:ext uri="{FF2B5EF4-FFF2-40B4-BE49-F238E27FC236}">
-                <a16:creationId xmlns:a16="http://schemas.microsoft.com/office/drawing/2014/main" id="{01D4F595-B048-CB4C-8F28-32C9524B675D}"/>
-              </a:ext>
-            </a:extLst>
-          </p:cNvPr>
+          <p:cNvPr id="7" name="Slide Number Placeholder 6"/>
           <p:cNvSpPr>
             <a:spLocks noGrp="1"/>
           </p:cNvSpPr>
@@ -3093,7 +2804,7 @@
     </p:spTree>
     <p:extLst>
       <p:ext uri="{BB962C8B-B14F-4D97-AF65-F5344CB8AC3E}">
-        <p14:creationId xmlns:p14="http://schemas.microsoft.com/office/powerpoint/2010/main" val="1466586699"/>
+        <p14:creationId xmlns:p14="http://schemas.microsoft.com/office/powerpoint/2010/main" val="2035414413"/>
       </p:ext>
     </p:extLst>
   </p:cSld>
@@ -3122,13 +2833,7 @@
       </p:grpSpPr>
       <p:sp>
         <p:nvSpPr>
-          <p:cNvPr id="2" name="Title 1">
-            <a:extLst>
-              <a:ext uri="{FF2B5EF4-FFF2-40B4-BE49-F238E27FC236}">
-                <a16:creationId xmlns:a16="http://schemas.microsoft.com/office/drawing/2014/main" id="{5BF7406B-99B6-9D45-96C5-0D0B82508453}"/>
-              </a:ext>
-            </a:extLst>
-          </p:cNvPr>
+          <p:cNvPr id="2" name="Title 1"/>
           <p:cNvSpPr>
             <a:spLocks noGrp="1"/>
           </p:cNvSpPr>
@@ -3138,8 +2843,8 @@
         </p:nvSpPr>
         <p:spPr>
           <a:xfrm>
-            <a:off x="839788" y="457200"/>
-            <a:ext cx="3932237" cy="1600200"/>
+            <a:off x="839789" y="512022"/>
+            <a:ext cx="3932237" cy="1792076"/>
           </a:xfrm>
         </p:spPr>
         <p:txBody>
@@ -3154,20 +2859,15 @@
               <a:rPr lang="en-US"/>
               <a:t>Click to edit Master title style</a:t>
             </a:r>
-          </a:p>
-        </p:txBody>
-      </p:sp>
-      <p:sp>
-        <p:nvSpPr>
-          <p:cNvPr id="3" name="Picture Placeholder 2">
-            <a:extLst>
-              <a:ext uri="{FF2B5EF4-FFF2-40B4-BE49-F238E27FC236}">
-                <a16:creationId xmlns:a16="http://schemas.microsoft.com/office/drawing/2014/main" id="{F9C21826-46B2-D549-8971-2042D2B62842}"/>
-              </a:ext>
-            </a:extLst>
-          </p:cNvPr>
+            <a:endParaRPr lang="en-US" dirty="0"/>
+          </a:p>
+        </p:txBody>
+      </p:sp>
+      <p:sp>
+        <p:nvSpPr>
+          <p:cNvPr id="3" name="Picture Placeholder 2"/>
           <p:cNvSpPr>
-            <a:spLocks noGrp="1"/>
+            <a:spLocks noGrp="1" noChangeAspect="1"/>
           </p:cNvSpPr>
           <p:nvPr>
             <p:ph type="pic" idx="1"/>
@@ -3175,12 +2875,12 @@
         </p:nvSpPr>
         <p:spPr>
           <a:xfrm>
-            <a:off x="5183188" y="987425"/>
-            <a:ext cx="6172200" cy="4873625"/>
-          </a:xfrm>
-        </p:spPr>
-        <p:txBody>
-          <a:bodyPr/>
+            <a:off x="5183188" y="1105825"/>
+            <a:ext cx="6172200" cy="5458009"/>
+          </a:xfrm>
+        </p:spPr>
+        <p:txBody>
+          <a:bodyPr anchor="t"/>
           <a:lstStyle>
             <a:lvl1pPr marL="0" indent="0">
               <a:buNone/>
@@ -3220,19 +2920,17 @@
             </a:lvl9pPr>
           </a:lstStyle>
           <a:p>
-            <a:endParaRPr lang="en-US"/>
-          </a:p>
-        </p:txBody>
-      </p:sp>
-      <p:sp>
-        <p:nvSpPr>
-          <p:cNvPr id="4" name="Text Placeholder 3">
-            <a:extLst>
-              <a:ext uri="{FF2B5EF4-FFF2-40B4-BE49-F238E27FC236}">
-                <a16:creationId xmlns:a16="http://schemas.microsoft.com/office/drawing/2014/main" id="{3FE1E695-4A6A-CE4A-BEDB-FEA6939BFD14}"/>
-              </a:ext>
-            </a:extLst>
-          </p:cNvPr>
+            <a:r>
+              <a:rPr lang="en-US"/>
+              <a:t>Click icon to add picture</a:t>
+            </a:r>
+            <a:endParaRPr lang="en-US" dirty="0"/>
+          </a:p>
+        </p:txBody>
+      </p:sp>
+      <p:sp>
+        <p:nvSpPr>
+          <p:cNvPr id="4" name="Text Placeholder 3"/>
           <p:cNvSpPr>
             <a:spLocks noGrp="1"/>
           </p:cNvSpPr>
@@ -3242,8 +2940,8 @@
         </p:nvSpPr>
         <p:spPr>
           <a:xfrm>
-            <a:off x="839788" y="2057400"/>
-            <a:ext cx="3932237" cy="3811588"/>
+            <a:off x="839789" y="2304097"/>
+            <a:ext cx="3932237" cy="4268626"/>
           </a:xfrm>
         </p:spPr>
         <p:txBody>
@@ -3290,20 +2988,14 @@
             <a:pPr lvl="0"/>
             <a:r>
               <a:rPr lang="en-US"/>
-              <a:t>Click to edit Master text styles</a:t>
-            </a:r>
-          </a:p>
-        </p:txBody>
-      </p:sp>
-      <p:sp>
-        <p:nvSpPr>
-          <p:cNvPr id="5" name="Date Placeholder 4">
-            <a:extLst>
-              <a:ext uri="{FF2B5EF4-FFF2-40B4-BE49-F238E27FC236}">
-                <a16:creationId xmlns:a16="http://schemas.microsoft.com/office/drawing/2014/main" id="{A7BF1610-1BB9-1E4A-B463-3D92F0CFE66D}"/>
-              </a:ext>
-            </a:extLst>
-          </p:cNvPr>
+              <a:t>Edit Master text styles</a:t>
+            </a:r>
+          </a:p>
+        </p:txBody>
+      </p:sp>
+      <p:sp>
+        <p:nvSpPr>
+          <p:cNvPr id="5" name="Date Placeholder 4"/>
           <p:cNvSpPr>
             <a:spLocks noGrp="1"/>
           </p:cNvSpPr>
@@ -3326,13 +3018,7 @@
       </p:sp>
       <p:sp>
         <p:nvSpPr>
-          <p:cNvPr id="6" name="Footer Placeholder 5">
-            <a:extLst>
-              <a:ext uri="{FF2B5EF4-FFF2-40B4-BE49-F238E27FC236}">
-                <a16:creationId xmlns:a16="http://schemas.microsoft.com/office/drawing/2014/main" id="{9F860F53-E395-2448-9FF5-A274DAB5A802}"/>
-              </a:ext>
-            </a:extLst>
-          </p:cNvPr>
+          <p:cNvPr id="6" name="Footer Placeholder 5"/>
           <p:cNvSpPr>
             <a:spLocks noGrp="1"/>
           </p:cNvSpPr>
@@ -3351,13 +3037,7 @@
       </p:sp>
       <p:sp>
         <p:nvSpPr>
-          <p:cNvPr id="7" name="Slide Number Placeholder 6">
-            <a:extLst>
-              <a:ext uri="{FF2B5EF4-FFF2-40B4-BE49-F238E27FC236}">
-                <a16:creationId xmlns:a16="http://schemas.microsoft.com/office/drawing/2014/main" id="{EC4351C3-553D-0142-9157-2BE71A167FEE}"/>
-              </a:ext>
-            </a:extLst>
-          </p:cNvPr>
+          <p:cNvPr id="7" name="Slide Number Placeholder 6"/>
           <p:cNvSpPr>
             <a:spLocks noGrp="1"/>
           </p:cNvSpPr>
@@ -3381,7 +3061,7 @@
     </p:spTree>
     <p:extLst>
       <p:ext uri="{BB962C8B-B14F-4D97-AF65-F5344CB8AC3E}">
-        <p14:creationId xmlns:p14="http://schemas.microsoft.com/office/powerpoint/2010/main" val="781131841"/>
+        <p14:creationId xmlns:p14="http://schemas.microsoft.com/office/powerpoint/2010/main" val="2447063124"/>
       </p:ext>
     </p:extLst>
   </p:cSld>
@@ -3415,13 +3095,7 @@
       </p:grpSpPr>
       <p:sp>
         <p:nvSpPr>
-          <p:cNvPr id="2" name="Title Placeholder 1">
-            <a:extLst>
-              <a:ext uri="{FF2B5EF4-FFF2-40B4-BE49-F238E27FC236}">
-                <a16:creationId xmlns:a16="http://schemas.microsoft.com/office/drawing/2014/main" id="{FED1E03F-2BA1-834E-B508-930C64167F79}"/>
-              </a:ext>
-            </a:extLst>
-          </p:cNvPr>
+          <p:cNvPr id="2" name="Title Placeholder 1"/>
           <p:cNvSpPr>
             <a:spLocks noGrp="1"/>
           </p:cNvSpPr>
@@ -3431,8 +3105,8 @@
         </p:nvSpPr>
         <p:spPr>
           <a:xfrm>
-            <a:off x="838200" y="365125"/>
-            <a:ext cx="10515600" cy="1325563"/>
+            <a:off x="838200" y="408907"/>
+            <a:ext cx="10515600" cy="1484508"/>
           </a:xfrm>
           <a:prstGeom prst="rect">
             <a:avLst/>
@@ -3448,18 +3122,13 @@
               <a:rPr lang="en-US"/>
               <a:t>Click to edit Master title style</a:t>
             </a:r>
-          </a:p>
-        </p:txBody>
-      </p:sp>
-      <p:sp>
-        <p:nvSpPr>
-          <p:cNvPr id="3" name="Text Placeholder 2">
-            <a:extLst>
-              <a:ext uri="{FF2B5EF4-FFF2-40B4-BE49-F238E27FC236}">
-                <a16:creationId xmlns:a16="http://schemas.microsoft.com/office/drawing/2014/main" id="{4C673258-9A4E-DD41-99E1-8BEA93D42AE7}"/>
-              </a:ext>
-            </a:extLst>
-          </p:cNvPr>
+            <a:endParaRPr lang="en-US" dirty="0"/>
+          </a:p>
+        </p:txBody>
+      </p:sp>
+      <p:sp>
+        <p:nvSpPr>
+          <p:cNvPr id="3" name="Text Placeholder 2"/>
           <p:cNvSpPr>
             <a:spLocks noGrp="1"/>
           </p:cNvSpPr>
@@ -3469,8 +3138,8 @@
         </p:nvSpPr>
         <p:spPr>
           <a:xfrm>
-            <a:off x="838200" y="1825625"/>
-            <a:ext cx="10515600" cy="4351338"/>
+            <a:off x="838200" y="2044531"/>
+            <a:ext cx="10515600" cy="4873096"/>
           </a:xfrm>
           <a:prstGeom prst="rect">
             <a:avLst/>
@@ -3485,7 +3154,7 @@
             <a:pPr lvl="0"/>
             <a:r>
               <a:rPr lang="en-US"/>
-              <a:t>Click to edit Master text styles</a:t>
+              <a:t>Edit Master text styles</a:t>
             </a:r>
           </a:p>
           <a:p>
@@ -3515,18 +3184,13 @@
               <a:rPr lang="en-US"/>
               <a:t>Fifth level</a:t>
             </a:r>
-          </a:p>
-        </p:txBody>
-      </p:sp>
-      <p:sp>
-        <p:nvSpPr>
-          <p:cNvPr id="4" name="Date Placeholder 3">
-            <a:extLst>
-              <a:ext uri="{FF2B5EF4-FFF2-40B4-BE49-F238E27FC236}">
-                <a16:creationId xmlns:a16="http://schemas.microsoft.com/office/drawing/2014/main" id="{D6F29D1D-4745-8443-AF34-29D206AB0A78}"/>
-              </a:ext>
-            </a:extLst>
-          </p:cNvPr>
+            <a:endParaRPr lang="en-US" dirty="0"/>
+          </a:p>
+        </p:txBody>
+      </p:sp>
+      <p:sp>
+        <p:nvSpPr>
+          <p:cNvPr id="4" name="Date Placeholder 3"/>
           <p:cNvSpPr>
             <a:spLocks noGrp="1"/>
           </p:cNvSpPr>
@@ -3536,8 +3200,8 @@
         </p:nvSpPr>
         <p:spPr>
           <a:xfrm>
-            <a:off x="838200" y="6356350"/>
-            <a:ext cx="2743200" cy="365125"/>
+            <a:off x="838200" y="7118524"/>
+            <a:ext cx="2743200" cy="408906"/>
           </a:xfrm>
           <a:prstGeom prst="rect">
             <a:avLst/>
@@ -3567,13 +3231,7 @@
       </p:sp>
       <p:sp>
         <p:nvSpPr>
-          <p:cNvPr id="5" name="Footer Placeholder 4">
-            <a:extLst>
-              <a:ext uri="{FF2B5EF4-FFF2-40B4-BE49-F238E27FC236}">
-                <a16:creationId xmlns:a16="http://schemas.microsoft.com/office/drawing/2014/main" id="{5C1F093C-C328-CB47-ABDC-729F26F902CC}"/>
-              </a:ext>
-            </a:extLst>
-          </p:cNvPr>
+          <p:cNvPr id="5" name="Footer Placeholder 4"/>
           <p:cNvSpPr>
             <a:spLocks noGrp="1"/>
           </p:cNvSpPr>
@@ -3583,8 +3241,8 @@
         </p:nvSpPr>
         <p:spPr>
           <a:xfrm>
-            <a:off x="4038600" y="6356350"/>
-            <a:ext cx="4114800" cy="365125"/>
+            <a:off x="4038600" y="7118524"/>
+            <a:ext cx="4114800" cy="408906"/>
           </a:xfrm>
           <a:prstGeom prst="rect">
             <a:avLst/>
@@ -3610,13 +3268,7 @@
       </p:sp>
       <p:sp>
         <p:nvSpPr>
-          <p:cNvPr id="6" name="Slide Number Placeholder 5">
-            <a:extLst>
-              <a:ext uri="{FF2B5EF4-FFF2-40B4-BE49-F238E27FC236}">
-                <a16:creationId xmlns:a16="http://schemas.microsoft.com/office/drawing/2014/main" id="{61D127C4-653C-504E-A45B-B22993338C0E}"/>
-              </a:ext>
-            </a:extLst>
-          </p:cNvPr>
+          <p:cNvPr id="6" name="Slide Number Placeholder 5"/>
           <p:cNvSpPr>
             <a:spLocks noGrp="1"/>
           </p:cNvSpPr>
@@ -3626,8 +3278,8 @@
         </p:nvSpPr>
         <p:spPr>
           <a:xfrm>
-            <a:off x="8610600" y="6356350"/>
-            <a:ext cx="2743200" cy="365125"/>
+            <a:off x="8610600" y="7118524"/>
+            <a:ext cx="2743200" cy="408906"/>
           </a:xfrm>
           <a:prstGeom prst="rect">
             <a:avLst/>
@@ -3658,24 +3310,24 @@
     </p:spTree>
     <p:extLst>
       <p:ext uri="{BB962C8B-B14F-4D97-AF65-F5344CB8AC3E}">
-        <p14:creationId xmlns:p14="http://schemas.microsoft.com/office/powerpoint/2010/main" val="3640692630"/>
+        <p14:creationId xmlns:p14="http://schemas.microsoft.com/office/powerpoint/2010/main" val="3139638860"/>
       </p:ext>
     </p:extLst>
   </p:cSld>
   <p:clrMap bg1="lt1" tx1="dk1" bg2="lt2" tx2="dk2" accent1="accent1" accent2="accent2" accent3="accent3" accent4="accent4" accent5="accent5" accent6="accent6" hlink="hlink" folHlink="folHlink"/>
   <p:sldLayoutIdLst>
-    <p:sldLayoutId id="2147483649" r:id="rId1"/>
-    <p:sldLayoutId id="2147483650" r:id="rId2"/>
-    <p:sldLayoutId id="2147483651" r:id="rId3"/>
-    <p:sldLayoutId id="2147483652" r:id="rId4"/>
-    <p:sldLayoutId id="2147483653" r:id="rId5"/>
-    <p:sldLayoutId id="2147483654" r:id="rId6"/>
-    <p:sldLayoutId id="2147483655" r:id="rId7"/>
-    <p:sldLayoutId id="2147483656" r:id="rId8"/>
-    <p:sldLayoutId id="2147483657" r:id="rId9"/>
-    <p:sldLayoutId id="2147483658" r:id="rId10"/>
-    <p:sldLayoutId id="2147483659" r:id="rId11"/>
-    <p:sldLayoutId id="2147483660" r:id="rId12"/>
+    <p:sldLayoutId id="2147483688" r:id="rId1"/>
+    <p:sldLayoutId id="2147483689" r:id="rId2"/>
+    <p:sldLayoutId id="2147483690" r:id="rId3"/>
+    <p:sldLayoutId id="2147483691" r:id="rId4"/>
+    <p:sldLayoutId id="2147483692" r:id="rId5"/>
+    <p:sldLayoutId id="2147483693" r:id="rId6"/>
+    <p:sldLayoutId id="2147483694" r:id="rId7"/>
+    <p:sldLayoutId id="2147483695" r:id="rId8"/>
+    <p:sldLayoutId id="2147483696" r:id="rId9"/>
+    <p:sldLayoutId id="2147483697" r:id="rId10"/>
+    <p:sldLayoutId id="2147483698" r:id="rId11"/>
+    <p:sldLayoutId id="2147483699" r:id="rId12"/>
   </p:sldLayoutIdLst>
   <p:txStyles>
     <p:titleStyle>
@@ -3991,8 +3643,8 @@
         </p:nvSpPr>
         <p:spPr>
           <a:xfrm>
-            <a:off x="6257331" y="2601569"/>
-            <a:ext cx="2214564" cy="3897177"/>
+            <a:off x="6272382" y="2935543"/>
+            <a:ext cx="2421154" cy="4341556"/>
           </a:xfrm>
           <a:prstGeom prst="rect">
             <a:avLst/>
@@ -4024,7 +3676,7 @@
           </a:fontRef>
         </p:style>
         <p:txBody>
-          <a:bodyPr rot="0" spcFirstLastPara="0" vertOverflow="overflow" horzOverflow="overflow" vert="horz" wrap="square" lIns="338328" tIns="45720" rIns="91440" bIns="45720" numCol="1" spcCol="0" rtlCol="0" fromWordArt="0" anchor="t" anchorCtr="0" forceAA="0" compatLnSpc="1">
+          <a:bodyPr rot="0" spcFirstLastPara="0" vertOverflow="overflow" horzOverflow="overflow" vert="horz" wrap="square" lIns="369890" tIns="49985" rIns="99970" bIns="49985" numCol="1" spcCol="0" rtlCol="0" fromWordArt="0" anchor="t" anchorCtr="0" forceAA="0" compatLnSpc="1">
             <a:prstTxWarp prst="textNoShape">
               <a:avLst/>
             </a:prstTxWarp>
@@ -4034,7 +3686,7 @@
           <a:p>
             <a:pPr algn="l"/>
             <a:r>
-              <a:rPr lang="en-US" sz="1200" dirty="0">
+              <a:rPr lang="en-US" sz="1312" dirty="0">
                 <a:solidFill>
                   <a:schemeClr val="accent5">
                     <a:lumMod val="75000"/>
@@ -4062,8 +3714,8 @@
         </p:nvSpPr>
         <p:spPr>
           <a:xfrm>
-            <a:off x="2356674" y="1202476"/>
-            <a:ext cx="2214564" cy="1292696"/>
+            <a:off x="2007844" y="1405932"/>
+            <a:ext cx="2421154" cy="1413288"/>
           </a:xfrm>
           <a:prstGeom prst="rect">
             <a:avLst/>
@@ -4095,7 +3747,7 @@
           </a:fontRef>
         </p:style>
         <p:txBody>
-          <a:bodyPr rot="0" spcFirstLastPara="0" vertOverflow="overflow" horzOverflow="overflow" vert="horz" wrap="square" lIns="338328" tIns="45720" rIns="91440" bIns="45720" numCol="1" spcCol="0" rtlCol="0" fromWordArt="0" anchor="t" anchorCtr="0" forceAA="0" compatLnSpc="1">
+          <a:bodyPr rot="0" spcFirstLastPara="0" vertOverflow="overflow" horzOverflow="overflow" vert="horz" wrap="square" lIns="369890" tIns="49985" rIns="99970" bIns="49985" numCol="1" spcCol="0" rtlCol="0" fromWordArt="0" anchor="t" anchorCtr="0" forceAA="0" compatLnSpc="1">
             <a:prstTxWarp prst="textNoShape">
               <a:avLst/>
             </a:prstTxWarp>
@@ -4105,7 +3757,7 @@
           <a:p>
             <a:pPr algn="l"/>
             <a:r>
-              <a:rPr lang="en-US" sz="1200" dirty="0">
+              <a:rPr lang="en-US" sz="1312" dirty="0">
                 <a:solidFill>
                   <a:schemeClr val="accent6">
                     <a:lumMod val="75000"/>
@@ -4133,8 +3785,8 @@
         </p:nvSpPr>
         <p:spPr>
           <a:xfrm>
-            <a:off x="6260282" y="1200072"/>
-            <a:ext cx="2214564" cy="1295999"/>
+            <a:off x="6275608" y="1403306"/>
+            <a:ext cx="2421154" cy="1416899"/>
           </a:xfrm>
           <a:prstGeom prst="rect">
             <a:avLst/>
@@ -4166,7 +3818,7 @@
           </a:fontRef>
         </p:style>
         <p:txBody>
-          <a:bodyPr rot="0" spcFirstLastPara="0" vertOverflow="overflow" horzOverflow="overflow" vert="horz" wrap="square" lIns="338328" tIns="45720" rIns="91440" bIns="45720" numCol="1" spcCol="0" rtlCol="0" fromWordArt="0" anchor="t" anchorCtr="0" forceAA="0" compatLnSpc="1">
+          <a:bodyPr rot="0" spcFirstLastPara="0" vertOverflow="overflow" horzOverflow="overflow" vert="horz" wrap="square" lIns="369890" tIns="49985" rIns="99970" bIns="49985" numCol="1" spcCol="0" rtlCol="0" fromWordArt="0" anchor="t" anchorCtr="0" forceAA="0" compatLnSpc="1">
             <a:prstTxWarp prst="textNoShape">
               <a:avLst/>
             </a:prstTxWarp>
@@ -4176,7 +3828,7 @@
           <a:p>
             <a:pPr algn="l"/>
             <a:r>
-              <a:rPr lang="en-US" sz="1200" dirty="0">
+              <a:rPr lang="en-US" sz="1312" dirty="0">
                 <a:solidFill>
                   <a:schemeClr val="accent6">
                     <a:lumMod val="75000"/>
@@ -4204,8 +3856,8 @@
         </p:nvSpPr>
         <p:spPr>
           <a:xfrm>
-            <a:off x="2361507" y="2609478"/>
-            <a:ext cx="2214564" cy="3899208"/>
+            <a:off x="2013127" y="2944188"/>
+            <a:ext cx="2421154" cy="4332911"/>
           </a:xfrm>
           <a:prstGeom prst="rect">
             <a:avLst/>
@@ -4237,7 +3889,7 @@
           </a:fontRef>
         </p:style>
         <p:txBody>
-          <a:bodyPr rot="0" spcFirstLastPara="0" vertOverflow="overflow" horzOverflow="overflow" vert="horz" wrap="square" lIns="338328" tIns="45720" rIns="91440" bIns="45720" numCol="1" spcCol="0" rtlCol="0" fromWordArt="0" anchor="t" anchorCtr="0" forceAA="0" compatLnSpc="1">
+          <a:bodyPr rot="0" spcFirstLastPara="0" vertOverflow="overflow" horzOverflow="overflow" vert="horz" wrap="square" lIns="369890" tIns="49985" rIns="99970" bIns="49985" numCol="1" spcCol="0" rtlCol="0" fromWordArt="0" anchor="t" anchorCtr="0" forceAA="0" compatLnSpc="1">
             <a:prstTxWarp prst="textNoShape">
               <a:avLst/>
             </a:prstTxWarp>
@@ -4247,7 +3899,7 @@
           <a:p>
             <a:pPr algn="l"/>
             <a:r>
-              <a:rPr lang="en-US" sz="1200" dirty="0">
+              <a:rPr lang="en-US" sz="1312" dirty="0">
                 <a:solidFill>
                   <a:schemeClr val="accent5">
                     <a:lumMod val="75000"/>
@@ -4275,8 +3927,8 @@
         </p:nvSpPr>
         <p:spPr>
           <a:xfrm>
-            <a:off x="1194319" y="398784"/>
-            <a:ext cx="8898033" cy="6372264"/>
+            <a:off x="737056" y="527265"/>
+            <a:ext cx="9728104" cy="7048285"/>
           </a:xfrm>
           <a:prstGeom prst="rect">
             <a:avLst/>
@@ -4305,7 +3957,7 @@
           </a:fontRef>
         </p:style>
         <p:txBody>
-          <a:bodyPr rot="0" spcFirstLastPara="0" vertOverflow="overflow" horzOverflow="overflow" vert="horz" wrap="square" lIns="457200" tIns="91440" rIns="91440" bIns="45720" numCol="1" spcCol="0" rtlCol="0" fromWordArt="0" anchor="t" anchorCtr="0" forceAA="0" compatLnSpc="1">
+          <a:bodyPr rot="0" spcFirstLastPara="0" vertOverflow="overflow" horzOverflow="overflow" vert="horz" wrap="square" lIns="499851" tIns="99970" rIns="99970" bIns="49985" numCol="1" spcCol="0" rtlCol="0" fromWordArt="0" anchor="t" anchorCtr="0" forceAA="0" compatLnSpc="1">
             <a:prstTxWarp prst="textNoShape">
               <a:avLst/>
             </a:prstTxWarp>
@@ -4315,7 +3967,7 @@
           <a:p>
             <a:pPr algn="l"/>
             <a:r>
-              <a:rPr lang="en-US" sz="1200" dirty="0">
+              <a:rPr lang="en-US" sz="1312" dirty="0">
                 <a:solidFill>
                   <a:sysClr val="windowText" lastClr="000000"/>
                 </a:solidFill>
@@ -4355,8 +4007,8 @@
         </p:blipFill>
         <p:spPr>
           <a:xfrm>
-            <a:off x="1194319" y="401402"/>
-            <a:ext cx="329184" cy="329184"/>
+            <a:off x="737057" y="530130"/>
+            <a:ext cx="359893" cy="359893"/>
           </a:xfrm>
           <a:prstGeom prst="rect">
             <a:avLst/>
@@ -4377,8 +4029,8 @@
         </p:nvSpPr>
         <p:spPr>
           <a:xfrm>
-            <a:off x="2254079" y="904460"/>
-            <a:ext cx="2452090" cy="5647797"/>
+            <a:off x="1895678" y="1080117"/>
+            <a:ext cx="2680838" cy="6279686"/>
           </a:xfrm>
           <a:prstGeom prst="rect">
             <a:avLst/>
@@ -4408,7 +4060,7 @@
           </a:fontRef>
         </p:style>
         <p:txBody>
-          <a:bodyPr rot="0" spcFirstLastPara="0" vertOverflow="overflow" horzOverflow="overflow" vert="horz" wrap="square" lIns="91440" tIns="91440" rIns="91440" bIns="45720" numCol="1" spcCol="0" rtlCol="0" fromWordArt="0" anchor="t" anchorCtr="0" forceAA="0" compatLnSpc="1">
+          <a:bodyPr rot="0" spcFirstLastPara="0" vertOverflow="overflow" horzOverflow="overflow" vert="horz" wrap="square" lIns="99970" tIns="99970" rIns="99970" bIns="49985" numCol="1" spcCol="0" rtlCol="0" fromWordArt="0" anchor="t" anchorCtr="0" forceAA="0" compatLnSpc="1">
             <a:prstTxWarp prst="textNoShape">
               <a:avLst/>
             </a:prstTxWarp>
@@ -4418,7 +4070,7 @@
           <a:p>
             <a:pPr algn="ctr"/>
             <a:r>
-              <a:rPr lang="en-US" sz="1200" dirty="0">
+              <a:rPr lang="en-US" sz="1312" dirty="0">
                 <a:solidFill>
                   <a:schemeClr val="accent5"/>
                 </a:solidFill>
@@ -4444,8 +4096,8 @@
         </p:nvSpPr>
         <p:spPr>
           <a:xfrm>
-            <a:off x="1393371" y="799426"/>
-            <a:ext cx="7326680" cy="5849851"/>
+            <a:off x="954676" y="965284"/>
+            <a:ext cx="8010164" cy="6494882"/>
           </a:xfrm>
           <a:prstGeom prst="rect">
             <a:avLst/>
@@ -4476,7 +4128,7 @@
           </a:fontRef>
         </p:style>
         <p:txBody>
-          <a:bodyPr rot="0" spcFirstLastPara="0" vertOverflow="overflow" horzOverflow="overflow" vert="horz" wrap="square" lIns="457200" tIns="91440" rIns="91440" bIns="45720" numCol="1" spcCol="0" rtlCol="0" fromWordArt="0" anchor="t" anchorCtr="0" forceAA="0" compatLnSpc="1">
+          <a:bodyPr rot="0" spcFirstLastPara="0" vertOverflow="overflow" horzOverflow="overflow" vert="horz" wrap="square" lIns="499851" tIns="99970" rIns="99970" bIns="49985" numCol="1" spcCol="0" rtlCol="0" fromWordArt="0" anchor="t" anchorCtr="0" forceAA="0" compatLnSpc="1">
             <a:prstTxWarp prst="textNoShape">
               <a:avLst/>
             </a:prstTxWarp>
@@ -4486,7 +4138,7 @@
           <a:p>
             <a:pPr algn="l"/>
             <a:r>
-              <a:rPr lang="en-US" sz="1200" dirty="0">
+              <a:rPr lang="en-US" sz="1312" dirty="0">
                 <a:ln w="0"/>
                 <a:solidFill>
                   <a:schemeClr val="accent6">
@@ -4529,8 +4181,8 @@
         </p:blipFill>
         <p:spPr>
           <a:xfrm>
-            <a:off x="1396049" y="801028"/>
-            <a:ext cx="330200" cy="330200"/>
+            <a:off x="957607" y="967036"/>
+            <a:ext cx="361003" cy="361003"/>
           </a:xfrm>
           <a:prstGeom prst="rect">
             <a:avLst/>
@@ -4565,8 +4217,8 @@
         </p:blipFill>
         <p:spPr>
           <a:xfrm>
-            <a:off x="2361507" y="2602614"/>
-            <a:ext cx="274320" cy="274320"/>
+            <a:off x="2013128" y="2936686"/>
+            <a:ext cx="299911" cy="299911"/>
           </a:xfrm>
           <a:prstGeom prst="rect">
             <a:avLst/>
@@ -4601,8 +4253,8 @@
         </p:blipFill>
         <p:spPr>
           <a:xfrm>
-            <a:off x="2353346" y="1202549"/>
-            <a:ext cx="274320" cy="274320"/>
+            <a:off x="2004205" y="1406013"/>
+            <a:ext cx="299911" cy="299911"/>
           </a:xfrm>
           <a:prstGeom prst="rect">
             <a:avLst/>
@@ -4623,8 +4275,8 @@
         </p:nvSpPr>
         <p:spPr>
           <a:xfrm>
-            <a:off x="6147971" y="904460"/>
-            <a:ext cx="2435706" cy="5642857"/>
+            <a:off x="6152819" y="1080117"/>
+            <a:ext cx="2662926" cy="6279685"/>
           </a:xfrm>
           <a:prstGeom prst="rect">
             <a:avLst/>
@@ -4654,7 +4306,7 @@
           </a:fontRef>
         </p:style>
         <p:txBody>
-          <a:bodyPr rot="0" spcFirstLastPara="0" vertOverflow="overflow" horzOverflow="overflow" vert="horz" wrap="square" lIns="91440" tIns="91440" rIns="91440" bIns="45720" numCol="1" spcCol="0" rtlCol="0" fromWordArt="0" anchor="t" anchorCtr="0" forceAA="0" compatLnSpc="1">
+          <a:bodyPr rot="0" spcFirstLastPara="0" vertOverflow="overflow" horzOverflow="overflow" vert="horz" wrap="square" lIns="99970" tIns="99970" rIns="99970" bIns="49985" numCol="1" spcCol="0" rtlCol="0" fromWordArt="0" anchor="t" anchorCtr="0" forceAA="0" compatLnSpc="1">
             <a:prstTxWarp prst="textNoShape">
               <a:avLst/>
             </a:prstTxWarp>
@@ -4664,7 +4316,7 @@
           <a:p>
             <a:pPr algn="ctr"/>
             <a:r>
-              <a:rPr lang="en-US" sz="1200" dirty="0">
+              <a:rPr lang="en-US" sz="1312" dirty="0">
                 <a:solidFill>
                   <a:schemeClr val="accent5"/>
                 </a:solidFill>
@@ -4704,8 +4356,8 @@
         </p:blipFill>
         <p:spPr>
           <a:xfrm>
-            <a:off x="6257331" y="2602614"/>
-            <a:ext cx="274320" cy="274320"/>
+            <a:off x="6272381" y="2936686"/>
+            <a:ext cx="299911" cy="299911"/>
           </a:xfrm>
           <a:prstGeom prst="rect">
             <a:avLst/>
@@ -4740,8 +4392,8 @@
         </p:blipFill>
         <p:spPr>
           <a:xfrm>
-            <a:off x="6264124" y="1202476"/>
-            <a:ext cx="274320" cy="274320"/>
+            <a:off x="6279808" y="1405933"/>
+            <a:ext cx="299911" cy="299911"/>
           </a:xfrm>
           <a:prstGeom prst="rect">
             <a:avLst/>
@@ -4776,8 +4428,8 @@
         </p:blipFill>
         <p:spPr>
           <a:xfrm>
-            <a:off x="5284334" y="1500901"/>
-            <a:ext cx="277535" cy="277535"/>
+            <a:off x="5208618" y="1732198"/>
+            <a:ext cx="303425" cy="303425"/>
           </a:xfrm>
           <a:prstGeom prst="rect">
             <a:avLst/>
@@ -4812,8 +4464,8 @@
         </p:blipFill>
         <p:spPr>
           <a:xfrm>
-            <a:off x="3860740" y="1637640"/>
-            <a:ext cx="394953" cy="394953"/>
+            <a:off x="3652221" y="1881693"/>
+            <a:ext cx="431797" cy="431797"/>
           </a:xfrm>
           <a:prstGeom prst="rect">
             <a:avLst/>
@@ -4834,8 +4486,8 @@
         </p:nvSpPr>
         <p:spPr>
           <a:xfrm>
-            <a:off x="3561835" y="1983561"/>
-            <a:ext cx="1041915" cy="276999"/>
+            <a:off x="3325431" y="2259882"/>
+            <a:ext cx="1139112" cy="294248"/>
           </a:xfrm>
           <a:prstGeom prst="rect">
             <a:avLst/>
@@ -4850,7 +4502,7 @@
           <a:p>
             <a:pPr algn="ctr"/>
             <a:r>
-              <a:rPr lang="en-US" sz="1200" dirty="0">
+              <a:rPr lang="en-US" sz="1312" dirty="0">
                 <a:solidFill>
                   <a:srgbClr val="232F3E"/>
                 </a:solidFill>
@@ -4876,8 +4528,8 @@
         </p:nvSpPr>
         <p:spPr>
           <a:xfrm>
-            <a:off x="6247965" y="1985940"/>
-            <a:ext cx="1041692" cy="276999"/>
+            <a:off x="6262142" y="2262484"/>
+            <a:ext cx="1138868" cy="294248"/>
           </a:xfrm>
           <a:prstGeom prst="rect">
             <a:avLst/>
@@ -4892,7 +4544,7 @@
           <a:p>
             <a:pPr algn="ctr"/>
             <a:r>
-              <a:rPr lang="en-US" sz="1200" dirty="0">
+              <a:rPr lang="en-US" sz="1312" dirty="0">
                 <a:solidFill>
                   <a:srgbClr val="232F3E"/>
                 </a:solidFill>
@@ -4932,8 +4584,8 @@
         </p:blipFill>
         <p:spPr>
           <a:xfrm>
-            <a:off x="2695493" y="1597008"/>
-            <a:ext cx="394953" cy="394953"/>
+            <a:off x="2378272" y="1837271"/>
+            <a:ext cx="431797" cy="431797"/>
           </a:xfrm>
           <a:prstGeom prst="rect">
             <a:avLst/>
@@ -4968,8 +4620,8 @@
         </p:blipFill>
         <p:spPr>
           <a:xfrm>
-            <a:off x="7694017" y="1591920"/>
-            <a:ext cx="394953" cy="394953"/>
+            <a:off x="7843093" y="1831708"/>
+            <a:ext cx="431797" cy="431797"/>
           </a:xfrm>
           <a:prstGeom prst="rect">
             <a:avLst/>
@@ -4990,8 +4642,8 @@
         </p:nvSpPr>
         <p:spPr>
           <a:xfrm>
-            <a:off x="2170193" y="1981540"/>
-            <a:ext cx="1485100" cy="276999"/>
+            <a:off x="1803968" y="2257673"/>
+            <a:ext cx="1623641" cy="294248"/>
           </a:xfrm>
           <a:prstGeom prst="rect">
             <a:avLst/>
@@ -5006,7 +4658,7 @@
           <a:p>
             <a:pPr algn="ctr"/>
             <a:r>
-              <a:rPr lang="en-US" sz="1200" dirty="0">
+              <a:rPr lang="en-US" sz="1312" dirty="0">
                 <a:solidFill>
                   <a:srgbClr val="232F3E"/>
                 </a:solidFill>
@@ -5032,8 +4684,8 @@
         </p:nvSpPr>
         <p:spPr>
           <a:xfrm>
-            <a:off x="7293358" y="1991961"/>
-            <a:ext cx="1127456" cy="276999"/>
+            <a:off x="7405057" y="2269066"/>
+            <a:ext cx="1232633" cy="294248"/>
           </a:xfrm>
           <a:prstGeom prst="rect">
             <a:avLst/>
@@ -5048,7 +4700,7 @@
           <a:p>
             <a:pPr algn="ctr"/>
             <a:r>
-              <a:rPr lang="en-US" sz="1200" dirty="0">
+              <a:rPr lang="en-US" sz="1312" dirty="0">
                 <a:solidFill>
                   <a:srgbClr val="232F3E"/>
                 </a:solidFill>
@@ -5094,8 +4746,8 @@
         </p:blipFill>
         <p:spPr>
           <a:xfrm>
-            <a:off x="6573553" y="1637640"/>
-            <a:ext cx="394953" cy="394953"/>
+            <a:off x="6618105" y="1881693"/>
+            <a:ext cx="431797" cy="431797"/>
           </a:xfrm>
           <a:prstGeom prst="rect">
             <a:avLst/>
@@ -5131,8 +4783,8 @@
         </p:blipFill>
         <p:spPr bwMode="auto">
           <a:xfrm>
-            <a:off x="9035632" y="3941739"/>
-            <a:ext cx="762000" cy="762000"/>
+            <a:off x="9309863" y="4400733"/>
+            <a:ext cx="833084" cy="833084"/>
           </a:xfrm>
           <a:prstGeom prst="rect">
             <a:avLst/>
@@ -5178,8 +4830,8 @@
         </p:nvSpPr>
         <p:spPr bwMode="auto">
           <a:xfrm>
-            <a:off x="8974201" y="4739462"/>
-            <a:ext cx="841044" cy="276999"/>
+            <a:off x="9242701" y="5272874"/>
+            <a:ext cx="919503" cy="294248"/>
           </a:xfrm>
           <a:prstGeom prst="rect">
             <a:avLst/>
@@ -5313,7 +4965,7 @@
           <a:p>
             <a:pPr algn="ctr" eaLnBrk="1" hangingPunct="1"/>
             <a:r>
-              <a:rPr lang="en-US" altLang="en-US" sz="1200" dirty="0">
+              <a:rPr lang="en-US" altLang="en-US" sz="1312" dirty="0">
                 <a:latin typeface="Arial" panose="020B0604020202020204" pitchFamily="34" charset="0"/>
                 <a:ea typeface="Amazon Ember" panose="020B0603020204020204" pitchFamily="34" charset="0"/>
                 <a:cs typeface="Arial" panose="020B0604020202020204" pitchFamily="34" charset="0"/>
@@ -5352,8 +5004,8 @@
         </p:blipFill>
         <p:spPr bwMode="auto">
           <a:xfrm>
-            <a:off x="9035671" y="5291397"/>
-            <a:ext cx="762000" cy="762000"/>
+            <a:off x="9309905" y="5876297"/>
+            <a:ext cx="833084" cy="833084"/>
           </a:xfrm>
           <a:prstGeom prst="rect">
             <a:avLst/>
@@ -5399,8 +5051,8 @@
         </p:nvSpPr>
         <p:spPr bwMode="auto">
           <a:xfrm>
-            <a:off x="8822976" y="6081235"/>
-            <a:ext cx="1199094" cy="276999"/>
+            <a:off x="9077368" y="6739817"/>
+            <a:ext cx="1310954" cy="294248"/>
           </a:xfrm>
           <a:prstGeom prst="rect">
             <a:avLst/>
@@ -5534,7 +5186,7 @@
           <a:p>
             <a:pPr algn="ctr" eaLnBrk="1" hangingPunct="1"/>
             <a:r>
-              <a:rPr lang="en-US" altLang="en-US" sz="1200" dirty="0">
+              <a:rPr lang="en-US" altLang="en-US" sz="1312" dirty="0">
                 <a:latin typeface="Arial" panose="020B0604020202020204" pitchFamily="34" charset="0"/>
                 <a:ea typeface="Amazon Ember" panose="020B0603020204020204" pitchFamily="34" charset="0"/>
                 <a:cs typeface="Arial" panose="020B0604020202020204" pitchFamily="34" charset="0"/>
@@ -5573,8 +5225,8 @@
         </p:blipFill>
         <p:spPr bwMode="auto">
           <a:xfrm>
-            <a:off x="9016596" y="2696139"/>
-            <a:ext cx="762000" cy="762000"/>
+            <a:off x="9289050" y="3038936"/>
+            <a:ext cx="833084" cy="833084"/>
           </a:xfrm>
           <a:prstGeom prst="rect">
             <a:avLst/>
@@ -5620,8 +5272,8 @@
         </p:nvSpPr>
         <p:spPr bwMode="auto">
           <a:xfrm>
-            <a:off x="8697095" y="3436789"/>
-            <a:ext cx="1395257" cy="276999"/>
+            <a:off x="8939745" y="3848678"/>
+            <a:ext cx="1525417" cy="294248"/>
           </a:xfrm>
           <a:prstGeom prst="rect">
             <a:avLst/>
@@ -5755,7 +5407,7 @@
           <a:p>
             <a:pPr algn="ctr" eaLnBrk="1" hangingPunct="1"/>
             <a:r>
-              <a:rPr lang="en-US" altLang="en-US" sz="1200" dirty="0">
+              <a:rPr lang="en-US" altLang="en-US" sz="1312" dirty="0">
                 <a:latin typeface="Arial" panose="020B0604020202020204" pitchFamily="34" charset="0"/>
                 <a:ea typeface="Amazon Ember" panose="020B0603020204020204" pitchFamily="34" charset="0"/>
                 <a:cs typeface="Arial" panose="020B0604020202020204" pitchFamily="34" charset="0"/>
@@ -5793,8 +5445,8 @@
         </p:blipFill>
         <p:spPr>
           <a:xfrm>
-            <a:off x="3299321" y="2796095"/>
-            <a:ext cx="394953" cy="394953"/>
+            <a:off x="3038429" y="3235146"/>
+            <a:ext cx="431797" cy="431797"/>
           </a:xfrm>
           <a:prstGeom prst="rect">
             <a:avLst/>
@@ -5815,8 +5467,8 @@
         </p:nvSpPr>
         <p:spPr>
           <a:xfrm>
-            <a:off x="3000417" y="3231467"/>
-            <a:ext cx="997328" cy="276999"/>
+            <a:off x="2711642" y="3624202"/>
+            <a:ext cx="1090365" cy="294248"/>
           </a:xfrm>
           <a:prstGeom prst="rect">
             <a:avLst/>
@@ -5831,7 +5483,7 @@
           <a:p>
             <a:pPr algn="ctr"/>
             <a:r>
-              <a:rPr lang="en-US" sz="1200" dirty="0">
+              <a:rPr lang="en-US" sz="1312" dirty="0">
                 <a:solidFill>
                   <a:srgbClr val="232F3E"/>
                 </a:solidFill>
@@ -5859,8 +5511,8 @@
         </p:nvSpPr>
         <p:spPr bwMode="auto">
           <a:xfrm>
-            <a:off x="4758915" y="3190784"/>
-            <a:ext cx="1339850" cy="461665"/>
+            <a:off x="4634183" y="3579725"/>
+            <a:ext cx="1464841" cy="496161"/>
           </a:xfrm>
           <a:prstGeom prst="rect">
             <a:avLst/>
@@ -5994,7 +5646,7 @@
           <a:p>
             <a:pPr algn="ctr" eaLnBrk="1" hangingPunct="1"/>
             <a:r>
-              <a:rPr lang="en-US" altLang="en-US" sz="1200" dirty="0">
+              <a:rPr lang="en-US" altLang="en-US" sz="1312" dirty="0">
                 <a:latin typeface="Arial" panose="020B0604020202020204" pitchFamily="34" charset="0"/>
                 <a:ea typeface="Amazon Ember" panose="020B0603020204020204" pitchFamily="34" charset="0"/>
                 <a:cs typeface="Arial" panose="020B0604020202020204" pitchFamily="34" charset="0"/>
@@ -6002,14 +5654,14 @@
               <a:t>Application Load </a:t>
             </a:r>
             <a:br>
-              <a:rPr lang="en-US" altLang="en-US" sz="1200" dirty="0">
+              <a:rPr lang="en-US" altLang="en-US" sz="1312" dirty="0">
                 <a:latin typeface="Arial" panose="020B0604020202020204" pitchFamily="34" charset="0"/>
                 <a:ea typeface="Amazon Ember" panose="020B0603020204020204" pitchFamily="34" charset="0"/>
                 <a:cs typeface="Arial" panose="020B0604020202020204" pitchFamily="34" charset="0"/>
               </a:rPr>
             </a:br>
             <a:r>
-              <a:rPr lang="en-US" altLang="en-US" sz="1200" dirty="0">
+              <a:rPr lang="en-US" altLang="en-US" sz="1312" dirty="0">
                 <a:latin typeface="Arial" panose="020B0604020202020204" pitchFamily="34" charset="0"/>
                 <a:ea typeface="Amazon Ember" panose="020B0603020204020204" pitchFamily="34" charset="0"/>
                 <a:cs typeface="Arial" panose="020B0604020202020204" pitchFamily="34" charset="0"/>
@@ -6048,8 +5700,8 @@
         </p:blipFill>
         <p:spPr bwMode="auto">
           <a:xfrm>
-            <a:off x="5188794" y="2762845"/>
-            <a:ext cx="457200" cy="457200"/>
+            <a:off x="5104165" y="3111865"/>
+            <a:ext cx="499851" cy="499851"/>
           </a:xfrm>
           <a:prstGeom prst="rect">
             <a:avLst/>
@@ -6093,8 +5745,8 @@
         </p:nvCxnSpPr>
         <p:spPr bwMode="auto">
           <a:xfrm>
-            <a:off x="3768029" y="3091260"/>
-            <a:ext cx="1280160" cy="0"/>
+            <a:off x="3550860" y="3470915"/>
+            <a:ext cx="1399583" cy="0"/>
           </a:xfrm>
           <a:prstGeom prst="straightConnector1">
             <a:avLst/>
@@ -6150,8 +5802,8 @@
         </p:blipFill>
         <p:spPr>
           <a:xfrm>
-            <a:off x="3299321" y="3538718"/>
-            <a:ext cx="394953" cy="394953"/>
+            <a:off x="3038429" y="3992716"/>
+            <a:ext cx="431797" cy="431797"/>
           </a:xfrm>
           <a:prstGeom prst="rect">
             <a:avLst/>
@@ -6172,8 +5824,8 @@
         </p:nvSpPr>
         <p:spPr>
           <a:xfrm>
-            <a:off x="2992166" y="3943331"/>
-            <a:ext cx="997328" cy="276999"/>
+            <a:off x="2702620" y="4402474"/>
+            <a:ext cx="1090365" cy="294248"/>
           </a:xfrm>
           <a:prstGeom prst="rect">
             <a:avLst/>
@@ -6188,7 +5840,7 @@
           <a:p>
             <a:pPr algn="ctr"/>
             <a:r>
-              <a:rPr lang="en-US" sz="1200" dirty="0">
+              <a:rPr lang="en-US" sz="1312" dirty="0">
                 <a:solidFill>
                   <a:srgbClr val="232F3E"/>
                 </a:solidFill>
@@ -6228,8 +5880,8 @@
         </p:blipFill>
         <p:spPr>
           <a:xfrm>
-            <a:off x="7077802" y="3527603"/>
-            <a:ext cx="394953" cy="394953"/>
+            <a:off x="7169393" y="3947965"/>
+            <a:ext cx="431797" cy="431797"/>
           </a:xfrm>
           <a:prstGeom prst="rect">
             <a:avLst/>
@@ -6250,8 +5902,8 @@
         </p:nvSpPr>
         <p:spPr>
           <a:xfrm>
-            <a:off x="6797185" y="3922556"/>
-            <a:ext cx="997328" cy="276999"/>
+            <a:off x="6862598" y="4379761"/>
+            <a:ext cx="1090365" cy="294248"/>
           </a:xfrm>
           <a:prstGeom prst="rect">
             <a:avLst/>
@@ -6266,7 +5918,7 @@
           <a:p>
             <a:pPr algn="ctr"/>
             <a:r>
-              <a:rPr lang="en-US" sz="1200" dirty="0">
+              <a:rPr lang="en-US" sz="1312" dirty="0">
                 <a:solidFill>
                   <a:srgbClr val="232F3E"/>
                 </a:solidFill>
@@ -6294,8 +5946,8 @@
         </p:nvSpPr>
         <p:spPr bwMode="auto">
           <a:xfrm>
-            <a:off x="4758085" y="4057046"/>
-            <a:ext cx="1339850" cy="461665"/>
+            <a:off x="4633275" y="4526798"/>
+            <a:ext cx="1464841" cy="496161"/>
           </a:xfrm>
           <a:prstGeom prst="rect">
             <a:avLst/>
@@ -6429,7 +6081,7 @@
           <a:p>
             <a:pPr algn="ctr" eaLnBrk="1" hangingPunct="1"/>
             <a:r>
-              <a:rPr lang="en-US" altLang="en-US" sz="1200" dirty="0">
+              <a:rPr lang="en-US" altLang="en-US" sz="1312" dirty="0">
                 <a:latin typeface="Arial" panose="020B0604020202020204" pitchFamily="34" charset="0"/>
                 <a:ea typeface="Amazon Ember" panose="020B0603020204020204" pitchFamily="34" charset="0"/>
                 <a:cs typeface="Arial" panose="020B0604020202020204" pitchFamily="34" charset="0"/>
@@ -6437,14 +6089,14 @@
               <a:t>Application Load </a:t>
             </a:r>
             <a:br>
-              <a:rPr lang="en-US" altLang="en-US" sz="1200" dirty="0">
+              <a:rPr lang="en-US" altLang="en-US" sz="1312" dirty="0">
                 <a:latin typeface="Arial" panose="020B0604020202020204" pitchFamily="34" charset="0"/>
                 <a:ea typeface="Amazon Ember" panose="020B0603020204020204" pitchFamily="34" charset="0"/>
                 <a:cs typeface="Arial" panose="020B0604020202020204" pitchFamily="34" charset="0"/>
               </a:rPr>
             </a:br>
             <a:r>
-              <a:rPr lang="en-US" altLang="en-US" sz="1200" dirty="0">
+              <a:rPr lang="en-US" altLang="en-US" sz="1312" dirty="0">
                 <a:latin typeface="Arial" panose="020B0604020202020204" pitchFamily="34" charset="0"/>
                 <a:ea typeface="Amazon Ember" panose="020B0603020204020204" pitchFamily="34" charset="0"/>
                 <a:cs typeface="Arial" panose="020B0604020202020204" pitchFamily="34" charset="0"/>
@@ -6483,8 +6135,8 @@
         </p:blipFill>
         <p:spPr bwMode="auto">
           <a:xfrm>
-            <a:off x="5184822" y="3644438"/>
-            <a:ext cx="457200" cy="457200"/>
+            <a:off x="5099823" y="4075699"/>
+            <a:ext cx="499851" cy="499851"/>
           </a:xfrm>
           <a:prstGeom prst="rect">
             <a:avLst/>
@@ -6528,8 +6180,8 @@
         </p:nvCxnSpPr>
         <p:spPr bwMode="auto">
           <a:xfrm>
-            <a:off x="3783267" y="3829755"/>
-            <a:ext cx="1280160" cy="0"/>
+            <a:off x="3567519" y="4278303"/>
+            <a:ext cx="1399583" cy="0"/>
           </a:xfrm>
           <a:prstGeom prst="straightConnector1">
             <a:avLst/>
@@ -6573,8 +6225,8 @@
         </p:nvCxnSpPr>
         <p:spPr bwMode="auto">
           <a:xfrm>
-            <a:off x="5711532" y="3830703"/>
-            <a:ext cx="1280160" cy="0"/>
+            <a:off x="5675666" y="4279339"/>
+            <a:ext cx="1399583" cy="0"/>
           </a:xfrm>
           <a:prstGeom prst="straightConnector1">
             <a:avLst/>
@@ -6630,8 +6282,8 @@
         </p:blipFill>
         <p:spPr>
           <a:xfrm>
-            <a:off x="3299321" y="4296369"/>
-            <a:ext cx="394953" cy="394953"/>
+            <a:off x="3038429" y="4788448"/>
+            <a:ext cx="431797" cy="431797"/>
           </a:xfrm>
           <a:prstGeom prst="rect">
             <a:avLst/>
@@ -6652,8 +6304,8 @@
         </p:nvSpPr>
         <p:spPr>
           <a:xfrm>
-            <a:off x="3000417" y="4642290"/>
-            <a:ext cx="997328" cy="276999"/>
+            <a:off x="2711642" y="5166636"/>
+            <a:ext cx="1090365" cy="294248"/>
           </a:xfrm>
           <a:prstGeom prst="rect">
             <a:avLst/>
@@ -6668,7 +6320,7 @@
           <a:p>
             <a:pPr algn="ctr"/>
             <a:r>
-              <a:rPr lang="en-US" sz="1200" dirty="0">
+              <a:rPr lang="en-US" sz="1312" dirty="0">
                 <a:solidFill>
                   <a:srgbClr val="232F3E"/>
                 </a:solidFill>
@@ -6708,8 +6360,8 @@
         </p:blipFill>
         <p:spPr>
           <a:xfrm>
-            <a:off x="7077802" y="4210133"/>
-            <a:ext cx="394953" cy="394953"/>
+            <a:off x="7169393" y="4694166"/>
+            <a:ext cx="431797" cy="431797"/>
           </a:xfrm>
           <a:prstGeom prst="rect">
             <a:avLst/>
@@ -6730,8 +6382,8 @@
         </p:nvSpPr>
         <p:spPr>
           <a:xfrm>
-            <a:off x="6778898" y="4645505"/>
-            <a:ext cx="997328" cy="276999"/>
+            <a:off x="6842606" y="5170152"/>
+            <a:ext cx="1090365" cy="294248"/>
           </a:xfrm>
           <a:prstGeom prst="rect">
             <a:avLst/>
@@ -6746,7 +6398,7 @@
           <a:p>
             <a:pPr algn="ctr"/>
             <a:r>
-              <a:rPr lang="en-US" sz="1200" dirty="0">
+              <a:rPr lang="en-US" sz="1312" dirty="0">
                 <a:solidFill>
                   <a:srgbClr val="232F3E"/>
                 </a:solidFill>
@@ -6786,8 +6438,8 @@
         </p:blipFill>
         <p:spPr>
           <a:xfrm>
-            <a:off x="3024441" y="4891838"/>
-            <a:ext cx="394953" cy="394953"/>
+            <a:off x="2803103" y="5482931"/>
+            <a:ext cx="431797" cy="431797"/>
           </a:xfrm>
           <a:prstGeom prst="rect">
             <a:avLst/>
@@ -6808,8 +6460,8 @@
         </p:nvSpPr>
         <p:spPr>
           <a:xfrm>
-            <a:off x="2725537" y="5327210"/>
-            <a:ext cx="997328" cy="276999"/>
+            <a:off x="2465450" y="5893719"/>
+            <a:ext cx="1090365" cy="294248"/>
           </a:xfrm>
           <a:prstGeom prst="rect">
             <a:avLst/>
@@ -6824,7 +6476,7 @@
           <a:p>
             <a:pPr algn="ctr"/>
             <a:r>
-              <a:rPr lang="en-US" sz="1200" dirty="0">
+              <a:rPr lang="en-US" sz="1312" dirty="0">
                 <a:solidFill>
                   <a:srgbClr val="232F3E"/>
                 </a:solidFill>
@@ -6864,8 +6516,8 @@
         </p:blipFill>
         <p:spPr>
           <a:xfrm>
-            <a:off x="7077802" y="4895053"/>
-            <a:ext cx="394953" cy="394953"/>
+            <a:off x="7169393" y="5486446"/>
+            <a:ext cx="431797" cy="431797"/>
           </a:xfrm>
           <a:prstGeom prst="rect">
             <a:avLst/>
@@ -6886,8 +6538,8 @@
         </p:nvSpPr>
         <p:spPr>
           <a:xfrm>
-            <a:off x="6778898" y="5330425"/>
-            <a:ext cx="997328" cy="276999"/>
+            <a:off x="6842606" y="5897234"/>
+            <a:ext cx="1090365" cy="294248"/>
           </a:xfrm>
           <a:prstGeom prst="rect">
             <a:avLst/>
@@ -6902,7 +6554,7 @@
           <a:p>
             <a:pPr algn="ctr"/>
             <a:r>
-              <a:rPr lang="en-US" sz="1200" dirty="0">
+              <a:rPr lang="en-US" sz="1312" dirty="0">
                 <a:solidFill>
                   <a:srgbClr val="232F3E"/>
                 </a:solidFill>
@@ -6942,8 +6594,8 @@
         </p:blipFill>
         <p:spPr>
           <a:xfrm>
-            <a:off x="3513749" y="4897393"/>
-            <a:ext cx="394953" cy="394953"/>
+            <a:off x="3338057" y="5489004"/>
+            <a:ext cx="431797" cy="431797"/>
           </a:xfrm>
           <a:prstGeom prst="rect">
             <a:avLst/>
@@ -6964,8 +6616,8 @@
         </p:nvSpPr>
         <p:spPr>
           <a:xfrm>
-            <a:off x="3222884" y="5315981"/>
-            <a:ext cx="997328" cy="276999"/>
+            <a:off x="3009193" y="5881442"/>
+            <a:ext cx="1090365" cy="294248"/>
           </a:xfrm>
           <a:prstGeom prst="rect">
             <a:avLst/>
@@ -6980,7 +6632,7 @@
           <a:p>
             <a:pPr algn="ctr"/>
             <a:r>
-              <a:rPr lang="en-US" sz="1200" dirty="0">
+              <a:rPr lang="en-US" sz="1312" dirty="0">
                 <a:solidFill>
                   <a:srgbClr val="232F3E"/>
                 </a:solidFill>
@@ -7021,8 +6673,8 @@
         </p:blipFill>
         <p:spPr bwMode="auto">
           <a:xfrm>
-            <a:off x="3298828" y="5777592"/>
-            <a:ext cx="457200" cy="457200"/>
+            <a:off x="3037890" y="6342651"/>
+            <a:ext cx="499851" cy="499851"/>
           </a:xfrm>
           <a:prstGeom prst="rect">
             <a:avLst/>
@@ -7068,8 +6720,8 @@
         </p:nvSpPr>
         <p:spPr bwMode="auto">
           <a:xfrm>
-            <a:off x="2965243" y="6229336"/>
-            <a:ext cx="1115568" cy="276999"/>
+            <a:off x="2673184" y="6836537"/>
+            <a:ext cx="1219636" cy="294248"/>
           </a:xfrm>
           <a:prstGeom prst="rect">
             <a:avLst/>
@@ -7203,7 +6855,7 @@
           <a:p>
             <a:pPr algn="ctr" eaLnBrk="1" hangingPunct="1"/>
             <a:r>
-              <a:rPr lang="en-US" altLang="en-US" sz="1200" dirty="0">
+              <a:rPr lang="en-US" altLang="en-US" sz="1312" dirty="0">
                 <a:latin typeface="Arial" panose="020B0604020202020204" pitchFamily="34" charset="0"/>
                 <a:ea typeface="Amazon Ember" panose="020B0603020204020204" pitchFamily="34" charset="0"/>
                 <a:cs typeface="Arial" panose="020B0604020202020204" pitchFamily="34" charset="0"/>
@@ -7242,8 +6894,8 @@
         </p:blipFill>
         <p:spPr bwMode="auto">
           <a:xfrm>
-            <a:off x="7154711" y="5783327"/>
-            <a:ext cx="457200" cy="457200"/>
+            <a:off x="7199145" y="6348922"/>
+            <a:ext cx="499851" cy="499851"/>
           </a:xfrm>
           <a:prstGeom prst="rect">
             <a:avLst/>
@@ -7289,8 +6941,8 @@
         </p:nvSpPr>
         <p:spPr bwMode="auto">
           <a:xfrm>
-            <a:off x="6821126" y="6235071"/>
-            <a:ext cx="1115568" cy="276999"/>
+            <a:off x="6888771" y="6842806"/>
+            <a:ext cx="1219636" cy="294248"/>
           </a:xfrm>
           <a:prstGeom prst="rect">
             <a:avLst/>
@@ -7424,7 +7076,7 @@
           <a:p>
             <a:pPr algn="ctr" eaLnBrk="1" hangingPunct="1"/>
             <a:r>
-              <a:rPr lang="en-US" altLang="en-US" sz="1200" dirty="0">
+              <a:rPr lang="en-US" altLang="en-US" sz="1312" dirty="0">
                 <a:latin typeface="Arial" panose="020B0604020202020204" pitchFamily="34" charset="0"/>
                 <a:ea typeface="Amazon Ember" panose="020B0603020204020204" pitchFamily="34" charset="0"/>
                 <a:cs typeface="Arial" panose="020B0604020202020204" pitchFamily="34" charset="0"/>
@@ -7448,8 +7100,8 @@
         </p:nvSpPr>
         <p:spPr bwMode="auto">
           <a:xfrm>
-            <a:off x="3596421" y="1509105"/>
-            <a:ext cx="3668481" cy="866773"/>
+            <a:off x="3363244" y="1741166"/>
+            <a:ext cx="4010703" cy="947632"/>
           </a:xfrm>
           <a:prstGeom prst="rect">
             <a:avLst/>
@@ -7479,36 +7131,24 @@
           </a:fontRef>
         </p:style>
         <p:txBody>
-          <a:bodyPr tIns="91440"/>
+          <a:bodyPr tIns="99970"/>
           <a:lstStyle/>
           <a:p>
-            <a:pPr algn="ctr" eaLnBrk="1" fontAlgn="auto" hangingPunct="1">
-              <a:spcBef>
-                <a:spcPts val="0"/>
-              </a:spcBef>
-              <a:spcAft>
-                <a:spcPts val="0"/>
-              </a:spcAft>
+            <a:pPr algn="ctr">
               <a:defRPr/>
             </a:pPr>
-            <a:endParaRPr lang="en-US" sz="1100" dirty="0">
+            <a:endParaRPr lang="en-US" sz="1203" dirty="0">
               <a:solidFill>
                 <a:srgbClr val="D86613"/>
               </a:solidFill>
             </a:endParaRPr>
           </a:p>
           <a:p>
-            <a:pPr algn="ctr" eaLnBrk="1" fontAlgn="auto" hangingPunct="1">
-              <a:spcBef>
-                <a:spcPts val="0"/>
-              </a:spcBef>
-              <a:spcAft>
-                <a:spcPts val="0"/>
-              </a:spcAft>
+            <a:pPr algn="ctr">
               <a:defRPr/>
             </a:pPr>
             <a:r>
-              <a:rPr lang="en-US" sz="1200" dirty="0">
+              <a:rPr lang="en-US" sz="1312" dirty="0">
                 <a:solidFill>
                   <a:srgbClr val="D86613"/>
                 </a:solidFill>
@@ -7534,8 +7174,8 @@
         </p:nvSpPr>
         <p:spPr bwMode="auto">
           <a:xfrm>
-            <a:off x="2965243" y="5587863"/>
-            <a:ext cx="4971451" cy="911284"/>
+            <a:off x="2673186" y="6200421"/>
+            <a:ext cx="5435223" cy="952637"/>
           </a:xfrm>
           <a:prstGeom prst="rect">
             <a:avLst/>
@@ -7565,36 +7205,24 @@
           </a:fontRef>
         </p:style>
         <p:txBody>
-          <a:bodyPr tIns="91440"/>
+          <a:bodyPr tIns="99970"/>
           <a:lstStyle/>
           <a:p>
-            <a:pPr algn="ctr" eaLnBrk="1" fontAlgn="auto" hangingPunct="1">
-              <a:spcBef>
-                <a:spcPts val="0"/>
-              </a:spcBef>
-              <a:spcAft>
-                <a:spcPts val="0"/>
-              </a:spcAft>
+            <a:pPr algn="ctr">
               <a:defRPr/>
             </a:pPr>
-            <a:endParaRPr lang="en-US" sz="1100" dirty="0">
+            <a:endParaRPr lang="en-US" sz="1203" dirty="0">
               <a:solidFill>
                 <a:srgbClr val="D86613"/>
               </a:solidFill>
             </a:endParaRPr>
           </a:p>
           <a:p>
-            <a:pPr algn="ctr" eaLnBrk="1" fontAlgn="auto" hangingPunct="1">
-              <a:spcBef>
-                <a:spcPts val="0"/>
-              </a:spcBef>
-              <a:spcAft>
-                <a:spcPts val="0"/>
-              </a:spcAft>
+            <a:pPr algn="ctr">
               <a:defRPr/>
             </a:pPr>
             <a:r>
-              <a:rPr lang="en-US" sz="1200" dirty="0">
+              <a:rPr lang="en-US" sz="1312" dirty="0">
                 <a:solidFill>
                   <a:srgbClr val="D86613"/>
                 </a:solidFill>
@@ -7634,8 +7262,8 @@
         </p:blipFill>
         <p:spPr>
           <a:xfrm>
-            <a:off x="5282979" y="5581262"/>
-            <a:ext cx="277535" cy="277535"/>
+            <a:off x="5207137" y="6193205"/>
+            <a:ext cx="303425" cy="303425"/>
           </a:xfrm>
           <a:prstGeom prst="rect">
             <a:avLst/>
@@ -7671,8 +7299,8 @@
         </p:blipFill>
         <p:spPr bwMode="auto">
           <a:xfrm>
-            <a:off x="9013723" y="1339709"/>
-            <a:ext cx="762000" cy="762000"/>
+            <a:off x="9285909" y="1555968"/>
+            <a:ext cx="833084" cy="833084"/>
           </a:xfrm>
           <a:prstGeom prst="rect">
             <a:avLst/>
@@ -7718,8 +7346,8 @@
         </p:nvSpPr>
         <p:spPr bwMode="auto">
           <a:xfrm>
-            <a:off x="8709412" y="2106298"/>
-            <a:ext cx="1395257" cy="276999"/>
+            <a:off x="8953211" y="2394069"/>
+            <a:ext cx="1525417" cy="294248"/>
           </a:xfrm>
           <a:prstGeom prst="rect">
             <a:avLst/>
@@ -7853,7 +7481,7 @@
           <a:p>
             <a:pPr algn="ctr" eaLnBrk="1" hangingPunct="1"/>
             <a:r>
-              <a:rPr lang="en-US" altLang="en-US" sz="1200" dirty="0">
+              <a:rPr lang="en-US" altLang="en-US" sz="1312" dirty="0">
                 <a:latin typeface="Arial" panose="020B0604020202020204" pitchFamily="34" charset="0"/>
                 <a:ea typeface="Amazon Ember" panose="020B0603020204020204" pitchFamily="34" charset="0"/>
                 <a:cs typeface="Arial" panose="020B0604020202020204" pitchFamily="34" charset="0"/>
@@ -7879,7 +7507,7 @@
 <file path=ppt/theme/theme1.xml><?xml version="1.0" encoding="utf-8"?>
 <a:theme xmlns:a="http://schemas.openxmlformats.org/drawingml/2006/main" name="Office Theme">
   <a:themeElements>
-    <a:clrScheme name="Office">
+    <a:clrScheme name="Office Theme">
       <a:dk1>
         <a:sysClr val="windowText" lastClr="000000"/>
       </a:dk1>
@@ -7917,7 +7545,7 @@
         <a:srgbClr val="954F72"/>
       </a:folHlink>
     </a:clrScheme>
-    <a:fontScheme name="Office">
+    <a:fontScheme name="Office Theme">
       <a:majorFont>
         <a:latin typeface="Calibri Light" panose="020F0302020204030204"/>
         <a:ea typeface=""/>
@@ -7952,23 +7580,6 @@
         <a:font script="Viet" typeface="Times New Roman"/>
         <a:font script="Uigh" typeface="Microsoft Uighur"/>
         <a:font script="Geor" typeface="Sylfaen"/>
-        <a:font script="Armn" typeface="Arial"/>
-        <a:font script="Bugi" typeface="Leelawadee UI"/>
-        <a:font script="Bopo" typeface="Microsoft JhengHei"/>
-        <a:font script="Java" typeface="Javanese Text"/>
-        <a:font script="Lisu" typeface="Segoe UI"/>
-        <a:font script="Mymr" typeface="Myanmar Text"/>
-        <a:font script="Nkoo" typeface="Ebrima"/>
-        <a:font script="Olck" typeface="Nirmala UI"/>
-        <a:font script="Osma" typeface="Ebrima"/>
-        <a:font script="Phag" typeface="Phagspa"/>
-        <a:font script="Syrn" typeface="Estrangelo Edessa"/>
-        <a:font script="Syrj" typeface="Estrangelo Edessa"/>
-        <a:font script="Syre" typeface="Estrangelo Edessa"/>
-        <a:font script="Sora" typeface="Nirmala UI"/>
-        <a:font script="Tale" typeface="Microsoft Tai Le"/>
-        <a:font script="Talu" typeface="Microsoft New Tai Lue"/>
-        <a:font script="Tfng" typeface="Ebrima"/>
       </a:majorFont>
       <a:minorFont>
         <a:latin typeface="Calibri" panose="020F0502020204030204"/>
@@ -8004,26 +7615,9 @@
         <a:font script="Viet" typeface="Arial"/>
         <a:font script="Uigh" typeface="Microsoft Uighur"/>
         <a:font script="Geor" typeface="Sylfaen"/>
-        <a:font script="Armn" typeface="Arial"/>
-        <a:font script="Bugi" typeface="Leelawadee UI"/>
-        <a:font script="Bopo" typeface="Microsoft JhengHei"/>
-        <a:font script="Java" typeface="Javanese Text"/>
-        <a:font script="Lisu" typeface="Segoe UI"/>
-        <a:font script="Mymr" typeface="Myanmar Text"/>
-        <a:font script="Nkoo" typeface="Ebrima"/>
-        <a:font script="Olck" typeface="Nirmala UI"/>
-        <a:font script="Osma" typeface="Ebrima"/>
-        <a:font script="Phag" typeface="Phagspa"/>
-        <a:font script="Syrn" typeface="Estrangelo Edessa"/>
-        <a:font script="Syrj" typeface="Estrangelo Edessa"/>
-        <a:font script="Syre" typeface="Estrangelo Edessa"/>
-        <a:font script="Sora" typeface="Nirmala UI"/>
-        <a:font script="Tale" typeface="Microsoft Tai Le"/>
-        <a:font script="Talu" typeface="Microsoft New Tai Lue"/>
-        <a:font script="Tfng" typeface="Ebrima"/>
       </a:minorFont>
     </a:fontScheme>
-    <a:fmtScheme name="Office">
+    <a:fmtScheme name="Office Theme">
       <a:fillStyleLst>
         <a:solidFill>
           <a:schemeClr val="phClr"/>

--- a/docs/images/data-robot-architecture-diagram.pptx
+++ b/docs/images/data-robot-architecture-diagram.pptx
@@ -3927,8 +3927,8 @@
         </p:nvSpPr>
         <p:spPr>
           <a:xfrm>
-            <a:off x="737056" y="527265"/>
-            <a:ext cx="9728104" cy="7048285"/>
+            <a:off x="812800" y="403226"/>
+            <a:ext cx="9652360" cy="7172325"/>
           </a:xfrm>
           <a:prstGeom prst="rect">
             <a:avLst/>
@@ -4007,7 +4007,7 @@
         </p:blipFill>
         <p:spPr>
           <a:xfrm>
-            <a:off x="737057" y="530130"/>
+            <a:off x="814400" y="403227"/>
             <a:ext cx="359893" cy="359893"/>
           </a:xfrm>
           <a:prstGeom prst="rect">
@@ -4029,8 +4029,8 @@
         </p:nvSpPr>
         <p:spPr>
           <a:xfrm>
-            <a:off x="1895678" y="1080117"/>
-            <a:ext cx="2680838" cy="6279686"/>
+            <a:off x="1895678" y="711205"/>
+            <a:ext cx="2680838" cy="6648598"/>
           </a:xfrm>
           <a:prstGeom prst="rect">
             <a:avLst/>
@@ -4096,8 +4096,8 @@
         </p:nvSpPr>
         <p:spPr>
           <a:xfrm>
-            <a:off x="954676" y="965284"/>
-            <a:ext cx="8010164" cy="6494882"/>
+            <a:off x="1456076" y="1071096"/>
+            <a:ext cx="7508763" cy="6389069"/>
           </a:xfrm>
           <a:prstGeom prst="rect">
             <a:avLst/>
@@ -4181,7 +4181,7 @@
         </p:blipFill>
         <p:spPr>
           <a:xfrm>
-            <a:off x="957607" y="967036"/>
+            <a:off x="1456076" y="1071096"/>
             <a:ext cx="361003" cy="361003"/>
           </a:xfrm>
           <a:prstGeom prst="rect">
@@ -4275,8 +4275,8 @@
         </p:nvSpPr>
         <p:spPr>
           <a:xfrm>
-            <a:off x="6152819" y="1080117"/>
-            <a:ext cx="2662926" cy="6279685"/>
+            <a:off x="6152819" y="711205"/>
+            <a:ext cx="2662926" cy="6648598"/>
           </a:xfrm>
           <a:prstGeom prst="rect">
             <a:avLst/>

--- a/docs/images/data-robot-architecture-diagram.pptx
+++ b/docs/images/data-robot-architecture-diagram.pptx
@@ -2,7 +2,7 @@
 <file path=ppt/presentation.xml><?xml version="1.0" encoding="utf-8"?>
 <p:presentation xmlns:a="http://schemas.openxmlformats.org/drawingml/2006/main" xmlns:r="http://schemas.openxmlformats.org/officeDocument/2006/relationships" xmlns:p="http://schemas.openxmlformats.org/presentationml/2006/main" saveSubsetFonts="1" autoCompressPictures="0">
   <p:sldMasterIdLst>
-    <p:sldMasterId id="2147483687" r:id="rId1"/>
+    <p:sldMasterId id="2147483700" r:id="rId1"/>
   </p:sldMasterIdLst>
   <p:notesMasterIdLst>
     <p:notesMasterId r:id="rId3"/>
@@ -10,7 +10,7 @@
   <p:sldIdLst>
     <p:sldId id="426" r:id="rId2"/>
   </p:sldIdLst>
-  <p:sldSz cx="12192000" cy="7680325"/>
+  <p:sldSz cx="12192000" cy="8229600"/>
   <p:notesSz cx="6858000" cy="9144000"/>
   <p:defaultTextStyle>
     <a:defPPr>
@@ -215,8 +215,8 @@
         </p:nvSpPr>
         <p:spPr>
           <a:xfrm>
-            <a:off x="979488" y="1143000"/>
-            <a:ext cx="4899025" cy="3086100"/>
+            <a:off x="1143000" y="1143000"/>
+            <a:ext cx="4572000" cy="3086100"/>
           </a:xfrm>
           <a:prstGeom prst="rect">
             <a:avLst/>
@@ -493,8 +493,8 @@
         </p:nvSpPr>
         <p:spPr>
           <a:xfrm>
-            <a:off x="979488" y="1143000"/>
-            <a:ext cx="4899025" cy="3086100"/>
+            <a:off x="1143000" y="1143000"/>
+            <a:ext cx="4572000" cy="3086100"/>
           </a:xfrm>
         </p:spPr>
       </p:sp>
@@ -582,15 +582,15 @@
         </p:nvSpPr>
         <p:spPr>
           <a:xfrm>
-            <a:off x="1524000" y="1256943"/>
-            <a:ext cx="9144000" cy="2673891"/>
+            <a:off x="914400" y="1346836"/>
+            <a:ext cx="10363200" cy="2865120"/>
           </a:xfrm>
         </p:spPr>
         <p:txBody>
           <a:bodyPr anchor="b"/>
           <a:lstStyle>
             <a:lvl1pPr algn="ctr">
-              <a:defRPr sz="6000"/>
+              <a:defRPr sz="7200"/>
             </a:lvl1pPr>
           </a:lstStyle>
           <a:p>
@@ -614,8 +614,8 @@
         </p:nvSpPr>
         <p:spPr>
           <a:xfrm>
-            <a:off x="1524000" y="4033949"/>
-            <a:ext cx="9144000" cy="1854300"/>
+            <a:off x="1524000" y="4322446"/>
+            <a:ext cx="9144000" cy="1986914"/>
           </a:xfrm>
         </p:spPr>
         <p:txBody>
@@ -623,39 +623,39 @@
           <a:lstStyle>
             <a:lvl1pPr marL="0" indent="0" algn="ctr">
               <a:buNone/>
+              <a:defRPr sz="2880"/>
+            </a:lvl1pPr>
+            <a:lvl2pPr marL="548640" indent="0" algn="ctr">
+              <a:buNone/>
               <a:defRPr sz="2400"/>
-            </a:lvl1pPr>
-            <a:lvl2pPr marL="457200" indent="0" algn="ctr">
+            </a:lvl2pPr>
+            <a:lvl3pPr marL="1097280" indent="0" algn="ctr">
               <a:buNone/>
-              <a:defRPr sz="2000"/>
-            </a:lvl2pPr>
-            <a:lvl3pPr marL="914400" indent="0" algn="ctr">
+              <a:defRPr sz="2160"/>
+            </a:lvl3pPr>
+            <a:lvl4pPr marL="1645920" indent="0" algn="ctr">
               <a:buNone/>
-              <a:defRPr sz="1800"/>
-            </a:lvl3pPr>
-            <a:lvl4pPr marL="1371600" indent="0" algn="ctr">
+              <a:defRPr sz="1920"/>
+            </a:lvl4pPr>
+            <a:lvl5pPr marL="2194560" indent="0" algn="ctr">
               <a:buNone/>
-              <a:defRPr sz="1600"/>
-            </a:lvl4pPr>
-            <a:lvl5pPr marL="1828800" indent="0" algn="ctr">
+              <a:defRPr sz="1920"/>
+            </a:lvl5pPr>
+            <a:lvl6pPr marL="2743200" indent="0" algn="ctr">
               <a:buNone/>
-              <a:defRPr sz="1600"/>
-            </a:lvl5pPr>
-            <a:lvl6pPr marL="2286000" indent="0" algn="ctr">
+              <a:defRPr sz="1920"/>
+            </a:lvl6pPr>
+            <a:lvl7pPr marL="3291840" indent="0" algn="ctr">
               <a:buNone/>
-              <a:defRPr sz="1600"/>
-            </a:lvl6pPr>
-            <a:lvl7pPr marL="2743200" indent="0" algn="ctr">
+              <a:defRPr sz="1920"/>
+            </a:lvl7pPr>
+            <a:lvl8pPr marL="3840480" indent="0" algn="ctr">
               <a:buNone/>
-              <a:defRPr sz="1600"/>
-            </a:lvl7pPr>
-            <a:lvl8pPr marL="3200400" indent="0" algn="ctr">
+              <a:defRPr sz="1920"/>
+            </a:lvl8pPr>
+            <a:lvl9pPr marL="4389120" indent="0" algn="ctr">
               <a:buNone/>
-              <a:defRPr sz="1600"/>
-            </a:lvl8pPr>
-            <a:lvl9pPr marL="3657600" indent="0" algn="ctr">
-              <a:buNone/>
-              <a:defRPr sz="1600"/>
+              <a:defRPr sz="1920"/>
             </a:lvl9pPr>
           </a:lstStyle>
           <a:p>
@@ -735,7 +735,7 @@
     </p:spTree>
     <p:extLst>
       <p:ext uri="{BB962C8B-B14F-4D97-AF65-F5344CB8AC3E}">
-        <p14:creationId xmlns:p14="http://schemas.microsoft.com/office/powerpoint/2010/main" val="1611977684"/>
+        <p14:creationId xmlns:p14="http://schemas.microsoft.com/office/powerpoint/2010/main" val="2896828253"/>
       </p:ext>
     </p:extLst>
   </p:cSld>
@@ -905,7 +905,7 @@
     </p:spTree>
     <p:extLst>
       <p:ext uri="{BB962C8B-B14F-4D97-AF65-F5344CB8AC3E}">
-        <p14:creationId xmlns:p14="http://schemas.microsoft.com/office/powerpoint/2010/main" val="759797533"/>
+        <p14:creationId xmlns:p14="http://schemas.microsoft.com/office/powerpoint/2010/main" val="3489156058"/>
       </p:ext>
     </p:extLst>
   </p:cSld>
@@ -944,8 +944,8 @@
         </p:nvSpPr>
         <p:spPr>
           <a:xfrm>
-            <a:off x="8724900" y="408906"/>
-            <a:ext cx="2628900" cy="6508720"/>
+            <a:off x="8724901" y="438150"/>
+            <a:ext cx="2628900" cy="6974206"/>
           </a:xfrm>
         </p:spPr>
         <p:txBody>
@@ -972,8 +972,8 @@
         </p:nvSpPr>
         <p:spPr>
           <a:xfrm>
-            <a:off x="838200" y="408906"/>
-            <a:ext cx="7734300" cy="6508720"/>
+            <a:off x="838201" y="438150"/>
+            <a:ext cx="7734300" cy="6974206"/>
           </a:xfrm>
         </p:spPr>
         <p:txBody>
@@ -1085,7 +1085,7 @@
     </p:spTree>
     <p:extLst>
       <p:ext uri="{BB962C8B-B14F-4D97-AF65-F5344CB8AC3E}">
-        <p14:creationId xmlns:p14="http://schemas.microsoft.com/office/powerpoint/2010/main" val="219657350"/>
+        <p14:creationId xmlns:p14="http://schemas.microsoft.com/office/powerpoint/2010/main" val="2819199691"/>
       </p:ext>
     </p:extLst>
   </p:cSld>
@@ -1159,8 +1159,8 @@
         </p:nvSpPr>
         <p:spPr>
           <a:xfrm>
-            <a:off x="202294" y="437139"/>
-            <a:ext cx="6532780" cy="626473"/>
+            <a:off x="202294" y="468402"/>
+            <a:ext cx="6532780" cy="671277"/>
           </a:xfrm>
         </p:spPr>
         <p:txBody>
@@ -1200,8 +1200,8 @@
         </p:nvSpPr>
         <p:spPr>
           <a:xfrm>
-            <a:off x="10909468" y="491079"/>
-            <a:ext cx="1053932" cy="518589"/>
+            <a:off x="10909468" y="526200"/>
+            <a:ext cx="1053932" cy="555677"/>
           </a:xfrm>
         </p:spPr>
         <p:txBody>
@@ -1242,7 +1242,7 @@
         <p:spPr>
           <a:xfrm>
             <a:off x="0" y="1"/>
-            <a:ext cx="12192000" cy="325284"/>
+            <a:ext cx="12192000" cy="348547"/>
           </a:xfrm>
           <a:prstGeom prst="rect">
             <a:avLst/>
@@ -1299,7 +1299,7 @@
     </p:spTree>
     <p:extLst>
       <p:ext uri="{BB962C8B-B14F-4D97-AF65-F5344CB8AC3E}">
-        <p14:creationId xmlns:p14="http://schemas.microsoft.com/office/powerpoint/2010/main" val="3772355138"/>
+        <p14:creationId xmlns:p14="http://schemas.microsoft.com/office/powerpoint/2010/main" val="3840421433"/>
       </p:ext>
     </p:extLst>
   </p:cSld>
@@ -1469,7 +1469,7 @@
     </p:spTree>
     <p:extLst>
       <p:ext uri="{BB962C8B-B14F-4D97-AF65-F5344CB8AC3E}">
-        <p14:creationId xmlns:p14="http://schemas.microsoft.com/office/powerpoint/2010/main" val="1030717909"/>
+        <p14:creationId xmlns:p14="http://schemas.microsoft.com/office/powerpoint/2010/main" val="2498127606"/>
       </p:ext>
     </p:extLst>
   </p:cSld>
@@ -1508,15 +1508,15 @@
         </p:nvSpPr>
         <p:spPr>
           <a:xfrm>
-            <a:off x="831850" y="1914749"/>
-            <a:ext cx="10515600" cy="3194801"/>
+            <a:off x="831851" y="2051688"/>
+            <a:ext cx="10515600" cy="3423284"/>
           </a:xfrm>
         </p:spPr>
         <p:txBody>
           <a:bodyPr anchor="b"/>
           <a:lstStyle>
             <a:lvl1pPr>
-              <a:defRPr sz="6000"/>
+              <a:defRPr sz="7200"/>
             </a:lvl1pPr>
           </a:lstStyle>
           <a:p>
@@ -1540,8 +1540,8 @@
         </p:nvSpPr>
         <p:spPr>
           <a:xfrm>
-            <a:off x="831850" y="5139774"/>
-            <a:ext cx="10515600" cy="1680071"/>
+            <a:off x="831851" y="5507358"/>
+            <a:ext cx="10515600" cy="1800224"/>
           </a:xfrm>
         </p:spPr>
         <p:txBody>
@@ -1549,6 +1549,14 @@
           <a:lstStyle>
             <a:lvl1pPr marL="0" indent="0">
               <a:buNone/>
+              <a:defRPr sz="2880">
+                <a:solidFill>
+                  <a:schemeClr val="tx1"/>
+                </a:solidFill>
+              </a:defRPr>
+            </a:lvl1pPr>
+            <a:lvl2pPr marL="548640" indent="0">
+              <a:buNone/>
               <a:defRPr sz="2400">
                 <a:solidFill>
                   <a:schemeClr val="tx1">
@@ -1556,80 +1564,70 @@
                   </a:schemeClr>
                 </a:solidFill>
               </a:defRPr>
-            </a:lvl1pPr>
-            <a:lvl2pPr marL="457200" indent="0">
+            </a:lvl2pPr>
+            <a:lvl3pPr marL="1097280" indent="0">
               <a:buNone/>
-              <a:defRPr sz="2000">
+              <a:defRPr sz="2160">
                 <a:solidFill>
                   <a:schemeClr val="tx1">
                     <a:tint val="75000"/>
                   </a:schemeClr>
                 </a:solidFill>
               </a:defRPr>
-            </a:lvl2pPr>
-            <a:lvl3pPr marL="914400" indent="0">
+            </a:lvl3pPr>
+            <a:lvl4pPr marL="1645920" indent="0">
               <a:buNone/>
-              <a:defRPr sz="1800">
+              <a:defRPr sz="1920">
                 <a:solidFill>
                   <a:schemeClr val="tx1">
                     <a:tint val="75000"/>
                   </a:schemeClr>
                 </a:solidFill>
               </a:defRPr>
-            </a:lvl3pPr>
-            <a:lvl4pPr marL="1371600" indent="0">
+            </a:lvl4pPr>
+            <a:lvl5pPr marL="2194560" indent="0">
               <a:buNone/>
-              <a:defRPr sz="1600">
+              <a:defRPr sz="1920">
                 <a:solidFill>
                   <a:schemeClr val="tx1">
                     <a:tint val="75000"/>
                   </a:schemeClr>
                 </a:solidFill>
               </a:defRPr>
-            </a:lvl4pPr>
-            <a:lvl5pPr marL="1828800" indent="0">
+            </a:lvl5pPr>
+            <a:lvl6pPr marL="2743200" indent="0">
               <a:buNone/>
-              <a:defRPr sz="1600">
+              <a:defRPr sz="1920">
                 <a:solidFill>
                   <a:schemeClr val="tx1">
                     <a:tint val="75000"/>
                   </a:schemeClr>
                 </a:solidFill>
               </a:defRPr>
-            </a:lvl5pPr>
-            <a:lvl6pPr marL="2286000" indent="0">
+            </a:lvl6pPr>
+            <a:lvl7pPr marL="3291840" indent="0">
               <a:buNone/>
-              <a:defRPr sz="1600">
+              <a:defRPr sz="1920">
                 <a:solidFill>
                   <a:schemeClr val="tx1">
                     <a:tint val="75000"/>
                   </a:schemeClr>
                 </a:solidFill>
               </a:defRPr>
-            </a:lvl6pPr>
-            <a:lvl7pPr marL="2743200" indent="0">
+            </a:lvl7pPr>
+            <a:lvl8pPr marL="3840480" indent="0">
               <a:buNone/>
-              <a:defRPr sz="1600">
+              <a:defRPr sz="1920">
                 <a:solidFill>
                   <a:schemeClr val="tx1">
                     <a:tint val="75000"/>
                   </a:schemeClr>
                 </a:solidFill>
               </a:defRPr>
-            </a:lvl7pPr>
-            <a:lvl8pPr marL="3200400" indent="0">
+            </a:lvl8pPr>
+            <a:lvl9pPr marL="4389120" indent="0">
               <a:buNone/>
-              <a:defRPr sz="1600">
-                <a:solidFill>
-                  <a:schemeClr val="tx1">
-                    <a:tint val="75000"/>
-                  </a:schemeClr>
-                </a:solidFill>
-              </a:defRPr>
-            </a:lvl8pPr>
-            <a:lvl9pPr marL="3657600" indent="0">
-              <a:buNone/>
-              <a:defRPr sz="1600">
+              <a:defRPr sz="1920">
                 <a:solidFill>
                   <a:schemeClr val="tx1">
                     <a:tint val="75000"/>
@@ -1715,7 +1713,7 @@
     </p:spTree>
     <p:extLst>
       <p:ext uri="{BB962C8B-B14F-4D97-AF65-F5344CB8AC3E}">
-        <p14:creationId xmlns:p14="http://schemas.microsoft.com/office/powerpoint/2010/main" val="1081310990"/>
+        <p14:creationId xmlns:p14="http://schemas.microsoft.com/office/powerpoint/2010/main" val="4010594842"/>
       </p:ext>
     </p:extLst>
   </p:cSld>
@@ -1777,8 +1775,8 @@
         </p:nvSpPr>
         <p:spPr>
           <a:xfrm>
-            <a:off x="838200" y="2044531"/>
-            <a:ext cx="5181600" cy="4873096"/>
+            <a:off x="838200" y="2190750"/>
+            <a:ext cx="5181600" cy="5221606"/>
           </a:xfrm>
         </p:spPr>
         <p:txBody>
@@ -1834,8 +1832,8 @@
         </p:nvSpPr>
         <p:spPr>
           <a:xfrm>
-            <a:off x="6172200" y="2044531"/>
-            <a:ext cx="5181600" cy="4873096"/>
+            <a:off x="6172200" y="2190750"/>
+            <a:ext cx="5181600" cy="5221606"/>
           </a:xfrm>
         </p:spPr>
         <p:txBody>
@@ -1947,7 +1945,7 @@
     </p:spTree>
     <p:extLst>
       <p:ext uri="{BB962C8B-B14F-4D97-AF65-F5344CB8AC3E}">
-        <p14:creationId xmlns:p14="http://schemas.microsoft.com/office/powerpoint/2010/main" val="3514651154"/>
+        <p14:creationId xmlns:p14="http://schemas.microsoft.com/office/powerpoint/2010/main" val="2095638306"/>
       </p:ext>
     </p:extLst>
   </p:cSld>
@@ -1986,8 +1984,8 @@
         </p:nvSpPr>
         <p:spPr>
           <a:xfrm>
-            <a:off x="839788" y="408907"/>
-            <a:ext cx="10515600" cy="1484508"/>
+            <a:off x="839788" y="438152"/>
+            <a:ext cx="10515600" cy="1590676"/>
           </a:xfrm>
         </p:spPr>
         <p:txBody>
@@ -2014,8 +2012,8 @@
         </p:nvSpPr>
         <p:spPr>
           <a:xfrm>
-            <a:off x="839789" y="1882747"/>
-            <a:ext cx="5157787" cy="922705"/>
+            <a:off x="839789" y="2017396"/>
+            <a:ext cx="5157787" cy="988694"/>
           </a:xfrm>
         </p:spPr>
         <p:txBody>
@@ -2023,39 +2021,39 @@
           <a:lstStyle>
             <a:lvl1pPr marL="0" indent="0">
               <a:buNone/>
+              <a:defRPr sz="2880" b="1"/>
+            </a:lvl1pPr>
+            <a:lvl2pPr marL="548640" indent="0">
+              <a:buNone/>
               <a:defRPr sz="2400" b="1"/>
-            </a:lvl1pPr>
-            <a:lvl2pPr marL="457200" indent="0">
+            </a:lvl2pPr>
+            <a:lvl3pPr marL="1097280" indent="0">
               <a:buNone/>
-              <a:defRPr sz="2000" b="1"/>
-            </a:lvl2pPr>
-            <a:lvl3pPr marL="914400" indent="0">
+              <a:defRPr sz="2160" b="1"/>
+            </a:lvl3pPr>
+            <a:lvl4pPr marL="1645920" indent="0">
               <a:buNone/>
-              <a:defRPr sz="1800" b="1"/>
-            </a:lvl3pPr>
-            <a:lvl4pPr marL="1371600" indent="0">
+              <a:defRPr sz="1920" b="1"/>
+            </a:lvl4pPr>
+            <a:lvl5pPr marL="2194560" indent="0">
               <a:buNone/>
-              <a:defRPr sz="1600" b="1"/>
-            </a:lvl4pPr>
-            <a:lvl5pPr marL="1828800" indent="0">
+              <a:defRPr sz="1920" b="1"/>
+            </a:lvl5pPr>
+            <a:lvl6pPr marL="2743200" indent="0">
               <a:buNone/>
-              <a:defRPr sz="1600" b="1"/>
-            </a:lvl5pPr>
-            <a:lvl6pPr marL="2286000" indent="0">
+              <a:defRPr sz="1920" b="1"/>
+            </a:lvl6pPr>
+            <a:lvl7pPr marL="3291840" indent="0">
               <a:buNone/>
-              <a:defRPr sz="1600" b="1"/>
-            </a:lvl6pPr>
-            <a:lvl7pPr marL="2743200" indent="0">
+              <a:defRPr sz="1920" b="1"/>
+            </a:lvl7pPr>
+            <a:lvl8pPr marL="3840480" indent="0">
               <a:buNone/>
-              <a:defRPr sz="1600" b="1"/>
-            </a:lvl7pPr>
-            <a:lvl8pPr marL="3200400" indent="0">
+              <a:defRPr sz="1920" b="1"/>
+            </a:lvl8pPr>
+            <a:lvl9pPr marL="4389120" indent="0">
               <a:buNone/>
-              <a:defRPr sz="1600" b="1"/>
-            </a:lvl8pPr>
-            <a:lvl9pPr marL="3657600" indent="0">
-              <a:buNone/>
-              <a:defRPr sz="1600" b="1"/>
+              <a:defRPr sz="1920" b="1"/>
             </a:lvl9pPr>
           </a:lstStyle>
           <a:p>
@@ -2079,8 +2077,8 @@
         </p:nvSpPr>
         <p:spPr>
           <a:xfrm>
-            <a:off x="839789" y="2805452"/>
-            <a:ext cx="5157787" cy="4126397"/>
+            <a:off x="839789" y="3006090"/>
+            <a:ext cx="5157787" cy="4421506"/>
           </a:xfrm>
         </p:spPr>
         <p:txBody>
@@ -2136,8 +2134,8 @@
         </p:nvSpPr>
         <p:spPr>
           <a:xfrm>
-            <a:off x="6172200" y="1882747"/>
-            <a:ext cx="5183188" cy="922705"/>
+            <a:off x="6172201" y="2017396"/>
+            <a:ext cx="5183188" cy="988694"/>
           </a:xfrm>
         </p:spPr>
         <p:txBody>
@@ -2145,39 +2143,39 @@
           <a:lstStyle>
             <a:lvl1pPr marL="0" indent="0">
               <a:buNone/>
+              <a:defRPr sz="2880" b="1"/>
+            </a:lvl1pPr>
+            <a:lvl2pPr marL="548640" indent="0">
+              <a:buNone/>
               <a:defRPr sz="2400" b="1"/>
-            </a:lvl1pPr>
-            <a:lvl2pPr marL="457200" indent="0">
+            </a:lvl2pPr>
+            <a:lvl3pPr marL="1097280" indent="0">
               <a:buNone/>
-              <a:defRPr sz="2000" b="1"/>
-            </a:lvl2pPr>
-            <a:lvl3pPr marL="914400" indent="0">
+              <a:defRPr sz="2160" b="1"/>
+            </a:lvl3pPr>
+            <a:lvl4pPr marL="1645920" indent="0">
               <a:buNone/>
-              <a:defRPr sz="1800" b="1"/>
-            </a:lvl3pPr>
-            <a:lvl4pPr marL="1371600" indent="0">
+              <a:defRPr sz="1920" b="1"/>
+            </a:lvl4pPr>
+            <a:lvl5pPr marL="2194560" indent="0">
               <a:buNone/>
-              <a:defRPr sz="1600" b="1"/>
-            </a:lvl4pPr>
-            <a:lvl5pPr marL="1828800" indent="0">
+              <a:defRPr sz="1920" b="1"/>
+            </a:lvl5pPr>
+            <a:lvl6pPr marL="2743200" indent="0">
               <a:buNone/>
-              <a:defRPr sz="1600" b="1"/>
-            </a:lvl5pPr>
-            <a:lvl6pPr marL="2286000" indent="0">
+              <a:defRPr sz="1920" b="1"/>
+            </a:lvl6pPr>
+            <a:lvl7pPr marL="3291840" indent="0">
               <a:buNone/>
-              <a:defRPr sz="1600" b="1"/>
-            </a:lvl6pPr>
-            <a:lvl7pPr marL="2743200" indent="0">
+              <a:defRPr sz="1920" b="1"/>
+            </a:lvl7pPr>
+            <a:lvl8pPr marL="3840480" indent="0">
               <a:buNone/>
-              <a:defRPr sz="1600" b="1"/>
-            </a:lvl7pPr>
-            <a:lvl8pPr marL="3200400" indent="0">
+              <a:defRPr sz="1920" b="1"/>
+            </a:lvl8pPr>
+            <a:lvl9pPr marL="4389120" indent="0">
               <a:buNone/>
-              <a:defRPr sz="1600" b="1"/>
-            </a:lvl8pPr>
-            <a:lvl9pPr marL="3657600" indent="0">
-              <a:buNone/>
-              <a:defRPr sz="1600" b="1"/>
+              <a:defRPr sz="1920" b="1"/>
             </a:lvl9pPr>
           </a:lstStyle>
           <a:p>
@@ -2201,8 +2199,8 @@
         </p:nvSpPr>
         <p:spPr>
           <a:xfrm>
-            <a:off x="6172200" y="2805452"/>
-            <a:ext cx="5183188" cy="4126397"/>
+            <a:off x="6172201" y="3006090"/>
+            <a:ext cx="5183188" cy="4421506"/>
           </a:xfrm>
         </p:spPr>
         <p:txBody>
@@ -2314,7 +2312,7 @@
     </p:spTree>
     <p:extLst>
       <p:ext uri="{BB962C8B-B14F-4D97-AF65-F5344CB8AC3E}">
-        <p14:creationId xmlns:p14="http://schemas.microsoft.com/office/powerpoint/2010/main" val="4012698296"/>
+        <p14:creationId xmlns:p14="http://schemas.microsoft.com/office/powerpoint/2010/main" val="3867136514"/>
       </p:ext>
     </p:extLst>
   </p:cSld>
@@ -2432,7 +2430,7 @@
     </p:spTree>
     <p:extLst>
       <p:ext uri="{BB962C8B-B14F-4D97-AF65-F5344CB8AC3E}">
-        <p14:creationId xmlns:p14="http://schemas.microsoft.com/office/powerpoint/2010/main" val="1144050774"/>
+        <p14:creationId xmlns:p14="http://schemas.microsoft.com/office/powerpoint/2010/main" val="1824093644"/>
       </p:ext>
     </p:extLst>
   </p:cSld>
@@ -2527,7 +2525,7 @@
     </p:spTree>
     <p:extLst>
       <p:ext uri="{BB962C8B-B14F-4D97-AF65-F5344CB8AC3E}">
-        <p14:creationId xmlns:p14="http://schemas.microsoft.com/office/powerpoint/2010/main" val="1636334995"/>
+        <p14:creationId xmlns:p14="http://schemas.microsoft.com/office/powerpoint/2010/main" val="3290814680"/>
       </p:ext>
     </p:extLst>
   </p:cSld>
@@ -2566,15 +2564,15 @@
         </p:nvSpPr>
         <p:spPr>
           <a:xfrm>
-            <a:off x="839789" y="512022"/>
-            <a:ext cx="3932237" cy="1792076"/>
+            <a:off x="839788" y="548640"/>
+            <a:ext cx="3932237" cy="1920240"/>
           </a:xfrm>
         </p:spPr>
         <p:txBody>
           <a:bodyPr anchor="b"/>
           <a:lstStyle>
             <a:lvl1pPr>
-              <a:defRPr sz="3200"/>
+              <a:defRPr sz="3840"/>
             </a:lvl1pPr>
           </a:lstStyle>
           <a:p>
@@ -2598,39 +2596,39 @@
         </p:nvSpPr>
         <p:spPr>
           <a:xfrm>
-            <a:off x="5183188" y="1105825"/>
-            <a:ext cx="6172200" cy="5458009"/>
+            <a:off x="5183188" y="1184912"/>
+            <a:ext cx="6172200" cy="5848350"/>
           </a:xfrm>
         </p:spPr>
         <p:txBody>
           <a:bodyPr/>
           <a:lstStyle>
             <a:lvl1pPr>
-              <a:defRPr sz="3200"/>
+              <a:defRPr sz="3840"/>
             </a:lvl1pPr>
             <a:lvl2pPr>
-              <a:defRPr sz="2800"/>
+              <a:defRPr sz="3360"/>
             </a:lvl2pPr>
             <a:lvl3pPr>
-              <a:defRPr sz="2400"/>
+              <a:defRPr sz="2880"/>
             </a:lvl3pPr>
             <a:lvl4pPr>
-              <a:defRPr sz="2000"/>
+              <a:defRPr sz="2400"/>
             </a:lvl4pPr>
             <a:lvl5pPr>
-              <a:defRPr sz="2000"/>
+              <a:defRPr sz="2400"/>
             </a:lvl5pPr>
             <a:lvl6pPr>
-              <a:defRPr sz="2000"/>
+              <a:defRPr sz="2400"/>
             </a:lvl6pPr>
             <a:lvl7pPr>
-              <a:defRPr sz="2000"/>
+              <a:defRPr sz="2400"/>
             </a:lvl7pPr>
             <a:lvl8pPr>
-              <a:defRPr sz="2000"/>
+              <a:defRPr sz="2400"/>
             </a:lvl8pPr>
             <a:lvl9pPr>
-              <a:defRPr sz="2000"/>
+              <a:defRPr sz="2400"/>
             </a:lvl9pPr>
           </a:lstStyle>
           <a:p>
@@ -2683,8 +2681,8 @@
         </p:nvSpPr>
         <p:spPr>
           <a:xfrm>
-            <a:off x="839789" y="2304097"/>
-            <a:ext cx="3932237" cy="4268626"/>
+            <a:off x="839788" y="2468880"/>
+            <a:ext cx="3932237" cy="4573906"/>
           </a:xfrm>
         </p:spPr>
         <p:txBody>
@@ -2692,39 +2690,39 @@
           <a:lstStyle>
             <a:lvl1pPr marL="0" indent="0">
               <a:buNone/>
-              <a:defRPr sz="1600"/>
+              <a:defRPr sz="1920"/>
             </a:lvl1pPr>
-            <a:lvl2pPr marL="457200" indent="0">
+            <a:lvl2pPr marL="548640" indent="0">
               <a:buNone/>
-              <a:defRPr sz="1400"/>
+              <a:defRPr sz="1680"/>
             </a:lvl2pPr>
-            <a:lvl3pPr marL="914400" indent="0">
+            <a:lvl3pPr marL="1097280" indent="0">
+              <a:buNone/>
+              <a:defRPr sz="1440"/>
+            </a:lvl3pPr>
+            <a:lvl4pPr marL="1645920" indent="0">
               <a:buNone/>
               <a:defRPr sz="1200"/>
-            </a:lvl3pPr>
-            <a:lvl4pPr marL="1371600" indent="0">
+            </a:lvl4pPr>
+            <a:lvl5pPr marL="2194560" indent="0">
               <a:buNone/>
-              <a:defRPr sz="1000"/>
-            </a:lvl4pPr>
-            <a:lvl5pPr marL="1828800" indent="0">
+              <a:defRPr sz="1200"/>
+            </a:lvl5pPr>
+            <a:lvl6pPr marL="2743200" indent="0">
               <a:buNone/>
-              <a:defRPr sz="1000"/>
-            </a:lvl5pPr>
-            <a:lvl6pPr marL="2286000" indent="0">
+              <a:defRPr sz="1200"/>
+            </a:lvl6pPr>
+            <a:lvl7pPr marL="3291840" indent="0">
               <a:buNone/>
-              <a:defRPr sz="1000"/>
-            </a:lvl6pPr>
-            <a:lvl7pPr marL="2743200" indent="0">
+              <a:defRPr sz="1200"/>
+            </a:lvl7pPr>
+            <a:lvl8pPr marL="3840480" indent="0">
               <a:buNone/>
-              <a:defRPr sz="1000"/>
-            </a:lvl7pPr>
-            <a:lvl8pPr marL="3200400" indent="0">
+              <a:defRPr sz="1200"/>
+            </a:lvl8pPr>
+            <a:lvl9pPr marL="4389120" indent="0">
               <a:buNone/>
-              <a:defRPr sz="1000"/>
-            </a:lvl8pPr>
-            <a:lvl9pPr marL="3657600" indent="0">
-              <a:buNone/>
-              <a:defRPr sz="1000"/>
+              <a:defRPr sz="1200"/>
             </a:lvl9pPr>
           </a:lstStyle>
           <a:p>
@@ -2804,7 +2802,7 @@
     </p:spTree>
     <p:extLst>
       <p:ext uri="{BB962C8B-B14F-4D97-AF65-F5344CB8AC3E}">
-        <p14:creationId xmlns:p14="http://schemas.microsoft.com/office/powerpoint/2010/main" val="2035414413"/>
+        <p14:creationId xmlns:p14="http://schemas.microsoft.com/office/powerpoint/2010/main" val="3468544906"/>
       </p:ext>
     </p:extLst>
   </p:cSld>
@@ -2843,15 +2841,15 @@
         </p:nvSpPr>
         <p:spPr>
           <a:xfrm>
-            <a:off x="839789" y="512022"/>
-            <a:ext cx="3932237" cy="1792076"/>
+            <a:off x="839788" y="548640"/>
+            <a:ext cx="3932237" cy="1920240"/>
           </a:xfrm>
         </p:spPr>
         <p:txBody>
           <a:bodyPr anchor="b"/>
           <a:lstStyle>
             <a:lvl1pPr>
-              <a:defRPr sz="3200"/>
+              <a:defRPr sz="3840"/>
             </a:lvl1pPr>
           </a:lstStyle>
           <a:p>
@@ -2875,8 +2873,8 @@
         </p:nvSpPr>
         <p:spPr>
           <a:xfrm>
-            <a:off x="5183188" y="1105825"/>
-            <a:ext cx="6172200" cy="5458009"/>
+            <a:off x="5183188" y="1184912"/>
+            <a:ext cx="6172200" cy="5848350"/>
           </a:xfrm>
         </p:spPr>
         <p:txBody>
@@ -2884,39 +2882,39 @@
           <a:lstStyle>
             <a:lvl1pPr marL="0" indent="0">
               <a:buNone/>
-              <a:defRPr sz="3200"/>
+              <a:defRPr sz="3840"/>
             </a:lvl1pPr>
-            <a:lvl2pPr marL="457200" indent="0">
+            <a:lvl2pPr marL="548640" indent="0">
               <a:buNone/>
-              <a:defRPr sz="2800"/>
+              <a:defRPr sz="3360"/>
             </a:lvl2pPr>
-            <a:lvl3pPr marL="914400" indent="0">
+            <a:lvl3pPr marL="1097280" indent="0">
+              <a:buNone/>
+              <a:defRPr sz="2880"/>
+            </a:lvl3pPr>
+            <a:lvl4pPr marL="1645920" indent="0">
               <a:buNone/>
               <a:defRPr sz="2400"/>
-            </a:lvl3pPr>
-            <a:lvl4pPr marL="1371600" indent="0">
+            </a:lvl4pPr>
+            <a:lvl5pPr marL="2194560" indent="0">
               <a:buNone/>
-              <a:defRPr sz="2000"/>
-            </a:lvl4pPr>
-            <a:lvl5pPr marL="1828800" indent="0">
+              <a:defRPr sz="2400"/>
+            </a:lvl5pPr>
+            <a:lvl6pPr marL="2743200" indent="0">
               <a:buNone/>
-              <a:defRPr sz="2000"/>
-            </a:lvl5pPr>
-            <a:lvl6pPr marL="2286000" indent="0">
+              <a:defRPr sz="2400"/>
+            </a:lvl6pPr>
+            <a:lvl7pPr marL="3291840" indent="0">
               <a:buNone/>
-              <a:defRPr sz="2000"/>
-            </a:lvl6pPr>
-            <a:lvl7pPr marL="2743200" indent="0">
+              <a:defRPr sz="2400"/>
+            </a:lvl7pPr>
+            <a:lvl8pPr marL="3840480" indent="0">
               <a:buNone/>
-              <a:defRPr sz="2000"/>
-            </a:lvl7pPr>
-            <a:lvl8pPr marL="3200400" indent="0">
+              <a:defRPr sz="2400"/>
+            </a:lvl8pPr>
+            <a:lvl9pPr marL="4389120" indent="0">
               <a:buNone/>
-              <a:defRPr sz="2000"/>
-            </a:lvl8pPr>
-            <a:lvl9pPr marL="3657600" indent="0">
-              <a:buNone/>
-              <a:defRPr sz="2000"/>
+              <a:defRPr sz="2400"/>
             </a:lvl9pPr>
           </a:lstStyle>
           <a:p>
@@ -2940,8 +2938,8 @@
         </p:nvSpPr>
         <p:spPr>
           <a:xfrm>
-            <a:off x="839789" y="2304097"/>
-            <a:ext cx="3932237" cy="4268626"/>
+            <a:off x="839788" y="2468880"/>
+            <a:ext cx="3932237" cy="4573906"/>
           </a:xfrm>
         </p:spPr>
         <p:txBody>
@@ -2949,39 +2947,39 @@
           <a:lstStyle>
             <a:lvl1pPr marL="0" indent="0">
               <a:buNone/>
-              <a:defRPr sz="1600"/>
+              <a:defRPr sz="1920"/>
             </a:lvl1pPr>
-            <a:lvl2pPr marL="457200" indent="0">
+            <a:lvl2pPr marL="548640" indent="0">
               <a:buNone/>
-              <a:defRPr sz="1400"/>
+              <a:defRPr sz="1680"/>
             </a:lvl2pPr>
-            <a:lvl3pPr marL="914400" indent="0">
+            <a:lvl3pPr marL="1097280" indent="0">
+              <a:buNone/>
+              <a:defRPr sz="1440"/>
+            </a:lvl3pPr>
+            <a:lvl4pPr marL="1645920" indent="0">
               <a:buNone/>
               <a:defRPr sz="1200"/>
-            </a:lvl3pPr>
-            <a:lvl4pPr marL="1371600" indent="0">
+            </a:lvl4pPr>
+            <a:lvl5pPr marL="2194560" indent="0">
               <a:buNone/>
-              <a:defRPr sz="1000"/>
-            </a:lvl4pPr>
-            <a:lvl5pPr marL="1828800" indent="0">
+              <a:defRPr sz="1200"/>
+            </a:lvl5pPr>
+            <a:lvl6pPr marL="2743200" indent="0">
               <a:buNone/>
-              <a:defRPr sz="1000"/>
-            </a:lvl5pPr>
-            <a:lvl6pPr marL="2286000" indent="0">
+              <a:defRPr sz="1200"/>
+            </a:lvl6pPr>
+            <a:lvl7pPr marL="3291840" indent="0">
               <a:buNone/>
-              <a:defRPr sz="1000"/>
-            </a:lvl6pPr>
-            <a:lvl7pPr marL="2743200" indent="0">
+              <a:defRPr sz="1200"/>
+            </a:lvl7pPr>
+            <a:lvl8pPr marL="3840480" indent="0">
               <a:buNone/>
-              <a:defRPr sz="1000"/>
-            </a:lvl7pPr>
-            <a:lvl8pPr marL="3200400" indent="0">
+              <a:defRPr sz="1200"/>
+            </a:lvl8pPr>
+            <a:lvl9pPr marL="4389120" indent="0">
               <a:buNone/>
-              <a:defRPr sz="1000"/>
-            </a:lvl8pPr>
-            <a:lvl9pPr marL="3657600" indent="0">
-              <a:buNone/>
-              <a:defRPr sz="1000"/>
+              <a:defRPr sz="1200"/>
             </a:lvl9pPr>
           </a:lstStyle>
           <a:p>
@@ -3061,7 +3059,7 @@
     </p:spTree>
     <p:extLst>
       <p:ext uri="{BB962C8B-B14F-4D97-AF65-F5344CB8AC3E}">
-        <p14:creationId xmlns:p14="http://schemas.microsoft.com/office/powerpoint/2010/main" val="2447063124"/>
+        <p14:creationId xmlns:p14="http://schemas.microsoft.com/office/powerpoint/2010/main" val="3991882732"/>
       </p:ext>
     </p:extLst>
   </p:cSld>
@@ -3105,8 +3103,8 @@
         </p:nvSpPr>
         <p:spPr>
           <a:xfrm>
-            <a:off x="838200" y="408907"/>
-            <a:ext cx="10515600" cy="1484508"/>
+            <a:off x="838200" y="438152"/>
+            <a:ext cx="10515600" cy="1590676"/>
           </a:xfrm>
           <a:prstGeom prst="rect">
             <a:avLst/>
@@ -3138,8 +3136,8 @@
         </p:nvSpPr>
         <p:spPr>
           <a:xfrm>
-            <a:off x="838200" y="2044531"/>
-            <a:ext cx="10515600" cy="4873096"/>
+            <a:off x="838200" y="2190750"/>
+            <a:ext cx="10515600" cy="5221606"/>
           </a:xfrm>
           <a:prstGeom prst="rect">
             <a:avLst/>
@@ -3200,8 +3198,8 @@
         </p:nvSpPr>
         <p:spPr>
           <a:xfrm>
-            <a:off x="838200" y="7118524"/>
-            <a:ext cx="2743200" cy="408906"/>
+            <a:off x="838200" y="7627622"/>
+            <a:ext cx="2743200" cy="438150"/>
           </a:xfrm>
           <a:prstGeom prst="rect">
             <a:avLst/>
@@ -3211,7 +3209,7 @@
           <a:bodyPr vert="horz" lIns="91440" tIns="45720" rIns="91440" bIns="45720" rtlCol="0" anchor="ctr"/>
           <a:lstStyle>
             <a:lvl1pPr algn="l">
-              <a:defRPr sz="1200">
+              <a:defRPr sz="1440">
                 <a:solidFill>
                   <a:schemeClr val="tx1">
                     <a:tint val="75000"/>
@@ -3241,8 +3239,8 @@
         </p:nvSpPr>
         <p:spPr>
           <a:xfrm>
-            <a:off x="4038600" y="7118524"/>
-            <a:ext cx="4114800" cy="408906"/>
+            <a:off x="4038600" y="7627622"/>
+            <a:ext cx="4114800" cy="438150"/>
           </a:xfrm>
           <a:prstGeom prst="rect">
             <a:avLst/>
@@ -3252,7 +3250,7 @@
           <a:bodyPr vert="horz" lIns="91440" tIns="45720" rIns="91440" bIns="45720" rtlCol="0" anchor="ctr"/>
           <a:lstStyle>
             <a:lvl1pPr algn="ctr">
-              <a:defRPr sz="1200">
+              <a:defRPr sz="1440">
                 <a:solidFill>
                   <a:schemeClr val="tx1">
                     <a:tint val="75000"/>
@@ -3278,8 +3276,8 @@
         </p:nvSpPr>
         <p:spPr>
           <a:xfrm>
-            <a:off x="8610600" y="7118524"/>
-            <a:ext cx="2743200" cy="408906"/>
+            <a:off x="8610600" y="7627622"/>
+            <a:ext cx="2743200" cy="438150"/>
           </a:xfrm>
           <a:prstGeom prst="rect">
             <a:avLst/>
@@ -3289,7 +3287,7 @@
           <a:bodyPr vert="horz" lIns="91440" tIns="45720" rIns="91440" bIns="45720" rtlCol="0" anchor="ctr"/>
           <a:lstStyle>
             <a:lvl1pPr algn="r">
-              <a:defRPr sz="1200">
+              <a:defRPr sz="1440">
                 <a:solidFill>
                   <a:schemeClr val="tx1">
                     <a:tint val="75000"/>
@@ -3310,28 +3308,28 @@
     </p:spTree>
     <p:extLst>
       <p:ext uri="{BB962C8B-B14F-4D97-AF65-F5344CB8AC3E}">
-        <p14:creationId xmlns:p14="http://schemas.microsoft.com/office/powerpoint/2010/main" val="3139638860"/>
+        <p14:creationId xmlns:p14="http://schemas.microsoft.com/office/powerpoint/2010/main" val="2875342965"/>
       </p:ext>
     </p:extLst>
   </p:cSld>
   <p:clrMap bg1="lt1" tx1="dk1" bg2="lt2" tx2="dk2" accent1="accent1" accent2="accent2" accent3="accent3" accent4="accent4" accent5="accent5" accent6="accent6" hlink="hlink" folHlink="folHlink"/>
   <p:sldLayoutIdLst>
-    <p:sldLayoutId id="2147483688" r:id="rId1"/>
-    <p:sldLayoutId id="2147483689" r:id="rId2"/>
-    <p:sldLayoutId id="2147483690" r:id="rId3"/>
-    <p:sldLayoutId id="2147483691" r:id="rId4"/>
-    <p:sldLayoutId id="2147483692" r:id="rId5"/>
-    <p:sldLayoutId id="2147483693" r:id="rId6"/>
-    <p:sldLayoutId id="2147483694" r:id="rId7"/>
-    <p:sldLayoutId id="2147483695" r:id="rId8"/>
-    <p:sldLayoutId id="2147483696" r:id="rId9"/>
-    <p:sldLayoutId id="2147483697" r:id="rId10"/>
-    <p:sldLayoutId id="2147483698" r:id="rId11"/>
-    <p:sldLayoutId id="2147483699" r:id="rId12"/>
+    <p:sldLayoutId id="2147483701" r:id="rId1"/>
+    <p:sldLayoutId id="2147483702" r:id="rId2"/>
+    <p:sldLayoutId id="2147483703" r:id="rId3"/>
+    <p:sldLayoutId id="2147483704" r:id="rId4"/>
+    <p:sldLayoutId id="2147483705" r:id="rId5"/>
+    <p:sldLayoutId id="2147483706" r:id="rId6"/>
+    <p:sldLayoutId id="2147483707" r:id="rId7"/>
+    <p:sldLayoutId id="2147483708" r:id="rId8"/>
+    <p:sldLayoutId id="2147483709" r:id="rId9"/>
+    <p:sldLayoutId id="2147483710" r:id="rId10"/>
+    <p:sldLayoutId id="2147483711" r:id="rId11"/>
+    <p:sldLayoutId id="2147483712" r:id="rId12"/>
   </p:sldLayoutIdLst>
   <p:txStyles>
     <p:titleStyle>
-      <a:lvl1pPr algn="l" defTabSz="914400" rtl="0" eaLnBrk="1" latinLnBrk="0" hangingPunct="1">
+      <a:lvl1pPr algn="l" defTabSz="1097280" rtl="0" eaLnBrk="1" latinLnBrk="0" hangingPunct="1">
         <a:lnSpc>
           <a:spcPct val="90000"/>
         </a:lnSpc>
@@ -3339,7 +3337,7 @@
           <a:spcPct val="0"/>
         </a:spcBef>
         <a:buNone/>
-        <a:defRPr sz="4400" kern="1200">
+        <a:defRPr sz="5280" kern="1200">
           <a:solidFill>
             <a:schemeClr val="tx1"/>
           </a:solidFill>
@@ -3350,16 +3348,16 @@
       </a:lvl1pPr>
     </p:titleStyle>
     <p:bodyStyle>
-      <a:lvl1pPr marL="228600" indent="-228600" algn="l" defTabSz="914400" rtl="0" eaLnBrk="1" latinLnBrk="0" hangingPunct="1">
+      <a:lvl1pPr marL="274320" indent="-274320" algn="l" defTabSz="1097280" rtl="0" eaLnBrk="1" latinLnBrk="0" hangingPunct="1">
         <a:lnSpc>
           <a:spcPct val="90000"/>
         </a:lnSpc>
         <a:spcBef>
-          <a:spcPts val="1000"/>
+          <a:spcPts val="1200"/>
         </a:spcBef>
         <a:buFont typeface="Arial" panose="020B0604020202020204" pitchFamily="34" charset="0"/>
         <a:buChar char="•"/>
-        <a:defRPr sz="2800" kern="1200">
+        <a:defRPr sz="3360" kern="1200">
           <a:solidFill>
             <a:schemeClr val="tx1"/>
           </a:solidFill>
@@ -3368,12 +3366,30 @@
           <a:cs typeface="+mn-cs"/>
         </a:defRPr>
       </a:lvl1pPr>
-      <a:lvl2pPr marL="685800" indent="-228600" algn="l" defTabSz="914400" rtl="0" eaLnBrk="1" latinLnBrk="0" hangingPunct="1">
+      <a:lvl2pPr marL="822960" indent="-274320" algn="l" defTabSz="1097280" rtl="0" eaLnBrk="1" latinLnBrk="0" hangingPunct="1">
         <a:lnSpc>
           <a:spcPct val="90000"/>
         </a:lnSpc>
         <a:spcBef>
-          <a:spcPts val="500"/>
+          <a:spcPts val="600"/>
+        </a:spcBef>
+        <a:buFont typeface="Arial" panose="020B0604020202020204" pitchFamily="34" charset="0"/>
+        <a:buChar char="•"/>
+        <a:defRPr sz="2880" kern="1200">
+          <a:solidFill>
+            <a:schemeClr val="tx1"/>
+          </a:solidFill>
+          <a:latin typeface="+mn-lt"/>
+          <a:ea typeface="+mn-ea"/>
+          <a:cs typeface="+mn-cs"/>
+        </a:defRPr>
+      </a:lvl2pPr>
+      <a:lvl3pPr marL="1371600" indent="-274320" algn="l" defTabSz="1097280" rtl="0" eaLnBrk="1" latinLnBrk="0" hangingPunct="1">
+        <a:lnSpc>
+          <a:spcPct val="90000"/>
+        </a:lnSpc>
+        <a:spcBef>
+          <a:spcPts val="600"/>
         </a:spcBef>
         <a:buFont typeface="Arial" panose="020B0604020202020204" pitchFamily="34" charset="0"/>
         <a:buChar char="•"/>
@@ -3385,35 +3401,17 @@
           <a:ea typeface="+mn-ea"/>
           <a:cs typeface="+mn-cs"/>
         </a:defRPr>
-      </a:lvl2pPr>
-      <a:lvl3pPr marL="1143000" indent="-228600" algn="l" defTabSz="914400" rtl="0" eaLnBrk="1" latinLnBrk="0" hangingPunct="1">
+      </a:lvl3pPr>
+      <a:lvl4pPr marL="1920240" indent="-274320" algn="l" defTabSz="1097280" rtl="0" eaLnBrk="1" latinLnBrk="0" hangingPunct="1">
         <a:lnSpc>
           <a:spcPct val="90000"/>
         </a:lnSpc>
         <a:spcBef>
-          <a:spcPts val="500"/>
+          <a:spcPts val="600"/>
         </a:spcBef>
         <a:buFont typeface="Arial" panose="020B0604020202020204" pitchFamily="34" charset="0"/>
         <a:buChar char="•"/>
-        <a:defRPr sz="2000" kern="1200">
-          <a:solidFill>
-            <a:schemeClr val="tx1"/>
-          </a:solidFill>
-          <a:latin typeface="+mn-lt"/>
-          <a:ea typeface="+mn-ea"/>
-          <a:cs typeface="+mn-cs"/>
-        </a:defRPr>
-      </a:lvl3pPr>
-      <a:lvl4pPr marL="1600200" indent="-228600" algn="l" defTabSz="914400" rtl="0" eaLnBrk="1" latinLnBrk="0" hangingPunct="1">
-        <a:lnSpc>
-          <a:spcPct val="90000"/>
-        </a:lnSpc>
-        <a:spcBef>
-          <a:spcPts val="500"/>
-        </a:spcBef>
-        <a:buFont typeface="Arial" panose="020B0604020202020204" pitchFamily="34" charset="0"/>
-        <a:buChar char="•"/>
-        <a:defRPr sz="1800" kern="1200">
+        <a:defRPr sz="2160" kern="1200">
           <a:solidFill>
             <a:schemeClr val="tx1"/>
           </a:solidFill>
@@ -3422,16 +3420,16 @@
           <a:cs typeface="+mn-cs"/>
         </a:defRPr>
       </a:lvl4pPr>
-      <a:lvl5pPr marL="2057400" indent="-228600" algn="l" defTabSz="914400" rtl="0" eaLnBrk="1" latinLnBrk="0" hangingPunct="1">
+      <a:lvl5pPr marL="2468880" indent="-274320" algn="l" defTabSz="1097280" rtl="0" eaLnBrk="1" latinLnBrk="0" hangingPunct="1">
         <a:lnSpc>
           <a:spcPct val="90000"/>
         </a:lnSpc>
         <a:spcBef>
-          <a:spcPts val="500"/>
+          <a:spcPts val="600"/>
         </a:spcBef>
         <a:buFont typeface="Arial" panose="020B0604020202020204" pitchFamily="34" charset="0"/>
         <a:buChar char="•"/>
-        <a:defRPr sz="1800" kern="1200">
+        <a:defRPr sz="2160" kern="1200">
           <a:solidFill>
             <a:schemeClr val="tx1"/>
           </a:solidFill>
@@ -3440,16 +3438,16 @@
           <a:cs typeface="+mn-cs"/>
         </a:defRPr>
       </a:lvl5pPr>
-      <a:lvl6pPr marL="2514600" indent="-228600" algn="l" defTabSz="914400" rtl="0" eaLnBrk="1" latinLnBrk="0" hangingPunct="1">
+      <a:lvl6pPr marL="3017520" indent="-274320" algn="l" defTabSz="1097280" rtl="0" eaLnBrk="1" latinLnBrk="0" hangingPunct="1">
         <a:lnSpc>
           <a:spcPct val="90000"/>
         </a:lnSpc>
         <a:spcBef>
-          <a:spcPts val="500"/>
+          <a:spcPts val="600"/>
         </a:spcBef>
         <a:buFont typeface="Arial" panose="020B0604020202020204" pitchFamily="34" charset="0"/>
         <a:buChar char="•"/>
-        <a:defRPr sz="1800" kern="1200">
+        <a:defRPr sz="2160" kern="1200">
           <a:solidFill>
             <a:schemeClr val="tx1"/>
           </a:solidFill>
@@ -3458,16 +3456,16 @@
           <a:cs typeface="+mn-cs"/>
         </a:defRPr>
       </a:lvl6pPr>
-      <a:lvl7pPr marL="2971800" indent="-228600" algn="l" defTabSz="914400" rtl="0" eaLnBrk="1" latinLnBrk="0" hangingPunct="1">
+      <a:lvl7pPr marL="3566160" indent="-274320" algn="l" defTabSz="1097280" rtl="0" eaLnBrk="1" latinLnBrk="0" hangingPunct="1">
         <a:lnSpc>
           <a:spcPct val="90000"/>
         </a:lnSpc>
         <a:spcBef>
-          <a:spcPts val="500"/>
+          <a:spcPts val="600"/>
         </a:spcBef>
         <a:buFont typeface="Arial" panose="020B0604020202020204" pitchFamily="34" charset="0"/>
         <a:buChar char="•"/>
-        <a:defRPr sz="1800" kern="1200">
+        <a:defRPr sz="2160" kern="1200">
           <a:solidFill>
             <a:schemeClr val="tx1"/>
           </a:solidFill>
@@ -3476,16 +3474,16 @@
           <a:cs typeface="+mn-cs"/>
         </a:defRPr>
       </a:lvl7pPr>
-      <a:lvl8pPr marL="3429000" indent="-228600" algn="l" defTabSz="914400" rtl="0" eaLnBrk="1" latinLnBrk="0" hangingPunct="1">
+      <a:lvl8pPr marL="4114800" indent="-274320" algn="l" defTabSz="1097280" rtl="0" eaLnBrk="1" latinLnBrk="0" hangingPunct="1">
         <a:lnSpc>
           <a:spcPct val="90000"/>
         </a:lnSpc>
         <a:spcBef>
-          <a:spcPts val="500"/>
+          <a:spcPts val="600"/>
         </a:spcBef>
         <a:buFont typeface="Arial" panose="020B0604020202020204" pitchFamily="34" charset="0"/>
         <a:buChar char="•"/>
-        <a:defRPr sz="1800" kern="1200">
+        <a:defRPr sz="2160" kern="1200">
           <a:solidFill>
             <a:schemeClr val="tx1"/>
           </a:solidFill>
@@ -3494,16 +3492,16 @@
           <a:cs typeface="+mn-cs"/>
         </a:defRPr>
       </a:lvl8pPr>
-      <a:lvl9pPr marL="3886200" indent="-228600" algn="l" defTabSz="914400" rtl="0" eaLnBrk="1" latinLnBrk="0" hangingPunct="1">
+      <a:lvl9pPr marL="4663440" indent="-274320" algn="l" defTabSz="1097280" rtl="0" eaLnBrk="1" latinLnBrk="0" hangingPunct="1">
         <a:lnSpc>
           <a:spcPct val="90000"/>
         </a:lnSpc>
         <a:spcBef>
-          <a:spcPts val="500"/>
+          <a:spcPts val="600"/>
         </a:spcBef>
         <a:buFont typeface="Arial" panose="020B0604020202020204" pitchFamily="34" charset="0"/>
         <a:buChar char="•"/>
-        <a:defRPr sz="1800" kern="1200">
+        <a:defRPr sz="2160" kern="1200">
           <a:solidFill>
             <a:schemeClr val="tx1"/>
           </a:solidFill>
@@ -3517,8 +3515,8 @@
       <a:defPPr>
         <a:defRPr lang="en-US"/>
       </a:defPPr>
-      <a:lvl1pPr marL="0" algn="l" defTabSz="914400" rtl="0" eaLnBrk="1" latinLnBrk="0" hangingPunct="1">
-        <a:defRPr sz="1800" kern="1200">
+      <a:lvl1pPr marL="0" algn="l" defTabSz="1097280" rtl="0" eaLnBrk="1" latinLnBrk="0" hangingPunct="1">
+        <a:defRPr sz="2160" kern="1200">
           <a:solidFill>
             <a:schemeClr val="tx1"/>
           </a:solidFill>
@@ -3527,8 +3525,8 @@
           <a:cs typeface="+mn-cs"/>
         </a:defRPr>
       </a:lvl1pPr>
-      <a:lvl2pPr marL="457200" algn="l" defTabSz="914400" rtl="0" eaLnBrk="1" latinLnBrk="0" hangingPunct="1">
-        <a:defRPr sz="1800" kern="1200">
+      <a:lvl2pPr marL="548640" algn="l" defTabSz="1097280" rtl="0" eaLnBrk="1" latinLnBrk="0" hangingPunct="1">
+        <a:defRPr sz="2160" kern="1200">
           <a:solidFill>
             <a:schemeClr val="tx1"/>
           </a:solidFill>
@@ -3537,8 +3535,8 @@
           <a:cs typeface="+mn-cs"/>
         </a:defRPr>
       </a:lvl2pPr>
-      <a:lvl3pPr marL="914400" algn="l" defTabSz="914400" rtl="0" eaLnBrk="1" latinLnBrk="0" hangingPunct="1">
-        <a:defRPr sz="1800" kern="1200">
+      <a:lvl3pPr marL="1097280" algn="l" defTabSz="1097280" rtl="0" eaLnBrk="1" latinLnBrk="0" hangingPunct="1">
+        <a:defRPr sz="2160" kern="1200">
           <a:solidFill>
             <a:schemeClr val="tx1"/>
           </a:solidFill>
@@ -3547,8 +3545,8 @@
           <a:cs typeface="+mn-cs"/>
         </a:defRPr>
       </a:lvl3pPr>
-      <a:lvl4pPr marL="1371600" algn="l" defTabSz="914400" rtl="0" eaLnBrk="1" latinLnBrk="0" hangingPunct="1">
-        <a:defRPr sz="1800" kern="1200">
+      <a:lvl4pPr marL="1645920" algn="l" defTabSz="1097280" rtl="0" eaLnBrk="1" latinLnBrk="0" hangingPunct="1">
+        <a:defRPr sz="2160" kern="1200">
           <a:solidFill>
             <a:schemeClr val="tx1"/>
           </a:solidFill>
@@ -3557,8 +3555,8 @@
           <a:cs typeface="+mn-cs"/>
         </a:defRPr>
       </a:lvl4pPr>
-      <a:lvl5pPr marL="1828800" algn="l" defTabSz="914400" rtl="0" eaLnBrk="1" latinLnBrk="0" hangingPunct="1">
-        <a:defRPr sz="1800" kern="1200">
+      <a:lvl5pPr marL="2194560" algn="l" defTabSz="1097280" rtl="0" eaLnBrk="1" latinLnBrk="0" hangingPunct="1">
+        <a:defRPr sz="2160" kern="1200">
           <a:solidFill>
             <a:schemeClr val="tx1"/>
           </a:solidFill>
@@ -3567,8 +3565,8 @@
           <a:cs typeface="+mn-cs"/>
         </a:defRPr>
       </a:lvl5pPr>
-      <a:lvl6pPr marL="2286000" algn="l" defTabSz="914400" rtl="0" eaLnBrk="1" latinLnBrk="0" hangingPunct="1">
-        <a:defRPr sz="1800" kern="1200">
+      <a:lvl6pPr marL="2743200" algn="l" defTabSz="1097280" rtl="0" eaLnBrk="1" latinLnBrk="0" hangingPunct="1">
+        <a:defRPr sz="2160" kern="1200">
           <a:solidFill>
             <a:schemeClr val="tx1"/>
           </a:solidFill>
@@ -3577,8 +3575,8 @@
           <a:cs typeface="+mn-cs"/>
         </a:defRPr>
       </a:lvl6pPr>
-      <a:lvl7pPr marL="2743200" algn="l" defTabSz="914400" rtl="0" eaLnBrk="1" latinLnBrk="0" hangingPunct="1">
-        <a:defRPr sz="1800" kern="1200">
+      <a:lvl7pPr marL="3291840" algn="l" defTabSz="1097280" rtl="0" eaLnBrk="1" latinLnBrk="0" hangingPunct="1">
+        <a:defRPr sz="2160" kern="1200">
           <a:solidFill>
             <a:schemeClr val="tx1"/>
           </a:solidFill>
@@ -3587,8 +3585,8 @@
           <a:cs typeface="+mn-cs"/>
         </a:defRPr>
       </a:lvl7pPr>
-      <a:lvl8pPr marL="3200400" algn="l" defTabSz="914400" rtl="0" eaLnBrk="1" latinLnBrk="0" hangingPunct="1">
-        <a:defRPr sz="1800" kern="1200">
+      <a:lvl8pPr marL="3840480" algn="l" defTabSz="1097280" rtl="0" eaLnBrk="1" latinLnBrk="0" hangingPunct="1">
+        <a:defRPr sz="2160" kern="1200">
           <a:solidFill>
             <a:schemeClr val="tx1"/>
           </a:solidFill>
@@ -3597,8 +3595,8 @@
           <a:cs typeface="+mn-cs"/>
         </a:defRPr>
       </a:lvl8pPr>
-      <a:lvl9pPr marL="3657600" algn="l" defTabSz="914400" rtl="0" eaLnBrk="1" latinLnBrk="0" hangingPunct="1">
-        <a:defRPr sz="1800" kern="1200">
+      <a:lvl9pPr marL="4389120" algn="l" defTabSz="1097280" rtl="0" eaLnBrk="1" latinLnBrk="0" hangingPunct="1">
+        <a:defRPr sz="2160" kern="1200">
           <a:solidFill>
             <a:schemeClr val="tx1"/>
           </a:solidFill>
@@ -3643,7 +3641,7 @@
         </p:nvSpPr>
         <p:spPr>
           <a:xfrm>
-            <a:off x="6272382" y="2935543"/>
+            <a:off x="6272382" y="3210181"/>
             <a:ext cx="2421154" cy="4341556"/>
           </a:xfrm>
           <a:prstGeom prst="rect">
@@ -3714,7 +3712,7 @@
         </p:nvSpPr>
         <p:spPr>
           <a:xfrm>
-            <a:off x="2007844" y="1405932"/>
+            <a:off x="2007844" y="1680570"/>
             <a:ext cx="2421154" cy="1413288"/>
           </a:xfrm>
           <a:prstGeom prst="rect">
@@ -3785,7 +3783,7 @@
         </p:nvSpPr>
         <p:spPr>
           <a:xfrm>
-            <a:off x="6275608" y="1403306"/>
+            <a:off x="6275608" y="1677945"/>
             <a:ext cx="2421154" cy="1416899"/>
           </a:xfrm>
           <a:prstGeom prst="rect">
@@ -3856,7 +3854,7 @@
         </p:nvSpPr>
         <p:spPr>
           <a:xfrm>
-            <a:off x="2013127" y="2944188"/>
+            <a:off x="2013127" y="3218827"/>
             <a:ext cx="2421154" cy="4332911"/>
           </a:xfrm>
           <a:prstGeom prst="rect">
@@ -3927,8 +3925,8 @@
         </p:nvSpPr>
         <p:spPr>
           <a:xfrm>
-            <a:off x="812800" y="403226"/>
-            <a:ext cx="9652360" cy="7172325"/>
+            <a:off x="812800" y="677865"/>
+            <a:ext cx="9652360" cy="7359230"/>
           </a:xfrm>
           <a:prstGeom prst="rect">
             <a:avLst/>
@@ -4007,7 +4005,7 @@
         </p:blipFill>
         <p:spPr>
           <a:xfrm>
-            <a:off x="814400" y="403227"/>
+            <a:off x="814401" y="677866"/>
             <a:ext cx="359893" cy="359893"/>
           </a:xfrm>
           <a:prstGeom prst="rect">
@@ -4029,8 +4027,8 @@
         </p:nvSpPr>
         <p:spPr>
           <a:xfrm>
-            <a:off x="1895678" y="711205"/>
-            <a:ext cx="2680838" cy="6648598"/>
+            <a:off x="1895678" y="985843"/>
+            <a:ext cx="2680838" cy="6930918"/>
           </a:xfrm>
           <a:prstGeom prst="rect">
             <a:avLst/>
@@ -4096,7 +4094,7 @@
         </p:nvSpPr>
         <p:spPr>
           <a:xfrm>
-            <a:off x="1456076" y="1071096"/>
+            <a:off x="1456077" y="1345735"/>
             <a:ext cx="7508763" cy="6389069"/>
           </a:xfrm>
           <a:prstGeom prst="rect">
@@ -4181,7 +4179,7 @@
         </p:blipFill>
         <p:spPr>
           <a:xfrm>
-            <a:off x="1456076" y="1071096"/>
+            <a:off x="1456077" y="1345735"/>
             <a:ext cx="361003" cy="361003"/>
           </a:xfrm>
           <a:prstGeom prst="rect">
@@ -4217,7 +4215,7 @@
         </p:blipFill>
         <p:spPr>
           <a:xfrm>
-            <a:off x="2013128" y="2936686"/>
+            <a:off x="2013129" y="3211325"/>
             <a:ext cx="299911" cy="299911"/>
           </a:xfrm>
           <a:prstGeom prst="rect">
@@ -4253,7 +4251,7 @@
         </p:blipFill>
         <p:spPr>
           <a:xfrm>
-            <a:off x="2004205" y="1406013"/>
+            <a:off x="2004206" y="1680652"/>
             <a:ext cx="299911" cy="299911"/>
           </a:xfrm>
           <a:prstGeom prst="rect">
@@ -4275,8 +4273,8 @@
         </p:nvSpPr>
         <p:spPr>
           <a:xfrm>
-            <a:off x="6152819" y="711205"/>
-            <a:ext cx="2662926" cy="6648598"/>
+            <a:off x="6152819" y="985843"/>
+            <a:ext cx="2662926" cy="6930918"/>
           </a:xfrm>
           <a:prstGeom prst="rect">
             <a:avLst/>
@@ -4356,7 +4354,7 @@
         </p:blipFill>
         <p:spPr>
           <a:xfrm>
-            <a:off x="6272381" y="2936686"/>
+            <a:off x="6272382" y="3211325"/>
             <a:ext cx="299911" cy="299911"/>
           </a:xfrm>
           <a:prstGeom prst="rect">
@@ -4392,7 +4390,7 @@
         </p:blipFill>
         <p:spPr>
           <a:xfrm>
-            <a:off x="6279808" y="1405933"/>
+            <a:off x="6279809" y="1680572"/>
             <a:ext cx="299911" cy="299911"/>
           </a:xfrm>
           <a:prstGeom prst="rect">
@@ -4428,7 +4426,7 @@
         </p:blipFill>
         <p:spPr>
           <a:xfrm>
-            <a:off x="5208618" y="1732198"/>
+            <a:off x="5208619" y="2006837"/>
             <a:ext cx="303425" cy="303425"/>
           </a:xfrm>
           <a:prstGeom prst="rect">
@@ -4464,7 +4462,7 @@
         </p:blipFill>
         <p:spPr>
           <a:xfrm>
-            <a:off x="3652221" y="1881693"/>
+            <a:off x="3652222" y="2156332"/>
             <a:ext cx="431797" cy="431797"/>
           </a:xfrm>
           <a:prstGeom prst="rect">
@@ -4486,7 +4484,7 @@
         </p:nvSpPr>
         <p:spPr>
           <a:xfrm>
-            <a:off x="3325431" y="2259882"/>
+            <a:off x="3325431" y="2534520"/>
             <a:ext cx="1139112" cy="294248"/>
           </a:xfrm>
           <a:prstGeom prst="rect">
@@ -4528,7 +4526,7 @@
         </p:nvSpPr>
         <p:spPr>
           <a:xfrm>
-            <a:off x="6262142" y="2262484"/>
+            <a:off x="6262142" y="2537122"/>
             <a:ext cx="1138868" cy="294248"/>
           </a:xfrm>
           <a:prstGeom prst="rect">
@@ -4584,7 +4582,7 @@
         </p:blipFill>
         <p:spPr>
           <a:xfrm>
-            <a:off x="2378272" y="1837271"/>
+            <a:off x="2378273" y="2111910"/>
             <a:ext cx="431797" cy="431797"/>
           </a:xfrm>
           <a:prstGeom prst="rect">
@@ -4620,7 +4618,7 @@
         </p:blipFill>
         <p:spPr>
           <a:xfrm>
-            <a:off x="7843093" y="1831708"/>
+            <a:off x="7843094" y="2106347"/>
             <a:ext cx="431797" cy="431797"/>
           </a:xfrm>
           <a:prstGeom prst="rect">
@@ -4642,7 +4640,7 @@
         </p:nvSpPr>
         <p:spPr>
           <a:xfrm>
-            <a:off x="1803968" y="2257673"/>
+            <a:off x="1803969" y="2532311"/>
             <a:ext cx="1623641" cy="294248"/>
           </a:xfrm>
           <a:prstGeom prst="rect">
@@ -4684,7 +4682,7 @@
         </p:nvSpPr>
         <p:spPr>
           <a:xfrm>
-            <a:off x="7405057" y="2269066"/>
+            <a:off x="7405058" y="2543704"/>
             <a:ext cx="1232633" cy="294248"/>
           </a:xfrm>
           <a:prstGeom prst="rect">
@@ -4746,7 +4744,7 @@
         </p:blipFill>
         <p:spPr>
           <a:xfrm>
-            <a:off x="6618105" y="1881693"/>
+            <a:off x="6618106" y="2156332"/>
             <a:ext cx="431797" cy="431797"/>
           </a:xfrm>
           <a:prstGeom prst="rect">
@@ -4783,7 +4781,7 @@
         </p:blipFill>
         <p:spPr bwMode="auto">
           <a:xfrm>
-            <a:off x="9309863" y="4400733"/>
+            <a:off x="9309863" y="4675371"/>
             <a:ext cx="833084" cy="833084"/>
           </a:xfrm>
           <a:prstGeom prst="rect">
@@ -4830,7 +4828,7 @@
         </p:nvSpPr>
         <p:spPr bwMode="auto">
           <a:xfrm>
-            <a:off x="9242701" y="5272874"/>
+            <a:off x="9242702" y="5547512"/>
             <a:ext cx="919503" cy="294248"/>
           </a:xfrm>
           <a:prstGeom prst="rect">
@@ -5004,7 +5002,7 @@
         </p:blipFill>
         <p:spPr bwMode="auto">
           <a:xfrm>
-            <a:off x="9309905" y="5876297"/>
+            <a:off x="9309905" y="6150935"/>
             <a:ext cx="833084" cy="833084"/>
           </a:xfrm>
           <a:prstGeom prst="rect">
@@ -5051,7 +5049,7 @@
         </p:nvSpPr>
         <p:spPr bwMode="auto">
           <a:xfrm>
-            <a:off x="9077368" y="6739817"/>
+            <a:off x="9077368" y="7014455"/>
             <a:ext cx="1310954" cy="294248"/>
           </a:xfrm>
           <a:prstGeom prst="rect">
@@ -5225,7 +5223,7 @@
         </p:blipFill>
         <p:spPr bwMode="auto">
           <a:xfrm>
-            <a:off x="9289050" y="3038936"/>
+            <a:off x="9289050" y="3313574"/>
             <a:ext cx="833084" cy="833084"/>
           </a:xfrm>
           <a:prstGeom prst="rect">
@@ -5272,7 +5270,7 @@
         </p:nvSpPr>
         <p:spPr bwMode="auto">
           <a:xfrm>
-            <a:off x="8939745" y="3848678"/>
+            <a:off x="8939746" y="4123316"/>
             <a:ext cx="1525417" cy="294248"/>
           </a:xfrm>
           <a:prstGeom prst="rect">
@@ -5445,7 +5443,7 @@
         </p:blipFill>
         <p:spPr>
           <a:xfrm>
-            <a:off x="3038429" y="3235146"/>
+            <a:off x="3038430" y="3509785"/>
             <a:ext cx="431797" cy="431797"/>
           </a:xfrm>
           <a:prstGeom prst="rect">
@@ -5467,7 +5465,7 @@
         </p:nvSpPr>
         <p:spPr>
           <a:xfrm>
-            <a:off x="2711642" y="3624202"/>
+            <a:off x="2711643" y="3898840"/>
             <a:ext cx="1090365" cy="294248"/>
           </a:xfrm>
           <a:prstGeom prst="rect">
@@ -5511,7 +5509,7 @@
         </p:nvSpPr>
         <p:spPr bwMode="auto">
           <a:xfrm>
-            <a:off x="4634183" y="3579725"/>
+            <a:off x="4634184" y="3854364"/>
             <a:ext cx="1464841" cy="496161"/>
           </a:xfrm>
           <a:prstGeom prst="rect">
@@ -5700,7 +5698,7 @@
         </p:blipFill>
         <p:spPr bwMode="auto">
           <a:xfrm>
-            <a:off x="5104165" y="3111865"/>
+            <a:off x="5104166" y="3386504"/>
             <a:ext cx="499851" cy="499851"/>
           </a:xfrm>
           <a:prstGeom prst="rect">
@@ -5745,7 +5743,7 @@
         </p:nvCxnSpPr>
         <p:spPr bwMode="auto">
           <a:xfrm>
-            <a:off x="3550860" y="3470915"/>
+            <a:off x="3550861" y="3745553"/>
             <a:ext cx="1399583" cy="0"/>
           </a:xfrm>
           <a:prstGeom prst="straightConnector1">
@@ -5802,7 +5800,7 @@
         </p:blipFill>
         <p:spPr>
           <a:xfrm>
-            <a:off x="3038429" y="3992716"/>
+            <a:off x="3038430" y="4267355"/>
             <a:ext cx="431797" cy="431797"/>
           </a:xfrm>
           <a:prstGeom prst="rect">
@@ -5824,7 +5822,7 @@
         </p:nvSpPr>
         <p:spPr>
           <a:xfrm>
-            <a:off x="2702620" y="4402474"/>
+            <a:off x="2702621" y="4677112"/>
             <a:ext cx="1090365" cy="294248"/>
           </a:xfrm>
           <a:prstGeom prst="rect">
@@ -5880,7 +5878,7 @@
         </p:blipFill>
         <p:spPr>
           <a:xfrm>
-            <a:off x="7169393" y="3947965"/>
+            <a:off x="7169394" y="4222604"/>
             <a:ext cx="431797" cy="431797"/>
           </a:xfrm>
           <a:prstGeom prst="rect">
@@ -5902,7 +5900,7 @@
         </p:nvSpPr>
         <p:spPr>
           <a:xfrm>
-            <a:off x="6862598" y="4379761"/>
+            <a:off x="6862599" y="4654399"/>
             <a:ext cx="1090365" cy="294248"/>
           </a:xfrm>
           <a:prstGeom prst="rect">
@@ -5946,7 +5944,7 @@
         </p:nvSpPr>
         <p:spPr bwMode="auto">
           <a:xfrm>
-            <a:off x="4633275" y="4526798"/>
+            <a:off x="4633276" y="4801437"/>
             <a:ext cx="1464841" cy="496161"/>
           </a:xfrm>
           <a:prstGeom prst="rect">
@@ -6135,7 +6133,7 @@
         </p:blipFill>
         <p:spPr bwMode="auto">
           <a:xfrm>
-            <a:off x="5099823" y="4075699"/>
+            <a:off x="5099824" y="4350338"/>
             <a:ext cx="499851" cy="499851"/>
           </a:xfrm>
           <a:prstGeom prst="rect">
@@ -6180,7 +6178,7 @@
         </p:nvCxnSpPr>
         <p:spPr bwMode="auto">
           <a:xfrm>
-            <a:off x="3567519" y="4278303"/>
+            <a:off x="3567520" y="4552941"/>
             <a:ext cx="1399583" cy="0"/>
           </a:xfrm>
           <a:prstGeom prst="straightConnector1">
@@ -6225,7 +6223,7 @@
         </p:nvCxnSpPr>
         <p:spPr bwMode="auto">
           <a:xfrm>
-            <a:off x="5675666" y="4279339"/>
+            <a:off x="5675667" y="4553977"/>
             <a:ext cx="1399583" cy="0"/>
           </a:xfrm>
           <a:prstGeom prst="straightConnector1">
@@ -6282,7 +6280,7 @@
         </p:blipFill>
         <p:spPr>
           <a:xfrm>
-            <a:off x="3038429" y="4788448"/>
+            <a:off x="3038430" y="5063087"/>
             <a:ext cx="431797" cy="431797"/>
           </a:xfrm>
           <a:prstGeom prst="rect">
@@ -6304,7 +6302,7 @@
         </p:nvSpPr>
         <p:spPr>
           <a:xfrm>
-            <a:off x="2711642" y="5166636"/>
+            <a:off x="2711643" y="5441274"/>
             <a:ext cx="1090365" cy="294248"/>
           </a:xfrm>
           <a:prstGeom prst="rect">
@@ -6360,7 +6358,7 @@
         </p:blipFill>
         <p:spPr>
           <a:xfrm>
-            <a:off x="7169393" y="4694166"/>
+            <a:off x="7169394" y="4968805"/>
             <a:ext cx="431797" cy="431797"/>
           </a:xfrm>
           <a:prstGeom prst="rect">
@@ -6382,7 +6380,7 @@
         </p:nvSpPr>
         <p:spPr>
           <a:xfrm>
-            <a:off x="6842606" y="5170152"/>
+            <a:off x="6842607" y="5444790"/>
             <a:ext cx="1090365" cy="294248"/>
           </a:xfrm>
           <a:prstGeom prst="rect">
@@ -6438,7 +6436,7 @@
         </p:blipFill>
         <p:spPr>
           <a:xfrm>
-            <a:off x="2803103" y="5482931"/>
+            <a:off x="2803104" y="5757570"/>
             <a:ext cx="431797" cy="431797"/>
           </a:xfrm>
           <a:prstGeom prst="rect">
@@ -6460,7 +6458,7 @@
         </p:nvSpPr>
         <p:spPr>
           <a:xfrm>
-            <a:off x="2465450" y="5893719"/>
+            <a:off x="2465451" y="6168357"/>
             <a:ext cx="1090365" cy="294248"/>
           </a:xfrm>
           <a:prstGeom prst="rect">
@@ -6516,7 +6514,7 @@
         </p:blipFill>
         <p:spPr>
           <a:xfrm>
-            <a:off x="7169393" y="5486446"/>
+            <a:off x="7169394" y="5761085"/>
             <a:ext cx="431797" cy="431797"/>
           </a:xfrm>
           <a:prstGeom prst="rect">
@@ -6538,7 +6536,7 @@
         </p:nvSpPr>
         <p:spPr>
           <a:xfrm>
-            <a:off x="6842606" y="5897234"/>
+            <a:off x="6842607" y="6171872"/>
             <a:ext cx="1090365" cy="294248"/>
           </a:xfrm>
           <a:prstGeom prst="rect">
@@ -6594,7 +6592,7 @@
         </p:blipFill>
         <p:spPr>
           <a:xfrm>
-            <a:off x="3338057" y="5489004"/>
+            <a:off x="3338058" y="5763643"/>
             <a:ext cx="431797" cy="431797"/>
           </a:xfrm>
           <a:prstGeom prst="rect">
@@ -6616,7 +6614,7 @@
         </p:nvSpPr>
         <p:spPr>
           <a:xfrm>
-            <a:off x="3009193" y="5881442"/>
+            <a:off x="3009194" y="6156080"/>
             <a:ext cx="1090365" cy="294248"/>
           </a:xfrm>
           <a:prstGeom prst="rect">
@@ -6673,7 +6671,7 @@
         </p:blipFill>
         <p:spPr bwMode="auto">
           <a:xfrm>
-            <a:off x="3037890" y="6342651"/>
+            <a:off x="3037891" y="6617290"/>
             <a:ext cx="499851" cy="499851"/>
           </a:xfrm>
           <a:prstGeom prst="rect">
@@ -6720,7 +6718,7 @@
         </p:nvSpPr>
         <p:spPr bwMode="auto">
           <a:xfrm>
-            <a:off x="2673184" y="6836537"/>
+            <a:off x="2673184" y="7111175"/>
             <a:ext cx="1219636" cy="294248"/>
           </a:xfrm>
           <a:prstGeom prst="rect">
@@ -6894,7 +6892,7 @@
         </p:blipFill>
         <p:spPr bwMode="auto">
           <a:xfrm>
-            <a:off x="7199145" y="6348922"/>
+            <a:off x="7199146" y="6623561"/>
             <a:ext cx="499851" cy="499851"/>
           </a:xfrm>
           <a:prstGeom prst="rect">
@@ -6941,7 +6939,7 @@
         </p:nvSpPr>
         <p:spPr bwMode="auto">
           <a:xfrm>
-            <a:off x="6888771" y="6842806"/>
+            <a:off x="6888771" y="7117444"/>
             <a:ext cx="1219636" cy="294248"/>
           </a:xfrm>
           <a:prstGeom prst="rect">
@@ -7100,7 +7098,7 @@
         </p:nvSpPr>
         <p:spPr bwMode="auto">
           <a:xfrm>
-            <a:off x="3363244" y="1741166"/>
+            <a:off x="3363245" y="2015804"/>
             <a:ext cx="4010703" cy="947632"/>
           </a:xfrm>
           <a:prstGeom prst="rect">
@@ -7174,7 +7172,7 @@
         </p:nvSpPr>
         <p:spPr bwMode="auto">
           <a:xfrm>
-            <a:off x="2673186" y="6200421"/>
+            <a:off x="2673187" y="6475060"/>
             <a:ext cx="5435223" cy="952637"/>
           </a:xfrm>
           <a:prstGeom prst="rect">
@@ -7262,7 +7260,7 @@
         </p:blipFill>
         <p:spPr>
           <a:xfrm>
-            <a:off x="5207137" y="6193205"/>
+            <a:off x="5207138" y="6467844"/>
             <a:ext cx="303425" cy="303425"/>
           </a:xfrm>
           <a:prstGeom prst="rect">
@@ -7299,7 +7297,7 @@
         </p:blipFill>
         <p:spPr bwMode="auto">
           <a:xfrm>
-            <a:off x="9285909" y="1555968"/>
+            <a:off x="9285909" y="1830606"/>
             <a:ext cx="833084" cy="833084"/>
           </a:xfrm>
           <a:prstGeom prst="rect">
@@ -7346,7 +7344,7 @@
         </p:nvSpPr>
         <p:spPr bwMode="auto">
           <a:xfrm>
-            <a:off x="8953211" y="2394069"/>
+            <a:off x="8953212" y="2668707"/>
             <a:ext cx="1525417" cy="294248"/>
           </a:xfrm>
           <a:prstGeom prst="rect">

--- a/docs/images/data-robot-architecture-diagram.pptx
+++ b/docs/images/data-robot-architecture-diagram.pptx
@@ -2,7 +2,7 @@
 <file path=ppt/presentation.xml><?xml version="1.0" encoding="utf-8"?>
 <p:presentation xmlns:a="http://schemas.openxmlformats.org/drawingml/2006/main" xmlns:r="http://schemas.openxmlformats.org/officeDocument/2006/relationships" xmlns:p="http://schemas.openxmlformats.org/presentationml/2006/main" saveSubsetFonts="1" autoCompressPictures="0">
   <p:sldMasterIdLst>
-    <p:sldMasterId id="2147483648" r:id="rId1"/>
+    <p:sldMasterId id="2147483700" r:id="rId1"/>
   </p:sldMasterIdLst>
   <p:notesMasterIdLst>
     <p:notesMasterId r:id="rId3"/>
@@ -10,13 +10,13 @@
   <p:sldIdLst>
     <p:sldId id="426" r:id="rId2"/>
   </p:sldIdLst>
-  <p:sldSz cx="12192000" cy="6858000"/>
+  <p:sldSz cx="12192000" cy="8229600"/>
   <p:notesSz cx="6858000" cy="9144000"/>
   <p:defaultTextStyle>
     <a:defPPr>
       <a:defRPr lang="en-US"/>
     </a:defPPr>
-    <a:lvl1pPr marL="0" algn="l" defTabSz="914400" rtl="0" eaLnBrk="1" latinLnBrk="0" hangingPunct="1">
+    <a:lvl1pPr marL="0" algn="l" defTabSz="457200" rtl="0" eaLnBrk="1" latinLnBrk="0" hangingPunct="1">
       <a:defRPr sz="1800" kern="1200">
         <a:solidFill>
           <a:schemeClr val="tx1"/>
@@ -26,7 +26,7 @@
         <a:cs typeface="+mn-cs"/>
       </a:defRPr>
     </a:lvl1pPr>
-    <a:lvl2pPr marL="457200" algn="l" defTabSz="914400" rtl="0" eaLnBrk="1" latinLnBrk="0" hangingPunct="1">
+    <a:lvl2pPr marL="457200" algn="l" defTabSz="457200" rtl="0" eaLnBrk="1" latinLnBrk="0" hangingPunct="1">
       <a:defRPr sz="1800" kern="1200">
         <a:solidFill>
           <a:schemeClr val="tx1"/>
@@ -36,7 +36,7 @@
         <a:cs typeface="+mn-cs"/>
       </a:defRPr>
     </a:lvl2pPr>
-    <a:lvl3pPr marL="914400" algn="l" defTabSz="914400" rtl="0" eaLnBrk="1" latinLnBrk="0" hangingPunct="1">
+    <a:lvl3pPr marL="914400" algn="l" defTabSz="457200" rtl="0" eaLnBrk="1" latinLnBrk="0" hangingPunct="1">
       <a:defRPr sz="1800" kern="1200">
         <a:solidFill>
           <a:schemeClr val="tx1"/>
@@ -46,7 +46,7 @@
         <a:cs typeface="+mn-cs"/>
       </a:defRPr>
     </a:lvl3pPr>
-    <a:lvl4pPr marL="1371600" algn="l" defTabSz="914400" rtl="0" eaLnBrk="1" latinLnBrk="0" hangingPunct="1">
+    <a:lvl4pPr marL="1371600" algn="l" defTabSz="457200" rtl="0" eaLnBrk="1" latinLnBrk="0" hangingPunct="1">
       <a:defRPr sz="1800" kern="1200">
         <a:solidFill>
           <a:schemeClr val="tx1"/>
@@ -56,7 +56,7 @@
         <a:cs typeface="+mn-cs"/>
       </a:defRPr>
     </a:lvl4pPr>
-    <a:lvl5pPr marL="1828800" algn="l" defTabSz="914400" rtl="0" eaLnBrk="1" latinLnBrk="0" hangingPunct="1">
+    <a:lvl5pPr marL="1828800" algn="l" defTabSz="457200" rtl="0" eaLnBrk="1" latinLnBrk="0" hangingPunct="1">
       <a:defRPr sz="1800" kern="1200">
         <a:solidFill>
           <a:schemeClr val="tx1"/>
@@ -66,7 +66,7 @@
         <a:cs typeface="+mn-cs"/>
       </a:defRPr>
     </a:lvl5pPr>
-    <a:lvl6pPr marL="2286000" algn="l" defTabSz="914400" rtl="0" eaLnBrk="1" latinLnBrk="0" hangingPunct="1">
+    <a:lvl6pPr marL="2286000" algn="l" defTabSz="457200" rtl="0" eaLnBrk="1" latinLnBrk="0" hangingPunct="1">
       <a:defRPr sz="1800" kern="1200">
         <a:solidFill>
           <a:schemeClr val="tx1"/>
@@ -76,7 +76,7 @@
         <a:cs typeface="+mn-cs"/>
       </a:defRPr>
     </a:lvl6pPr>
-    <a:lvl7pPr marL="2743200" algn="l" defTabSz="914400" rtl="0" eaLnBrk="1" latinLnBrk="0" hangingPunct="1">
+    <a:lvl7pPr marL="2743200" algn="l" defTabSz="457200" rtl="0" eaLnBrk="1" latinLnBrk="0" hangingPunct="1">
       <a:defRPr sz="1800" kern="1200">
         <a:solidFill>
           <a:schemeClr val="tx1"/>
@@ -86,7 +86,7 @@
         <a:cs typeface="+mn-cs"/>
       </a:defRPr>
     </a:lvl7pPr>
-    <a:lvl8pPr marL="3200400" algn="l" defTabSz="914400" rtl="0" eaLnBrk="1" latinLnBrk="0" hangingPunct="1">
+    <a:lvl8pPr marL="3200400" algn="l" defTabSz="457200" rtl="0" eaLnBrk="1" latinLnBrk="0" hangingPunct="1">
       <a:defRPr sz="1800" kern="1200">
         <a:solidFill>
           <a:schemeClr val="tx1"/>
@@ -96,7 +96,7 @@
         <a:cs typeface="+mn-cs"/>
       </a:defRPr>
     </a:lvl8pPr>
-    <a:lvl9pPr marL="3657600" algn="l" defTabSz="914400" rtl="0" eaLnBrk="1" latinLnBrk="0" hangingPunct="1">
+    <a:lvl9pPr marL="3657600" algn="l" defTabSz="457200" rtl="0" eaLnBrk="1" latinLnBrk="0" hangingPunct="1">
       <a:defRPr sz="1800" kern="1200">
         <a:solidFill>
           <a:schemeClr val="tx1"/>
@@ -197,7 +197,7 @@
           <a:p>
             <a:fld id="{590E2399-5717-194F-AD3A-E8B320BF82AF}" type="datetimeFigureOut">
               <a:rPr lang="en-US" smtClean="0"/>
-              <a:t>8/6/2021</a:t>
+              <a:t>8/13/2021</a:t>
             </a:fld>
             <a:endParaRPr lang="en-US"/>
           </a:p>
@@ -215,8 +215,8 @@
         </p:nvSpPr>
         <p:spPr>
           <a:xfrm>
-            <a:off x="685800" y="1143000"/>
-            <a:ext cx="5486400" cy="3086100"/>
+            <a:off x="1143000" y="1143000"/>
+            <a:ext cx="4572000" cy="3086100"/>
           </a:xfrm>
           <a:prstGeom prst="rect">
             <a:avLst/>
@@ -491,7 +491,12 @@
             <p:ph type="sldImg"/>
           </p:nvPr>
         </p:nvSpPr>
-        <p:spPr/>
+        <p:spPr>
+          <a:xfrm>
+            <a:off x="1143000" y="1143000"/>
+            <a:ext cx="4572000" cy="3086100"/>
+          </a:xfrm>
+        </p:spPr>
       </p:sp>
       <p:sp>
         <p:nvSpPr>
@@ -567,13 +572,7 @@
       </p:grpSpPr>
       <p:sp>
         <p:nvSpPr>
-          <p:cNvPr id="2" name="Title 1">
-            <a:extLst>
-              <a:ext uri="{FF2B5EF4-FFF2-40B4-BE49-F238E27FC236}">
-                <a16:creationId xmlns:a16="http://schemas.microsoft.com/office/drawing/2014/main" id="{9C891B68-31FF-8E49-B77B-8792031E60CD}"/>
-              </a:ext>
-            </a:extLst>
-          </p:cNvPr>
+          <p:cNvPr id="2" name="Title 1"/>
           <p:cNvSpPr>
             <a:spLocks noGrp="1"/>
           </p:cNvSpPr>
@@ -583,15 +582,15 @@
         </p:nvSpPr>
         <p:spPr>
           <a:xfrm>
-            <a:off x="1524000" y="1122363"/>
-            <a:ext cx="9144000" cy="2387600"/>
+            <a:off x="914400" y="1346836"/>
+            <a:ext cx="10363200" cy="2865120"/>
           </a:xfrm>
         </p:spPr>
         <p:txBody>
           <a:bodyPr anchor="b"/>
           <a:lstStyle>
             <a:lvl1pPr algn="ctr">
-              <a:defRPr sz="6000"/>
+              <a:defRPr sz="7200"/>
             </a:lvl1pPr>
           </a:lstStyle>
           <a:p>
@@ -599,18 +598,13 @@
               <a:rPr lang="en-US"/>
               <a:t>Click to edit Master title style</a:t>
             </a:r>
-          </a:p>
-        </p:txBody>
-      </p:sp>
-      <p:sp>
-        <p:nvSpPr>
-          <p:cNvPr id="3" name="Subtitle 2">
-            <a:extLst>
-              <a:ext uri="{FF2B5EF4-FFF2-40B4-BE49-F238E27FC236}">
-                <a16:creationId xmlns:a16="http://schemas.microsoft.com/office/drawing/2014/main" id="{CF33A3A5-99EE-0248-8214-C18038BD8727}"/>
-              </a:ext>
-            </a:extLst>
-          </p:cNvPr>
+            <a:endParaRPr lang="en-US" dirty="0"/>
+          </a:p>
+        </p:txBody>
+      </p:sp>
+      <p:sp>
+        <p:nvSpPr>
+          <p:cNvPr id="3" name="Subtitle 2"/>
           <p:cNvSpPr>
             <a:spLocks noGrp="1"/>
           </p:cNvSpPr>
@@ -620,8 +614,8 @@
         </p:nvSpPr>
         <p:spPr>
           <a:xfrm>
-            <a:off x="1524000" y="3602038"/>
-            <a:ext cx="9144000" cy="1655762"/>
+            <a:off x="1524000" y="4322446"/>
+            <a:ext cx="9144000" cy="1986914"/>
           </a:xfrm>
         </p:spPr>
         <p:txBody>
@@ -629,39 +623,39 @@
           <a:lstStyle>
             <a:lvl1pPr marL="0" indent="0" algn="ctr">
               <a:buNone/>
+              <a:defRPr sz="2880"/>
+            </a:lvl1pPr>
+            <a:lvl2pPr marL="548640" indent="0" algn="ctr">
+              <a:buNone/>
               <a:defRPr sz="2400"/>
-            </a:lvl1pPr>
-            <a:lvl2pPr marL="457200" indent="0" algn="ctr">
+            </a:lvl2pPr>
+            <a:lvl3pPr marL="1097280" indent="0" algn="ctr">
               <a:buNone/>
-              <a:defRPr sz="2000"/>
-            </a:lvl2pPr>
-            <a:lvl3pPr marL="914400" indent="0" algn="ctr">
+              <a:defRPr sz="2160"/>
+            </a:lvl3pPr>
+            <a:lvl4pPr marL="1645920" indent="0" algn="ctr">
               <a:buNone/>
-              <a:defRPr sz="1800"/>
-            </a:lvl3pPr>
-            <a:lvl4pPr marL="1371600" indent="0" algn="ctr">
+              <a:defRPr sz="1920"/>
+            </a:lvl4pPr>
+            <a:lvl5pPr marL="2194560" indent="0" algn="ctr">
               <a:buNone/>
-              <a:defRPr sz="1600"/>
-            </a:lvl4pPr>
-            <a:lvl5pPr marL="1828800" indent="0" algn="ctr">
+              <a:defRPr sz="1920"/>
+            </a:lvl5pPr>
+            <a:lvl6pPr marL="2743200" indent="0" algn="ctr">
               <a:buNone/>
-              <a:defRPr sz="1600"/>
-            </a:lvl5pPr>
-            <a:lvl6pPr marL="2286000" indent="0" algn="ctr">
+              <a:defRPr sz="1920"/>
+            </a:lvl6pPr>
+            <a:lvl7pPr marL="3291840" indent="0" algn="ctr">
               <a:buNone/>
-              <a:defRPr sz="1600"/>
-            </a:lvl6pPr>
-            <a:lvl7pPr marL="2743200" indent="0" algn="ctr">
+              <a:defRPr sz="1920"/>
+            </a:lvl7pPr>
+            <a:lvl8pPr marL="3840480" indent="0" algn="ctr">
               <a:buNone/>
-              <a:defRPr sz="1600"/>
-            </a:lvl7pPr>
-            <a:lvl8pPr marL="3200400" indent="0" algn="ctr">
+              <a:defRPr sz="1920"/>
+            </a:lvl8pPr>
+            <a:lvl9pPr marL="4389120" indent="0" algn="ctr">
               <a:buNone/>
-              <a:defRPr sz="1600"/>
-            </a:lvl8pPr>
-            <a:lvl9pPr marL="3657600" indent="0" algn="ctr">
-              <a:buNone/>
-              <a:defRPr sz="1600"/>
+              <a:defRPr sz="1920"/>
             </a:lvl9pPr>
           </a:lstStyle>
           <a:p>
@@ -669,18 +663,13 @@
               <a:rPr lang="en-US"/>
               <a:t>Click to edit Master subtitle style</a:t>
             </a:r>
-          </a:p>
-        </p:txBody>
-      </p:sp>
-      <p:sp>
-        <p:nvSpPr>
-          <p:cNvPr id="4" name="Date Placeholder 3">
-            <a:extLst>
-              <a:ext uri="{FF2B5EF4-FFF2-40B4-BE49-F238E27FC236}">
-                <a16:creationId xmlns:a16="http://schemas.microsoft.com/office/drawing/2014/main" id="{BDF8072A-F3EE-BD45-95A0-18F55D3D6543}"/>
-              </a:ext>
-            </a:extLst>
-          </p:cNvPr>
+            <a:endParaRPr lang="en-US" dirty="0"/>
+          </a:p>
+        </p:txBody>
+      </p:sp>
+      <p:sp>
+        <p:nvSpPr>
+          <p:cNvPr id="4" name="Date Placeholder 3"/>
           <p:cNvSpPr>
             <a:spLocks noGrp="1"/>
           </p:cNvSpPr>
@@ -695,7 +684,7 @@
           <a:p>
             <a:fld id="{F55C447A-44A3-5F49-B3D4-7D25A8EEBE0E}" type="datetimeFigureOut">
               <a:rPr lang="en-US" smtClean="0"/>
-              <a:t>8/6/2021</a:t>
+              <a:t>8/13/2021</a:t>
             </a:fld>
             <a:endParaRPr lang="en-US"/>
           </a:p>
@@ -703,13 +692,7 @@
       </p:sp>
       <p:sp>
         <p:nvSpPr>
-          <p:cNvPr id="5" name="Footer Placeholder 4">
-            <a:extLst>
-              <a:ext uri="{FF2B5EF4-FFF2-40B4-BE49-F238E27FC236}">
-                <a16:creationId xmlns:a16="http://schemas.microsoft.com/office/drawing/2014/main" id="{3BE33042-D627-7944-AF67-B052A3F30597}"/>
-              </a:ext>
-            </a:extLst>
-          </p:cNvPr>
+          <p:cNvPr id="5" name="Footer Placeholder 4"/>
           <p:cNvSpPr>
             <a:spLocks noGrp="1"/>
           </p:cNvSpPr>
@@ -728,13 +711,7 @@
       </p:sp>
       <p:sp>
         <p:nvSpPr>
-          <p:cNvPr id="6" name="Slide Number Placeholder 5">
-            <a:extLst>
-              <a:ext uri="{FF2B5EF4-FFF2-40B4-BE49-F238E27FC236}">
-                <a16:creationId xmlns:a16="http://schemas.microsoft.com/office/drawing/2014/main" id="{59CC17FB-470E-534B-8C77-DC12CDB06FE3}"/>
-              </a:ext>
-            </a:extLst>
-          </p:cNvPr>
+          <p:cNvPr id="6" name="Slide Number Placeholder 5"/>
           <p:cNvSpPr>
             <a:spLocks noGrp="1"/>
           </p:cNvSpPr>
@@ -758,7 +735,7 @@
     </p:spTree>
     <p:extLst>
       <p:ext uri="{BB962C8B-B14F-4D97-AF65-F5344CB8AC3E}">
-        <p14:creationId xmlns:p14="http://schemas.microsoft.com/office/powerpoint/2010/main" val="1042660110"/>
+        <p14:creationId xmlns:p14="http://schemas.microsoft.com/office/powerpoint/2010/main" val="2896828253"/>
       </p:ext>
     </p:extLst>
   </p:cSld>
@@ -787,13 +764,7 @@
       </p:grpSpPr>
       <p:sp>
         <p:nvSpPr>
-          <p:cNvPr id="2" name="Title 1">
-            <a:extLst>
-              <a:ext uri="{FF2B5EF4-FFF2-40B4-BE49-F238E27FC236}">
-                <a16:creationId xmlns:a16="http://schemas.microsoft.com/office/drawing/2014/main" id="{D7146EB4-14D0-9A4D-B432-61D47728BCDF}"/>
-              </a:ext>
-            </a:extLst>
-          </p:cNvPr>
+          <p:cNvPr id="2" name="Title 1"/>
           <p:cNvSpPr>
             <a:spLocks noGrp="1"/>
           </p:cNvSpPr>
@@ -810,18 +781,13 @@
               <a:rPr lang="en-US"/>
               <a:t>Click to edit Master title style</a:t>
             </a:r>
-          </a:p>
-        </p:txBody>
-      </p:sp>
-      <p:sp>
-        <p:nvSpPr>
-          <p:cNvPr id="3" name="Vertical Text Placeholder 2">
-            <a:extLst>
-              <a:ext uri="{FF2B5EF4-FFF2-40B4-BE49-F238E27FC236}">
-                <a16:creationId xmlns:a16="http://schemas.microsoft.com/office/drawing/2014/main" id="{6A538181-BC0F-B74A-B106-BA1EC5B67DD6}"/>
-              </a:ext>
-            </a:extLst>
-          </p:cNvPr>
+            <a:endParaRPr lang="en-US" dirty="0"/>
+          </a:p>
+        </p:txBody>
+      </p:sp>
+      <p:sp>
+        <p:nvSpPr>
+          <p:cNvPr id="3" name="Vertical Text Placeholder 2"/>
           <p:cNvSpPr>
             <a:spLocks noGrp="1"/>
           </p:cNvSpPr>
@@ -837,7 +803,7 @@
             <a:pPr lvl="0"/>
             <a:r>
               <a:rPr lang="en-US"/>
-              <a:t>Click to edit Master text styles</a:t>
+              <a:t>Edit Master text styles</a:t>
             </a:r>
           </a:p>
           <a:p>
@@ -867,18 +833,13 @@
               <a:rPr lang="en-US"/>
               <a:t>Fifth level</a:t>
             </a:r>
-          </a:p>
-        </p:txBody>
-      </p:sp>
-      <p:sp>
-        <p:nvSpPr>
-          <p:cNvPr id="4" name="Date Placeholder 3">
-            <a:extLst>
-              <a:ext uri="{FF2B5EF4-FFF2-40B4-BE49-F238E27FC236}">
-                <a16:creationId xmlns:a16="http://schemas.microsoft.com/office/drawing/2014/main" id="{BE369F0C-90A8-B04F-9557-91CCFE2D2AE1}"/>
-              </a:ext>
-            </a:extLst>
-          </p:cNvPr>
+            <a:endParaRPr lang="en-US" dirty="0"/>
+          </a:p>
+        </p:txBody>
+      </p:sp>
+      <p:sp>
+        <p:nvSpPr>
+          <p:cNvPr id="4" name="Date Placeholder 3"/>
           <p:cNvSpPr>
             <a:spLocks noGrp="1"/>
           </p:cNvSpPr>
@@ -893,7 +854,7 @@
           <a:p>
             <a:fld id="{F55C447A-44A3-5F49-B3D4-7D25A8EEBE0E}" type="datetimeFigureOut">
               <a:rPr lang="en-US" smtClean="0"/>
-              <a:t>8/6/2021</a:t>
+              <a:t>8/13/2021</a:t>
             </a:fld>
             <a:endParaRPr lang="en-US"/>
           </a:p>
@@ -901,13 +862,7 @@
       </p:sp>
       <p:sp>
         <p:nvSpPr>
-          <p:cNvPr id="5" name="Footer Placeholder 4">
-            <a:extLst>
-              <a:ext uri="{FF2B5EF4-FFF2-40B4-BE49-F238E27FC236}">
-                <a16:creationId xmlns:a16="http://schemas.microsoft.com/office/drawing/2014/main" id="{2D038211-D1B0-8741-A32D-184D2C55A91F}"/>
-              </a:ext>
-            </a:extLst>
-          </p:cNvPr>
+          <p:cNvPr id="5" name="Footer Placeholder 4"/>
           <p:cNvSpPr>
             <a:spLocks noGrp="1"/>
           </p:cNvSpPr>
@@ -926,13 +881,7 @@
       </p:sp>
       <p:sp>
         <p:nvSpPr>
-          <p:cNvPr id="6" name="Slide Number Placeholder 5">
-            <a:extLst>
-              <a:ext uri="{FF2B5EF4-FFF2-40B4-BE49-F238E27FC236}">
-                <a16:creationId xmlns:a16="http://schemas.microsoft.com/office/drawing/2014/main" id="{EE8C7640-1170-CD43-9187-B119B5B1F6E6}"/>
-              </a:ext>
-            </a:extLst>
-          </p:cNvPr>
+          <p:cNvPr id="6" name="Slide Number Placeholder 5"/>
           <p:cNvSpPr>
             <a:spLocks noGrp="1"/>
           </p:cNvSpPr>
@@ -956,7 +905,7 @@
     </p:spTree>
     <p:extLst>
       <p:ext uri="{BB962C8B-B14F-4D97-AF65-F5344CB8AC3E}">
-        <p14:creationId xmlns:p14="http://schemas.microsoft.com/office/powerpoint/2010/main" val="1686516472"/>
+        <p14:creationId xmlns:p14="http://schemas.microsoft.com/office/powerpoint/2010/main" val="3489156058"/>
       </p:ext>
     </p:extLst>
   </p:cSld>
@@ -985,13 +934,7 @@
       </p:grpSpPr>
       <p:sp>
         <p:nvSpPr>
-          <p:cNvPr id="2" name="Vertical Title 1">
-            <a:extLst>
-              <a:ext uri="{FF2B5EF4-FFF2-40B4-BE49-F238E27FC236}">
-                <a16:creationId xmlns:a16="http://schemas.microsoft.com/office/drawing/2014/main" id="{EC840C4A-9876-9F49-BA3D-A73D91DAC643}"/>
-              </a:ext>
-            </a:extLst>
-          </p:cNvPr>
+          <p:cNvPr id="2" name="Vertical Title 1"/>
           <p:cNvSpPr>
             <a:spLocks noGrp="1"/>
           </p:cNvSpPr>
@@ -1001,8 +944,8 @@
         </p:nvSpPr>
         <p:spPr>
           <a:xfrm>
-            <a:off x="8724900" y="365125"/>
-            <a:ext cx="2628900" cy="5811838"/>
+            <a:off x="8724901" y="438150"/>
+            <a:ext cx="2628900" cy="6974206"/>
           </a:xfrm>
         </p:spPr>
         <p:txBody>
@@ -1013,18 +956,13 @@
               <a:rPr lang="en-US"/>
               <a:t>Click to edit Master title style</a:t>
             </a:r>
-          </a:p>
-        </p:txBody>
-      </p:sp>
-      <p:sp>
-        <p:nvSpPr>
-          <p:cNvPr id="3" name="Vertical Text Placeholder 2">
-            <a:extLst>
-              <a:ext uri="{FF2B5EF4-FFF2-40B4-BE49-F238E27FC236}">
-                <a16:creationId xmlns:a16="http://schemas.microsoft.com/office/drawing/2014/main" id="{0458ABF0-94A7-D248-BB0A-DD4691B50A66}"/>
-              </a:ext>
-            </a:extLst>
-          </p:cNvPr>
+            <a:endParaRPr lang="en-US" dirty="0"/>
+          </a:p>
+        </p:txBody>
+      </p:sp>
+      <p:sp>
+        <p:nvSpPr>
+          <p:cNvPr id="3" name="Vertical Text Placeholder 2"/>
           <p:cNvSpPr>
             <a:spLocks noGrp="1"/>
           </p:cNvSpPr>
@@ -1034,8 +972,8 @@
         </p:nvSpPr>
         <p:spPr>
           <a:xfrm>
-            <a:off x="838200" y="365125"/>
-            <a:ext cx="7734300" cy="5811838"/>
+            <a:off x="838201" y="438150"/>
+            <a:ext cx="7734300" cy="6974206"/>
           </a:xfrm>
         </p:spPr>
         <p:txBody>
@@ -1045,7 +983,7 @@
             <a:pPr lvl="0"/>
             <a:r>
               <a:rPr lang="en-US"/>
-              <a:t>Click to edit Master text styles</a:t>
+              <a:t>Edit Master text styles</a:t>
             </a:r>
           </a:p>
           <a:p>
@@ -1075,18 +1013,13 @@
               <a:rPr lang="en-US"/>
               <a:t>Fifth level</a:t>
             </a:r>
-          </a:p>
-        </p:txBody>
-      </p:sp>
-      <p:sp>
-        <p:nvSpPr>
-          <p:cNvPr id="4" name="Date Placeholder 3">
-            <a:extLst>
-              <a:ext uri="{FF2B5EF4-FFF2-40B4-BE49-F238E27FC236}">
-                <a16:creationId xmlns:a16="http://schemas.microsoft.com/office/drawing/2014/main" id="{241D52D2-5D53-3648-A9DC-0EAEA4D70C1A}"/>
-              </a:ext>
-            </a:extLst>
-          </p:cNvPr>
+            <a:endParaRPr lang="en-US" dirty="0"/>
+          </a:p>
+        </p:txBody>
+      </p:sp>
+      <p:sp>
+        <p:nvSpPr>
+          <p:cNvPr id="4" name="Date Placeholder 3"/>
           <p:cNvSpPr>
             <a:spLocks noGrp="1"/>
           </p:cNvSpPr>
@@ -1101,7 +1034,7 @@
           <a:p>
             <a:fld id="{F55C447A-44A3-5F49-B3D4-7D25A8EEBE0E}" type="datetimeFigureOut">
               <a:rPr lang="en-US" smtClean="0"/>
-              <a:t>8/6/2021</a:t>
+              <a:t>8/13/2021</a:t>
             </a:fld>
             <a:endParaRPr lang="en-US"/>
           </a:p>
@@ -1109,13 +1042,7 @@
       </p:sp>
       <p:sp>
         <p:nvSpPr>
-          <p:cNvPr id="5" name="Footer Placeholder 4">
-            <a:extLst>
-              <a:ext uri="{FF2B5EF4-FFF2-40B4-BE49-F238E27FC236}">
-                <a16:creationId xmlns:a16="http://schemas.microsoft.com/office/drawing/2014/main" id="{E85AF60E-BF40-6647-A5CF-CD74D355DBF1}"/>
-              </a:ext>
-            </a:extLst>
-          </p:cNvPr>
+          <p:cNvPr id="5" name="Footer Placeholder 4"/>
           <p:cNvSpPr>
             <a:spLocks noGrp="1"/>
           </p:cNvSpPr>
@@ -1134,13 +1061,7 @@
       </p:sp>
       <p:sp>
         <p:nvSpPr>
-          <p:cNvPr id="6" name="Slide Number Placeholder 5">
-            <a:extLst>
-              <a:ext uri="{FF2B5EF4-FFF2-40B4-BE49-F238E27FC236}">
-                <a16:creationId xmlns:a16="http://schemas.microsoft.com/office/drawing/2014/main" id="{6FEC87D5-18AC-C848-A18B-64AED2A1A698}"/>
-              </a:ext>
-            </a:extLst>
-          </p:cNvPr>
+          <p:cNvPr id="6" name="Slide Number Placeholder 5"/>
           <p:cNvSpPr>
             <a:spLocks noGrp="1"/>
           </p:cNvSpPr>
@@ -1164,7 +1085,7 @@
     </p:spTree>
     <p:extLst>
       <p:ext uri="{BB962C8B-B14F-4D97-AF65-F5344CB8AC3E}">
-        <p14:creationId xmlns:p14="http://schemas.microsoft.com/office/powerpoint/2010/main" val="250071125"/>
+        <p14:creationId xmlns:p14="http://schemas.microsoft.com/office/powerpoint/2010/main" val="2819199691"/>
       </p:ext>
     </p:extLst>
   </p:cSld>
@@ -1238,15 +1159,15 @@
         </p:nvSpPr>
         <p:spPr>
           <a:xfrm>
-            <a:off x="202294" y="390334"/>
-            <a:ext cx="6532780" cy="559397"/>
+            <a:off x="202294" y="468402"/>
+            <a:ext cx="6532780" cy="671277"/>
           </a:xfrm>
         </p:spPr>
         <p:txBody>
           <a:bodyPr/>
           <a:lstStyle>
             <a:lvl1pPr>
-              <a:defRPr sz="2800" b="1">
+              <a:defRPr sz="3061" b="1">
                 <a:solidFill>
                   <a:srgbClr val="141B23"/>
                 </a:solidFill>
@@ -1279,8 +1200,8 @@
         </p:nvSpPr>
         <p:spPr>
           <a:xfrm>
-            <a:off x="10909468" y="438500"/>
-            <a:ext cx="1053932" cy="463064"/>
+            <a:off x="10909468" y="526200"/>
+            <a:ext cx="1053932" cy="555677"/>
           </a:xfrm>
         </p:spPr>
         <p:txBody>
@@ -1290,7 +1211,7 @@
           <a:lstStyle>
             <a:lvl1pPr marL="0" indent="0" algn="r">
               <a:buNone/>
-              <a:defRPr sz="1800">
+              <a:defRPr sz="1968">
                 <a:solidFill>
                   <a:srgbClr val="141B23"/>
                 </a:solidFill>
@@ -1321,7 +1242,7 @@
         <p:spPr>
           <a:xfrm>
             <a:off x="0" y="1"/>
-            <a:ext cx="12192000" cy="290456"/>
+            <a:ext cx="12192000" cy="348547"/>
           </a:xfrm>
           <a:prstGeom prst="rect">
             <a:avLst/>
@@ -1358,7 +1279,7 @@
           </a:fontRef>
         </p:style>
         <p:txBody>
-          <a:bodyPr rot="0" spcFirstLastPara="0" vertOverflow="overflow" horzOverflow="overflow" vert="horz" wrap="square" lIns="91440" tIns="91440" rIns="91440" bIns="45720" numCol="1" spcCol="0" rtlCol="0" fromWordArt="0" anchor="t" anchorCtr="0" forceAA="0" compatLnSpc="1">
+          <a:bodyPr rot="0" spcFirstLastPara="0" vertOverflow="overflow" horzOverflow="overflow" vert="horz" wrap="square" lIns="99970" tIns="99970" rIns="99970" bIns="49985" numCol="1" spcCol="0" rtlCol="0" fromWordArt="0" anchor="t" anchorCtr="0" forceAA="0" compatLnSpc="1">
             <a:prstTxWarp prst="textNoShape">
               <a:avLst/>
             </a:prstTxWarp>
@@ -1367,7 +1288,7 @@
           <a:lstStyle/>
           <a:p>
             <a:pPr algn="l"/>
-            <a:endParaRPr lang="en-US" sz="1200" dirty="0">
+            <a:endParaRPr lang="en-US" sz="1312" dirty="0">
               <a:solidFill>
                 <a:schemeClr val="tx2"/>
               </a:solidFill>
@@ -1378,7 +1299,7 @@
     </p:spTree>
     <p:extLst>
       <p:ext uri="{BB962C8B-B14F-4D97-AF65-F5344CB8AC3E}">
-        <p14:creationId xmlns:p14="http://schemas.microsoft.com/office/powerpoint/2010/main" val="3852538270"/>
+        <p14:creationId xmlns:p14="http://schemas.microsoft.com/office/powerpoint/2010/main" val="3840421433"/>
       </p:ext>
     </p:extLst>
   </p:cSld>
@@ -1407,13 +1328,7 @@
       </p:grpSpPr>
       <p:sp>
         <p:nvSpPr>
-          <p:cNvPr id="2" name="Title 1">
-            <a:extLst>
-              <a:ext uri="{FF2B5EF4-FFF2-40B4-BE49-F238E27FC236}">
-                <a16:creationId xmlns:a16="http://schemas.microsoft.com/office/drawing/2014/main" id="{6C4197ED-EEEC-5944-9B16-CDA582214924}"/>
-              </a:ext>
-            </a:extLst>
-          </p:cNvPr>
+          <p:cNvPr id="2" name="Title 1"/>
           <p:cNvSpPr>
             <a:spLocks noGrp="1"/>
           </p:cNvSpPr>
@@ -1430,18 +1345,13 @@
               <a:rPr lang="en-US"/>
               <a:t>Click to edit Master title style</a:t>
             </a:r>
-          </a:p>
-        </p:txBody>
-      </p:sp>
-      <p:sp>
-        <p:nvSpPr>
-          <p:cNvPr id="3" name="Content Placeholder 2">
-            <a:extLst>
-              <a:ext uri="{FF2B5EF4-FFF2-40B4-BE49-F238E27FC236}">
-                <a16:creationId xmlns:a16="http://schemas.microsoft.com/office/drawing/2014/main" id="{C2B2F0F4-834E-BD42-A4E8-0A45F1B5D74B}"/>
-              </a:ext>
-            </a:extLst>
-          </p:cNvPr>
+            <a:endParaRPr lang="en-US" dirty="0"/>
+          </a:p>
+        </p:txBody>
+      </p:sp>
+      <p:sp>
+        <p:nvSpPr>
+          <p:cNvPr id="3" name="Content Placeholder 2"/>
           <p:cNvSpPr>
             <a:spLocks noGrp="1"/>
           </p:cNvSpPr>
@@ -1457,7 +1367,7 @@
             <a:pPr lvl="0"/>
             <a:r>
               <a:rPr lang="en-US"/>
-              <a:t>Click to edit Master text styles</a:t>
+              <a:t>Edit Master text styles</a:t>
             </a:r>
           </a:p>
           <a:p>
@@ -1487,18 +1397,13 @@
               <a:rPr lang="en-US"/>
               <a:t>Fifth level</a:t>
             </a:r>
-          </a:p>
-        </p:txBody>
-      </p:sp>
-      <p:sp>
-        <p:nvSpPr>
-          <p:cNvPr id="4" name="Date Placeholder 3">
-            <a:extLst>
-              <a:ext uri="{FF2B5EF4-FFF2-40B4-BE49-F238E27FC236}">
-                <a16:creationId xmlns:a16="http://schemas.microsoft.com/office/drawing/2014/main" id="{35340F61-BEB9-5742-B90A-A3915C4A3CFB}"/>
-              </a:ext>
-            </a:extLst>
-          </p:cNvPr>
+            <a:endParaRPr lang="en-US" dirty="0"/>
+          </a:p>
+        </p:txBody>
+      </p:sp>
+      <p:sp>
+        <p:nvSpPr>
+          <p:cNvPr id="4" name="Date Placeholder 3"/>
           <p:cNvSpPr>
             <a:spLocks noGrp="1"/>
           </p:cNvSpPr>
@@ -1513,7 +1418,7 @@
           <a:p>
             <a:fld id="{F55C447A-44A3-5F49-B3D4-7D25A8EEBE0E}" type="datetimeFigureOut">
               <a:rPr lang="en-US" smtClean="0"/>
-              <a:t>8/6/2021</a:t>
+              <a:t>8/13/2021</a:t>
             </a:fld>
             <a:endParaRPr lang="en-US"/>
           </a:p>
@@ -1521,13 +1426,7 @@
       </p:sp>
       <p:sp>
         <p:nvSpPr>
-          <p:cNvPr id="5" name="Footer Placeholder 4">
-            <a:extLst>
-              <a:ext uri="{FF2B5EF4-FFF2-40B4-BE49-F238E27FC236}">
-                <a16:creationId xmlns:a16="http://schemas.microsoft.com/office/drawing/2014/main" id="{DA41DC3C-E22E-354F-B1CC-A2DD98E8DD82}"/>
-              </a:ext>
-            </a:extLst>
-          </p:cNvPr>
+          <p:cNvPr id="5" name="Footer Placeholder 4"/>
           <p:cNvSpPr>
             <a:spLocks noGrp="1"/>
           </p:cNvSpPr>
@@ -1546,13 +1445,7 @@
       </p:sp>
       <p:sp>
         <p:nvSpPr>
-          <p:cNvPr id="6" name="Slide Number Placeholder 5">
-            <a:extLst>
-              <a:ext uri="{FF2B5EF4-FFF2-40B4-BE49-F238E27FC236}">
-                <a16:creationId xmlns:a16="http://schemas.microsoft.com/office/drawing/2014/main" id="{CEC57C54-8FCF-E445-BF8F-273B2B16C830}"/>
-              </a:ext>
-            </a:extLst>
-          </p:cNvPr>
+          <p:cNvPr id="6" name="Slide Number Placeholder 5"/>
           <p:cNvSpPr>
             <a:spLocks noGrp="1"/>
           </p:cNvSpPr>
@@ -1576,7 +1469,7 @@
     </p:spTree>
     <p:extLst>
       <p:ext uri="{BB962C8B-B14F-4D97-AF65-F5344CB8AC3E}">
-        <p14:creationId xmlns:p14="http://schemas.microsoft.com/office/powerpoint/2010/main" val="608623635"/>
+        <p14:creationId xmlns:p14="http://schemas.microsoft.com/office/powerpoint/2010/main" val="2498127606"/>
       </p:ext>
     </p:extLst>
   </p:cSld>
@@ -1605,13 +1498,7 @@
       </p:grpSpPr>
       <p:sp>
         <p:nvSpPr>
-          <p:cNvPr id="2" name="Title 1">
-            <a:extLst>
-              <a:ext uri="{FF2B5EF4-FFF2-40B4-BE49-F238E27FC236}">
-                <a16:creationId xmlns:a16="http://schemas.microsoft.com/office/drawing/2014/main" id="{17BFB06E-DB27-7743-9EB0-7356EB87AD0A}"/>
-              </a:ext>
-            </a:extLst>
-          </p:cNvPr>
+          <p:cNvPr id="2" name="Title 1"/>
           <p:cNvSpPr>
             <a:spLocks noGrp="1"/>
           </p:cNvSpPr>
@@ -1621,15 +1508,15 @@
         </p:nvSpPr>
         <p:spPr>
           <a:xfrm>
-            <a:off x="831850" y="1709738"/>
-            <a:ext cx="10515600" cy="2852737"/>
+            <a:off x="831851" y="2051688"/>
+            <a:ext cx="10515600" cy="3423284"/>
           </a:xfrm>
         </p:spPr>
         <p:txBody>
           <a:bodyPr anchor="b"/>
           <a:lstStyle>
             <a:lvl1pPr>
-              <a:defRPr sz="6000"/>
+              <a:defRPr sz="7200"/>
             </a:lvl1pPr>
           </a:lstStyle>
           <a:p>
@@ -1637,18 +1524,13 @@
               <a:rPr lang="en-US"/>
               <a:t>Click to edit Master title style</a:t>
             </a:r>
-          </a:p>
-        </p:txBody>
-      </p:sp>
-      <p:sp>
-        <p:nvSpPr>
-          <p:cNvPr id="3" name="Text Placeholder 2">
-            <a:extLst>
-              <a:ext uri="{FF2B5EF4-FFF2-40B4-BE49-F238E27FC236}">
-                <a16:creationId xmlns:a16="http://schemas.microsoft.com/office/drawing/2014/main" id="{B21B89B9-CA95-1F49-93C9-D6A712123641}"/>
-              </a:ext>
-            </a:extLst>
-          </p:cNvPr>
+            <a:endParaRPr lang="en-US" dirty="0"/>
+          </a:p>
+        </p:txBody>
+      </p:sp>
+      <p:sp>
+        <p:nvSpPr>
+          <p:cNvPr id="3" name="Text Placeholder 2"/>
           <p:cNvSpPr>
             <a:spLocks noGrp="1"/>
           </p:cNvSpPr>
@@ -1658,8 +1540,8 @@
         </p:nvSpPr>
         <p:spPr>
           <a:xfrm>
-            <a:off x="831850" y="4589463"/>
-            <a:ext cx="10515600" cy="1500187"/>
+            <a:off x="831851" y="5507358"/>
+            <a:ext cx="10515600" cy="1800224"/>
           </a:xfrm>
         </p:spPr>
         <p:txBody>
@@ -1667,6 +1549,14 @@
           <a:lstStyle>
             <a:lvl1pPr marL="0" indent="0">
               <a:buNone/>
+              <a:defRPr sz="2880">
+                <a:solidFill>
+                  <a:schemeClr val="tx1"/>
+                </a:solidFill>
+              </a:defRPr>
+            </a:lvl1pPr>
+            <a:lvl2pPr marL="548640" indent="0">
+              <a:buNone/>
               <a:defRPr sz="2400">
                 <a:solidFill>
                   <a:schemeClr val="tx1">
@@ -1674,106 +1564,90 @@
                   </a:schemeClr>
                 </a:solidFill>
               </a:defRPr>
-            </a:lvl1pPr>
-            <a:lvl2pPr marL="457200" indent="0">
+            </a:lvl2pPr>
+            <a:lvl3pPr marL="1097280" indent="0">
               <a:buNone/>
-              <a:defRPr sz="2000">
+              <a:defRPr sz="2160">
                 <a:solidFill>
                   <a:schemeClr val="tx1">
                     <a:tint val="75000"/>
                   </a:schemeClr>
                 </a:solidFill>
               </a:defRPr>
-            </a:lvl2pPr>
-            <a:lvl3pPr marL="914400" indent="0">
+            </a:lvl3pPr>
+            <a:lvl4pPr marL="1645920" indent="0">
               <a:buNone/>
-              <a:defRPr sz="1800">
+              <a:defRPr sz="1920">
                 <a:solidFill>
                   <a:schemeClr val="tx1">
                     <a:tint val="75000"/>
                   </a:schemeClr>
                 </a:solidFill>
               </a:defRPr>
-            </a:lvl3pPr>
-            <a:lvl4pPr marL="1371600" indent="0">
+            </a:lvl4pPr>
+            <a:lvl5pPr marL="2194560" indent="0">
               <a:buNone/>
-              <a:defRPr sz="1600">
+              <a:defRPr sz="1920">
                 <a:solidFill>
                   <a:schemeClr val="tx1">
                     <a:tint val="75000"/>
                   </a:schemeClr>
                 </a:solidFill>
               </a:defRPr>
-            </a:lvl4pPr>
-            <a:lvl5pPr marL="1828800" indent="0">
+            </a:lvl5pPr>
+            <a:lvl6pPr marL="2743200" indent="0">
               <a:buNone/>
-              <a:defRPr sz="1600">
+              <a:defRPr sz="1920">
                 <a:solidFill>
                   <a:schemeClr val="tx1">
                     <a:tint val="75000"/>
                   </a:schemeClr>
                 </a:solidFill>
               </a:defRPr>
-            </a:lvl5pPr>
-            <a:lvl6pPr marL="2286000" indent="0">
+            </a:lvl6pPr>
+            <a:lvl7pPr marL="3291840" indent="0">
               <a:buNone/>
-              <a:defRPr sz="1600">
+              <a:defRPr sz="1920">
                 <a:solidFill>
                   <a:schemeClr val="tx1">
                     <a:tint val="75000"/>
                   </a:schemeClr>
                 </a:solidFill>
               </a:defRPr>
-            </a:lvl6pPr>
-            <a:lvl7pPr marL="2743200" indent="0">
+            </a:lvl7pPr>
+            <a:lvl8pPr marL="3840480" indent="0">
               <a:buNone/>
-              <a:defRPr sz="1600">
+              <a:defRPr sz="1920">
                 <a:solidFill>
                   <a:schemeClr val="tx1">
                     <a:tint val="75000"/>
                   </a:schemeClr>
                 </a:solidFill>
               </a:defRPr>
-            </a:lvl7pPr>
-            <a:lvl8pPr marL="3200400" indent="0">
+            </a:lvl8pPr>
+            <a:lvl9pPr marL="4389120" indent="0">
               <a:buNone/>
-              <a:defRPr sz="1600">
+              <a:defRPr sz="1920">
                 <a:solidFill>
                   <a:schemeClr val="tx1">
                     <a:tint val="75000"/>
                   </a:schemeClr>
                 </a:solidFill>
               </a:defRPr>
-            </a:lvl8pPr>
-            <a:lvl9pPr marL="3657600" indent="0">
-              <a:buNone/>
-              <a:defRPr sz="1600">
-                <a:solidFill>
-                  <a:schemeClr val="tx1">
-                    <a:tint val="75000"/>
-                  </a:schemeClr>
-                </a:solidFill>
-              </a:defRPr>
             </a:lvl9pPr>
           </a:lstStyle>
           <a:p>
             <a:pPr lvl="0"/>
             <a:r>
               <a:rPr lang="en-US"/>
-              <a:t>Click to edit Master text styles</a:t>
-            </a:r>
-          </a:p>
-        </p:txBody>
-      </p:sp>
-      <p:sp>
-        <p:nvSpPr>
-          <p:cNvPr id="4" name="Date Placeholder 3">
-            <a:extLst>
-              <a:ext uri="{FF2B5EF4-FFF2-40B4-BE49-F238E27FC236}">
-                <a16:creationId xmlns:a16="http://schemas.microsoft.com/office/drawing/2014/main" id="{AF083F60-EA3A-1B4E-A7D3-A3114722EC4E}"/>
-              </a:ext>
-            </a:extLst>
-          </p:cNvPr>
+              <a:t>Edit Master text styles</a:t>
+            </a:r>
+          </a:p>
+        </p:txBody>
+      </p:sp>
+      <p:sp>
+        <p:nvSpPr>
+          <p:cNvPr id="4" name="Date Placeholder 3"/>
           <p:cNvSpPr>
             <a:spLocks noGrp="1"/>
           </p:cNvSpPr>
@@ -1788,7 +1662,7 @@
           <a:p>
             <a:fld id="{F55C447A-44A3-5F49-B3D4-7D25A8EEBE0E}" type="datetimeFigureOut">
               <a:rPr lang="en-US" smtClean="0"/>
-              <a:t>8/6/2021</a:t>
+              <a:t>8/13/2021</a:t>
             </a:fld>
             <a:endParaRPr lang="en-US"/>
           </a:p>
@@ -1796,13 +1670,7 @@
       </p:sp>
       <p:sp>
         <p:nvSpPr>
-          <p:cNvPr id="5" name="Footer Placeholder 4">
-            <a:extLst>
-              <a:ext uri="{FF2B5EF4-FFF2-40B4-BE49-F238E27FC236}">
-                <a16:creationId xmlns:a16="http://schemas.microsoft.com/office/drawing/2014/main" id="{6F49C619-7908-8542-9E55-9864F84BA5BB}"/>
-              </a:ext>
-            </a:extLst>
-          </p:cNvPr>
+          <p:cNvPr id="5" name="Footer Placeholder 4"/>
           <p:cNvSpPr>
             <a:spLocks noGrp="1"/>
           </p:cNvSpPr>
@@ -1821,13 +1689,7 @@
       </p:sp>
       <p:sp>
         <p:nvSpPr>
-          <p:cNvPr id="6" name="Slide Number Placeholder 5">
-            <a:extLst>
-              <a:ext uri="{FF2B5EF4-FFF2-40B4-BE49-F238E27FC236}">
-                <a16:creationId xmlns:a16="http://schemas.microsoft.com/office/drawing/2014/main" id="{3945D116-FAF8-FC41-9328-B8CD97C692A0}"/>
-              </a:ext>
-            </a:extLst>
-          </p:cNvPr>
+          <p:cNvPr id="6" name="Slide Number Placeholder 5"/>
           <p:cNvSpPr>
             <a:spLocks noGrp="1"/>
           </p:cNvSpPr>
@@ -1851,7 +1713,7 @@
     </p:spTree>
     <p:extLst>
       <p:ext uri="{BB962C8B-B14F-4D97-AF65-F5344CB8AC3E}">
-        <p14:creationId xmlns:p14="http://schemas.microsoft.com/office/powerpoint/2010/main" val="407391237"/>
+        <p14:creationId xmlns:p14="http://schemas.microsoft.com/office/powerpoint/2010/main" val="4010594842"/>
       </p:ext>
     </p:extLst>
   </p:cSld>
@@ -1880,13 +1742,7 @@
       </p:grpSpPr>
       <p:sp>
         <p:nvSpPr>
-          <p:cNvPr id="2" name="Title 1">
-            <a:extLst>
-              <a:ext uri="{FF2B5EF4-FFF2-40B4-BE49-F238E27FC236}">
-                <a16:creationId xmlns:a16="http://schemas.microsoft.com/office/drawing/2014/main" id="{A72F8AFC-15F6-7349-B8FA-99522D842DE9}"/>
-              </a:ext>
-            </a:extLst>
-          </p:cNvPr>
+          <p:cNvPr id="2" name="Title 1"/>
           <p:cNvSpPr>
             <a:spLocks noGrp="1"/>
           </p:cNvSpPr>
@@ -1903,18 +1759,13 @@
               <a:rPr lang="en-US"/>
               <a:t>Click to edit Master title style</a:t>
             </a:r>
-          </a:p>
-        </p:txBody>
-      </p:sp>
-      <p:sp>
-        <p:nvSpPr>
-          <p:cNvPr id="3" name="Content Placeholder 2">
-            <a:extLst>
-              <a:ext uri="{FF2B5EF4-FFF2-40B4-BE49-F238E27FC236}">
-                <a16:creationId xmlns:a16="http://schemas.microsoft.com/office/drawing/2014/main" id="{31E7CB94-3D8A-A542-B679-D82D5A40A75F}"/>
-              </a:ext>
-            </a:extLst>
-          </p:cNvPr>
+            <a:endParaRPr lang="en-US" dirty="0"/>
+          </a:p>
+        </p:txBody>
+      </p:sp>
+      <p:sp>
+        <p:nvSpPr>
+          <p:cNvPr id="3" name="Content Placeholder 2"/>
           <p:cNvSpPr>
             <a:spLocks noGrp="1"/>
           </p:cNvSpPr>
@@ -1924,8 +1775,8 @@
         </p:nvSpPr>
         <p:spPr>
           <a:xfrm>
-            <a:off x="838200" y="1825625"/>
-            <a:ext cx="5181600" cy="4351338"/>
+            <a:off x="838200" y="2190750"/>
+            <a:ext cx="5181600" cy="5221606"/>
           </a:xfrm>
         </p:spPr>
         <p:txBody>
@@ -1935,7 +1786,7 @@
             <a:pPr lvl="0"/>
             <a:r>
               <a:rPr lang="en-US"/>
-              <a:t>Click to edit Master text styles</a:t>
+              <a:t>Edit Master text styles</a:t>
             </a:r>
           </a:p>
           <a:p>
@@ -1965,18 +1816,13 @@
               <a:rPr lang="en-US"/>
               <a:t>Fifth level</a:t>
             </a:r>
-          </a:p>
-        </p:txBody>
-      </p:sp>
-      <p:sp>
-        <p:nvSpPr>
-          <p:cNvPr id="4" name="Content Placeholder 3">
-            <a:extLst>
-              <a:ext uri="{FF2B5EF4-FFF2-40B4-BE49-F238E27FC236}">
-                <a16:creationId xmlns:a16="http://schemas.microsoft.com/office/drawing/2014/main" id="{3A14F81F-CD86-4843-B2F7-CE120E68C17B}"/>
-              </a:ext>
-            </a:extLst>
-          </p:cNvPr>
+            <a:endParaRPr lang="en-US" dirty="0"/>
+          </a:p>
+        </p:txBody>
+      </p:sp>
+      <p:sp>
+        <p:nvSpPr>
+          <p:cNvPr id="4" name="Content Placeholder 3"/>
           <p:cNvSpPr>
             <a:spLocks noGrp="1"/>
           </p:cNvSpPr>
@@ -1986,8 +1832,8 @@
         </p:nvSpPr>
         <p:spPr>
           <a:xfrm>
-            <a:off x="6172200" y="1825625"/>
-            <a:ext cx="5181600" cy="4351338"/>
+            <a:off x="6172200" y="2190750"/>
+            <a:ext cx="5181600" cy="5221606"/>
           </a:xfrm>
         </p:spPr>
         <p:txBody>
@@ -1997,7 +1843,7 @@
             <a:pPr lvl="0"/>
             <a:r>
               <a:rPr lang="en-US"/>
-              <a:t>Click to edit Master text styles</a:t>
+              <a:t>Edit Master text styles</a:t>
             </a:r>
           </a:p>
           <a:p>
@@ -2027,18 +1873,13 @@
               <a:rPr lang="en-US"/>
               <a:t>Fifth level</a:t>
             </a:r>
-          </a:p>
-        </p:txBody>
-      </p:sp>
-      <p:sp>
-        <p:nvSpPr>
-          <p:cNvPr id="5" name="Date Placeholder 4">
-            <a:extLst>
-              <a:ext uri="{FF2B5EF4-FFF2-40B4-BE49-F238E27FC236}">
-                <a16:creationId xmlns:a16="http://schemas.microsoft.com/office/drawing/2014/main" id="{CC672980-4F4C-DB41-BA0F-AAAABBBD2ADA}"/>
-              </a:ext>
-            </a:extLst>
-          </p:cNvPr>
+            <a:endParaRPr lang="en-US" dirty="0"/>
+          </a:p>
+        </p:txBody>
+      </p:sp>
+      <p:sp>
+        <p:nvSpPr>
+          <p:cNvPr id="5" name="Date Placeholder 4"/>
           <p:cNvSpPr>
             <a:spLocks noGrp="1"/>
           </p:cNvSpPr>
@@ -2053,7 +1894,7 @@
           <a:p>
             <a:fld id="{F55C447A-44A3-5F49-B3D4-7D25A8EEBE0E}" type="datetimeFigureOut">
               <a:rPr lang="en-US" smtClean="0"/>
-              <a:t>8/6/2021</a:t>
+              <a:t>8/13/2021</a:t>
             </a:fld>
             <a:endParaRPr lang="en-US"/>
           </a:p>
@@ -2061,13 +1902,7 @@
       </p:sp>
       <p:sp>
         <p:nvSpPr>
-          <p:cNvPr id="6" name="Footer Placeholder 5">
-            <a:extLst>
-              <a:ext uri="{FF2B5EF4-FFF2-40B4-BE49-F238E27FC236}">
-                <a16:creationId xmlns:a16="http://schemas.microsoft.com/office/drawing/2014/main" id="{D3E92696-8754-844A-992A-A22D9D3BBF2C}"/>
-              </a:ext>
-            </a:extLst>
-          </p:cNvPr>
+          <p:cNvPr id="6" name="Footer Placeholder 5"/>
           <p:cNvSpPr>
             <a:spLocks noGrp="1"/>
           </p:cNvSpPr>
@@ -2086,13 +1921,7 @@
       </p:sp>
       <p:sp>
         <p:nvSpPr>
-          <p:cNvPr id="7" name="Slide Number Placeholder 6">
-            <a:extLst>
-              <a:ext uri="{FF2B5EF4-FFF2-40B4-BE49-F238E27FC236}">
-                <a16:creationId xmlns:a16="http://schemas.microsoft.com/office/drawing/2014/main" id="{3C69C177-ACAF-D14F-A35C-B4462E394CD0}"/>
-              </a:ext>
-            </a:extLst>
-          </p:cNvPr>
+          <p:cNvPr id="7" name="Slide Number Placeholder 6"/>
           <p:cNvSpPr>
             <a:spLocks noGrp="1"/>
           </p:cNvSpPr>
@@ -2116,7 +1945,7 @@
     </p:spTree>
     <p:extLst>
       <p:ext uri="{BB962C8B-B14F-4D97-AF65-F5344CB8AC3E}">
-        <p14:creationId xmlns:p14="http://schemas.microsoft.com/office/powerpoint/2010/main" val="728369841"/>
+        <p14:creationId xmlns:p14="http://schemas.microsoft.com/office/powerpoint/2010/main" val="2095638306"/>
       </p:ext>
     </p:extLst>
   </p:cSld>
@@ -2145,13 +1974,7 @@
       </p:grpSpPr>
       <p:sp>
         <p:nvSpPr>
-          <p:cNvPr id="2" name="Title 1">
-            <a:extLst>
-              <a:ext uri="{FF2B5EF4-FFF2-40B4-BE49-F238E27FC236}">
-                <a16:creationId xmlns:a16="http://schemas.microsoft.com/office/drawing/2014/main" id="{8ECDA055-BAC9-8645-B4EF-F82D9FB6A6C3}"/>
-              </a:ext>
-            </a:extLst>
-          </p:cNvPr>
+          <p:cNvPr id="2" name="Title 1"/>
           <p:cNvSpPr>
             <a:spLocks noGrp="1"/>
           </p:cNvSpPr>
@@ -2161,8 +1984,8 @@
         </p:nvSpPr>
         <p:spPr>
           <a:xfrm>
-            <a:off x="839788" y="365125"/>
-            <a:ext cx="10515600" cy="1325563"/>
+            <a:off x="839788" y="438152"/>
+            <a:ext cx="10515600" cy="1590676"/>
           </a:xfrm>
         </p:spPr>
         <p:txBody>
@@ -2173,18 +1996,13 @@
               <a:rPr lang="en-US"/>
               <a:t>Click to edit Master title style</a:t>
             </a:r>
-          </a:p>
-        </p:txBody>
-      </p:sp>
-      <p:sp>
-        <p:nvSpPr>
-          <p:cNvPr id="3" name="Text Placeholder 2">
-            <a:extLst>
-              <a:ext uri="{FF2B5EF4-FFF2-40B4-BE49-F238E27FC236}">
-                <a16:creationId xmlns:a16="http://schemas.microsoft.com/office/drawing/2014/main" id="{EDB73166-261D-2E4C-BCAD-8056287473F0}"/>
-              </a:ext>
-            </a:extLst>
-          </p:cNvPr>
+            <a:endParaRPr lang="en-US" dirty="0"/>
+          </a:p>
+        </p:txBody>
+      </p:sp>
+      <p:sp>
+        <p:nvSpPr>
+          <p:cNvPr id="3" name="Text Placeholder 2"/>
           <p:cNvSpPr>
             <a:spLocks noGrp="1"/>
           </p:cNvSpPr>
@@ -2194,8 +2012,8 @@
         </p:nvSpPr>
         <p:spPr>
           <a:xfrm>
-            <a:off x="839788" y="1681163"/>
-            <a:ext cx="5157787" cy="823912"/>
+            <a:off x="839789" y="2017396"/>
+            <a:ext cx="5157787" cy="988694"/>
           </a:xfrm>
         </p:spPr>
         <p:txBody>
@@ -2203,59 +2021,53 @@
           <a:lstStyle>
             <a:lvl1pPr marL="0" indent="0">
               <a:buNone/>
+              <a:defRPr sz="2880" b="1"/>
+            </a:lvl1pPr>
+            <a:lvl2pPr marL="548640" indent="0">
+              <a:buNone/>
               <a:defRPr sz="2400" b="1"/>
-            </a:lvl1pPr>
-            <a:lvl2pPr marL="457200" indent="0">
+            </a:lvl2pPr>
+            <a:lvl3pPr marL="1097280" indent="0">
               <a:buNone/>
-              <a:defRPr sz="2000" b="1"/>
-            </a:lvl2pPr>
-            <a:lvl3pPr marL="914400" indent="0">
+              <a:defRPr sz="2160" b="1"/>
+            </a:lvl3pPr>
+            <a:lvl4pPr marL="1645920" indent="0">
               <a:buNone/>
-              <a:defRPr sz="1800" b="1"/>
-            </a:lvl3pPr>
-            <a:lvl4pPr marL="1371600" indent="0">
+              <a:defRPr sz="1920" b="1"/>
+            </a:lvl4pPr>
+            <a:lvl5pPr marL="2194560" indent="0">
               <a:buNone/>
-              <a:defRPr sz="1600" b="1"/>
-            </a:lvl4pPr>
-            <a:lvl5pPr marL="1828800" indent="0">
+              <a:defRPr sz="1920" b="1"/>
+            </a:lvl5pPr>
+            <a:lvl6pPr marL="2743200" indent="0">
               <a:buNone/>
-              <a:defRPr sz="1600" b="1"/>
-            </a:lvl5pPr>
-            <a:lvl6pPr marL="2286000" indent="0">
+              <a:defRPr sz="1920" b="1"/>
+            </a:lvl6pPr>
+            <a:lvl7pPr marL="3291840" indent="0">
               <a:buNone/>
-              <a:defRPr sz="1600" b="1"/>
-            </a:lvl6pPr>
-            <a:lvl7pPr marL="2743200" indent="0">
+              <a:defRPr sz="1920" b="1"/>
+            </a:lvl7pPr>
+            <a:lvl8pPr marL="3840480" indent="0">
               <a:buNone/>
-              <a:defRPr sz="1600" b="1"/>
-            </a:lvl7pPr>
-            <a:lvl8pPr marL="3200400" indent="0">
+              <a:defRPr sz="1920" b="1"/>
+            </a:lvl8pPr>
+            <a:lvl9pPr marL="4389120" indent="0">
               <a:buNone/>
-              <a:defRPr sz="1600" b="1"/>
-            </a:lvl8pPr>
-            <a:lvl9pPr marL="3657600" indent="0">
-              <a:buNone/>
-              <a:defRPr sz="1600" b="1"/>
+              <a:defRPr sz="1920" b="1"/>
             </a:lvl9pPr>
           </a:lstStyle>
           <a:p>
             <a:pPr lvl="0"/>
             <a:r>
               <a:rPr lang="en-US"/>
-              <a:t>Click to edit Master text styles</a:t>
-            </a:r>
-          </a:p>
-        </p:txBody>
-      </p:sp>
-      <p:sp>
-        <p:nvSpPr>
-          <p:cNvPr id="4" name="Content Placeholder 3">
-            <a:extLst>
-              <a:ext uri="{FF2B5EF4-FFF2-40B4-BE49-F238E27FC236}">
-                <a16:creationId xmlns:a16="http://schemas.microsoft.com/office/drawing/2014/main" id="{077CB6FC-4F1D-3240-AD68-01C9EE5306B8}"/>
-              </a:ext>
-            </a:extLst>
-          </p:cNvPr>
+              <a:t>Edit Master text styles</a:t>
+            </a:r>
+          </a:p>
+        </p:txBody>
+      </p:sp>
+      <p:sp>
+        <p:nvSpPr>
+          <p:cNvPr id="4" name="Content Placeholder 3"/>
           <p:cNvSpPr>
             <a:spLocks noGrp="1"/>
           </p:cNvSpPr>
@@ -2265,8 +2077,8 @@
         </p:nvSpPr>
         <p:spPr>
           <a:xfrm>
-            <a:off x="839788" y="2505075"/>
-            <a:ext cx="5157787" cy="3684588"/>
+            <a:off x="839789" y="3006090"/>
+            <a:ext cx="5157787" cy="4421506"/>
           </a:xfrm>
         </p:spPr>
         <p:txBody>
@@ -2276,7 +2088,7 @@
             <a:pPr lvl="0"/>
             <a:r>
               <a:rPr lang="en-US"/>
-              <a:t>Click to edit Master text styles</a:t>
+              <a:t>Edit Master text styles</a:t>
             </a:r>
           </a:p>
           <a:p>
@@ -2306,18 +2118,13 @@
               <a:rPr lang="en-US"/>
               <a:t>Fifth level</a:t>
             </a:r>
-          </a:p>
-        </p:txBody>
-      </p:sp>
-      <p:sp>
-        <p:nvSpPr>
-          <p:cNvPr id="5" name="Text Placeholder 4">
-            <a:extLst>
-              <a:ext uri="{FF2B5EF4-FFF2-40B4-BE49-F238E27FC236}">
-                <a16:creationId xmlns:a16="http://schemas.microsoft.com/office/drawing/2014/main" id="{C28145E3-1C28-2D46-94F0-2314333ECFC4}"/>
-              </a:ext>
-            </a:extLst>
-          </p:cNvPr>
+            <a:endParaRPr lang="en-US" dirty="0"/>
+          </a:p>
+        </p:txBody>
+      </p:sp>
+      <p:sp>
+        <p:nvSpPr>
+          <p:cNvPr id="5" name="Text Placeholder 4"/>
           <p:cNvSpPr>
             <a:spLocks noGrp="1"/>
           </p:cNvSpPr>
@@ -2327,8 +2134,8 @@
         </p:nvSpPr>
         <p:spPr>
           <a:xfrm>
-            <a:off x="6172200" y="1681163"/>
-            <a:ext cx="5183188" cy="823912"/>
+            <a:off x="6172201" y="2017396"/>
+            <a:ext cx="5183188" cy="988694"/>
           </a:xfrm>
         </p:spPr>
         <p:txBody>
@@ -2336,59 +2143,53 @@
           <a:lstStyle>
             <a:lvl1pPr marL="0" indent="0">
               <a:buNone/>
+              <a:defRPr sz="2880" b="1"/>
+            </a:lvl1pPr>
+            <a:lvl2pPr marL="548640" indent="0">
+              <a:buNone/>
               <a:defRPr sz="2400" b="1"/>
-            </a:lvl1pPr>
-            <a:lvl2pPr marL="457200" indent="0">
+            </a:lvl2pPr>
+            <a:lvl3pPr marL="1097280" indent="0">
               <a:buNone/>
-              <a:defRPr sz="2000" b="1"/>
-            </a:lvl2pPr>
-            <a:lvl3pPr marL="914400" indent="0">
+              <a:defRPr sz="2160" b="1"/>
+            </a:lvl3pPr>
+            <a:lvl4pPr marL="1645920" indent="0">
               <a:buNone/>
-              <a:defRPr sz="1800" b="1"/>
-            </a:lvl3pPr>
-            <a:lvl4pPr marL="1371600" indent="0">
+              <a:defRPr sz="1920" b="1"/>
+            </a:lvl4pPr>
+            <a:lvl5pPr marL="2194560" indent="0">
               <a:buNone/>
-              <a:defRPr sz="1600" b="1"/>
-            </a:lvl4pPr>
-            <a:lvl5pPr marL="1828800" indent="0">
+              <a:defRPr sz="1920" b="1"/>
+            </a:lvl5pPr>
+            <a:lvl6pPr marL="2743200" indent="0">
               <a:buNone/>
-              <a:defRPr sz="1600" b="1"/>
-            </a:lvl5pPr>
-            <a:lvl6pPr marL="2286000" indent="0">
+              <a:defRPr sz="1920" b="1"/>
+            </a:lvl6pPr>
+            <a:lvl7pPr marL="3291840" indent="0">
               <a:buNone/>
-              <a:defRPr sz="1600" b="1"/>
-            </a:lvl6pPr>
-            <a:lvl7pPr marL="2743200" indent="0">
+              <a:defRPr sz="1920" b="1"/>
+            </a:lvl7pPr>
+            <a:lvl8pPr marL="3840480" indent="0">
               <a:buNone/>
-              <a:defRPr sz="1600" b="1"/>
-            </a:lvl7pPr>
-            <a:lvl8pPr marL="3200400" indent="0">
+              <a:defRPr sz="1920" b="1"/>
+            </a:lvl8pPr>
+            <a:lvl9pPr marL="4389120" indent="0">
               <a:buNone/>
-              <a:defRPr sz="1600" b="1"/>
-            </a:lvl8pPr>
-            <a:lvl9pPr marL="3657600" indent="0">
-              <a:buNone/>
-              <a:defRPr sz="1600" b="1"/>
+              <a:defRPr sz="1920" b="1"/>
             </a:lvl9pPr>
           </a:lstStyle>
           <a:p>
             <a:pPr lvl="0"/>
             <a:r>
               <a:rPr lang="en-US"/>
-              <a:t>Click to edit Master text styles</a:t>
-            </a:r>
-          </a:p>
-        </p:txBody>
-      </p:sp>
-      <p:sp>
-        <p:nvSpPr>
-          <p:cNvPr id="6" name="Content Placeholder 5">
-            <a:extLst>
-              <a:ext uri="{FF2B5EF4-FFF2-40B4-BE49-F238E27FC236}">
-                <a16:creationId xmlns:a16="http://schemas.microsoft.com/office/drawing/2014/main" id="{926EDC80-A5B0-8841-8BC2-99FC5FB54645}"/>
-              </a:ext>
-            </a:extLst>
-          </p:cNvPr>
+              <a:t>Edit Master text styles</a:t>
+            </a:r>
+          </a:p>
+        </p:txBody>
+      </p:sp>
+      <p:sp>
+        <p:nvSpPr>
+          <p:cNvPr id="6" name="Content Placeholder 5"/>
           <p:cNvSpPr>
             <a:spLocks noGrp="1"/>
           </p:cNvSpPr>
@@ -2398,8 +2199,8 @@
         </p:nvSpPr>
         <p:spPr>
           <a:xfrm>
-            <a:off x="6172200" y="2505075"/>
-            <a:ext cx="5183188" cy="3684588"/>
+            <a:off x="6172201" y="3006090"/>
+            <a:ext cx="5183188" cy="4421506"/>
           </a:xfrm>
         </p:spPr>
         <p:txBody>
@@ -2409,7 +2210,7 @@
             <a:pPr lvl="0"/>
             <a:r>
               <a:rPr lang="en-US"/>
-              <a:t>Click to edit Master text styles</a:t>
+              <a:t>Edit Master text styles</a:t>
             </a:r>
           </a:p>
           <a:p>
@@ -2439,18 +2240,13 @@
               <a:rPr lang="en-US"/>
               <a:t>Fifth level</a:t>
             </a:r>
-          </a:p>
-        </p:txBody>
-      </p:sp>
-      <p:sp>
-        <p:nvSpPr>
-          <p:cNvPr id="7" name="Date Placeholder 6">
-            <a:extLst>
-              <a:ext uri="{FF2B5EF4-FFF2-40B4-BE49-F238E27FC236}">
-                <a16:creationId xmlns:a16="http://schemas.microsoft.com/office/drawing/2014/main" id="{ACB1BAF1-EE24-0D47-9BC8-ED6867592ED2}"/>
-              </a:ext>
-            </a:extLst>
-          </p:cNvPr>
+            <a:endParaRPr lang="en-US" dirty="0"/>
+          </a:p>
+        </p:txBody>
+      </p:sp>
+      <p:sp>
+        <p:nvSpPr>
+          <p:cNvPr id="7" name="Date Placeholder 6"/>
           <p:cNvSpPr>
             <a:spLocks noGrp="1"/>
           </p:cNvSpPr>
@@ -2465,7 +2261,7 @@
           <a:p>
             <a:fld id="{F55C447A-44A3-5F49-B3D4-7D25A8EEBE0E}" type="datetimeFigureOut">
               <a:rPr lang="en-US" smtClean="0"/>
-              <a:t>8/6/2021</a:t>
+              <a:t>8/13/2021</a:t>
             </a:fld>
             <a:endParaRPr lang="en-US"/>
           </a:p>
@@ -2473,13 +2269,7 @@
       </p:sp>
       <p:sp>
         <p:nvSpPr>
-          <p:cNvPr id="8" name="Footer Placeholder 7">
-            <a:extLst>
-              <a:ext uri="{FF2B5EF4-FFF2-40B4-BE49-F238E27FC236}">
-                <a16:creationId xmlns:a16="http://schemas.microsoft.com/office/drawing/2014/main" id="{890D6B58-D0E8-FD4F-B0B0-CF0DB7CE7E5F}"/>
-              </a:ext>
-            </a:extLst>
-          </p:cNvPr>
+          <p:cNvPr id="8" name="Footer Placeholder 7"/>
           <p:cNvSpPr>
             <a:spLocks noGrp="1"/>
           </p:cNvSpPr>
@@ -2498,13 +2288,7 @@
       </p:sp>
       <p:sp>
         <p:nvSpPr>
-          <p:cNvPr id="9" name="Slide Number Placeholder 8">
-            <a:extLst>
-              <a:ext uri="{FF2B5EF4-FFF2-40B4-BE49-F238E27FC236}">
-                <a16:creationId xmlns:a16="http://schemas.microsoft.com/office/drawing/2014/main" id="{141C4C0C-5A3B-D440-9491-B40DEB3B1A22}"/>
-              </a:ext>
-            </a:extLst>
-          </p:cNvPr>
+          <p:cNvPr id="9" name="Slide Number Placeholder 8"/>
           <p:cNvSpPr>
             <a:spLocks noGrp="1"/>
           </p:cNvSpPr>
@@ -2528,7 +2312,7 @@
     </p:spTree>
     <p:extLst>
       <p:ext uri="{BB962C8B-B14F-4D97-AF65-F5344CB8AC3E}">
-        <p14:creationId xmlns:p14="http://schemas.microsoft.com/office/powerpoint/2010/main" val="2755376426"/>
+        <p14:creationId xmlns:p14="http://schemas.microsoft.com/office/powerpoint/2010/main" val="3867136514"/>
       </p:ext>
     </p:extLst>
   </p:cSld>
@@ -2557,13 +2341,7 @@
       </p:grpSpPr>
       <p:sp>
         <p:nvSpPr>
-          <p:cNvPr id="2" name="Title 1">
-            <a:extLst>
-              <a:ext uri="{FF2B5EF4-FFF2-40B4-BE49-F238E27FC236}">
-                <a16:creationId xmlns:a16="http://schemas.microsoft.com/office/drawing/2014/main" id="{EE011310-3696-204C-8258-564547E82303}"/>
-              </a:ext>
-            </a:extLst>
-          </p:cNvPr>
+          <p:cNvPr id="2" name="Title 1"/>
           <p:cNvSpPr>
             <a:spLocks noGrp="1"/>
           </p:cNvSpPr>
@@ -2580,18 +2358,13 @@
               <a:rPr lang="en-US"/>
               <a:t>Click to edit Master title style</a:t>
             </a:r>
-          </a:p>
-        </p:txBody>
-      </p:sp>
-      <p:sp>
-        <p:nvSpPr>
-          <p:cNvPr id="3" name="Date Placeholder 2">
-            <a:extLst>
-              <a:ext uri="{FF2B5EF4-FFF2-40B4-BE49-F238E27FC236}">
-                <a16:creationId xmlns:a16="http://schemas.microsoft.com/office/drawing/2014/main" id="{5016C32C-0D74-2944-B791-210B79597A6D}"/>
-              </a:ext>
-            </a:extLst>
-          </p:cNvPr>
+            <a:endParaRPr lang="en-US" dirty="0"/>
+          </a:p>
+        </p:txBody>
+      </p:sp>
+      <p:sp>
+        <p:nvSpPr>
+          <p:cNvPr id="3" name="Date Placeholder 2"/>
           <p:cNvSpPr>
             <a:spLocks noGrp="1"/>
           </p:cNvSpPr>
@@ -2606,7 +2379,7 @@
           <a:p>
             <a:fld id="{F55C447A-44A3-5F49-B3D4-7D25A8EEBE0E}" type="datetimeFigureOut">
               <a:rPr lang="en-US" smtClean="0"/>
-              <a:t>8/6/2021</a:t>
+              <a:t>8/13/2021</a:t>
             </a:fld>
             <a:endParaRPr lang="en-US"/>
           </a:p>
@@ -2614,13 +2387,7 @@
       </p:sp>
       <p:sp>
         <p:nvSpPr>
-          <p:cNvPr id="4" name="Footer Placeholder 3">
-            <a:extLst>
-              <a:ext uri="{FF2B5EF4-FFF2-40B4-BE49-F238E27FC236}">
-                <a16:creationId xmlns:a16="http://schemas.microsoft.com/office/drawing/2014/main" id="{C512CC75-76D1-2E42-AAF8-CF2DA7112447}"/>
-              </a:ext>
-            </a:extLst>
-          </p:cNvPr>
+          <p:cNvPr id="4" name="Footer Placeholder 3"/>
           <p:cNvSpPr>
             <a:spLocks noGrp="1"/>
           </p:cNvSpPr>
@@ -2639,13 +2406,7 @@
       </p:sp>
       <p:sp>
         <p:nvSpPr>
-          <p:cNvPr id="5" name="Slide Number Placeholder 4">
-            <a:extLst>
-              <a:ext uri="{FF2B5EF4-FFF2-40B4-BE49-F238E27FC236}">
-                <a16:creationId xmlns:a16="http://schemas.microsoft.com/office/drawing/2014/main" id="{7630DB42-F26C-134E-B5AF-3A6FD0CEFA86}"/>
-              </a:ext>
-            </a:extLst>
-          </p:cNvPr>
+          <p:cNvPr id="5" name="Slide Number Placeholder 4"/>
           <p:cNvSpPr>
             <a:spLocks noGrp="1"/>
           </p:cNvSpPr>
@@ -2669,7 +2430,7 @@
     </p:spTree>
     <p:extLst>
       <p:ext uri="{BB962C8B-B14F-4D97-AF65-F5344CB8AC3E}">
-        <p14:creationId xmlns:p14="http://schemas.microsoft.com/office/powerpoint/2010/main" val="1724329104"/>
+        <p14:creationId xmlns:p14="http://schemas.microsoft.com/office/powerpoint/2010/main" val="1824093644"/>
       </p:ext>
     </p:extLst>
   </p:cSld>
@@ -2698,13 +2459,7 @@
       </p:grpSpPr>
       <p:sp>
         <p:nvSpPr>
-          <p:cNvPr id="2" name="Date Placeholder 1">
-            <a:extLst>
-              <a:ext uri="{FF2B5EF4-FFF2-40B4-BE49-F238E27FC236}">
-                <a16:creationId xmlns:a16="http://schemas.microsoft.com/office/drawing/2014/main" id="{5FE8B3FB-448F-7842-A5DA-1E8B9B6D3CF0}"/>
-              </a:ext>
-            </a:extLst>
-          </p:cNvPr>
+          <p:cNvPr id="2" name="Date Placeholder 1"/>
           <p:cNvSpPr>
             <a:spLocks noGrp="1"/>
           </p:cNvSpPr>
@@ -2719,7 +2474,7 @@
           <a:p>
             <a:fld id="{F55C447A-44A3-5F49-B3D4-7D25A8EEBE0E}" type="datetimeFigureOut">
               <a:rPr lang="en-US" smtClean="0"/>
-              <a:t>8/6/2021</a:t>
+              <a:t>8/13/2021</a:t>
             </a:fld>
             <a:endParaRPr lang="en-US"/>
           </a:p>
@@ -2727,13 +2482,7 @@
       </p:sp>
       <p:sp>
         <p:nvSpPr>
-          <p:cNvPr id="3" name="Footer Placeholder 2">
-            <a:extLst>
-              <a:ext uri="{FF2B5EF4-FFF2-40B4-BE49-F238E27FC236}">
-                <a16:creationId xmlns:a16="http://schemas.microsoft.com/office/drawing/2014/main" id="{319FA6F1-2416-D041-86CC-3999A8FEFCFF}"/>
-              </a:ext>
-            </a:extLst>
-          </p:cNvPr>
+          <p:cNvPr id="3" name="Footer Placeholder 2"/>
           <p:cNvSpPr>
             <a:spLocks noGrp="1"/>
           </p:cNvSpPr>
@@ -2752,13 +2501,7 @@
       </p:sp>
       <p:sp>
         <p:nvSpPr>
-          <p:cNvPr id="4" name="Slide Number Placeholder 3">
-            <a:extLst>
-              <a:ext uri="{FF2B5EF4-FFF2-40B4-BE49-F238E27FC236}">
-                <a16:creationId xmlns:a16="http://schemas.microsoft.com/office/drawing/2014/main" id="{0437C1D1-442C-1E40-ABC9-4A45851D4272}"/>
-              </a:ext>
-            </a:extLst>
-          </p:cNvPr>
+          <p:cNvPr id="4" name="Slide Number Placeholder 3"/>
           <p:cNvSpPr>
             <a:spLocks noGrp="1"/>
           </p:cNvSpPr>
@@ -2782,7 +2525,7 @@
     </p:spTree>
     <p:extLst>
       <p:ext uri="{BB962C8B-B14F-4D97-AF65-F5344CB8AC3E}">
-        <p14:creationId xmlns:p14="http://schemas.microsoft.com/office/powerpoint/2010/main" val="3951985111"/>
+        <p14:creationId xmlns:p14="http://schemas.microsoft.com/office/powerpoint/2010/main" val="3290814680"/>
       </p:ext>
     </p:extLst>
   </p:cSld>
@@ -2811,13 +2554,7 @@
       </p:grpSpPr>
       <p:sp>
         <p:nvSpPr>
-          <p:cNvPr id="2" name="Title 1">
-            <a:extLst>
-              <a:ext uri="{FF2B5EF4-FFF2-40B4-BE49-F238E27FC236}">
-                <a16:creationId xmlns:a16="http://schemas.microsoft.com/office/drawing/2014/main" id="{5B78231B-C8A5-A647-9FC9-AE44E175BC30}"/>
-              </a:ext>
-            </a:extLst>
-          </p:cNvPr>
+          <p:cNvPr id="2" name="Title 1"/>
           <p:cNvSpPr>
             <a:spLocks noGrp="1"/>
           </p:cNvSpPr>
@@ -2827,15 +2564,15 @@
         </p:nvSpPr>
         <p:spPr>
           <a:xfrm>
-            <a:off x="839788" y="457200"/>
-            <a:ext cx="3932237" cy="1600200"/>
+            <a:off x="839788" y="548640"/>
+            <a:ext cx="3932237" cy="1920240"/>
           </a:xfrm>
         </p:spPr>
         <p:txBody>
           <a:bodyPr anchor="b"/>
           <a:lstStyle>
             <a:lvl1pPr>
-              <a:defRPr sz="3200"/>
+              <a:defRPr sz="3840"/>
             </a:lvl1pPr>
           </a:lstStyle>
           <a:p>
@@ -2843,18 +2580,13 @@
               <a:rPr lang="en-US"/>
               <a:t>Click to edit Master title style</a:t>
             </a:r>
-          </a:p>
-        </p:txBody>
-      </p:sp>
-      <p:sp>
-        <p:nvSpPr>
-          <p:cNvPr id="3" name="Content Placeholder 2">
-            <a:extLst>
-              <a:ext uri="{FF2B5EF4-FFF2-40B4-BE49-F238E27FC236}">
-                <a16:creationId xmlns:a16="http://schemas.microsoft.com/office/drawing/2014/main" id="{DECE3FD8-A8EF-554A-A00F-4436AFBBB7F2}"/>
-              </a:ext>
-            </a:extLst>
-          </p:cNvPr>
+            <a:endParaRPr lang="en-US" dirty="0"/>
+          </a:p>
+        </p:txBody>
+      </p:sp>
+      <p:sp>
+        <p:nvSpPr>
+          <p:cNvPr id="3" name="Content Placeholder 2"/>
           <p:cNvSpPr>
             <a:spLocks noGrp="1"/>
           </p:cNvSpPr>
@@ -2864,46 +2596,46 @@
         </p:nvSpPr>
         <p:spPr>
           <a:xfrm>
-            <a:off x="5183188" y="987425"/>
-            <a:ext cx="6172200" cy="4873625"/>
+            <a:off x="5183188" y="1184912"/>
+            <a:ext cx="6172200" cy="5848350"/>
           </a:xfrm>
         </p:spPr>
         <p:txBody>
           <a:bodyPr/>
           <a:lstStyle>
             <a:lvl1pPr>
-              <a:defRPr sz="3200"/>
+              <a:defRPr sz="3840"/>
             </a:lvl1pPr>
             <a:lvl2pPr>
-              <a:defRPr sz="2800"/>
+              <a:defRPr sz="3360"/>
             </a:lvl2pPr>
             <a:lvl3pPr>
-              <a:defRPr sz="2400"/>
+              <a:defRPr sz="2880"/>
             </a:lvl3pPr>
             <a:lvl4pPr>
-              <a:defRPr sz="2000"/>
+              <a:defRPr sz="2400"/>
             </a:lvl4pPr>
             <a:lvl5pPr>
-              <a:defRPr sz="2000"/>
+              <a:defRPr sz="2400"/>
             </a:lvl5pPr>
             <a:lvl6pPr>
-              <a:defRPr sz="2000"/>
+              <a:defRPr sz="2400"/>
             </a:lvl6pPr>
             <a:lvl7pPr>
-              <a:defRPr sz="2000"/>
+              <a:defRPr sz="2400"/>
             </a:lvl7pPr>
             <a:lvl8pPr>
-              <a:defRPr sz="2000"/>
+              <a:defRPr sz="2400"/>
             </a:lvl8pPr>
             <a:lvl9pPr>
-              <a:defRPr sz="2000"/>
+              <a:defRPr sz="2400"/>
             </a:lvl9pPr>
           </a:lstStyle>
           <a:p>
             <a:pPr lvl="0"/>
             <a:r>
               <a:rPr lang="en-US"/>
-              <a:t>Click to edit Master text styles</a:t>
+              <a:t>Edit Master text styles</a:t>
             </a:r>
           </a:p>
           <a:p>
@@ -2933,18 +2665,13 @@
               <a:rPr lang="en-US"/>
               <a:t>Fifth level</a:t>
             </a:r>
-          </a:p>
-        </p:txBody>
-      </p:sp>
-      <p:sp>
-        <p:nvSpPr>
-          <p:cNvPr id="4" name="Text Placeholder 3">
-            <a:extLst>
-              <a:ext uri="{FF2B5EF4-FFF2-40B4-BE49-F238E27FC236}">
-                <a16:creationId xmlns:a16="http://schemas.microsoft.com/office/drawing/2014/main" id="{DE07ECA8-878B-414B-BE53-C929F2181F99}"/>
-              </a:ext>
-            </a:extLst>
-          </p:cNvPr>
+            <a:endParaRPr lang="en-US" dirty="0"/>
+          </a:p>
+        </p:txBody>
+      </p:sp>
+      <p:sp>
+        <p:nvSpPr>
+          <p:cNvPr id="4" name="Text Placeholder 3"/>
           <p:cNvSpPr>
             <a:spLocks noGrp="1"/>
           </p:cNvSpPr>
@@ -2954,8 +2681,8 @@
         </p:nvSpPr>
         <p:spPr>
           <a:xfrm>
-            <a:off x="839788" y="2057400"/>
-            <a:ext cx="3932237" cy="3811588"/>
+            <a:off x="839788" y="2468880"/>
+            <a:ext cx="3932237" cy="4573906"/>
           </a:xfrm>
         </p:spPr>
         <p:txBody>
@@ -2963,59 +2690,53 @@
           <a:lstStyle>
             <a:lvl1pPr marL="0" indent="0">
               <a:buNone/>
-              <a:defRPr sz="1600"/>
+              <a:defRPr sz="1920"/>
             </a:lvl1pPr>
-            <a:lvl2pPr marL="457200" indent="0">
+            <a:lvl2pPr marL="548640" indent="0">
               <a:buNone/>
-              <a:defRPr sz="1400"/>
+              <a:defRPr sz="1680"/>
             </a:lvl2pPr>
-            <a:lvl3pPr marL="914400" indent="0">
+            <a:lvl3pPr marL="1097280" indent="0">
+              <a:buNone/>
+              <a:defRPr sz="1440"/>
+            </a:lvl3pPr>
+            <a:lvl4pPr marL="1645920" indent="0">
               <a:buNone/>
               <a:defRPr sz="1200"/>
-            </a:lvl3pPr>
-            <a:lvl4pPr marL="1371600" indent="0">
+            </a:lvl4pPr>
+            <a:lvl5pPr marL="2194560" indent="0">
               <a:buNone/>
-              <a:defRPr sz="1000"/>
-            </a:lvl4pPr>
-            <a:lvl5pPr marL="1828800" indent="0">
+              <a:defRPr sz="1200"/>
+            </a:lvl5pPr>
+            <a:lvl6pPr marL="2743200" indent="0">
               <a:buNone/>
-              <a:defRPr sz="1000"/>
-            </a:lvl5pPr>
-            <a:lvl6pPr marL="2286000" indent="0">
+              <a:defRPr sz="1200"/>
+            </a:lvl6pPr>
+            <a:lvl7pPr marL="3291840" indent="0">
               <a:buNone/>
-              <a:defRPr sz="1000"/>
-            </a:lvl6pPr>
-            <a:lvl7pPr marL="2743200" indent="0">
+              <a:defRPr sz="1200"/>
+            </a:lvl7pPr>
+            <a:lvl8pPr marL="3840480" indent="0">
               <a:buNone/>
-              <a:defRPr sz="1000"/>
-            </a:lvl7pPr>
-            <a:lvl8pPr marL="3200400" indent="0">
+              <a:defRPr sz="1200"/>
+            </a:lvl8pPr>
+            <a:lvl9pPr marL="4389120" indent="0">
               <a:buNone/>
-              <a:defRPr sz="1000"/>
-            </a:lvl8pPr>
-            <a:lvl9pPr marL="3657600" indent="0">
-              <a:buNone/>
-              <a:defRPr sz="1000"/>
+              <a:defRPr sz="1200"/>
             </a:lvl9pPr>
           </a:lstStyle>
           <a:p>
             <a:pPr lvl="0"/>
             <a:r>
               <a:rPr lang="en-US"/>
-              <a:t>Click to edit Master text styles</a:t>
-            </a:r>
-          </a:p>
-        </p:txBody>
-      </p:sp>
-      <p:sp>
-        <p:nvSpPr>
-          <p:cNvPr id="5" name="Date Placeholder 4">
-            <a:extLst>
-              <a:ext uri="{FF2B5EF4-FFF2-40B4-BE49-F238E27FC236}">
-                <a16:creationId xmlns:a16="http://schemas.microsoft.com/office/drawing/2014/main" id="{F9AF6EFC-067F-BC47-89AA-7EC8A5EA5D74}"/>
-              </a:ext>
-            </a:extLst>
-          </p:cNvPr>
+              <a:t>Edit Master text styles</a:t>
+            </a:r>
+          </a:p>
+        </p:txBody>
+      </p:sp>
+      <p:sp>
+        <p:nvSpPr>
+          <p:cNvPr id="5" name="Date Placeholder 4"/>
           <p:cNvSpPr>
             <a:spLocks noGrp="1"/>
           </p:cNvSpPr>
@@ -3030,7 +2751,7 @@
           <a:p>
             <a:fld id="{F55C447A-44A3-5F49-B3D4-7D25A8EEBE0E}" type="datetimeFigureOut">
               <a:rPr lang="en-US" smtClean="0"/>
-              <a:t>8/6/2021</a:t>
+              <a:t>8/13/2021</a:t>
             </a:fld>
             <a:endParaRPr lang="en-US"/>
           </a:p>
@@ -3038,13 +2759,7 @@
       </p:sp>
       <p:sp>
         <p:nvSpPr>
-          <p:cNvPr id="6" name="Footer Placeholder 5">
-            <a:extLst>
-              <a:ext uri="{FF2B5EF4-FFF2-40B4-BE49-F238E27FC236}">
-                <a16:creationId xmlns:a16="http://schemas.microsoft.com/office/drawing/2014/main" id="{C351EE1C-8F22-A741-8E3D-39147AE68DD4}"/>
-              </a:ext>
-            </a:extLst>
-          </p:cNvPr>
+          <p:cNvPr id="6" name="Footer Placeholder 5"/>
           <p:cNvSpPr>
             <a:spLocks noGrp="1"/>
           </p:cNvSpPr>
@@ -3063,13 +2778,7 @@
       </p:sp>
       <p:sp>
         <p:nvSpPr>
-          <p:cNvPr id="7" name="Slide Number Placeholder 6">
-            <a:extLst>
-              <a:ext uri="{FF2B5EF4-FFF2-40B4-BE49-F238E27FC236}">
-                <a16:creationId xmlns:a16="http://schemas.microsoft.com/office/drawing/2014/main" id="{01D4F595-B048-CB4C-8F28-32C9524B675D}"/>
-              </a:ext>
-            </a:extLst>
-          </p:cNvPr>
+          <p:cNvPr id="7" name="Slide Number Placeholder 6"/>
           <p:cNvSpPr>
             <a:spLocks noGrp="1"/>
           </p:cNvSpPr>
@@ -3093,7 +2802,7 @@
     </p:spTree>
     <p:extLst>
       <p:ext uri="{BB962C8B-B14F-4D97-AF65-F5344CB8AC3E}">
-        <p14:creationId xmlns:p14="http://schemas.microsoft.com/office/powerpoint/2010/main" val="1466586699"/>
+        <p14:creationId xmlns:p14="http://schemas.microsoft.com/office/powerpoint/2010/main" val="3468544906"/>
       </p:ext>
     </p:extLst>
   </p:cSld>
@@ -3122,13 +2831,7 @@
       </p:grpSpPr>
       <p:sp>
         <p:nvSpPr>
-          <p:cNvPr id="2" name="Title 1">
-            <a:extLst>
-              <a:ext uri="{FF2B5EF4-FFF2-40B4-BE49-F238E27FC236}">
-                <a16:creationId xmlns:a16="http://schemas.microsoft.com/office/drawing/2014/main" id="{5BF7406B-99B6-9D45-96C5-0D0B82508453}"/>
-              </a:ext>
-            </a:extLst>
-          </p:cNvPr>
+          <p:cNvPr id="2" name="Title 1"/>
           <p:cNvSpPr>
             <a:spLocks noGrp="1"/>
           </p:cNvSpPr>
@@ -3138,15 +2841,15 @@
         </p:nvSpPr>
         <p:spPr>
           <a:xfrm>
-            <a:off x="839788" y="457200"/>
-            <a:ext cx="3932237" cy="1600200"/>
+            <a:off x="839788" y="548640"/>
+            <a:ext cx="3932237" cy="1920240"/>
           </a:xfrm>
         </p:spPr>
         <p:txBody>
           <a:bodyPr anchor="b"/>
           <a:lstStyle>
             <a:lvl1pPr>
-              <a:defRPr sz="3200"/>
+              <a:defRPr sz="3840"/>
             </a:lvl1pPr>
           </a:lstStyle>
           <a:p>
@@ -3154,20 +2857,15 @@
               <a:rPr lang="en-US"/>
               <a:t>Click to edit Master title style</a:t>
             </a:r>
-          </a:p>
-        </p:txBody>
-      </p:sp>
-      <p:sp>
-        <p:nvSpPr>
-          <p:cNvPr id="3" name="Picture Placeholder 2">
-            <a:extLst>
-              <a:ext uri="{FF2B5EF4-FFF2-40B4-BE49-F238E27FC236}">
-                <a16:creationId xmlns:a16="http://schemas.microsoft.com/office/drawing/2014/main" id="{F9C21826-46B2-D549-8971-2042D2B62842}"/>
-              </a:ext>
-            </a:extLst>
-          </p:cNvPr>
+            <a:endParaRPr lang="en-US" dirty="0"/>
+          </a:p>
+        </p:txBody>
+      </p:sp>
+      <p:sp>
+        <p:nvSpPr>
+          <p:cNvPr id="3" name="Picture Placeholder 2"/>
           <p:cNvSpPr>
-            <a:spLocks noGrp="1"/>
+            <a:spLocks noGrp="1" noChangeAspect="1"/>
           </p:cNvSpPr>
           <p:nvPr>
             <p:ph type="pic" idx="1"/>
@@ -3175,8 +2873,73 @@
         </p:nvSpPr>
         <p:spPr>
           <a:xfrm>
-            <a:off x="5183188" y="987425"/>
-            <a:ext cx="6172200" cy="4873625"/>
+            <a:off x="5183188" y="1184912"/>
+            <a:ext cx="6172200" cy="5848350"/>
+          </a:xfrm>
+        </p:spPr>
+        <p:txBody>
+          <a:bodyPr anchor="t"/>
+          <a:lstStyle>
+            <a:lvl1pPr marL="0" indent="0">
+              <a:buNone/>
+              <a:defRPr sz="3840"/>
+            </a:lvl1pPr>
+            <a:lvl2pPr marL="548640" indent="0">
+              <a:buNone/>
+              <a:defRPr sz="3360"/>
+            </a:lvl2pPr>
+            <a:lvl3pPr marL="1097280" indent="0">
+              <a:buNone/>
+              <a:defRPr sz="2880"/>
+            </a:lvl3pPr>
+            <a:lvl4pPr marL="1645920" indent="0">
+              <a:buNone/>
+              <a:defRPr sz="2400"/>
+            </a:lvl4pPr>
+            <a:lvl5pPr marL="2194560" indent="0">
+              <a:buNone/>
+              <a:defRPr sz="2400"/>
+            </a:lvl5pPr>
+            <a:lvl6pPr marL="2743200" indent="0">
+              <a:buNone/>
+              <a:defRPr sz="2400"/>
+            </a:lvl6pPr>
+            <a:lvl7pPr marL="3291840" indent="0">
+              <a:buNone/>
+              <a:defRPr sz="2400"/>
+            </a:lvl7pPr>
+            <a:lvl8pPr marL="3840480" indent="0">
+              <a:buNone/>
+              <a:defRPr sz="2400"/>
+            </a:lvl8pPr>
+            <a:lvl9pPr marL="4389120" indent="0">
+              <a:buNone/>
+              <a:defRPr sz="2400"/>
+            </a:lvl9pPr>
+          </a:lstStyle>
+          <a:p>
+            <a:r>
+              <a:rPr lang="en-US"/>
+              <a:t>Click icon to add picture</a:t>
+            </a:r>
+            <a:endParaRPr lang="en-US" dirty="0"/>
+          </a:p>
+        </p:txBody>
+      </p:sp>
+      <p:sp>
+        <p:nvSpPr>
+          <p:cNvPr id="4" name="Text Placeholder 3"/>
+          <p:cNvSpPr>
+            <a:spLocks noGrp="1"/>
+          </p:cNvSpPr>
+          <p:nvPr>
+            <p:ph type="body" sz="half" idx="2"/>
+          </p:nvPr>
+        </p:nvSpPr>
+        <p:spPr>
+          <a:xfrm>
+            <a:off x="839788" y="2468880"/>
+            <a:ext cx="3932237" cy="4573906"/>
           </a:xfrm>
         </p:spPr>
         <p:txBody>
@@ -3184,126 +2947,53 @@
           <a:lstStyle>
             <a:lvl1pPr marL="0" indent="0">
               <a:buNone/>
-              <a:defRPr sz="3200"/>
+              <a:defRPr sz="1920"/>
             </a:lvl1pPr>
-            <a:lvl2pPr marL="457200" indent="0">
+            <a:lvl2pPr marL="548640" indent="0">
               <a:buNone/>
-              <a:defRPr sz="2800"/>
+              <a:defRPr sz="1680"/>
             </a:lvl2pPr>
-            <a:lvl3pPr marL="914400" indent="0">
+            <a:lvl3pPr marL="1097280" indent="0">
               <a:buNone/>
-              <a:defRPr sz="2400"/>
+              <a:defRPr sz="1440"/>
             </a:lvl3pPr>
-            <a:lvl4pPr marL="1371600" indent="0">
+            <a:lvl4pPr marL="1645920" indent="0">
               <a:buNone/>
-              <a:defRPr sz="2000"/>
+              <a:defRPr sz="1200"/>
             </a:lvl4pPr>
-            <a:lvl5pPr marL="1828800" indent="0">
+            <a:lvl5pPr marL="2194560" indent="0">
               <a:buNone/>
-              <a:defRPr sz="2000"/>
+              <a:defRPr sz="1200"/>
             </a:lvl5pPr>
-            <a:lvl6pPr marL="2286000" indent="0">
+            <a:lvl6pPr marL="2743200" indent="0">
               <a:buNone/>
-              <a:defRPr sz="2000"/>
+              <a:defRPr sz="1200"/>
             </a:lvl6pPr>
-            <a:lvl7pPr marL="2743200" indent="0">
+            <a:lvl7pPr marL="3291840" indent="0">
               <a:buNone/>
-              <a:defRPr sz="2000"/>
+              <a:defRPr sz="1200"/>
             </a:lvl7pPr>
-            <a:lvl8pPr marL="3200400" indent="0">
+            <a:lvl8pPr marL="3840480" indent="0">
               <a:buNone/>
-              <a:defRPr sz="2000"/>
+              <a:defRPr sz="1200"/>
             </a:lvl8pPr>
-            <a:lvl9pPr marL="3657600" indent="0">
+            <a:lvl9pPr marL="4389120" indent="0">
               <a:buNone/>
-              <a:defRPr sz="2000"/>
+              <a:defRPr sz="1200"/>
             </a:lvl9pPr>
           </a:lstStyle>
           <a:p>
-            <a:endParaRPr lang="en-US"/>
-          </a:p>
-        </p:txBody>
-      </p:sp>
-      <p:sp>
-        <p:nvSpPr>
-          <p:cNvPr id="4" name="Text Placeholder 3">
-            <a:extLst>
-              <a:ext uri="{FF2B5EF4-FFF2-40B4-BE49-F238E27FC236}">
-                <a16:creationId xmlns:a16="http://schemas.microsoft.com/office/drawing/2014/main" id="{3FE1E695-4A6A-CE4A-BEDB-FEA6939BFD14}"/>
-              </a:ext>
-            </a:extLst>
-          </p:cNvPr>
-          <p:cNvSpPr>
-            <a:spLocks noGrp="1"/>
-          </p:cNvSpPr>
-          <p:nvPr>
-            <p:ph type="body" sz="half" idx="2"/>
-          </p:nvPr>
-        </p:nvSpPr>
-        <p:spPr>
-          <a:xfrm>
-            <a:off x="839788" y="2057400"/>
-            <a:ext cx="3932237" cy="3811588"/>
-          </a:xfrm>
-        </p:spPr>
-        <p:txBody>
-          <a:bodyPr/>
-          <a:lstStyle>
-            <a:lvl1pPr marL="0" indent="0">
-              <a:buNone/>
-              <a:defRPr sz="1600"/>
-            </a:lvl1pPr>
-            <a:lvl2pPr marL="457200" indent="0">
-              <a:buNone/>
-              <a:defRPr sz="1400"/>
-            </a:lvl2pPr>
-            <a:lvl3pPr marL="914400" indent="0">
-              <a:buNone/>
-              <a:defRPr sz="1200"/>
-            </a:lvl3pPr>
-            <a:lvl4pPr marL="1371600" indent="0">
-              <a:buNone/>
-              <a:defRPr sz="1000"/>
-            </a:lvl4pPr>
-            <a:lvl5pPr marL="1828800" indent="0">
-              <a:buNone/>
-              <a:defRPr sz="1000"/>
-            </a:lvl5pPr>
-            <a:lvl6pPr marL="2286000" indent="0">
-              <a:buNone/>
-              <a:defRPr sz="1000"/>
-            </a:lvl6pPr>
-            <a:lvl7pPr marL="2743200" indent="0">
-              <a:buNone/>
-              <a:defRPr sz="1000"/>
-            </a:lvl7pPr>
-            <a:lvl8pPr marL="3200400" indent="0">
-              <a:buNone/>
-              <a:defRPr sz="1000"/>
-            </a:lvl8pPr>
-            <a:lvl9pPr marL="3657600" indent="0">
-              <a:buNone/>
-              <a:defRPr sz="1000"/>
-            </a:lvl9pPr>
-          </a:lstStyle>
-          <a:p>
             <a:pPr lvl="0"/>
             <a:r>
               <a:rPr lang="en-US"/>
-              <a:t>Click to edit Master text styles</a:t>
-            </a:r>
-          </a:p>
-        </p:txBody>
-      </p:sp>
-      <p:sp>
-        <p:nvSpPr>
-          <p:cNvPr id="5" name="Date Placeholder 4">
-            <a:extLst>
-              <a:ext uri="{FF2B5EF4-FFF2-40B4-BE49-F238E27FC236}">
-                <a16:creationId xmlns:a16="http://schemas.microsoft.com/office/drawing/2014/main" id="{A7BF1610-1BB9-1E4A-B463-3D92F0CFE66D}"/>
-              </a:ext>
-            </a:extLst>
-          </p:cNvPr>
+              <a:t>Edit Master text styles</a:t>
+            </a:r>
+          </a:p>
+        </p:txBody>
+      </p:sp>
+      <p:sp>
+        <p:nvSpPr>
+          <p:cNvPr id="5" name="Date Placeholder 4"/>
           <p:cNvSpPr>
             <a:spLocks noGrp="1"/>
           </p:cNvSpPr>
@@ -3318,7 +3008,7 @@
           <a:p>
             <a:fld id="{F55C447A-44A3-5F49-B3D4-7D25A8EEBE0E}" type="datetimeFigureOut">
               <a:rPr lang="en-US" smtClean="0"/>
-              <a:t>8/6/2021</a:t>
+              <a:t>8/13/2021</a:t>
             </a:fld>
             <a:endParaRPr lang="en-US"/>
           </a:p>
@@ -3326,13 +3016,7 @@
       </p:sp>
       <p:sp>
         <p:nvSpPr>
-          <p:cNvPr id="6" name="Footer Placeholder 5">
-            <a:extLst>
-              <a:ext uri="{FF2B5EF4-FFF2-40B4-BE49-F238E27FC236}">
-                <a16:creationId xmlns:a16="http://schemas.microsoft.com/office/drawing/2014/main" id="{9F860F53-E395-2448-9FF5-A274DAB5A802}"/>
-              </a:ext>
-            </a:extLst>
-          </p:cNvPr>
+          <p:cNvPr id="6" name="Footer Placeholder 5"/>
           <p:cNvSpPr>
             <a:spLocks noGrp="1"/>
           </p:cNvSpPr>
@@ -3351,13 +3035,7 @@
       </p:sp>
       <p:sp>
         <p:nvSpPr>
-          <p:cNvPr id="7" name="Slide Number Placeholder 6">
-            <a:extLst>
-              <a:ext uri="{FF2B5EF4-FFF2-40B4-BE49-F238E27FC236}">
-                <a16:creationId xmlns:a16="http://schemas.microsoft.com/office/drawing/2014/main" id="{EC4351C3-553D-0142-9157-2BE71A167FEE}"/>
-              </a:ext>
-            </a:extLst>
-          </p:cNvPr>
+          <p:cNvPr id="7" name="Slide Number Placeholder 6"/>
           <p:cNvSpPr>
             <a:spLocks noGrp="1"/>
           </p:cNvSpPr>
@@ -3381,7 +3059,7 @@
     </p:spTree>
     <p:extLst>
       <p:ext uri="{BB962C8B-B14F-4D97-AF65-F5344CB8AC3E}">
-        <p14:creationId xmlns:p14="http://schemas.microsoft.com/office/powerpoint/2010/main" val="781131841"/>
+        <p14:creationId xmlns:p14="http://schemas.microsoft.com/office/powerpoint/2010/main" val="3991882732"/>
       </p:ext>
     </p:extLst>
   </p:cSld>
@@ -3415,13 +3093,7 @@
       </p:grpSpPr>
       <p:sp>
         <p:nvSpPr>
-          <p:cNvPr id="2" name="Title Placeholder 1">
-            <a:extLst>
-              <a:ext uri="{FF2B5EF4-FFF2-40B4-BE49-F238E27FC236}">
-                <a16:creationId xmlns:a16="http://schemas.microsoft.com/office/drawing/2014/main" id="{FED1E03F-2BA1-834E-B508-930C64167F79}"/>
-              </a:ext>
-            </a:extLst>
-          </p:cNvPr>
+          <p:cNvPr id="2" name="Title Placeholder 1"/>
           <p:cNvSpPr>
             <a:spLocks noGrp="1"/>
           </p:cNvSpPr>
@@ -3431,8 +3103,8 @@
         </p:nvSpPr>
         <p:spPr>
           <a:xfrm>
-            <a:off x="838200" y="365125"/>
-            <a:ext cx="10515600" cy="1325563"/>
+            <a:off x="838200" y="438152"/>
+            <a:ext cx="10515600" cy="1590676"/>
           </a:xfrm>
           <a:prstGeom prst="rect">
             <a:avLst/>
@@ -3448,18 +3120,13 @@
               <a:rPr lang="en-US"/>
               <a:t>Click to edit Master title style</a:t>
             </a:r>
-          </a:p>
-        </p:txBody>
-      </p:sp>
-      <p:sp>
-        <p:nvSpPr>
-          <p:cNvPr id="3" name="Text Placeholder 2">
-            <a:extLst>
-              <a:ext uri="{FF2B5EF4-FFF2-40B4-BE49-F238E27FC236}">
-                <a16:creationId xmlns:a16="http://schemas.microsoft.com/office/drawing/2014/main" id="{4C673258-9A4E-DD41-99E1-8BEA93D42AE7}"/>
-              </a:ext>
-            </a:extLst>
-          </p:cNvPr>
+            <a:endParaRPr lang="en-US" dirty="0"/>
+          </a:p>
+        </p:txBody>
+      </p:sp>
+      <p:sp>
+        <p:nvSpPr>
+          <p:cNvPr id="3" name="Text Placeholder 2"/>
           <p:cNvSpPr>
             <a:spLocks noGrp="1"/>
           </p:cNvSpPr>
@@ -3469,8 +3136,8 @@
         </p:nvSpPr>
         <p:spPr>
           <a:xfrm>
-            <a:off x="838200" y="1825625"/>
-            <a:ext cx="10515600" cy="4351338"/>
+            <a:off x="838200" y="2190750"/>
+            <a:ext cx="10515600" cy="5221606"/>
           </a:xfrm>
           <a:prstGeom prst="rect">
             <a:avLst/>
@@ -3485,7 +3152,7 @@
             <a:pPr lvl="0"/>
             <a:r>
               <a:rPr lang="en-US"/>
-              <a:t>Click to edit Master text styles</a:t>
+              <a:t>Edit Master text styles</a:t>
             </a:r>
           </a:p>
           <a:p>
@@ -3515,18 +3182,13 @@
               <a:rPr lang="en-US"/>
               <a:t>Fifth level</a:t>
             </a:r>
-          </a:p>
-        </p:txBody>
-      </p:sp>
-      <p:sp>
-        <p:nvSpPr>
-          <p:cNvPr id="4" name="Date Placeholder 3">
-            <a:extLst>
-              <a:ext uri="{FF2B5EF4-FFF2-40B4-BE49-F238E27FC236}">
-                <a16:creationId xmlns:a16="http://schemas.microsoft.com/office/drawing/2014/main" id="{D6F29D1D-4745-8443-AF34-29D206AB0A78}"/>
-              </a:ext>
-            </a:extLst>
-          </p:cNvPr>
+            <a:endParaRPr lang="en-US" dirty="0"/>
+          </a:p>
+        </p:txBody>
+      </p:sp>
+      <p:sp>
+        <p:nvSpPr>
+          <p:cNvPr id="4" name="Date Placeholder 3"/>
           <p:cNvSpPr>
             <a:spLocks noGrp="1"/>
           </p:cNvSpPr>
@@ -3536,8 +3198,8 @@
         </p:nvSpPr>
         <p:spPr>
           <a:xfrm>
-            <a:off x="838200" y="6356350"/>
-            <a:ext cx="2743200" cy="365125"/>
+            <a:off x="838200" y="7627622"/>
+            <a:ext cx="2743200" cy="438150"/>
           </a:xfrm>
           <a:prstGeom prst="rect">
             <a:avLst/>
@@ -3547,7 +3209,7 @@
           <a:bodyPr vert="horz" lIns="91440" tIns="45720" rIns="91440" bIns="45720" rtlCol="0" anchor="ctr"/>
           <a:lstStyle>
             <a:lvl1pPr algn="l">
-              <a:defRPr sz="1200">
+              <a:defRPr sz="1440">
                 <a:solidFill>
                   <a:schemeClr val="tx1">
                     <a:tint val="75000"/>
@@ -3559,7 +3221,7 @@
           <a:p>
             <a:fld id="{F55C447A-44A3-5F49-B3D4-7D25A8EEBE0E}" type="datetimeFigureOut">
               <a:rPr lang="en-US" smtClean="0"/>
-              <a:t>8/6/2021</a:t>
+              <a:t>8/13/2021</a:t>
             </a:fld>
             <a:endParaRPr lang="en-US"/>
           </a:p>
@@ -3567,13 +3229,7 @@
       </p:sp>
       <p:sp>
         <p:nvSpPr>
-          <p:cNvPr id="5" name="Footer Placeholder 4">
-            <a:extLst>
-              <a:ext uri="{FF2B5EF4-FFF2-40B4-BE49-F238E27FC236}">
-                <a16:creationId xmlns:a16="http://schemas.microsoft.com/office/drawing/2014/main" id="{5C1F093C-C328-CB47-ABDC-729F26F902CC}"/>
-              </a:ext>
-            </a:extLst>
-          </p:cNvPr>
+          <p:cNvPr id="5" name="Footer Placeholder 4"/>
           <p:cNvSpPr>
             <a:spLocks noGrp="1"/>
           </p:cNvSpPr>
@@ -3583,8 +3239,8 @@
         </p:nvSpPr>
         <p:spPr>
           <a:xfrm>
-            <a:off x="4038600" y="6356350"/>
-            <a:ext cx="4114800" cy="365125"/>
+            <a:off x="4038600" y="7627622"/>
+            <a:ext cx="4114800" cy="438150"/>
           </a:xfrm>
           <a:prstGeom prst="rect">
             <a:avLst/>
@@ -3594,7 +3250,7 @@
           <a:bodyPr vert="horz" lIns="91440" tIns="45720" rIns="91440" bIns="45720" rtlCol="0" anchor="ctr"/>
           <a:lstStyle>
             <a:lvl1pPr algn="ctr">
-              <a:defRPr sz="1200">
+              <a:defRPr sz="1440">
                 <a:solidFill>
                   <a:schemeClr val="tx1">
                     <a:tint val="75000"/>
@@ -3610,13 +3266,7 @@
       </p:sp>
       <p:sp>
         <p:nvSpPr>
-          <p:cNvPr id="6" name="Slide Number Placeholder 5">
-            <a:extLst>
-              <a:ext uri="{FF2B5EF4-FFF2-40B4-BE49-F238E27FC236}">
-                <a16:creationId xmlns:a16="http://schemas.microsoft.com/office/drawing/2014/main" id="{61D127C4-653C-504E-A45B-B22993338C0E}"/>
-              </a:ext>
-            </a:extLst>
-          </p:cNvPr>
+          <p:cNvPr id="6" name="Slide Number Placeholder 5"/>
           <p:cNvSpPr>
             <a:spLocks noGrp="1"/>
           </p:cNvSpPr>
@@ -3626,8 +3276,8 @@
         </p:nvSpPr>
         <p:spPr>
           <a:xfrm>
-            <a:off x="8610600" y="6356350"/>
-            <a:ext cx="2743200" cy="365125"/>
+            <a:off x="8610600" y="7627622"/>
+            <a:ext cx="2743200" cy="438150"/>
           </a:xfrm>
           <a:prstGeom prst="rect">
             <a:avLst/>
@@ -3637,7 +3287,7 @@
           <a:bodyPr vert="horz" lIns="91440" tIns="45720" rIns="91440" bIns="45720" rtlCol="0" anchor="ctr"/>
           <a:lstStyle>
             <a:lvl1pPr algn="r">
-              <a:defRPr sz="1200">
+              <a:defRPr sz="1440">
                 <a:solidFill>
                   <a:schemeClr val="tx1">
                     <a:tint val="75000"/>
@@ -3658,28 +3308,28 @@
     </p:spTree>
     <p:extLst>
       <p:ext uri="{BB962C8B-B14F-4D97-AF65-F5344CB8AC3E}">
-        <p14:creationId xmlns:p14="http://schemas.microsoft.com/office/powerpoint/2010/main" val="3640692630"/>
+        <p14:creationId xmlns:p14="http://schemas.microsoft.com/office/powerpoint/2010/main" val="2875342965"/>
       </p:ext>
     </p:extLst>
   </p:cSld>
   <p:clrMap bg1="lt1" tx1="dk1" bg2="lt2" tx2="dk2" accent1="accent1" accent2="accent2" accent3="accent3" accent4="accent4" accent5="accent5" accent6="accent6" hlink="hlink" folHlink="folHlink"/>
   <p:sldLayoutIdLst>
-    <p:sldLayoutId id="2147483649" r:id="rId1"/>
-    <p:sldLayoutId id="2147483650" r:id="rId2"/>
-    <p:sldLayoutId id="2147483651" r:id="rId3"/>
-    <p:sldLayoutId id="2147483652" r:id="rId4"/>
-    <p:sldLayoutId id="2147483653" r:id="rId5"/>
-    <p:sldLayoutId id="2147483654" r:id="rId6"/>
-    <p:sldLayoutId id="2147483655" r:id="rId7"/>
-    <p:sldLayoutId id="2147483656" r:id="rId8"/>
-    <p:sldLayoutId id="2147483657" r:id="rId9"/>
-    <p:sldLayoutId id="2147483658" r:id="rId10"/>
-    <p:sldLayoutId id="2147483659" r:id="rId11"/>
-    <p:sldLayoutId id="2147483660" r:id="rId12"/>
+    <p:sldLayoutId id="2147483701" r:id="rId1"/>
+    <p:sldLayoutId id="2147483702" r:id="rId2"/>
+    <p:sldLayoutId id="2147483703" r:id="rId3"/>
+    <p:sldLayoutId id="2147483704" r:id="rId4"/>
+    <p:sldLayoutId id="2147483705" r:id="rId5"/>
+    <p:sldLayoutId id="2147483706" r:id="rId6"/>
+    <p:sldLayoutId id="2147483707" r:id="rId7"/>
+    <p:sldLayoutId id="2147483708" r:id="rId8"/>
+    <p:sldLayoutId id="2147483709" r:id="rId9"/>
+    <p:sldLayoutId id="2147483710" r:id="rId10"/>
+    <p:sldLayoutId id="2147483711" r:id="rId11"/>
+    <p:sldLayoutId id="2147483712" r:id="rId12"/>
   </p:sldLayoutIdLst>
   <p:txStyles>
     <p:titleStyle>
-      <a:lvl1pPr algn="l" defTabSz="914400" rtl="0" eaLnBrk="1" latinLnBrk="0" hangingPunct="1">
+      <a:lvl1pPr algn="l" defTabSz="1097280" rtl="0" eaLnBrk="1" latinLnBrk="0" hangingPunct="1">
         <a:lnSpc>
           <a:spcPct val="90000"/>
         </a:lnSpc>
@@ -3687,7 +3337,7 @@
           <a:spcPct val="0"/>
         </a:spcBef>
         <a:buNone/>
-        <a:defRPr sz="4400" kern="1200">
+        <a:defRPr sz="5280" kern="1200">
           <a:solidFill>
             <a:schemeClr val="tx1"/>
           </a:solidFill>
@@ -3698,16 +3348,16 @@
       </a:lvl1pPr>
     </p:titleStyle>
     <p:bodyStyle>
-      <a:lvl1pPr marL="228600" indent="-228600" algn="l" defTabSz="914400" rtl="0" eaLnBrk="1" latinLnBrk="0" hangingPunct="1">
+      <a:lvl1pPr marL="274320" indent="-274320" algn="l" defTabSz="1097280" rtl="0" eaLnBrk="1" latinLnBrk="0" hangingPunct="1">
         <a:lnSpc>
           <a:spcPct val="90000"/>
         </a:lnSpc>
         <a:spcBef>
-          <a:spcPts val="1000"/>
+          <a:spcPts val="1200"/>
         </a:spcBef>
         <a:buFont typeface="Arial" panose="020B0604020202020204" pitchFamily="34" charset="0"/>
         <a:buChar char="•"/>
-        <a:defRPr sz="2800" kern="1200">
+        <a:defRPr sz="3360" kern="1200">
           <a:solidFill>
             <a:schemeClr val="tx1"/>
           </a:solidFill>
@@ -3716,12 +3366,30 @@
           <a:cs typeface="+mn-cs"/>
         </a:defRPr>
       </a:lvl1pPr>
-      <a:lvl2pPr marL="685800" indent="-228600" algn="l" defTabSz="914400" rtl="0" eaLnBrk="1" latinLnBrk="0" hangingPunct="1">
+      <a:lvl2pPr marL="822960" indent="-274320" algn="l" defTabSz="1097280" rtl="0" eaLnBrk="1" latinLnBrk="0" hangingPunct="1">
         <a:lnSpc>
           <a:spcPct val="90000"/>
         </a:lnSpc>
         <a:spcBef>
-          <a:spcPts val="500"/>
+          <a:spcPts val="600"/>
+        </a:spcBef>
+        <a:buFont typeface="Arial" panose="020B0604020202020204" pitchFamily="34" charset="0"/>
+        <a:buChar char="•"/>
+        <a:defRPr sz="2880" kern="1200">
+          <a:solidFill>
+            <a:schemeClr val="tx1"/>
+          </a:solidFill>
+          <a:latin typeface="+mn-lt"/>
+          <a:ea typeface="+mn-ea"/>
+          <a:cs typeface="+mn-cs"/>
+        </a:defRPr>
+      </a:lvl2pPr>
+      <a:lvl3pPr marL="1371600" indent="-274320" algn="l" defTabSz="1097280" rtl="0" eaLnBrk="1" latinLnBrk="0" hangingPunct="1">
+        <a:lnSpc>
+          <a:spcPct val="90000"/>
+        </a:lnSpc>
+        <a:spcBef>
+          <a:spcPts val="600"/>
         </a:spcBef>
         <a:buFont typeface="Arial" panose="020B0604020202020204" pitchFamily="34" charset="0"/>
         <a:buChar char="•"/>
@@ -3733,35 +3401,17 @@
           <a:ea typeface="+mn-ea"/>
           <a:cs typeface="+mn-cs"/>
         </a:defRPr>
-      </a:lvl2pPr>
-      <a:lvl3pPr marL="1143000" indent="-228600" algn="l" defTabSz="914400" rtl="0" eaLnBrk="1" latinLnBrk="0" hangingPunct="1">
+      </a:lvl3pPr>
+      <a:lvl4pPr marL="1920240" indent="-274320" algn="l" defTabSz="1097280" rtl="0" eaLnBrk="1" latinLnBrk="0" hangingPunct="1">
         <a:lnSpc>
           <a:spcPct val="90000"/>
         </a:lnSpc>
         <a:spcBef>
-          <a:spcPts val="500"/>
+          <a:spcPts val="600"/>
         </a:spcBef>
         <a:buFont typeface="Arial" panose="020B0604020202020204" pitchFamily="34" charset="0"/>
         <a:buChar char="•"/>
-        <a:defRPr sz="2000" kern="1200">
-          <a:solidFill>
-            <a:schemeClr val="tx1"/>
-          </a:solidFill>
-          <a:latin typeface="+mn-lt"/>
-          <a:ea typeface="+mn-ea"/>
-          <a:cs typeface="+mn-cs"/>
-        </a:defRPr>
-      </a:lvl3pPr>
-      <a:lvl4pPr marL="1600200" indent="-228600" algn="l" defTabSz="914400" rtl="0" eaLnBrk="1" latinLnBrk="0" hangingPunct="1">
-        <a:lnSpc>
-          <a:spcPct val="90000"/>
-        </a:lnSpc>
-        <a:spcBef>
-          <a:spcPts val="500"/>
-        </a:spcBef>
-        <a:buFont typeface="Arial" panose="020B0604020202020204" pitchFamily="34" charset="0"/>
-        <a:buChar char="•"/>
-        <a:defRPr sz="1800" kern="1200">
+        <a:defRPr sz="2160" kern="1200">
           <a:solidFill>
             <a:schemeClr val="tx1"/>
           </a:solidFill>
@@ -3770,16 +3420,16 @@
           <a:cs typeface="+mn-cs"/>
         </a:defRPr>
       </a:lvl4pPr>
-      <a:lvl5pPr marL="2057400" indent="-228600" algn="l" defTabSz="914400" rtl="0" eaLnBrk="1" latinLnBrk="0" hangingPunct="1">
+      <a:lvl5pPr marL="2468880" indent="-274320" algn="l" defTabSz="1097280" rtl="0" eaLnBrk="1" latinLnBrk="0" hangingPunct="1">
         <a:lnSpc>
           <a:spcPct val="90000"/>
         </a:lnSpc>
         <a:spcBef>
-          <a:spcPts val="500"/>
+          <a:spcPts val="600"/>
         </a:spcBef>
         <a:buFont typeface="Arial" panose="020B0604020202020204" pitchFamily="34" charset="0"/>
         <a:buChar char="•"/>
-        <a:defRPr sz="1800" kern="1200">
+        <a:defRPr sz="2160" kern="1200">
           <a:solidFill>
             <a:schemeClr val="tx1"/>
           </a:solidFill>
@@ -3788,16 +3438,16 @@
           <a:cs typeface="+mn-cs"/>
         </a:defRPr>
       </a:lvl5pPr>
-      <a:lvl6pPr marL="2514600" indent="-228600" algn="l" defTabSz="914400" rtl="0" eaLnBrk="1" latinLnBrk="0" hangingPunct="1">
+      <a:lvl6pPr marL="3017520" indent="-274320" algn="l" defTabSz="1097280" rtl="0" eaLnBrk="1" latinLnBrk="0" hangingPunct="1">
         <a:lnSpc>
           <a:spcPct val="90000"/>
         </a:lnSpc>
         <a:spcBef>
-          <a:spcPts val="500"/>
+          <a:spcPts val="600"/>
         </a:spcBef>
         <a:buFont typeface="Arial" panose="020B0604020202020204" pitchFamily="34" charset="0"/>
         <a:buChar char="•"/>
-        <a:defRPr sz="1800" kern="1200">
+        <a:defRPr sz="2160" kern="1200">
           <a:solidFill>
             <a:schemeClr val="tx1"/>
           </a:solidFill>
@@ -3806,16 +3456,16 @@
           <a:cs typeface="+mn-cs"/>
         </a:defRPr>
       </a:lvl6pPr>
-      <a:lvl7pPr marL="2971800" indent="-228600" algn="l" defTabSz="914400" rtl="0" eaLnBrk="1" latinLnBrk="0" hangingPunct="1">
+      <a:lvl7pPr marL="3566160" indent="-274320" algn="l" defTabSz="1097280" rtl="0" eaLnBrk="1" latinLnBrk="0" hangingPunct="1">
         <a:lnSpc>
           <a:spcPct val="90000"/>
         </a:lnSpc>
         <a:spcBef>
-          <a:spcPts val="500"/>
+          <a:spcPts val="600"/>
         </a:spcBef>
         <a:buFont typeface="Arial" panose="020B0604020202020204" pitchFamily="34" charset="0"/>
         <a:buChar char="•"/>
-        <a:defRPr sz="1800" kern="1200">
+        <a:defRPr sz="2160" kern="1200">
           <a:solidFill>
             <a:schemeClr val="tx1"/>
           </a:solidFill>
@@ -3824,16 +3474,16 @@
           <a:cs typeface="+mn-cs"/>
         </a:defRPr>
       </a:lvl7pPr>
-      <a:lvl8pPr marL="3429000" indent="-228600" algn="l" defTabSz="914400" rtl="0" eaLnBrk="1" latinLnBrk="0" hangingPunct="1">
+      <a:lvl8pPr marL="4114800" indent="-274320" algn="l" defTabSz="1097280" rtl="0" eaLnBrk="1" latinLnBrk="0" hangingPunct="1">
         <a:lnSpc>
           <a:spcPct val="90000"/>
         </a:lnSpc>
         <a:spcBef>
-          <a:spcPts val="500"/>
+          <a:spcPts val="600"/>
         </a:spcBef>
         <a:buFont typeface="Arial" panose="020B0604020202020204" pitchFamily="34" charset="0"/>
         <a:buChar char="•"/>
-        <a:defRPr sz="1800" kern="1200">
+        <a:defRPr sz="2160" kern="1200">
           <a:solidFill>
             <a:schemeClr val="tx1"/>
           </a:solidFill>
@@ -3842,16 +3492,16 @@
           <a:cs typeface="+mn-cs"/>
         </a:defRPr>
       </a:lvl8pPr>
-      <a:lvl9pPr marL="3886200" indent="-228600" algn="l" defTabSz="914400" rtl="0" eaLnBrk="1" latinLnBrk="0" hangingPunct="1">
+      <a:lvl9pPr marL="4663440" indent="-274320" algn="l" defTabSz="1097280" rtl="0" eaLnBrk="1" latinLnBrk="0" hangingPunct="1">
         <a:lnSpc>
           <a:spcPct val="90000"/>
         </a:lnSpc>
         <a:spcBef>
-          <a:spcPts val="500"/>
+          <a:spcPts val="600"/>
         </a:spcBef>
         <a:buFont typeface="Arial" panose="020B0604020202020204" pitchFamily="34" charset="0"/>
         <a:buChar char="•"/>
-        <a:defRPr sz="1800" kern="1200">
+        <a:defRPr sz="2160" kern="1200">
           <a:solidFill>
             <a:schemeClr val="tx1"/>
           </a:solidFill>
@@ -3865,8 +3515,8 @@
       <a:defPPr>
         <a:defRPr lang="en-US"/>
       </a:defPPr>
-      <a:lvl1pPr marL="0" algn="l" defTabSz="914400" rtl="0" eaLnBrk="1" latinLnBrk="0" hangingPunct="1">
-        <a:defRPr sz="1800" kern="1200">
+      <a:lvl1pPr marL="0" algn="l" defTabSz="1097280" rtl="0" eaLnBrk="1" latinLnBrk="0" hangingPunct="1">
+        <a:defRPr sz="2160" kern="1200">
           <a:solidFill>
             <a:schemeClr val="tx1"/>
           </a:solidFill>
@@ -3875,8 +3525,8 @@
           <a:cs typeface="+mn-cs"/>
         </a:defRPr>
       </a:lvl1pPr>
-      <a:lvl2pPr marL="457200" algn="l" defTabSz="914400" rtl="0" eaLnBrk="1" latinLnBrk="0" hangingPunct="1">
-        <a:defRPr sz="1800" kern="1200">
+      <a:lvl2pPr marL="548640" algn="l" defTabSz="1097280" rtl="0" eaLnBrk="1" latinLnBrk="0" hangingPunct="1">
+        <a:defRPr sz="2160" kern="1200">
           <a:solidFill>
             <a:schemeClr val="tx1"/>
           </a:solidFill>
@@ -3885,8 +3535,8 @@
           <a:cs typeface="+mn-cs"/>
         </a:defRPr>
       </a:lvl2pPr>
-      <a:lvl3pPr marL="914400" algn="l" defTabSz="914400" rtl="0" eaLnBrk="1" latinLnBrk="0" hangingPunct="1">
-        <a:defRPr sz="1800" kern="1200">
+      <a:lvl3pPr marL="1097280" algn="l" defTabSz="1097280" rtl="0" eaLnBrk="1" latinLnBrk="0" hangingPunct="1">
+        <a:defRPr sz="2160" kern="1200">
           <a:solidFill>
             <a:schemeClr val="tx1"/>
           </a:solidFill>
@@ -3895,8 +3545,8 @@
           <a:cs typeface="+mn-cs"/>
         </a:defRPr>
       </a:lvl3pPr>
-      <a:lvl4pPr marL="1371600" algn="l" defTabSz="914400" rtl="0" eaLnBrk="1" latinLnBrk="0" hangingPunct="1">
-        <a:defRPr sz="1800" kern="1200">
+      <a:lvl4pPr marL="1645920" algn="l" defTabSz="1097280" rtl="0" eaLnBrk="1" latinLnBrk="0" hangingPunct="1">
+        <a:defRPr sz="2160" kern="1200">
           <a:solidFill>
             <a:schemeClr val="tx1"/>
           </a:solidFill>
@@ -3905,8 +3555,8 @@
           <a:cs typeface="+mn-cs"/>
         </a:defRPr>
       </a:lvl4pPr>
-      <a:lvl5pPr marL="1828800" algn="l" defTabSz="914400" rtl="0" eaLnBrk="1" latinLnBrk="0" hangingPunct="1">
-        <a:defRPr sz="1800" kern="1200">
+      <a:lvl5pPr marL="2194560" algn="l" defTabSz="1097280" rtl="0" eaLnBrk="1" latinLnBrk="0" hangingPunct="1">
+        <a:defRPr sz="2160" kern="1200">
           <a:solidFill>
             <a:schemeClr val="tx1"/>
           </a:solidFill>
@@ -3915,8 +3565,8 @@
           <a:cs typeface="+mn-cs"/>
         </a:defRPr>
       </a:lvl5pPr>
-      <a:lvl6pPr marL="2286000" algn="l" defTabSz="914400" rtl="0" eaLnBrk="1" latinLnBrk="0" hangingPunct="1">
-        <a:defRPr sz="1800" kern="1200">
+      <a:lvl6pPr marL="2743200" algn="l" defTabSz="1097280" rtl="0" eaLnBrk="1" latinLnBrk="0" hangingPunct="1">
+        <a:defRPr sz="2160" kern="1200">
           <a:solidFill>
             <a:schemeClr val="tx1"/>
           </a:solidFill>
@@ -3925,8 +3575,8 @@
           <a:cs typeface="+mn-cs"/>
         </a:defRPr>
       </a:lvl6pPr>
-      <a:lvl7pPr marL="2743200" algn="l" defTabSz="914400" rtl="0" eaLnBrk="1" latinLnBrk="0" hangingPunct="1">
-        <a:defRPr sz="1800" kern="1200">
+      <a:lvl7pPr marL="3291840" algn="l" defTabSz="1097280" rtl="0" eaLnBrk="1" latinLnBrk="0" hangingPunct="1">
+        <a:defRPr sz="2160" kern="1200">
           <a:solidFill>
             <a:schemeClr val="tx1"/>
           </a:solidFill>
@@ -3935,8 +3585,8 @@
           <a:cs typeface="+mn-cs"/>
         </a:defRPr>
       </a:lvl7pPr>
-      <a:lvl8pPr marL="3200400" algn="l" defTabSz="914400" rtl="0" eaLnBrk="1" latinLnBrk="0" hangingPunct="1">
-        <a:defRPr sz="1800" kern="1200">
+      <a:lvl8pPr marL="3840480" algn="l" defTabSz="1097280" rtl="0" eaLnBrk="1" latinLnBrk="0" hangingPunct="1">
+        <a:defRPr sz="2160" kern="1200">
           <a:solidFill>
             <a:schemeClr val="tx1"/>
           </a:solidFill>
@@ -3945,8 +3595,8 @@
           <a:cs typeface="+mn-cs"/>
         </a:defRPr>
       </a:lvl8pPr>
-      <a:lvl9pPr marL="3657600" algn="l" defTabSz="914400" rtl="0" eaLnBrk="1" latinLnBrk="0" hangingPunct="1">
-        <a:defRPr sz="1800" kern="1200">
+      <a:lvl9pPr marL="4389120" algn="l" defTabSz="1097280" rtl="0" eaLnBrk="1" latinLnBrk="0" hangingPunct="1">
+        <a:defRPr sz="2160" kern="1200">
           <a:solidFill>
             <a:schemeClr val="tx1"/>
           </a:solidFill>
@@ -3991,8 +3641,8 @@
         </p:nvSpPr>
         <p:spPr>
           <a:xfrm>
-            <a:off x="6257331" y="2561813"/>
-            <a:ext cx="2214564" cy="3897177"/>
+            <a:off x="6272382" y="3210181"/>
+            <a:ext cx="2421154" cy="4341556"/>
           </a:xfrm>
           <a:prstGeom prst="rect">
             <a:avLst/>
@@ -4024,7 +3674,7 @@
           </a:fontRef>
         </p:style>
         <p:txBody>
-          <a:bodyPr rot="0" spcFirstLastPara="0" vertOverflow="overflow" horzOverflow="overflow" vert="horz" wrap="square" lIns="338328" tIns="45720" rIns="91440" bIns="45720" numCol="1" spcCol="0" rtlCol="0" fromWordArt="0" anchor="t" anchorCtr="0" forceAA="0" compatLnSpc="1">
+          <a:bodyPr rot="0" spcFirstLastPara="0" vertOverflow="overflow" horzOverflow="overflow" vert="horz" wrap="square" lIns="369890" tIns="49985" rIns="99970" bIns="49985" numCol="1" spcCol="0" rtlCol="0" fromWordArt="0" anchor="t" anchorCtr="0" forceAA="0" compatLnSpc="1">
             <a:prstTxWarp prst="textNoShape">
               <a:avLst/>
             </a:prstTxWarp>
@@ -4034,7 +3684,7 @@
           <a:p>
             <a:pPr algn="l"/>
             <a:r>
-              <a:rPr lang="en-US" sz="1200" dirty="0">
+              <a:rPr lang="en-US" sz="1312" dirty="0">
                 <a:solidFill>
                   <a:schemeClr val="accent5">
                     <a:lumMod val="75000"/>
@@ -4062,8 +3712,8 @@
         </p:nvSpPr>
         <p:spPr>
           <a:xfrm>
-            <a:off x="2356674" y="1113025"/>
-            <a:ext cx="2214564" cy="1292696"/>
+            <a:off x="2007844" y="1680570"/>
+            <a:ext cx="2421154" cy="1413288"/>
           </a:xfrm>
           <a:prstGeom prst="rect">
             <a:avLst/>
@@ -4095,7 +3745,7 @@
           </a:fontRef>
         </p:style>
         <p:txBody>
-          <a:bodyPr rot="0" spcFirstLastPara="0" vertOverflow="overflow" horzOverflow="overflow" vert="horz" wrap="square" lIns="338328" tIns="45720" rIns="91440" bIns="45720" numCol="1" spcCol="0" rtlCol="0" fromWordArt="0" anchor="t" anchorCtr="0" forceAA="0" compatLnSpc="1">
+          <a:bodyPr rot="0" spcFirstLastPara="0" vertOverflow="overflow" horzOverflow="overflow" vert="horz" wrap="square" lIns="369890" tIns="49985" rIns="99970" bIns="49985" numCol="1" spcCol="0" rtlCol="0" fromWordArt="0" anchor="t" anchorCtr="0" forceAA="0" compatLnSpc="1">
             <a:prstTxWarp prst="textNoShape">
               <a:avLst/>
             </a:prstTxWarp>
@@ -4105,7 +3755,7 @@
           <a:p>
             <a:pPr algn="l"/>
             <a:r>
-              <a:rPr lang="en-US" sz="1200" dirty="0">
+              <a:rPr lang="en-US" sz="1312" dirty="0">
                 <a:solidFill>
                   <a:schemeClr val="accent6">
                     <a:lumMod val="75000"/>
@@ -4133,8 +3783,8 @@
         </p:nvSpPr>
         <p:spPr>
           <a:xfrm>
-            <a:off x="6260282" y="1110621"/>
-            <a:ext cx="2214564" cy="1295999"/>
+            <a:off x="6275608" y="1677945"/>
+            <a:ext cx="2421154" cy="1416899"/>
           </a:xfrm>
           <a:prstGeom prst="rect">
             <a:avLst/>
@@ -4166,7 +3816,7 @@
           </a:fontRef>
         </p:style>
         <p:txBody>
-          <a:bodyPr rot="0" spcFirstLastPara="0" vertOverflow="overflow" horzOverflow="overflow" vert="horz" wrap="square" lIns="338328" tIns="45720" rIns="91440" bIns="45720" numCol="1" spcCol="0" rtlCol="0" fromWordArt="0" anchor="t" anchorCtr="0" forceAA="0" compatLnSpc="1">
+          <a:bodyPr rot="0" spcFirstLastPara="0" vertOverflow="overflow" horzOverflow="overflow" vert="horz" wrap="square" lIns="369890" tIns="49985" rIns="99970" bIns="49985" numCol="1" spcCol="0" rtlCol="0" fromWordArt="0" anchor="t" anchorCtr="0" forceAA="0" compatLnSpc="1">
             <a:prstTxWarp prst="textNoShape">
               <a:avLst/>
             </a:prstTxWarp>
@@ -4176,7 +3826,7 @@
           <a:p>
             <a:pPr algn="l"/>
             <a:r>
-              <a:rPr lang="en-US" sz="1200" dirty="0">
+              <a:rPr lang="en-US" sz="1312" dirty="0">
                 <a:solidFill>
                   <a:schemeClr val="accent6">
                     <a:lumMod val="75000"/>
@@ -4204,8 +3854,8 @@
         </p:nvSpPr>
         <p:spPr>
           <a:xfrm>
-            <a:off x="2361507" y="2559783"/>
-            <a:ext cx="2214564" cy="3899208"/>
+            <a:off x="2013127" y="3218827"/>
+            <a:ext cx="2421154" cy="4332911"/>
           </a:xfrm>
           <a:prstGeom prst="rect">
             <a:avLst/>
@@ -4237,7 +3887,7 @@
           </a:fontRef>
         </p:style>
         <p:txBody>
-          <a:bodyPr rot="0" spcFirstLastPara="0" vertOverflow="overflow" horzOverflow="overflow" vert="horz" wrap="square" lIns="338328" tIns="45720" rIns="91440" bIns="45720" numCol="1" spcCol="0" rtlCol="0" fromWordArt="0" anchor="t" anchorCtr="0" forceAA="0" compatLnSpc="1">
+          <a:bodyPr rot="0" spcFirstLastPara="0" vertOverflow="overflow" horzOverflow="overflow" vert="horz" wrap="square" lIns="369890" tIns="49985" rIns="99970" bIns="49985" numCol="1" spcCol="0" rtlCol="0" fromWordArt="0" anchor="t" anchorCtr="0" forceAA="0" compatLnSpc="1">
             <a:prstTxWarp prst="textNoShape">
               <a:avLst/>
             </a:prstTxWarp>
@@ -4247,7 +3897,7 @@
           <a:p>
             <a:pPr algn="l"/>
             <a:r>
-              <a:rPr lang="en-US" sz="1200" dirty="0">
+              <a:rPr lang="en-US" sz="1312" dirty="0">
                 <a:solidFill>
                   <a:schemeClr val="accent5">
                     <a:lumMod val="75000"/>
@@ -4275,8 +3925,8 @@
         </p:nvSpPr>
         <p:spPr>
           <a:xfrm>
-            <a:off x="1194319" y="398784"/>
-            <a:ext cx="8898033" cy="6372264"/>
+            <a:off x="812800" y="677865"/>
+            <a:ext cx="9652360" cy="7359230"/>
           </a:xfrm>
           <a:prstGeom prst="rect">
             <a:avLst/>
@@ -4305,7 +3955,7 @@
           </a:fontRef>
         </p:style>
         <p:txBody>
-          <a:bodyPr rot="0" spcFirstLastPara="0" vertOverflow="overflow" horzOverflow="overflow" vert="horz" wrap="square" lIns="457200" tIns="91440" rIns="91440" bIns="45720" numCol="1" spcCol="0" rtlCol="0" fromWordArt="0" anchor="t" anchorCtr="0" forceAA="0" compatLnSpc="1">
+          <a:bodyPr rot="0" spcFirstLastPara="0" vertOverflow="overflow" horzOverflow="overflow" vert="horz" wrap="square" lIns="499851" tIns="99970" rIns="99970" bIns="49985" numCol="1" spcCol="0" rtlCol="0" fromWordArt="0" anchor="t" anchorCtr="0" forceAA="0" compatLnSpc="1">
             <a:prstTxWarp prst="textNoShape">
               <a:avLst/>
             </a:prstTxWarp>
@@ -4315,7 +3965,7 @@
           <a:p>
             <a:pPr algn="l"/>
             <a:r>
-              <a:rPr lang="en-US" sz="1200" dirty="0">
+              <a:rPr lang="en-US" sz="1312" dirty="0">
                 <a:solidFill>
                   <a:sysClr val="windowText" lastClr="000000"/>
                 </a:solidFill>
@@ -4345,7 +3995,7 @@
           <a:blip r:embed="rId3">
             <a:extLst>
               <a:ext uri="{96DAC541-7B7A-43D3-8B79-37D633B846F1}">
-                <asvg:svgBlip xmlns="" xmlns:asvg="http://schemas.microsoft.com/office/drawing/2016/SVG/main" r:embed="rId4"/>
+                <asvg:svgBlip xmlns:asvg="http://schemas.microsoft.com/office/drawing/2016/SVG/main" r:embed="rId4"/>
               </a:ext>
             </a:extLst>
           </a:blip>
@@ -4355,8 +4005,8 @@
         </p:blipFill>
         <p:spPr>
           <a:xfrm>
-            <a:off x="1194319" y="401402"/>
-            <a:ext cx="329184" cy="329184"/>
+            <a:off x="814401" y="677866"/>
+            <a:ext cx="359893" cy="359893"/>
           </a:xfrm>
           <a:prstGeom prst="rect">
             <a:avLst/>
@@ -4377,8 +4027,8 @@
         </p:nvSpPr>
         <p:spPr>
           <a:xfrm>
-            <a:off x="2254079" y="730586"/>
-            <a:ext cx="2452090" cy="5821672"/>
+            <a:off x="1895678" y="985843"/>
+            <a:ext cx="2680838" cy="6930918"/>
           </a:xfrm>
           <a:prstGeom prst="rect">
             <a:avLst/>
@@ -4408,7 +4058,7 @@
           </a:fontRef>
         </p:style>
         <p:txBody>
-          <a:bodyPr rot="0" spcFirstLastPara="0" vertOverflow="overflow" horzOverflow="overflow" vert="horz" wrap="square" lIns="91440" tIns="91440" rIns="91440" bIns="45720" numCol="1" spcCol="0" rtlCol="0" fromWordArt="0" anchor="t" anchorCtr="0" forceAA="0" compatLnSpc="1">
+          <a:bodyPr rot="0" spcFirstLastPara="0" vertOverflow="overflow" horzOverflow="overflow" vert="horz" wrap="square" lIns="99970" tIns="99970" rIns="99970" bIns="49985" numCol="1" spcCol="0" rtlCol="0" fromWordArt="0" anchor="t" anchorCtr="0" forceAA="0" compatLnSpc="1">
             <a:prstTxWarp prst="textNoShape">
               <a:avLst/>
             </a:prstTxWarp>
@@ -4418,7 +4068,7 @@
           <a:p>
             <a:pPr algn="ctr"/>
             <a:r>
-              <a:rPr lang="en-US" sz="1200" dirty="0">
+              <a:rPr lang="en-US" sz="1312" dirty="0">
                 <a:solidFill>
                   <a:schemeClr val="accent5"/>
                 </a:solidFill>
@@ -4444,8 +4094,8 @@
         </p:nvSpPr>
         <p:spPr>
           <a:xfrm>
-            <a:off x="1393371" y="1024468"/>
-            <a:ext cx="7326680" cy="5626448"/>
+            <a:off x="1456077" y="1345735"/>
+            <a:ext cx="7508763" cy="6389069"/>
           </a:xfrm>
           <a:prstGeom prst="rect">
             <a:avLst/>
@@ -4476,7 +4126,7 @@
           </a:fontRef>
         </p:style>
         <p:txBody>
-          <a:bodyPr rot="0" spcFirstLastPara="0" vertOverflow="overflow" horzOverflow="overflow" vert="horz" wrap="square" lIns="457200" tIns="91440" rIns="91440" bIns="45720" numCol="1" spcCol="0" rtlCol="0" fromWordArt="0" anchor="t" anchorCtr="0" forceAA="0" compatLnSpc="1">
+          <a:bodyPr rot="0" spcFirstLastPara="0" vertOverflow="overflow" horzOverflow="overflow" vert="horz" wrap="square" lIns="499851" tIns="99970" rIns="99970" bIns="49985" numCol="1" spcCol="0" rtlCol="0" fromWordArt="0" anchor="t" anchorCtr="0" forceAA="0" compatLnSpc="1">
             <a:prstTxWarp prst="textNoShape">
               <a:avLst/>
             </a:prstTxWarp>
@@ -4486,7 +4136,7 @@
           <a:p>
             <a:pPr algn="l"/>
             <a:r>
-              <a:rPr lang="en-US" sz="1200" dirty="0">
+              <a:rPr lang="en-US" sz="1312" dirty="0">
                 <a:ln w="0"/>
                 <a:solidFill>
                   <a:schemeClr val="accent6">
@@ -4519,7 +4169,7 @@
           <a:blip r:embed="rId5">
             <a:extLst>
               <a:ext uri="{96DAC541-7B7A-43D3-8B79-37D633B846F1}">
-                <asvg:svgBlip xmlns="" xmlns:asvg="http://schemas.microsoft.com/office/drawing/2016/SVG/main" r:embed="rId6"/>
+                <asvg:svgBlip xmlns:asvg="http://schemas.microsoft.com/office/drawing/2016/SVG/main" r:embed="rId6"/>
               </a:ext>
             </a:extLst>
           </a:blip>
@@ -4529,8 +4179,8 @@
         </p:blipFill>
         <p:spPr>
           <a:xfrm>
-            <a:off x="1393371" y="1024468"/>
-            <a:ext cx="330200" cy="330200"/>
+            <a:off x="1456077" y="1345735"/>
+            <a:ext cx="361003" cy="361003"/>
           </a:xfrm>
           <a:prstGeom prst="rect">
             <a:avLst/>
@@ -4555,7 +4205,7 @@
           <a:blip r:embed="rId7">
             <a:extLst>
               <a:ext uri="{96DAC541-7B7A-43D3-8B79-37D633B846F1}">
-                <asvg:svgBlip xmlns="" xmlns:asvg="http://schemas.microsoft.com/office/drawing/2016/SVG/main" r:embed="rId8"/>
+                <asvg:svgBlip xmlns:asvg="http://schemas.microsoft.com/office/drawing/2016/SVG/main" r:embed="rId8"/>
               </a:ext>
             </a:extLst>
           </a:blip>
@@ -4565,8 +4215,8 @@
         </p:blipFill>
         <p:spPr>
           <a:xfrm>
-            <a:off x="2356674" y="2525098"/>
-            <a:ext cx="274320" cy="274320"/>
+            <a:off x="2013129" y="3211325"/>
+            <a:ext cx="299911" cy="299911"/>
           </a:xfrm>
           <a:prstGeom prst="rect">
             <a:avLst/>
@@ -4591,7 +4241,7 @@
           <a:blip r:embed="rId9">
             <a:extLst>
               <a:ext uri="{96DAC541-7B7A-43D3-8B79-37D633B846F1}">
-                <asvg:svgBlip xmlns="" xmlns:asvg="http://schemas.microsoft.com/office/drawing/2016/SVG/main" r:embed="rId12"/>
+                <asvg:svgBlip xmlns:asvg="http://schemas.microsoft.com/office/drawing/2016/SVG/main" r:embed="rId10"/>
               </a:ext>
             </a:extLst>
           </a:blip>
@@ -4601,8 +4251,8 @@
         </p:blipFill>
         <p:spPr>
           <a:xfrm>
-            <a:off x="2353346" y="1112810"/>
-            <a:ext cx="274320" cy="274320"/>
+            <a:off x="2004206" y="1680652"/>
+            <a:ext cx="299911" cy="299911"/>
           </a:xfrm>
           <a:prstGeom prst="rect">
             <a:avLst/>
@@ -4623,8 +4273,8 @@
         </p:nvSpPr>
         <p:spPr>
           <a:xfrm>
-            <a:off x="6147971" y="725646"/>
-            <a:ext cx="2435706" cy="5821671"/>
+            <a:off x="6152819" y="985843"/>
+            <a:ext cx="2662926" cy="6930918"/>
           </a:xfrm>
           <a:prstGeom prst="rect">
             <a:avLst/>
@@ -4654,7 +4304,7 @@
           </a:fontRef>
         </p:style>
         <p:txBody>
-          <a:bodyPr rot="0" spcFirstLastPara="0" vertOverflow="overflow" horzOverflow="overflow" vert="horz" wrap="square" lIns="91440" tIns="91440" rIns="91440" bIns="45720" numCol="1" spcCol="0" rtlCol="0" fromWordArt="0" anchor="t" anchorCtr="0" forceAA="0" compatLnSpc="1">
+          <a:bodyPr rot="0" spcFirstLastPara="0" vertOverflow="overflow" horzOverflow="overflow" vert="horz" wrap="square" lIns="99970" tIns="99970" rIns="99970" bIns="49985" numCol="1" spcCol="0" rtlCol="0" fromWordArt="0" anchor="t" anchorCtr="0" forceAA="0" compatLnSpc="1">
             <a:prstTxWarp prst="textNoShape">
               <a:avLst/>
             </a:prstTxWarp>
@@ -4664,7 +4314,7 @@
           <a:p>
             <a:pPr algn="ctr"/>
             <a:r>
-              <a:rPr lang="en-US" sz="1200" dirty="0">
+              <a:rPr lang="en-US" sz="1312" dirty="0">
                 <a:solidFill>
                   <a:schemeClr val="accent5"/>
                 </a:solidFill>
@@ -4694,7 +4344,7 @@
           <a:blip r:embed="rId7">
             <a:extLst>
               <a:ext uri="{96DAC541-7B7A-43D3-8B79-37D633B846F1}">
-                <asvg:svgBlip xmlns="" xmlns:asvg="http://schemas.microsoft.com/office/drawing/2016/SVG/main" r:embed="rId8"/>
+                <asvg:svgBlip xmlns:asvg="http://schemas.microsoft.com/office/drawing/2016/SVG/main" r:embed="rId8"/>
               </a:ext>
             </a:extLst>
           </a:blip>
@@ -4704,8 +4354,8 @@
         </p:blipFill>
         <p:spPr>
           <a:xfrm>
-            <a:off x="6257331" y="2528562"/>
-            <a:ext cx="274320" cy="274320"/>
+            <a:off x="6272382" y="3211325"/>
+            <a:ext cx="299911" cy="299911"/>
           </a:xfrm>
           <a:prstGeom prst="rect">
             <a:avLst/>
@@ -4730,7 +4380,7 @@
           <a:blip r:embed="rId9">
             <a:extLst>
               <a:ext uri="{96DAC541-7B7A-43D3-8B79-37D633B846F1}">
-                <asvg:svgBlip xmlns="" xmlns:asvg="http://schemas.microsoft.com/office/drawing/2016/SVG/main" r:embed="rId12"/>
+                <asvg:svgBlip xmlns:asvg="http://schemas.microsoft.com/office/drawing/2016/SVG/main" r:embed="rId10"/>
               </a:ext>
             </a:extLst>
           </a:blip>
@@ -4740,8 +4390,8 @@
         </p:blipFill>
         <p:spPr>
           <a:xfrm>
-            <a:off x="6264124" y="1113025"/>
-            <a:ext cx="274320" cy="274320"/>
+            <a:off x="6279809" y="1680572"/>
+            <a:ext cx="299911" cy="299911"/>
           </a:xfrm>
           <a:prstGeom prst="rect">
             <a:avLst/>
@@ -4754,6 +4404,42 @@
             <a:extLst>
               <a:ext uri="{FF2B5EF4-FFF2-40B4-BE49-F238E27FC236}">
                 <a16:creationId xmlns:a16="http://schemas.microsoft.com/office/drawing/2014/main" id="{4EDF6032-5B66-3246-A30E-3032648FCE9F}"/>
+              </a:ext>
+            </a:extLst>
+          </p:cNvPr>
+          <p:cNvPicPr>
+            <a:picLocks noChangeAspect="1"/>
+          </p:cNvPicPr>
+          <p:nvPr/>
+        </p:nvPicPr>
+        <p:blipFill>
+          <a:blip r:embed="rId11">
+            <a:extLst>
+              <a:ext uri="{96DAC541-7B7A-43D3-8B79-37D633B846F1}">
+                <asvg:svgBlip xmlns:asvg="http://schemas.microsoft.com/office/drawing/2016/SVG/main" r:embed="rId12"/>
+              </a:ext>
+            </a:extLst>
+          </a:blip>
+          <a:stretch>
+            <a:fillRect/>
+          </a:stretch>
+        </p:blipFill>
+        <p:spPr>
+          <a:xfrm>
+            <a:off x="5208619" y="2006837"/>
+            <a:ext cx="303425" cy="303425"/>
+          </a:xfrm>
+          <a:prstGeom prst="rect">
+            <a:avLst/>
+          </a:prstGeom>
+        </p:spPr>
+      </p:pic>
+      <p:pic>
+        <p:nvPicPr>
+          <p:cNvPr id="94" name="Graphic 93">
+            <a:extLst>
+              <a:ext uri="{FF2B5EF4-FFF2-40B4-BE49-F238E27FC236}">
+                <a16:creationId xmlns:a16="http://schemas.microsoft.com/office/drawing/2014/main" id="{7CED7F91-0AD1-A740-A7CF-5DFAE0017A11}"/>
               </a:ext>
             </a:extLst>
           </p:cNvPr>
@@ -4766,7 +4452,7 @@
           <a:blip r:embed="rId13">
             <a:extLst>
               <a:ext uri="{96DAC541-7B7A-43D3-8B79-37D633B846F1}">
-                <asvg:svgBlip xmlns="" xmlns:asvg="http://schemas.microsoft.com/office/drawing/2016/SVG/main" r:embed="rId10"/>
+                <asvg:svgBlip xmlns:asvg="http://schemas.microsoft.com/office/drawing/2016/SVG/main" r:embed="rId14"/>
               </a:ext>
             </a:extLst>
           </a:blip>
@@ -4776,20 +4462,104 @@
         </p:blipFill>
         <p:spPr>
           <a:xfrm>
-            <a:off x="5284334" y="1468130"/>
-            <a:ext cx="277535" cy="277535"/>
+            <a:off x="3652222" y="2156332"/>
+            <a:ext cx="431797" cy="431797"/>
           </a:xfrm>
           <a:prstGeom prst="rect">
             <a:avLst/>
           </a:prstGeom>
         </p:spPr>
       </p:pic>
+      <p:sp>
+        <p:nvSpPr>
+          <p:cNvPr id="96" name="TextBox 95">
+            <a:extLst>
+              <a:ext uri="{FF2B5EF4-FFF2-40B4-BE49-F238E27FC236}">
+                <a16:creationId xmlns:a16="http://schemas.microsoft.com/office/drawing/2014/main" id="{61B9EBD2-8C7A-EA44-A73E-AF66AA619EDB}"/>
+              </a:ext>
+            </a:extLst>
+          </p:cNvPr>
+          <p:cNvSpPr txBox="1"/>
+          <p:nvPr/>
+        </p:nvSpPr>
+        <p:spPr>
+          <a:xfrm>
+            <a:off x="3325431" y="2534520"/>
+            <a:ext cx="1139112" cy="294248"/>
+          </a:xfrm>
+          <a:prstGeom prst="rect">
+            <a:avLst/>
+          </a:prstGeom>
+          <a:noFill/>
+        </p:spPr>
+        <p:txBody>
+          <a:bodyPr wrap="square" rtlCol="0">
+            <a:spAutoFit/>
+          </a:bodyPr>
+          <a:lstStyle/>
+          <a:p>
+            <a:pPr algn="ctr"/>
+            <a:r>
+              <a:rPr lang="en-US" sz="1312" dirty="0">
+                <a:solidFill>
+                  <a:srgbClr val="232F3E"/>
+                </a:solidFill>
+                <a:latin typeface="Arial" panose="020B0604020202020204" pitchFamily="34" charset="0"/>
+                <a:cs typeface="Arial" panose="020B0604020202020204" pitchFamily="34" charset="0"/>
+              </a:rPr>
+              <a:t>Bastion host</a:t>
+            </a:r>
+          </a:p>
+        </p:txBody>
+      </p:sp>
+      <p:sp>
+        <p:nvSpPr>
+          <p:cNvPr id="97" name="TextBox 96">
+            <a:extLst>
+              <a:ext uri="{FF2B5EF4-FFF2-40B4-BE49-F238E27FC236}">
+                <a16:creationId xmlns:a16="http://schemas.microsoft.com/office/drawing/2014/main" id="{41AECBF6-AC80-734F-BF31-0C56D516C3A8}"/>
+              </a:ext>
+            </a:extLst>
+          </p:cNvPr>
+          <p:cNvSpPr txBox="1"/>
+          <p:nvPr/>
+        </p:nvSpPr>
+        <p:spPr>
+          <a:xfrm>
+            <a:off x="6262142" y="2537122"/>
+            <a:ext cx="1138868" cy="294248"/>
+          </a:xfrm>
+          <a:prstGeom prst="rect">
+            <a:avLst/>
+          </a:prstGeom>
+          <a:noFill/>
+        </p:spPr>
+        <p:txBody>
+          <a:bodyPr wrap="square" rtlCol="0">
+            <a:spAutoFit/>
+          </a:bodyPr>
+          <a:lstStyle/>
+          <a:p>
+            <a:pPr algn="ctr"/>
+            <a:r>
+              <a:rPr lang="en-US" sz="1312" dirty="0">
+                <a:solidFill>
+                  <a:srgbClr val="232F3E"/>
+                </a:solidFill>
+                <a:latin typeface="Arial" panose="020B0604020202020204" pitchFamily="34" charset="0"/>
+                <a:cs typeface="Arial" panose="020B0604020202020204" pitchFamily="34" charset="0"/>
+              </a:rPr>
+              <a:t>Bastion host</a:t>
+            </a:r>
+          </a:p>
+        </p:txBody>
+      </p:sp>
       <p:pic>
         <p:nvPicPr>
-          <p:cNvPr id="94" name="Graphic 93">
+          <p:cNvPr id="98" name="Graphic 97">
             <a:extLst>
               <a:ext uri="{FF2B5EF4-FFF2-40B4-BE49-F238E27FC236}">
-                <a16:creationId xmlns:a16="http://schemas.microsoft.com/office/drawing/2014/main" id="{7CED7F91-0AD1-A740-A7CF-5DFAE0017A11}"/>
+                <a16:creationId xmlns:a16="http://schemas.microsoft.com/office/drawing/2014/main" id="{6633983D-7343-4242-B535-ADD58D8B2392}"/>
               </a:ext>
             </a:extLst>
           </p:cNvPr>
@@ -4799,10 +4569,10 @@
           <p:nvPr/>
         </p:nvPicPr>
         <p:blipFill>
-          <a:blip r:embed="rId14">
+          <a:blip r:embed="rId15">
             <a:extLst>
               <a:ext uri="{96DAC541-7B7A-43D3-8B79-37D633B846F1}">
-                <asvg:svgBlip xmlns="" xmlns:asvg="http://schemas.microsoft.com/office/drawing/2016/SVG/main" r:embed="rId15"/>
+                <asvg:svgBlip xmlns:asvg="http://schemas.microsoft.com/office/drawing/2016/SVG/main" r:embed="rId16"/>
               </a:ext>
             </a:extLst>
           </a:blip>
@@ -4812,118 +4582,20 @@
         </p:blipFill>
         <p:spPr>
           <a:xfrm>
-            <a:off x="3860740" y="1548189"/>
-            <a:ext cx="394953" cy="394953"/>
+            <a:off x="2378273" y="2111910"/>
+            <a:ext cx="431797" cy="431797"/>
           </a:xfrm>
           <a:prstGeom prst="rect">
             <a:avLst/>
           </a:prstGeom>
         </p:spPr>
       </p:pic>
-      <p:sp>
-        <p:nvSpPr>
-          <p:cNvPr id="96" name="TextBox 95">
-            <a:extLst>
-              <a:ext uri="{FF2B5EF4-FFF2-40B4-BE49-F238E27FC236}">
-                <a16:creationId xmlns:a16="http://schemas.microsoft.com/office/drawing/2014/main" id="{61B9EBD2-8C7A-EA44-A73E-AF66AA619EDB}"/>
-              </a:ext>
-            </a:extLst>
-          </p:cNvPr>
-          <p:cNvSpPr txBox="1"/>
-          <p:nvPr/>
-        </p:nvSpPr>
-        <p:spPr>
-          <a:xfrm>
-            <a:off x="3561835" y="1894110"/>
-            <a:ext cx="1041915" cy="276999"/>
-          </a:xfrm>
-          <a:prstGeom prst="rect">
-            <a:avLst/>
-          </a:prstGeom>
-          <a:noFill/>
-        </p:spPr>
-        <p:txBody>
-          <a:bodyPr wrap="square" rtlCol="0">
-            <a:spAutoFit/>
-          </a:bodyPr>
-          <a:lstStyle/>
-          <a:p>
-            <a:pPr algn="ctr"/>
-            <a:r>
-              <a:rPr lang="en-US" sz="1200" dirty="0" smtClean="0">
-                <a:solidFill>
-                  <a:srgbClr val="232F3E"/>
-                </a:solidFill>
-                <a:latin typeface="Arial" panose="020B0604020202020204" pitchFamily="34" charset="0"/>
-                <a:cs typeface="Arial" panose="020B0604020202020204" pitchFamily="34" charset="0"/>
-              </a:rPr>
-              <a:t>Bastion host</a:t>
-            </a:r>
-            <a:endParaRPr lang="en-US" sz="1200" dirty="0">
-              <a:solidFill>
-                <a:srgbClr val="232F3E"/>
-              </a:solidFill>
-              <a:latin typeface="Arial" panose="020B0604020202020204" pitchFamily="34" charset="0"/>
-              <a:cs typeface="Arial" panose="020B0604020202020204" pitchFamily="34" charset="0"/>
-            </a:endParaRPr>
-          </a:p>
-        </p:txBody>
-      </p:sp>
-      <p:sp>
-        <p:nvSpPr>
-          <p:cNvPr id="97" name="TextBox 96">
-            <a:extLst>
-              <a:ext uri="{FF2B5EF4-FFF2-40B4-BE49-F238E27FC236}">
-                <a16:creationId xmlns:a16="http://schemas.microsoft.com/office/drawing/2014/main" id="{41AECBF6-AC80-734F-BF31-0C56D516C3A8}"/>
-              </a:ext>
-            </a:extLst>
-          </p:cNvPr>
-          <p:cNvSpPr txBox="1"/>
-          <p:nvPr/>
-        </p:nvSpPr>
-        <p:spPr>
-          <a:xfrm>
-            <a:off x="6247965" y="1896489"/>
-            <a:ext cx="1041692" cy="276999"/>
-          </a:xfrm>
-          <a:prstGeom prst="rect">
-            <a:avLst/>
-          </a:prstGeom>
-          <a:noFill/>
-        </p:spPr>
-        <p:txBody>
-          <a:bodyPr wrap="square" rtlCol="0">
-            <a:spAutoFit/>
-          </a:bodyPr>
-          <a:lstStyle/>
-          <a:p>
-            <a:pPr algn="ctr"/>
-            <a:r>
-              <a:rPr lang="en-US" sz="1200" dirty="0" smtClean="0">
-                <a:solidFill>
-                  <a:srgbClr val="232F3E"/>
-                </a:solidFill>
-                <a:latin typeface="Arial" panose="020B0604020202020204" pitchFamily="34" charset="0"/>
-                <a:cs typeface="Arial" panose="020B0604020202020204" pitchFamily="34" charset="0"/>
-              </a:rPr>
-              <a:t>Bastion host</a:t>
-            </a:r>
-            <a:endParaRPr lang="en-US" sz="1200" dirty="0">
-              <a:solidFill>
-                <a:srgbClr val="232F3E"/>
-              </a:solidFill>
-              <a:latin typeface="Arial" panose="020B0604020202020204" pitchFamily="34" charset="0"/>
-              <a:cs typeface="Arial" panose="020B0604020202020204" pitchFamily="34" charset="0"/>
-            </a:endParaRPr>
-          </a:p>
-        </p:txBody>
-      </p:sp>
       <p:pic>
         <p:nvPicPr>
-          <p:cNvPr id="98" name="Graphic 97">
+          <p:cNvPr id="99" name="Graphic 98">
             <a:extLst>
               <a:ext uri="{FF2B5EF4-FFF2-40B4-BE49-F238E27FC236}">
-                <a16:creationId xmlns:a16="http://schemas.microsoft.com/office/drawing/2014/main" id="{6633983D-7343-4242-B535-ADD58D8B2392}"/>
+                <a16:creationId xmlns:a16="http://schemas.microsoft.com/office/drawing/2014/main" id="{AC00D972-020E-044C-AAA9-9B82AB1BB666}"/>
               </a:ext>
             </a:extLst>
           </p:cNvPr>
@@ -4933,10 +4605,10 @@
           <p:nvPr/>
         </p:nvPicPr>
         <p:blipFill>
-          <a:blip r:embed="rId16">
+          <a:blip r:embed="rId15">
             <a:extLst>
               <a:ext uri="{96DAC541-7B7A-43D3-8B79-37D633B846F1}">
-                <asvg:svgBlip xmlns="" xmlns:asvg="http://schemas.microsoft.com/office/drawing/2016/SVG/main" r:embed="rId17"/>
+                <asvg:svgBlip xmlns:asvg="http://schemas.microsoft.com/office/drawing/2016/SVG/main" r:embed="rId16"/>
               </a:ext>
             </a:extLst>
           </a:blip>
@@ -4946,20 +4618,104 @@
         </p:blipFill>
         <p:spPr>
           <a:xfrm>
-            <a:off x="2695493" y="1507557"/>
-            <a:ext cx="394953" cy="394953"/>
+            <a:off x="7843094" y="2106347"/>
+            <a:ext cx="431797" cy="431797"/>
           </a:xfrm>
           <a:prstGeom prst="rect">
             <a:avLst/>
           </a:prstGeom>
         </p:spPr>
       </p:pic>
+      <p:sp>
+        <p:nvSpPr>
+          <p:cNvPr id="100" name="TextBox 99">
+            <a:extLst>
+              <a:ext uri="{FF2B5EF4-FFF2-40B4-BE49-F238E27FC236}">
+                <a16:creationId xmlns:a16="http://schemas.microsoft.com/office/drawing/2014/main" id="{A0A4FD8A-B3C6-5C4A-A694-F72C6B12FD47}"/>
+              </a:ext>
+            </a:extLst>
+          </p:cNvPr>
+          <p:cNvSpPr txBox="1"/>
+          <p:nvPr/>
+        </p:nvSpPr>
+        <p:spPr>
+          <a:xfrm>
+            <a:off x="1803969" y="2532311"/>
+            <a:ext cx="1623641" cy="294248"/>
+          </a:xfrm>
+          <a:prstGeom prst="rect">
+            <a:avLst/>
+          </a:prstGeom>
+          <a:noFill/>
+        </p:spPr>
+        <p:txBody>
+          <a:bodyPr wrap="square" rtlCol="0">
+            <a:spAutoFit/>
+          </a:bodyPr>
+          <a:lstStyle/>
+          <a:p>
+            <a:pPr algn="ctr"/>
+            <a:r>
+              <a:rPr lang="en-US" sz="1312" dirty="0">
+                <a:solidFill>
+                  <a:srgbClr val="232F3E"/>
+                </a:solidFill>
+                <a:latin typeface="Arial" panose="020B0604020202020204" pitchFamily="34" charset="0"/>
+                <a:cs typeface="Arial" panose="020B0604020202020204" pitchFamily="34" charset="0"/>
+              </a:rPr>
+              <a:t>NAT gateway</a:t>
+            </a:r>
+          </a:p>
+        </p:txBody>
+      </p:sp>
+      <p:sp>
+        <p:nvSpPr>
+          <p:cNvPr id="101" name="TextBox 100">
+            <a:extLst>
+              <a:ext uri="{FF2B5EF4-FFF2-40B4-BE49-F238E27FC236}">
+                <a16:creationId xmlns:a16="http://schemas.microsoft.com/office/drawing/2014/main" id="{914E7793-C91B-B642-9129-EBFE08FF8196}"/>
+              </a:ext>
+            </a:extLst>
+          </p:cNvPr>
+          <p:cNvSpPr txBox="1"/>
+          <p:nvPr/>
+        </p:nvSpPr>
+        <p:spPr>
+          <a:xfrm>
+            <a:off x="7405058" y="2543704"/>
+            <a:ext cx="1232633" cy="294248"/>
+          </a:xfrm>
+          <a:prstGeom prst="rect">
+            <a:avLst/>
+          </a:prstGeom>
+          <a:noFill/>
+        </p:spPr>
+        <p:txBody>
+          <a:bodyPr wrap="square" rtlCol="0">
+            <a:spAutoFit/>
+          </a:bodyPr>
+          <a:lstStyle/>
+          <a:p>
+            <a:pPr algn="ctr"/>
+            <a:r>
+              <a:rPr lang="en-US" sz="1312" dirty="0">
+                <a:solidFill>
+                  <a:srgbClr val="232F3E"/>
+                </a:solidFill>
+                <a:latin typeface="Arial" panose="020B0604020202020204" pitchFamily="34" charset="0"/>
+                <a:cs typeface="Arial" panose="020B0604020202020204" pitchFamily="34" charset="0"/>
+              </a:rPr>
+              <a:t>NAT gateway</a:t>
+            </a:r>
+          </a:p>
+        </p:txBody>
+      </p:sp>
       <p:pic>
         <p:nvPicPr>
-          <p:cNvPr id="99" name="Graphic 98">
+          <p:cNvPr id="73" name="Graphic 93">
             <a:extLst>
               <a:ext uri="{FF2B5EF4-FFF2-40B4-BE49-F238E27FC236}">
-                <a16:creationId xmlns:a16="http://schemas.microsoft.com/office/drawing/2014/main" id="{AC00D972-020E-044C-AAA9-9B82AB1BB666}"/>
+                <a16:creationId xmlns:a16="http://schemas.microsoft.com/office/drawing/2014/main" id="{7CED7F91-0AD1-A740-A7CF-5DFAE0017A11}"/>
               </a:ext>
             </a:extLst>
           </p:cNvPr>
@@ -4969,10 +4725,16 @@
           <p:nvPr/>
         </p:nvPicPr>
         <p:blipFill>
-          <a:blip r:embed="rId16">
-            <a:extLst>
-              <a:ext uri="{96DAC541-7B7A-43D3-8B79-37D633B846F1}">
-                <asvg:svgBlip xmlns="" xmlns:asvg="http://schemas.microsoft.com/office/drawing/2016/SVG/main" r:embed="rId17"/>
+          <a:blip r:embed="rId17">
+            <a:extLst>
+              <a:ext uri="{BEBA8EAE-BF5A-486C-A8C5-ECC9F3942E4B}">
+                <a14:imgProps xmlns:a14="http://schemas.microsoft.com/office/drawing/2010/main">
+                  <a14:imgLayer r:embed="rId18">
+                    <a14:imgEffect>
+                      <a14:artisticBlur/>
+                    </a14:imgEffect>
+                  </a14:imgLayer>
+                </a14:imgProps>
               </a:ext>
             </a:extLst>
           </a:blip>
@@ -4982,134 +4744,8 @@
         </p:blipFill>
         <p:spPr>
           <a:xfrm>
-            <a:off x="7694017" y="1502469"/>
-            <a:ext cx="394953" cy="394953"/>
-          </a:xfrm>
-          <a:prstGeom prst="rect">
-            <a:avLst/>
-          </a:prstGeom>
-        </p:spPr>
-      </p:pic>
-      <p:sp>
-        <p:nvSpPr>
-          <p:cNvPr id="100" name="TextBox 99">
-            <a:extLst>
-              <a:ext uri="{FF2B5EF4-FFF2-40B4-BE49-F238E27FC236}">
-                <a16:creationId xmlns:a16="http://schemas.microsoft.com/office/drawing/2014/main" id="{A0A4FD8A-B3C6-5C4A-A694-F72C6B12FD47}"/>
-              </a:ext>
-            </a:extLst>
-          </p:cNvPr>
-          <p:cNvSpPr txBox="1"/>
-          <p:nvPr/>
-        </p:nvSpPr>
-        <p:spPr>
-          <a:xfrm>
-            <a:off x="2170193" y="1892089"/>
-            <a:ext cx="1485100" cy="276999"/>
-          </a:xfrm>
-          <a:prstGeom prst="rect">
-            <a:avLst/>
-          </a:prstGeom>
-          <a:noFill/>
-        </p:spPr>
-        <p:txBody>
-          <a:bodyPr wrap="square" rtlCol="0">
-            <a:spAutoFit/>
-          </a:bodyPr>
-          <a:lstStyle/>
-          <a:p>
-            <a:pPr algn="ctr"/>
-            <a:r>
-              <a:rPr lang="en-US" sz="1200" dirty="0">
-                <a:solidFill>
-                  <a:srgbClr val="232F3E"/>
-                </a:solidFill>
-                <a:latin typeface="Arial" panose="020B0604020202020204" pitchFamily="34" charset="0"/>
-                <a:cs typeface="Arial" panose="020B0604020202020204" pitchFamily="34" charset="0"/>
-              </a:rPr>
-              <a:t>NAT gateway</a:t>
-            </a:r>
-          </a:p>
-        </p:txBody>
-      </p:sp>
-      <p:sp>
-        <p:nvSpPr>
-          <p:cNvPr id="101" name="TextBox 100">
-            <a:extLst>
-              <a:ext uri="{FF2B5EF4-FFF2-40B4-BE49-F238E27FC236}">
-                <a16:creationId xmlns:a16="http://schemas.microsoft.com/office/drawing/2014/main" id="{914E7793-C91B-B642-9129-EBFE08FF8196}"/>
-              </a:ext>
-            </a:extLst>
-          </p:cNvPr>
-          <p:cNvSpPr txBox="1"/>
-          <p:nvPr/>
-        </p:nvSpPr>
-        <p:spPr>
-          <a:xfrm>
-            <a:off x="7293358" y="1902510"/>
-            <a:ext cx="1127456" cy="276999"/>
-          </a:xfrm>
-          <a:prstGeom prst="rect">
-            <a:avLst/>
-          </a:prstGeom>
-          <a:noFill/>
-        </p:spPr>
-        <p:txBody>
-          <a:bodyPr wrap="square" rtlCol="0">
-            <a:spAutoFit/>
-          </a:bodyPr>
-          <a:lstStyle/>
-          <a:p>
-            <a:pPr algn="ctr"/>
-            <a:r>
-              <a:rPr lang="en-US" sz="1200" dirty="0">
-                <a:solidFill>
-                  <a:srgbClr val="232F3E"/>
-                </a:solidFill>
-                <a:latin typeface="Arial" panose="020B0604020202020204" pitchFamily="34" charset="0"/>
-                <a:cs typeface="Arial" panose="020B0604020202020204" pitchFamily="34" charset="0"/>
-              </a:rPr>
-              <a:t>NAT gateway</a:t>
-            </a:r>
-          </a:p>
-        </p:txBody>
-      </p:sp>
-      <p:pic>
-        <p:nvPicPr>
-          <p:cNvPr id="73" name="Graphic 93">
-            <a:extLst>
-              <a:ext uri="{FF2B5EF4-FFF2-40B4-BE49-F238E27FC236}">
-                <a16:creationId xmlns:a16="http://schemas.microsoft.com/office/drawing/2014/main" id="{7CED7F91-0AD1-A740-A7CF-5DFAE0017A11}"/>
-              </a:ext>
-            </a:extLst>
-          </p:cNvPr>
-          <p:cNvPicPr>
-            <a:picLocks noChangeAspect="1"/>
-          </p:cNvPicPr>
-          <p:nvPr/>
-        </p:nvPicPr>
-        <p:blipFill>
-          <a:blip r:embed="rId18">
-            <a:extLst>
-              <a:ext uri="{BEBA8EAE-BF5A-486C-A8C5-ECC9F3942E4B}">
-                <a14:imgProps xmlns:a14="http://schemas.microsoft.com/office/drawing/2010/main">
-                  <a14:imgLayer r:embed="rId19">
-                    <a14:imgEffect>
-                      <a14:artisticBlur/>
-                    </a14:imgEffect>
-                  </a14:imgLayer>
-                </a14:imgProps>
-              </a:ext>
-            </a:extLst>
-          </a:blip>
-          <a:stretch>
-            <a:fillRect/>
-          </a:stretch>
-        </p:blipFill>
-        <p:spPr>
-          <a:xfrm>
-            <a:off x="6573553" y="1548189"/>
-            <a:ext cx="394953" cy="394953"/>
+            <a:off x="6618106" y="2156332"/>
+            <a:ext cx="431797" cy="431797"/>
           </a:xfrm>
           <a:prstGeom prst="rect">
             <a:avLst/>
@@ -5131,7 +4767,7 @@
           <p:nvPr/>
         </p:nvPicPr>
         <p:blipFill>
-          <a:blip r:embed="rId20">
+          <a:blip r:embed="rId19">
             <a:extLst>
               <a:ext uri="{28A0092B-C50C-407E-A947-70E740481C1C}">
                 <a14:useLocalDpi xmlns:a14="http://schemas.microsoft.com/office/drawing/2010/main" val="0"/>
@@ -5145,8 +4781,8 @@
         </p:blipFill>
         <p:spPr bwMode="auto">
           <a:xfrm>
-            <a:off x="9035632" y="3941739"/>
-            <a:ext cx="762000" cy="762000"/>
+            <a:off x="9309863" y="4675371"/>
+            <a:ext cx="833084" cy="833084"/>
           </a:xfrm>
           <a:prstGeom prst="rect">
             <a:avLst/>
@@ -5192,8 +4828,8 @@
         </p:nvSpPr>
         <p:spPr bwMode="auto">
           <a:xfrm>
-            <a:off x="8974201" y="4739462"/>
-            <a:ext cx="841044" cy="276999"/>
+            <a:off x="9242702" y="5547512"/>
+            <a:ext cx="919503" cy="294248"/>
           </a:xfrm>
           <a:prstGeom prst="rect">
             <a:avLst/>
@@ -5327,18 +4963,13 @@
           <a:p>
             <a:pPr algn="ctr" eaLnBrk="1" hangingPunct="1"/>
             <a:r>
-              <a:rPr lang="en-US" altLang="en-US" sz="1200" dirty="0" smtClean="0">
+              <a:rPr lang="en-US" altLang="en-US" sz="1312" dirty="0">
                 <a:latin typeface="Arial" panose="020B0604020202020204" pitchFamily="34" charset="0"/>
                 <a:ea typeface="Amazon Ember" panose="020B0603020204020204" pitchFamily="34" charset="0"/>
                 <a:cs typeface="Arial" panose="020B0604020202020204" pitchFamily="34" charset="0"/>
               </a:rPr>
               <a:t>ACM</a:t>
             </a:r>
-            <a:endParaRPr lang="en-US" altLang="en-US" sz="1200" dirty="0">
-              <a:latin typeface="Arial" panose="020B0604020202020204" pitchFamily="34" charset="0"/>
-              <a:ea typeface="Amazon Ember" panose="020B0603020204020204" pitchFamily="34" charset="0"/>
-              <a:cs typeface="Arial" panose="020B0604020202020204" pitchFamily="34" charset="0"/>
-            </a:endParaRPr>
           </a:p>
         </p:txBody>
       </p:sp>
@@ -5357,7 +4988,7 @@
           <p:nvPr/>
         </p:nvPicPr>
         <p:blipFill>
-          <a:blip r:embed="rId21">
+          <a:blip r:embed="rId20">
             <a:extLst>
               <a:ext uri="{28A0092B-C50C-407E-A947-70E740481C1C}">
                 <a14:useLocalDpi xmlns:a14="http://schemas.microsoft.com/office/drawing/2010/main" val="0"/>
@@ -5371,8 +5002,8 @@
         </p:blipFill>
         <p:spPr bwMode="auto">
           <a:xfrm>
-            <a:off x="9035671" y="5291397"/>
-            <a:ext cx="762000" cy="762000"/>
+            <a:off x="9309905" y="6150935"/>
+            <a:ext cx="833084" cy="833084"/>
           </a:xfrm>
           <a:prstGeom prst="rect">
             <a:avLst/>
@@ -5418,8 +5049,8 @@
         </p:nvSpPr>
         <p:spPr bwMode="auto">
           <a:xfrm>
-            <a:off x="8822976" y="6081235"/>
-            <a:ext cx="1199094" cy="276999"/>
+            <a:off x="9077368" y="7014455"/>
+            <a:ext cx="1310954" cy="294248"/>
           </a:xfrm>
           <a:prstGeom prst="rect">
             <a:avLst/>
@@ -5553,18 +5184,13 @@
           <a:p>
             <a:pPr algn="ctr" eaLnBrk="1" hangingPunct="1"/>
             <a:r>
-              <a:rPr lang="en-US" altLang="en-US" sz="1200" dirty="0" smtClean="0">
+              <a:rPr lang="en-US" altLang="en-US" sz="1312" dirty="0">
                 <a:latin typeface="Arial" panose="020B0604020202020204" pitchFamily="34" charset="0"/>
                 <a:ea typeface="Amazon Ember" panose="020B0603020204020204" pitchFamily="34" charset="0"/>
                 <a:cs typeface="Arial" panose="020B0604020202020204" pitchFamily="34" charset="0"/>
               </a:rPr>
               <a:t>Amazon S3</a:t>
             </a:r>
-            <a:endParaRPr lang="en-US" altLang="en-US" sz="1200" dirty="0">
-              <a:latin typeface="Arial" panose="020B0604020202020204" pitchFamily="34" charset="0"/>
-              <a:ea typeface="Amazon Ember" panose="020B0603020204020204" pitchFamily="34" charset="0"/>
-              <a:cs typeface="Arial" panose="020B0604020202020204" pitchFamily="34" charset="0"/>
-            </a:endParaRPr>
           </a:p>
         </p:txBody>
       </p:sp>
@@ -5583,7 +5209,7 @@
           <p:nvPr/>
         </p:nvPicPr>
         <p:blipFill>
-          <a:blip r:embed="rId22">
+          <a:blip r:embed="rId21">
             <a:extLst>
               <a:ext uri="{28A0092B-C50C-407E-A947-70E740481C1C}">
                 <a14:useLocalDpi xmlns:a14="http://schemas.microsoft.com/office/drawing/2010/main" val="0"/>
@@ -5597,8 +5223,8 @@
         </p:blipFill>
         <p:spPr bwMode="auto">
           <a:xfrm>
-            <a:off x="9016596" y="2696139"/>
-            <a:ext cx="762000" cy="762000"/>
+            <a:off x="9289050" y="3313574"/>
+            <a:ext cx="833084" cy="833084"/>
           </a:xfrm>
           <a:prstGeom prst="rect">
             <a:avLst/>
@@ -5644,8 +5270,8 @@
         </p:nvSpPr>
         <p:spPr bwMode="auto">
           <a:xfrm>
-            <a:off x="8697095" y="3436789"/>
-            <a:ext cx="1395257" cy="276999"/>
+            <a:off x="8939746" y="4123316"/>
+            <a:ext cx="1525417" cy="294248"/>
           </a:xfrm>
           <a:prstGeom prst="rect">
             <a:avLst/>
@@ -5779,20 +5405,12 @@
           <a:p>
             <a:pPr algn="ctr" eaLnBrk="1" hangingPunct="1"/>
             <a:r>
-              <a:rPr lang="en-US" altLang="en-US" sz="1200" dirty="0" smtClean="0">
+              <a:rPr lang="en-US" altLang="en-US" sz="1312" dirty="0">
                 <a:latin typeface="Arial" panose="020B0604020202020204" pitchFamily="34" charset="0"/>
                 <a:ea typeface="Amazon Ember" panose="020B0603020204020204" pitchFamily="34" charset="0"/>
                 <a:cs typeface="Arial" panose="020B0604020202020204" pitchFamily="34" charset="0"/>
               </a:rPr>
-              <a:t>Route </a:t>
-            </a:r>
-            <a:r>
-              <a:rPr lang="en-US" altLang="en-US" sz="1200" dirty="0">
-                <a:latin typeface="Arial" panose="020B0604020202020204" pitchFamily="34" charset="0"/>
-                <a:ea typeface="Amazon Ember" panose="020B0603020204020204" pitchFamily="34" charset="0"/>
-                <a:cs typeface="Arial" panose="020B0604020202020204" pitchFamily="34" charset="0"/>
-              </a:rPr>
-              <a:t>53</a:t>
+              <a:t>Route 53</a:t>
             </a:r>
           </a:p>
         </p:txBody>
@@ -5812,10 +5430,10 @@
           <p:nvPr/>
         </p:nvPicPr>
         <p:blipFill>
-          <a:blip r:embed="rId14">
+          <a:blip r:embed="rId13">
             <a:extLst>
               <a:ext uri="{96DAC541-7B7A-43D3-8B79-37D633B846F1}">
-                <asvg:svgBlip xmlns="" xmlns:asvg="http://schemas.microsoft.com/office/drawing/2016/SVG/main" r:embed="rId15"/>
+                <asvg:svgBlip xmlns:asvg="http://schemas.microsoft.com/office/drawing/2016/SVG/main" r:embed="rId14"/>
               </a:ext>
             </a:extLst>
           </a:blip>
@@ -5825,8 +5443,8 @@
         </p:blipFill>
         <p:spPr>
           <a:xfrm>
-            <a:off x="3299321" y="2796095"/>
-            <a:ext cx="394953" cy="394953"/>
+            <a:off x="3038430" y="3509785"/>
+            <a:ext cx="431797" cy="431797"/>
           </a:xfrm>
           <a:prstGeom prst="rect">
             <a:avLst/>
@@ -5847,8 +5465,8 @@
         </p:nvSpPr>
         <p:spPr>
           <a:xfrm>
-            <a:off x="3000417" y="3142016"/>
-            <a:ext cx="997328" cy="276999"/>
+            <a:off x="2711643" y="3898840"/>
+            <a:ext cx="1090365" cy="294248"/>
           </a:xfrm>
           <a:prstGeom prst="rect">
             <a:avLst/>
@@ -5863,7 +5481,7 @@
           <a:p>
             <a:pPr algn="ctr"/>
             <a:r>
-              <a:rPr lang="en-US" sz="1200" dirty="0" smtClean="0">
+              <a:rPr lang="en-US" sz="1312" dirty="0">
                 <a:solidFill>
                   <a:srgbClr val="232F3E"/>
                 </a:solidFill>
@@ -5872,13 +5490,6 @@
               </a:rPr>
               <a:t>Application</a:t>
             </a:r>
-            <a:endParaRPr lang="en-US" sz="1200" dirty="0">
-              <a:solidFill>
-                <a:srgbClr val="232F3E"/>
-              </a:solidFill>
-              <a:latin typeface="Arial" panose="020B0604020202020204" pitchFamily="34" charset="0"/>
-              <a:cs typeface="Arial" panose="020B0604020202020204" pitchFamily="34" charset="0"/>
-            </a:endParaRPr>
           </a:p>
         </p:txBody>
       </p:sp>
@@ -5898,8 +5509,8 @@
         </p:nvSpPr>
         <p:spPr bwMode="auto">
           <a:xfrm>
-            <a:off x="4683499" y="3101333"/>
-            <a:ext cx="1339850" cy="461665"/>
+            <a:off x="4634184" y="3854364"/>
+            <a:ext cx="1464841" cy="496161"/>
           </a:xfrm>
           <a:prstGeom prst="rect">
             <a:avLst/>
@@ -6033,7 +5644,7 @@
           <a:p>
             <a:pPr algn="ctr" eaLnBrk="1" hangingPunct="1"/>
             <a:r>
-              <a:rPr lang="en-US" altLang="en-US" sz="1200" dirty="0">
+              <a:rPr lang="en-US" altLang="en-US" sz="1312" dirty="0">
                 <a:latin typeface="Arial" panose="020B0604020202020204" pitchFamily="34" charset="0"/>
                 <a:ea typeface="Amazon Ember" panose="020B0603020204020204" pitchFamily="34" charset="0"/>
                 <a:cs typeface="Arial" panose="020B0604020202020204" pitchFamily="34" charset="0"/>
@@ -6041,14 +5652,14 @@
               <a:t>Application Load </a:t>
             </a:r>
             <a:br>
-              <a:rPr lang="en-US" altLang="en-US" sz="1200" dirty="0">
+              <a:rPr lang="en-US" altLang="en-US" sz="1312" dirty="0">
                 <a:latin typeface="Arial" panose="020B0604020202020204" pitchFamily="34" charset="0"/>
                 <a:ea typeface="Amazon Ember" panose="020B0603020204020204" pitchFamily="34" charset="0"/>
                 <a:cs typeface="Arial" panose="020B0604020202020204" pitchFamily="34" charset="0"/>
               </a:rPr>
             </a:br>
             <a:r>
-              <a:rPr lang="en-US" altLang="en-US" sz="1200" dirty="0">
+              <a:rPr lang="en-US" altLang="en-US" sz="1312" dirty="0">
                 <a:latin typeface="Arial" panose="020B0604020202020204" pitchFamily="34" charset="0"/>
                 <a:ea typeface="Amazon Ember" panose="020B0603020204020204" pitchFamily="34" charset="0"/>
                 <a:cs typeface="Arial" panose="020B0604020202020204" pitchFamily="34" charset="0"/>
@@ -6073,7 +5684,7 @@
           <p:nvPr/>
         </p:nvPicPr>
         <p:blipFill>
-          <a:blip r:embed="rId23">
+          <a:blip r:embed="rId22">
             <a:extLst>
               <a:ext uri="{28A0092B-C50C-407E-A947-70E740481C1C}">
                 <a14:useLocalDpi xmlns:a14="http://schemas.microsoft.com/office/drawing/2010/main" val="0"/>
@@ -6087,8 +5698,8 @@
         </p:blipFill>
         <p:spPr bwMode="auto">
           <a:xfrm>
-            <a:off x="5188794" y="2673394"/>
-            <a:ext cx="457200" cy="457200"/>
+            <a:off x="5104166" y="3386504"/>
+            <a:ext cx="499851" cy="499851"/>
           </a:xfrm>
           <a:prstGeom prst="rect">
             <a:avLst/>
@@ -6132,8 +5743,8 @@
         </p:nvCxnSpPr>
         <p:spPr bwMode="auto">
           <a:xfrm>
-            <a:off x="3768029" y="3001809"/>
-            <a:ext cx="1280160" cy="0"/>
+            <a:off x="3550861" y="3745553"/>
+            <a:ext cx="1399583" cy="0"/>
           </a:xfrm>
           <a:prstGeom prst="straightConnector1">
             <a:avLst/>
@@ -6176,10 +5787,10 @@
           <p:nvPr/>
         </p:nvPicPr>
         <p:blipFill>
-          <a:blip r:embed="rId14">
+          <a:blip r:embed="rId13">
             <a:extLst>
               <a:ext uri="{96DAC541-7B7A-43D3-8B79-37D633B846F1}">
-                <asvg:svgBlip xmlns="" xmlns:asvg="http://schemas.microsoft.com/office/drawing/2016/SVG/main" r:embed="rId15"/>
+                <asvg:svgBlip xmlns:asvg="http://schemas.microsoft.com/office/drawing/2016/SVG/main" r:embed="rId14"/>
               </a:ext>
             </a:extLst>
           </a:blip>
@@ -6189,8 +5800,8 @@
         </p:blipFill>
         <p:spPr>
           <a:xfrm>
-            <a:off x="3299321" y="3498962"/>
-            <a:ext cx="394953" cy="394953"/>
+            <a:off x="3038430" y="4267355"/>
+            <a:ext cx="431797" cy="431797"/>
           </a:xfrm>
           <a:prstGeom prst="rect">
             <a:avLst/>
@@ -6211,8 +5822,8 @@
         </p:nvSpPr>
         <p:spPr>
           <a:xfrm>
-            <a:off x="3000417" y="3844883"/>
-            <a:ext cx="997328" cy="276999"/>
+            <a:off x="2702621" y="4677112"/>
+            <a:ext cx="1090365" cy="294248"/>
           </a:xfrm>
           <a:prstGeom prst="rect">
             <a:avLst/>
@@ -6227,7 +5838,7 @@
           <a:p>
             <a:pPr algn="ctr"/>
             <a:r>
-              <a:rPr lang="en-US" sz="1200" dirty="0">
+              <a:rPr lang="en-US" sz="1312" dirty="0">
                 <a:solidFill>
                   <a:srgbClr val="232F3E"/>
                 </a:solidFill>
@@ -6254,10 +5865,10 @@
           <p:nvPr/>
         </p:nvPicPr>
         <p:blipFill>
-          <a:blip r:embed="rId14">
+          <a:blip r:embed="rId13">
             <a:extLst>
               <a:ext uri="{96DAC541-7B7A-43D3-8B79-37D633B846F1}">
-                <asvg:svgBlip xmlns="" xmlns:asvg="http://schemas.microsoft.com/office/drawing/2016/SVG/main" r:embed="rId15"/>
+                <asvg:svgBlip xmlns:asvg="http://schemas.microsoft.com/office/drawing/2016/SVG/main" r:embed="rId14"/>
               </a:ext>
             </a:extLst>
           </a:blip>
@@ -6267,8 +5878,8 @@
         </p:blipFill>
         <p:spPr>
           <a:xfrm>
-            <a:off x="7077802" y="3497786"/>
-            <a:ext cx="394953" cy="394953"/>
+            <a:off x="7169394" y="4222604"/>
+            <a:ext cx="431797" cy="431797"/>
           </a:xfrm>
           <a:prstGeom prst="rect">
             <a:avLst/>
@@ -6289,8 +5900,8 @@
         </p:nvSpPr>
         <p:spPr>
           <a:xfrm>
-            <a:off x="6778898" y="3843707"/>
-            <a:ext cx="997328" cy="276999"/>
+            <a:off x="6862599" y="4654399"/>
+            <a:ext cx="1090365" cy="294248"/>
           </a:xfrm>
           <a:prstGeom prst="rect">
             <a:avLst/>
@@ -6305,7 +5916,7 @@
           <a:p>
             <a:pPr algn="ctr"/>
             <a:r>
-              <a:rPr lang="en-US" sz="1200" dirty="0">
+              <a:rPr lang="en-US" sz="1312" dirty="0">
                 <a:solidFill>
                   <a:srgbClr val="232F3E"/>
                 </a:solidFill>
@@ -6333,8 +5944,8 @@
         </p:nvSpPr>
         <p:spPr bwMode="auto">
           <a:xfrm>
-            <a:off x="4692096" y="3967595"/>
-            <a:ext cx="1339850" cy="461665"/>
+            <a:off x="4633276" y="4801437"/>
+            <a:ext cx="1464841" cy="496161"/>
           </a:xfrm>
           <a:prstGeom prst="rect">
             <a:avLst/>
@@ -6468,7 +6079,7 @@
           <a:p>
             <a:pPr algn="ctr" eaLnBrk="1" hangingPunct="1"/>
             <a:r>
-              <a:rPr lang="en-US" altLang="en-US" sz="1200" dirty="0">
+              <a:rPr lang="en-US" altLang="en-US" sz="1312" dirty="0">
                 <a:latin typeface="Arial" panose="020B0604020202020204" pitchFamily="34" charset="0"/>
                 <a:ea typeface="Amazon Ember" panose="020B0603020204020204" pitchFamily="34" charset="0"/>
                 <a:cs typeface="Arial" panose="020B0604020202020204" pitchFamily="34" charset="0"/>
@@ -6476,14 +6087,14 @@
               <a:t>Application Load </a:t>
             </a:r>
             <a:br>
-              <a:rPr lang="en-US" altLang="en-US" sz="1200" dirty="0">
+              <a:rPr lang="en-US" altLang="en-US" sz="1312" dirty="0">
                 <a:latin typeface="Arial" panose="020B0604020202020204" pitchFamily="34" charset="0"/>
                 <a:ea typeface="Amazon Ember" panose="020B0603020204020204" pitchFamily="34" charset="0"/>
                 <a:cs typeface="Arial" panose="020B0604020202020204" pitchFamily="34" charset="0"/>
               </a:rPr>
             </a:br>
             <a:r>
-              <a:rPr lang="en-US" altLang="en-US" sz="1200" dirty="0">
+              <a:rPr lang="en-US" altLang="en-US" sz="1312" dirty="0">
                 <a:latin typeface="Arial" panose="020B0604020202020204" pitchFamily="34" charset="0"/>
                 <a:ea typeface="Amazon Ember" panose="020B0603020204020204" pitchFamily="34" charset="0"/>
                 <a:cs typeface="Arial" panose="020B0604020202020204" pitchFamily="34" charset="0"/>
@@ -6508,7 +6119,7 @@
           <p:nvPr/>
         </p:nvPicPr>
         <p:blipFill>
-          <a:blip r:embed="rId23">
+          <a:blip r:embed="rId22">
             <a:extLst>
               <a:ext uri="{28A0092B-C50C-407E-A947-70E740481C1C}">
                 <a14:useLocalDpi xmlns:a14="http://schemas.microsoft.com/office/drawing/2010/main" val="0"/>
@@ -6522,8 +6133,8 @@
         </p:blipFill>
         <p:spPr bwMode="auto">
           <a:xfrm>
-            <a:off x="5184822" y="3554987"/>
-            <a:ext cx="457200" cy="457200"/>
+            <a:off x="5099824" y="4350338"/>
+            <a:ext cx="499851" cy="499851"/>
           </a:xfrm>
           <a:prstGeom prst="rect">
             <a:avLst/>
@@ -6567,8 +6178,8 @@
         </p:nvCxnSpPr>
         <p:spPr bwMode="auto">
           <a:xfrm>
-            <a:off x="3783267" y="3740304"/>
-            <a:ext cx="1280160" cy="0"/>
+            <a:off x="3567520" y="4552941"/>
+            <a:ext cx="1399583" cy="0"/>
           </a:xfrm>
           <a:prstGeom prst="straightConnector1">
             <a:avLst/>
@@ -6612,8 +6223,8 @@
         </p:nvCxnSpPr>
         <p:spPr bwMode="auto">
           <a:xfrm>
-            <a:off x="5711532" y="3741252"/>
-            <a:ext cx="1280160" cy="0"/>
+            <a:off x="5675667" y="4553977"/>
+            <a:ext cx="1399583" cy="0"/>
           </a:xfrm>
           <a:prstGeom prst="straightConnector1">
             <a:avLst/>
@@ -6656,10 +6267,10 @@
           <p:nvPr/>
         </p:nvPicPr>
         <p:blipFill>
-          <a:blip r:embed="rId14">
+          <a:blip r:embed="rId13">
             <a:extLst>
               <a:ext uri="{96DAC541-7B7A-43D3-8B79-37D633B846F1}">
-                <asvg:svgBlip xmlns="" xmlns:asvg="http://schemas.microsoft.com/office/drawing/2016/SVG/main" r:embed="rId15"/>
+                <asvg:svgBlip xmlns:asvg="http://schemas.microsoft.com/office/drawing/2016/SVG/main" r:embed="rId14"/>
               </a:ext>
             </a:extLst>
           </a:blip>
@@ -6669,8 +6280,8 @@
         </p:blipFill>
         <p:spPr>
           <a:xfrm>
-            <a:off x="3299321" y="4206918"/>
-            <a:ext cx="394953" cy="394953"/>
+            <a:off x="3038430" y="5063087"/>
+            <a:ext cx="431797" cy="431797"/>
           </a:xfrm>
           <a:prstGeom prst="rect">
             <a:avLst/>
@@ -6691,8 +6302,8 @@
         </p:nvSpPr>
         <p:spPr>
           <a:xfrm>
-            <a:off x="3000417" y="4552839"/>
-            <a:ext cx="997328" cy="276999"/>
+            <a:off x="2711643" y="5441274"/>
+            <a:ext cx="1090365" cy="294248"/>
           </a:xfrm>
           <a:prstGeom prst="rect">
             <a:avLst/>
@@ -6707,7 +6318,7 @@
           <a:p>
             <a:pPr algn="ctr"/>
             <a:r>
-              <a:rPr lang="en-US" sz="1200" dirty="0">
+              <a:rPr lang="en-US" sz="1312" dirty="0">
                 <a:solidFill>
                   <a:srgbClr val="232F3E"/>
                 </a:solidFill>
@@ -6734,10 +6345,10 @@
           <p:nvPr/>
         </p:nvPicPr>
         <p:blipFill>
-          <a:blip r:embed="rId14">
+          <a:blip r:embed="rId13">
             <a:extLst>
               <a:ext uri="{96DAC541-7B7A-43D3-8B79-37D633B846F1}">
-                <asvg:svgBlip xmlns="" xmlns:asvg="http://schemas.microsoft.com/office/drawing/2016/SVG/main" r:embed="rId15"/>
+                <asvg:svgBlip xmlns:asvg="http://schemas.microsoft.com/office/drawing/2016/SVG/main" r:embed="rId14"/>
               </a:ext>
             </a:extLst>
           </a:blip>
@@ -6747,8 +6358,8 @@
         </p:blipFill>
         <p:spPr>
           <a:xfrm>
-            <a:off x="7077802" y="4210133"/>
-            <a:ext cx="394953" cy="394953"/>
+            <a:off x="7169394" y="4968805"/>
+            <a:ext cx="431797" cy="431797"/>
           </a:xfrm>
           <a:prstGeom prst="rect">
             <a:avLst/>
@@ -6769,8 +6380,8 @@
         </p:nvSpPr>
         <p:spPr>
           <a:xfrm>
-            <a:off x="6778898" y="4556054"/>
-            <a:ext cx="997328" cy="276999"/>
+            <a:off x="6842607" y="5444790"/>
+            <a:ext cx="1090365" cy="294248"/>
           </a:xfrm>
           <a:prstGeom prst="rect">
             <a:avLst/>
@@ -6785,7 +6396,7 @@
           <a:p>
             <a:pPr algn="ctr"/>
             <a:r>
-              <a:rPr lang="en-US" sz="1200" dirty="0">
+              <a:rPr lang="en-US" sz="1312" dirty="0">
                 <a:solidFill>
                   <a:srgbClr val="232F3E"/>
                 </a:solidFill>
@@ -6812,10 +6423,10 @@
           <p:nvPr/>
         </p:nvPicPr>
         <p:blipFill>
-          <a:blip r:embed="rId14">
+          <a:blip r:embed="rId13">
             <a:extLst>
               <a:ext uri="{96DAC541-7B7A-43D3-8B79-37D633B846F1}">
-                <asvg:svgBlip xmlns="" xmlns:asvg="http://schemas.microsoft.com/office/drawing/2016/SVG/main" r:embed="rId15"/>
+                <asvg:svgBlip xmlns:asvg="http://schemas.microsoft.com/office/drawing/2016/SVG/main" r:embed="rId14"/>
               </a:ext>
             </a:extLst>
           </a:blip>
@@ -6825,8 +6436,8 @@
         </p:blipFill>
         <p:spPr>
           <a:xfrm>
-            <a:off x="3024441" y="4891838"/>
-            <a:ext cx="394953" cy="394953"/>
+            <a:off x="2803104" y="5757570"/>
+            <a:ext cx="431797" cy="431797"/>
           </a:xfrm>
           <a:prstGeom prst="rect">
             <a:avLst/>
@@ -6847,8 +6458,8 @@
         </p:nvSpPr>
         <p:spPr>
           <a:xfrm>
-            <a:off x="2725537" y="5237759"/>
-            <a:ext cx="997328" cy="276999"/>
+            <a:off x="2465451" y="6168357"/>
+            <a:ext cx="1090365" cy="294248"/>
           </a:xfrm>
           <a:prstGeom prst="rect">
             <a:avLst/>
@@ -6863,7 +6474,7 @@
           <a:p>
             <a:pPr algn="ctr"/>
             <a:r>
-              <a:rPr lang="en-US" sz="1200" dirty="0" smtClean="0">
+              <a:rPr lang="en-US" sz="1312" dirty="0">
                 <a:solidFill>
                   <a:srgbClr val="232F3E"/>
                 </a:solidFill>
@@ -6872,13 +6483,6 @@
               </a:rPr>
               <a:t>Data</a:t>
             </a:r>
-            <a:endParaRPr lang="en-US" sz="1200" dirty="0">
-              <a:solidFill>
-                <a:srgbClr val="232F3E"/>
-              </a:solidFill>
-              <a:latin typeface="Arial" panose="020B0604020202020204" pitchFamily="34" charset="0"/>
-              <a:cs typeface="Arial" panose="020B0604020202020204" pitchFamily="34" charset="0"/>
-            </a:endParaRPr>
           </a:p>
         </p:txBody>
       </p:sp>
@@ -6897,10 +6501,10 @@
           <p:nvPr/>
         </p:nvPicPr>
         <p:blipFill>
-          <a:blip r:embed="rId14">
+          <a:blip r:embed="rId13">
             <a:extLst>
               <a:ext uri="{96DAC541-7B7A-43D3-8B79-37D633B846F1}">
-                <asvg:svgBlip xmlns="" xmlns:asvg="http://schemas.microsoft.com/office/drawing/2016/SVG/main" r:embed="rId15"/>
+                <asvg:svgBlip xmlns:asvg="http://schemas.microsoft.com/office/drawing/2016/SVG/main" r:embed="rId14"/>
               </a:ext>
             </a:extLst>
           </a:blip>
@@ -6910,8 +6514,8 @@
         </p:blipFill>
         <p:spPr>
           <a:xfrm>
-            <a:off x="7077802" y="4895053"/>
-            <a:ext cx="394953" cy="394953"/>
+            <a:off x="7169394" y="5761085"/>
+            <a:ext cx="431797" cy="431797"/>
           </a:xfrm>
           <a:prstGeom prst="rect">
             <a:avLst/>
@@ -6932,8 +6536,8 @@
         </p:nvSpPr>
         <p:spPr>
           <a:xfrm>
-            <a:off x="6778898" y="5240974"/>
-            <a:ext cx="997328" cy="276999"/>
+            <a:off x="6842607" y="6171872"/>
+            <a:ext cx="1090365" cy="294248"/>
           </a:xfrm>
           <a:prstGeom prst="rect">
             <a:avLst/>
@@ -6948,7 +6552,7 @@
           <a:p>
             <a:pPr algn="ctr"/>
             <a:r>
-              <a:rPr lang="en-US" sz="1200" dirty="0" smtClean="0">
+              <a:rPr lang="en-US" sz="1312" dirty="0">
                 <a:solidFill>
                   <a:srgbClr val="232F3E"/>
                 </a:solidFill>
@@ -6957,13 +6561,6 @@
               </a:rPr>
               <a:t>Data</a:t>
             </a:r>
-            <a:endParaRPr lang="en-US" sz="1200" dirty="0">
-              <a:solidFill>
-                <a:srgbClr val="232F3E"/>
-              </a:solidFill>
-              <a:latin typeface="Arial" panose="020B0604020202020204" pitchFamily="34" charset="0"/>
-              <a:cs typeface="Arial" panose="020B0604020202020204" pitchFamily="34" charset="0"/>
-            </a:endParaRPr>
           </a:p>
         </p:txBody>
       </p:sp>
@@ -6982,10 +6579,10 @@
           <p:nvPr/>
         </p:nvPicPr>
         <p:blipFill>
-          <a:blip r:embed="rId14">
+          <a:blip r:embed="rId13">
             <a:extLst>
               <a:ext uri="{96DAC541-7B7A-43D3-8B79-37D633B846F1}">
-                <asvg:svgBlip xmlns="" xmlns:asvg="http://schemas.microsoft.com/office/drawing/2016/SVG/main" r:embed="rId15"/>
+                <asvg:svgBlip xmlns:asvg="http://schemas.microsoft.com/office/drawing/2016/SVG/main" r:embed="rId14"/>
               </a:ext>
             </a:extLst>
           </a:blip>
@@ -6995,8 +6592,8 @@
         </p:blipFill>
         <p:spPr>
           <a:xfrm>
-            <a:off x="3513749" y="4897393"/>
-            <a:ext cx="394953" cy="394953"/>
+            <a:off x="3338058" y="5763643"/>
+            <a:ext cx="431797" cy="431797"/>
           </a:xfrm>
           <a:prstGeom prst="rect">
             <a:avLst/>
@@ -7017,8 +6614,8 @@
         </p:nvSpPr>
         <p:spPr>
           <a:xfrm>
-            <a:off x="3222884" y="5226530"/>
-            <a:ext cx="997328" cy="276999"/>
+            <a:off x="3009194" y="6156080"/>
+            <a:ext cx="1090365" cy="294248"/>
           </a:xfrm>
           <a:prstGeom prst="rect">
             <a:avLst/>
@@ -7033,7 +6630,7 @@
           <a:p>
             <a:pPr algn="ctr"/>
             <a:r>
-              <a:rPr lang="en-US" sz="1200" dirty="0" smtClean="0">
+              <a:rPr lang="en-US" sz="1312" dirty="0">
                 <a:solidFill>
                   <a:srgbClr val="232F3E"/>
                 </a:solidFill>
@@ -7042,13 +6639,6 @@
               </a:rPr>
               <a:t>Data</a:t>
             </a:r>
-            <a:endParaRPr lang="en-US" sz="1200" dirty="0">
-              <a:solidFill>
-                <a:srgbClr val="232F3E"/>
-              </a:solidFill>
-              <a:latin typeface="Arial" panose="020B0604020202020204" pitchFamily="34" charset="0"/>
-              <a:cs typeface="Arial" panose="020B0604020202020204" pitchFamily="34" charset="0"/>
-            </a:endParaRPr>
           </a:p>
         </p:txBody>
       </p:sp>
@@ -7067,7 +6657,7 @@
           <p:nvPr/>
         </p:nvPicPr>
         <p:blipFill>
-          <a:blip r:embed="rId24">
+          <a:blip r:embed="rId23">
             <a:extLst>
               <a:ext uri="{28A0092B-C50C-407E-A947-70E740481C1C}">
                 <a14:useLocalDpi xmlns:a14="http://schemas.microsoft.com/office/drawing/2010/main" val="0"/>
@@ -7081,8 +6671,8 @@
         </p:blipFill>
         <p:spPr bwMode="auto">
           <a:xfrm>
-            <a:off x="3298828" y="5688141"/>
-            <a:ext cx="457200" cy="457200"/>
+            <a:off x="3037891" y="6617290"/>
+            <a:ext cx="499851" cy="499851"/>
           </a:xfrm>
           <a:prstGeom prst="rect">
             <a:avLst/>
@@ -7128,8 +6718,8 @@
         </p:nvSpPr>
         <p:spPr bwMode="auto">
           <a:xfrm>
-            <a:off x="2965243" y="6139885"/>
-            <a:ext cx="1115568" cy="276999"/>
+            <a:off x="2673184" y="7111175"/>
+            <a:ext cx="1219636" cy="294248"/>
           </a:xfrm>
           <a:prstGeom prst="rect">
             <a:avLst/>
@@ -7263,26 +6853,13 @@
           <a:p>
             <a:pPr algn="ctr" eaLnBrk="1" hangingPunct="1"/>
             <a:r>
-              <a:rPr lang="en-US" altLang="en-US" sz="1200" dirty="0">
+              <a:rPr lang="en-US" altLang="en-US" sz="1312" dirty="0">
                 <a:latin typeface="Arial" panose="020B0604020202020204" pitchFamily="34" charset="0"/>
                 <a:ea typeface="Amazon Ember" panose="020B0603020204020204" pitchFamily="34" charset="0"/>
                 <a:cs typeface="Arial" panose="020B0604020202020204" pitchFamily="34" charset="0"/>
               </a:rPr>
-              <a:t>Worker </a:t>
-            </a:r>
-            <a:r>
-              <a:rPr lang="en-US" altLang="en-US" sz="1200" dirty="0" smtClean="0">
-                <a:latin typeface="Arial" panose="020B0604020202020204" pitchFamily="34" charset="0"/>
-                <a:ea typeface="Amazon Ember" panose="020B0603020204020204" pitchFamily="34" charset="0"/>
-                <a:cs typeface="Arial" panose="020B0604020202020204" pitchFamily="34" charset="0"/>
-              </a:rPr>
-              <a:t>nodes</a:t>
-            </a:r>
-            <a:endParaRPr lang="en-US" altLang="en-US" sz="1200" dirty="0">
-              <a:latin typeface="Arial" panose="020B0604020202020204" pitchFamily="34" charset="0"/>
-              <a:ea typeface="Amazon Ember" panose="020B0603020204020204" pitchFamily="34" charset="0"/>
-              <a:cs typeface="Arial" panose="020B0604020202020204" pitchFamily="34" charset="0"/>
-            </a:endParaRPr>
+              <a:t>Worker nodes</a:t>
+            </a:r>
           </a:p>
         </p:txBody>
       </p:sp>
@@ -7301,7 +6878,7 @@
           <p:nvPr/>
         </p:nvPicPr>
         <p:blipFill>
-          <a:blip r:embed="rId24">
+          <a:blip r:embed="rId23">
             <a:extLst>
               <a:ext uri="{28A0092B-C50C-407E-A947-70E740481C1C}">
                 <a14:useLocalDpi xmlns:a14="http://schemas.microsoft.com/office/drawing/2010/main" val="0"/>
@@ -7315,8 +6892,8 @@
         </p:blipFill>
         <p:spPr bwMode="auto">
           <a:xfrm>
-            <a:off x="7154711" y="5693876"/>
-            <a:ext cx="457200" cy="457200"/>
+            <a:off x="7199146" y="6623561"/>
+            <a:ext cx="499851" cy="499851"/>
           </a:xfrm>
           <a:prstGeom prst="rect">
             <a:avLst/>
@@ -7362,8 +6939,8 @@
         </p:nvSpPr>
         <p:spPr bwMode="auto">
           <a:xfrm>
-            <a:off x="6821126" y="6145620"/>
-            <a:ext cx="1115568" cy="276999"/>
+            <a:off x="6888771" y="7117444"/>
+            <a:ext cx="1219636" cy="294248"/>
           </a:xfrm>
           <a:prstGeom prst="rect">
             <a:avLst/>
@@ -7497,26 +7074,13 @@
           <a:p>
             <a:pPr algn="ctr" eaLnBrk="1" hangingPunct="1"/>
             <a:r>
-              <a:rPr lang="en-US" altLang="en-US" sz="1200" dirty="0">
+              <a:rPr lang="en-US" altLang="en-US" sz="1312" dirty="0">
                 <a:latin typeface="Arial" panose="020B0604020202020204" pitchFamily="34" charset="0"/>
                 <a:ea typeface="Amazon Ember" panose="020B0603020204020204" pitchFamily="34" charset="0"/>
                 <a:cs typeface="Arial" panose="020B0604020202020204" pitchFamily="34" charset="0"/>
               </a:rPr>
-              <a:t>Worker </a:t>
-            </a:r>
-            <a:r>
-              <a:rPr lang="en-US" altLang="en-US" sz="1200" dirty="0" smtClean="0">
-                <a:latin typeface="Arial" panose="020B0604020202020204" pitchFamily="34" charset="0"/>
-                <a:ea typeface="Amazon Ember" panose="020B0603020204020204" pitchFamily="34" charset="0"/>
-                <a:cs typeface="Arial" panose="020B0604020202020204" pitchFamily="34" charset="0"/>
-              </a:rPr>
-              <a:t>nodes</a:t>
-            </a:r>
-            <a:endParaRPr lang="en-US" altLang="en-US" sz="1200" dirty="0">
-              <a:latin typeface="Arial" panose="020B0604020202020204" pitchFamily="34" charset="0"/>
-              <a:ea typeface="Amazon Ember" panose="020B0603020204020204" pitchFamily="34" charset="0"/>
-              <a:cs typeface="Arial" panose="020B0604020202020204" pitchFamily="34" charset="0"/>
-            </a:endParaRPr>
+              <a:t>Worker nodes</a:t>
+            </a:r>
           </a:p>
         </p:txBody>
       </p:sp>
@@ -7534,8 +7098,8 @@
         </p:nvSpPr>
         <p:spPr bwMode="auto">
           <a:xfrm>
-            <a:off x="3596421" y="1473434"/>
-            <a:ext cx="3668481" cy="762221"/>
+            <a:off x="3363245" y="2015804"/>
+            <a:ext cx="4010703" cy="947632"/>
           </a:xfrm>
           <a:prstGeom prst="rect">
             <a:avLst/>
@@ -7565,36 +7129,24 @@
           </a:fontRef>
         </p:style>
         <p:txBody>
-          <a:bodyPr tIns="91440"/>
+          <a:bodyPr tIns="99970"/>
           <a:lstStyle/>
           <a:p>
-            <a:pPr algn="ctr" eaLnBrk="1" fontAlgn="auto" hangingPunct="1">
-              <a:spcBef>
-                <a:spcPts val="0"/>
-              </a:spcBef>
-              <a:spcAft>
-                <a:spcPts val="0"/>
-              </a:spcAft>
+            <a:pPr algn="ctr">
               <a:defRPr/>
             </a:pPr>
-            <a:endParaRPr lang="en-US" sz="1100" dirty="0">
+            <a:endParaRPr lang="en-US" sz="1203" dirty="0">
               <a:solidFill>
                 <a:srgbClr val="D86613"/>
               </a:solidFill>
             </a:endParaRPr>
           </a:p>
           <a:p>
-            <a:pPr algn="ctr" eaLnBrk="1" fontAlgn="auto" hangingPunct="1">
-              <a:spcBef>
-                <a:spcPts val="0"/>
-              </a:spcBef>
-              <a:spcAft>
-                <a:spcPts val="0"/>
-              </a:spcAft>
+            <a:pPr algn="ctr">
               <a:defRPr/>
             </a:pPr>
             <a:r>
-              <a:rPr lang="en-US" sz="1200" dirty="0" smtClean="0">
+              <a:rPr lang="en-US" sz="1312" dirty="0">
                 <a:solidFill>
                   <a:srgbClr val="D86613"/>
                 </a:solidFill>
@@ -7603,13 +7155,6 @@
               </a:rPr>
               <a:t>Auto Scaling group</a:t>
             </a:r>
-            <a:endParaRPr lang="en-US" sz="1200" dirty="0">
-              <a:solidFill>
-                <a:srgbClr val="D86613"/>
-              </a:solidFill>
-              <a:latin typeface="Arial" panose="020B0604020202020204" pitchFamily="34" charset="0"/>
-              <a:cs typeface="Arial" panose="020B0604020202020204" pitchFamily="34" charset="0"/>
-            </a:endParaRPr>
           </a:p>
         </p:txBody>
       </p:sp>
@@ -7627,8 +7172,8 @@
         </p:nvSpPr>
         <p:spPr bwMode="auto">
           <a:xfrm>
-            <a:off x="2965243" y="5628620"/>
-            <a:ext cx="4971451" cy="762221"/>
+            <a:off x="2673187" y="6475060"/>
+            <a:ext cx="5435223" cy="952637"/>
           </a:xfrm>
           <a:prstGeom prst="rect">
             <a:avLst/>
@@ -7658,36 +7203,24 @@
           </a:fontRef>
         </p:style>
         <p:txBody>
-          <a:bodyPr tIns="91440"/>
+          <a:bodyPr tIns="99970"/>
           <a:lstStyle/>
           <a:p>
-            <a:pPr algn="ctr" eaLnBrk="1" fontAlgn="auto" hangingPunct="1">
-              <a:spcBef>
-                <a:spcPts val="0"/>
-              </a:spcBef>
-              <a:spcAft>
-                <a:spcPts val="0"/>
-              </a:spcAft>
+            <a:pPr algn="ctr">
               <a:defRPr/>
             </a:pPr>
-            <a:endParaRPr lang="en-US" sz="1100" dirty="0">
+            <a:endParaRPr lang="en-US" sz="1203" dirty="0">
               <a:solidFill>
                 <a:srgbClr val="D86613"/>
               </a:solidFill>
             </a:endParaRPr>
           </a:p>
           <a:p>
-            <a:pPr algn="ctr" eaLnBrk="1" fontAlgn="auto" hangingPunct="1">
-              <a:spcBef>
-                <a:spcPts val="0"/>
-              </a:spcBef>
-              <a:spcAft>
-                <a:spcPts val="0"/>
-              </a:spcAft>
+            <a:pPr algn="ctr">
               <a:defRPr/>
             </a:pPr>
             <a:r>
-              <a:rPr lang="en-US" sz="1200" dirty="0" smtClean="0">
+              <a:rPr lang="en-US" sz="1312" dirty="0">
                 <a:solidFill>
                   <a:srgbClr val="D86613"/>
                 </a:solidFill>
@@ -7696,13 +7229,6 @@
               </a:rPr>
               <a:t>Auto Scaling group</a:t>
             </a:r>
-            <a:endParaRPr lang="en-US" sz="1200" dirty="0">
-              <a:solidFill>
-                <a:srgbClr val="D86613"/>
-              </a:solidFill>
-              <a:latin typeface="Arial" panose="020B0604020202020204" pitchFamily="34" charset="0"/>
-              <a:cs typeface="Arial" panose="020B0604020202020204" pitchFamily="34" charset="0"/>
-            </a:endParaRPr>
           </a:p>
         </p:txBody>
       </p:sp>
@@ -7721,10 +7247,10 @@
           <p:nvPr/>
         </p:nvPicPr>
         <p:blipFill>
-          <a:blip r:embed="rId13">
+          <a:blip r:embed="rId11">
             <a:extLst>
               <a:ext uri="{96DAC541-7B7A-43D3-8B79-37D633B846F1}">
-                <asvg:svgBlip xmlns="" xmlns:asvg="http://schemas.microsoft.com/office/drawing/2016/SVG/main" r:embed="rId10"/>
+                <asvg:svgBlip xmlns:asvg="http://schemas.microsoft.com/office/drawing/2016/SVG/main" r:embed="rId12"/>
               </a:ext>
             </a:extLst>
           </a:blip>
@@ -7734,8 +7260,8 @@
         </p:blipFill>
         <p:spPr>
           <a:xfrm>
-            <a:off x="5278627" y="5622019"/>
-            <a:ext cx="277535" cy="277535"/>
+            <a:off x="5207138" y="6467844"/>
+            <a:ext cx="303425" cy="303425"/>
           </a:xfrm>
           <a:prstGeom prst="rect">
             <a:avLst/>
@@ -7757,7 +7283,7 @@
           <p:nvPr/>
         </p:nvPicPr>
         <p:blipFill>
-          <a:blip r:embed="rId25">
+          <a:blip r:embed="rId24">
             <a:extLst>
               <a:ext uri="{28A0092B-C50C-407E-A947-70E740481C1C}">
                 <a14:useLocalDpi xmlns:a14="http://schemas.microsoft.com/office/drawing/2010/main" val="0"/>
@@ -7771,8 +7297,8 @@
         </p:blipFill>
         <p:spPr bwMode="auto">
           <a:xfrm>
-            <a:off x="9013723" y="1339709"/>
-            <a:ext cx="762000" cy="762000"/>
+            <a:off x="9285909" y="1830606"/>
+            <a:ext cx="833084" cy="833084"/>
           </a:xfrm>
           <a:prstGeom prst="rect">
             <a:avLst/>
@@ -7818,8 +7344,8 @@
         </p:nvSpPr>
         <p:spPr bwMode="auto">
           <a:xfrm>
-            <a:off x="8709412" y="2106298"/>
-            <a:ext cx="1395257" cy="276999"/>
+            <a:off x="8953212" y="2668707"/>
+            <a:ext cx="1525417" cy="294248"/>
           </a:xfrm>
           <a:prstGeom prst="rect">
             <a:avLst/>
@@ -7953,18 +7479,13 @@
           <a:p>
             <a:pPr algn="ctr" eaLnBrk="1" hangingPunct="1"/>
             <a:r>
-              <a:rPr lang="en-US" altLang="en-US" sz="1200" dirty="0" smtClean="0">
+              <a:rPr lang="en-US" altLang="en-US" sz="1312" dirty="0">
                 <a:latin typeface="Arial" panose="020B0604020202020204" pitchFamily="34" charset="0"/>
                 <a:ea typeface="Amazon Ember" panose="020B0603020204020204" pitchFamily="34" charset="0"/>
                 <a:cs typeface="Arial" panose="020B0604020202020204" pitchFamily="34" charset="0"/>
               </a:rPr>
               <a:t>CloudWatch</a:t>
             </a:r>
-            <a:endParaRPr lang="en-US" altLang="en-US" sz="1200" dirty="0">
-              <a:latin typeface="Arial" panose="020B0604020202020204" pitchFamily="34" charset="0"/>
-              <a:ea typeface="Amazon Ember" panose="020B0603020204020204" pitchFamily="34" charset="0"/>
-              <a:cs typeface="Arial" panose="020B0604020202020204" pitchFamily="34" charset="0"/>
-            </a:endParaRPr>
           </a:p>
         </p:txBody>
       </p:sp>
@@ -7984,7 +7505,7 @@
 <file path=ppt/theme/theme1.xml><?xml version="1.0" encoding="utf-8"?>
 <a:theme xmlns:a="http://schemas.openxmlformats.org/drawingml/2006/main" name="Office Theme">
   <a:themeElements>
-    <a:clrScheme name="Office">
+    <a:clrScheme name="Office Theme">
       <a:dk1>
         <a:sysClr val="windowText" lastClr="000000"/>
       </a:dk1>
@@ -8022,7 +7543,7 @@
         <a:srgbClr val="954F72"/>
       </a:folHlink>
     </a:clrScheme>
-    <a:fontScheme name="Office">
+    <a:fontScheme name="Office Theme">
       <a:majorFont>
         <a:latin typeface="Calibri Light" panose="020F0302020204030204"/>
         <a:ea typeface=""/>
@@ -8057,23 +7578,6 @@
         <a:font script="Viet" typeface="Times New Roman"/>
         <a:font script="Uigh" typeface="Microsoft Uighur"/>
         <a:font script="Geor" typeface="Sylfaen"/>
-        <a:font script="Armn" typeface="Arial"/>
-        <a:font script="Bugi" typeface="Leelawadee UI"/>
-        <a:font script="Bopo" typeface="Microsoft JhengHei"/>
-        <a:font script="Java" typeface="Javanese Text"/>
-        <a:font script="Lisu" typeface="Segoe UI"/>
-        <a:font script="Mymr" typeface="Myanmar Text"/>
-        <a:font script="Nkoo" typeface="Ebrima"/>
-        <a:font script="Olck" typeface="Nirmala UI"/>
-        <a:font script="Osma" typeface="Ebrima"/>
-        <a:font script="Phag" typeface="Phagspa"/>
-        <a:font script="Syrn" typeface="Estrangelo Edessa"/>
-        <a:font script="Syrj" typeface="Estrangelo Edessa"/>
-        <a:font script="Syre" typeface="Estrangelo Edessa"/>
-        <a:font script="Sora" typeface="Nirmala UI"/>
-        <a:font script="Tale" typeface="Microsoft Tai Le"/>
-        <a:font script="Talu" typeface="Microsoft New Tai Lue"/>
-        <a:font script="Tfng" typeface="Ebrima"/>
       </a:majorFont>
       <a:minorFont>
         <a:latin typeface="Calibri" panose="020F0502020204030204"/>
@@ -8109,26 +7613,9 @@
         <a:font script="Viet" typeface="Arial"/>
         <a:font script="Uigh" typeface="Microsoft Uighur"/>
         <a:font script="Geor" typeface="Sylfaen"/>
-        <a:font script="Armn" typeface="Arial"/>
-        <a:font script="Bugi" typeface="Leelawadee UI"/>
-        <a:font script="Bopo" typeface="Microsoft JhengHei"/>
-        <a:font script="Java" typeface="Javanese Text"/>
-        <a:font script="Lisu" typeface="Segoe UI"/>
-        <a:font script="Mymr" typeface="Myanmar Text"/>
-        <a:font script="Nkoo" typeface="Ebrima"/>
-        <a:font script="Olck" typeface="Nirmala UI"/>
-        <a:font script="Osma" typeface="Ebrima"/>
-        <a:font script="Phag" typeface="Phagspa"/>
-        <a:font script="Syrn" typeface="Estrangelo Edessa"/>
-        <a:font script="Syrj" typeface="Estrangelo Edessa"/>
-        <a:font script="Syre" typeface="Estrangelo Edessa"/>
-        <a:font script="Sora" typeface="Nirmala UI"/>
-        <a:font script="Tale" typeface="Microsoft Tai Le"/>
-        <a:font script="Talu" typeface="Microsoft New Tai Lue"/>
-        <a:font script="Tfng" typeface="Ebrima"/>
       </a:minorFont>
     </a:fontScheme>
-    <a:fmtScheme name="Office">
+    <a:fmtScheme name="Office Theme">
       <a:fillStyleLst>
         <a:solidFill>
           <a:schemeClr val="phClr"/>
